--- a/TM12_15.071_Term_Project_Poster.pptx
+++ b/TM12_15.071_Term_Project_Poster.pptx
@@ -3139,7 +3139,7 @@
         </p:nvSpPr>
         <p:spPr>
           <a:xfrm>
-            <a:off x="76200" y="1905000"/>
+            <a:off x="76200" y="1676400"/>
             <a:ext cx="5938837" cy="555707"/>
           </a:xfrm>
           <a:prstGeom prst="rect">
@@ -3253,7 +3253,7 @@
             </a:r>
             <a:r>
               <a:rPr lang="en-US" sz="2400" b="1" dirty="0"/>
-              <a:t> Danielsen 1 (EECS)</a:t>
+              <a:t> Danielsen (EECS)</a:t>
             </a:r>
           </a:p>
           <a:p>
@@ -3416,7 +3416,7 @@
         </p:nvSpPr>
         <p:spPr>
           <a:xfrm>
-            <a:off x="5978342" y="1905000"/>
+            <a:off x="5978342" y="1676400"/>
             <a:ext cx="5660136" cy="555707"/>
           </a:xfrm>
           <a:prstGeom prst="rect">
@@ -3530,8 +3530,8 @@
         </p:nvSpPr>
         <p:spPr>
           <a:xfrm flipV="1">
-            <a:off x="92662" y="1946428"/>
-            <a:ext cx="17140555" cy="8927703"/>
+            <a:off x="92662" y="1680497"/>
+            <a:ext cx="17140555" cy="9248126"/>
           </a:xfrm>
           <a:prstGeom prst="round1Rect">
             <a:avLst>
@@ -3587,7 +3587,7 @@
         </p:nvSpPr>
         <p:spPr>
           <a:xfrm>
-            <a:off x="92662" y="11013281"/>
+            <a:off x="89626" y="11033929"/>
             <a:ext cx="3963273" cy="777071"/>
           </a:xfrm>
           <a:prstGeom prst="rect">
@@ -3641,7 +3641,7 @@
         </p:nvSpPr>
         <p:spPr>
           <a:xfrm>
-            <a:off x="4142525" y="11019377"/>
+            <a:off x="4142525" y="11033929"/>
             <a:ext cx="13138411" cy="777071"/>
           </a:xfrm>
           <a:prstGeom prst="rect">
@@ -3698,8 +3698,8 @@
         </p:nvSpPr>
         <p:spPr>
           <a:xfrm>
-            <a:off x="4200674" y="11013281"/>
-            <a:ext cx="13032543" cy="735686"/>
+            <a:off x="4142525" y="11059087"/>
+            <a:ext cx="13138411" cy="735686"/>
           </a:xfrm>
           <a:prstGeom prst="rect">
             <a:avLst/>
@@ -3927,8 +3927,8 @@
         </p:nvCxnSpPr>
         <p:spPr>
           <a:xfrm flipH="1">
-            <a:off x="5980930" y="1946428"/>
-            <a:ext cx="34107" cy="8927708"/>
+            <a:off x="5978342" y="1946428"/>
+            <a:ext cx="36696" cy="8988291"/>
           </a:xfrm>
           <a:prstGeom prst="line">
             <a:avLst/>
@@ -3970,9 +3970,9 @@
           <p:nvPr/>
         </p:nvCxnSpPr>
         <p:spPr>
-          <a:xfrm>
-            <a:off x="11574298" y="1946428"/>
-            <a:ext cx="0" cy="8927708"/>
+          <a:xfrm flipH="1">
+            <a:off x="11573084" y="1946428"/>
+            <a:ext cx="1214" cy="8982195"/>
           </a:xfrm>
           <a:prstGeom prst="line">
             <a:avLst/>
@@ -4013,7 +4013,7 @@
         </p:nvSpPr>
         <p:spPr>
           <a:xfrm>
-            <a:off x="11582400" y="1905000"/>
+            <a:off x="11582400" y="1676400"/>
             <a:ext cx="5660136" cy="555707"/>
           </a:xfrm>
           <a:prstGeom prst="rect">

--- a/TM12_15.071_Term_Project_Poster.pptx
+++ b/TM12_15.071_Term_Project_Poster.pptx
@@ -5,13 +5,14 @@
     <p:sldMasterId id="2147484088" r:id="rId1"/>
   </p:sldMasterIdLst>
   <p:notesMasterIdLst>
-    <p:notesMasterId r:id="rId3"/>
+    <p:notesMasterId r:id="rId4"/>
   </p:notesMasterIdLst>
   <p:handoutMasterIdLst>
-    <p:handoutMasterId r:id="rId4"/>
+    <p:handoutMasterId r:id="rId5"/>
   </p:handoutMasterIdLst>
   <p:sldIdLst>
-    <p:sldId id="1443" r:id="rId2"/>
+    <p:sldId id="1444" r:id="rId2"/>
+    <p:sldId id="1445" r:id="rId3"/>
   </p:sldIdLst>
   <p:sldSz cx="17373600" cy="11887200"/>
   <p:notesSz cx="9144000" cy="6858000"/>
@@ -211,7 +212,7 @@
           <a:p>
             <a:fld id="{890071B7-4BD8-8145-82BE-2A6C42B82778}" type="datetime1">
               <a:rPr lang="en-US" smtClean="0"/>
-              <a:t>11/21/19</a:t>
+              <a:t>11/23/19</a:t>
             </a:fld>
             <a:endParaRPr lang="en-US"/>
           </a:p>
@@ -380,7 +381,7 @@
           <a:p>
             <a:fld id="{7391307E-C702-714D-87CE-7789B0B8B84B}" type="datetime1">
               <a:rPr lang="en-US" smtClean="0"/>
-              <a:t>11/21/19</a:t>
+              <a:t>11/23/19</a:t>
             </a:fld>
             <a:endParaRPr lang="en-US"/>
           </a:p>
@@ -649,6 +650,135 @@
     </a:lvl9pPr>
   </p:notesStyle>
 </p:notesMaster>
+</file>
+
+<file path=ppt/notesSlides/notesSlide1.xml><?xml version="1.0" encoding="utf-8"?>
+<p:notes xmlns:a="http://schemas.openxmlformats.org/drawingml/2006/main" xmlns:r="http://schemas.openxmlformats.org/officeDocument/2006/relationships" xmlns:p="http://schemas.openxmlformats.org/presentationml/2006/main">
+  <p:cSld>
+    <p:spTree>
+      <p:nvGrpSpPr>
+        <p:cNvPr id="1" name=""/>
+        <p:cNvGrpSpPr/>
+        <p:nvPr/>
+      </p:nvGrpSpPr>
+      <p:grpSpPr>
+        <a:xfrm>
+          <a:off x="0" y="0"/>
+          <a:ext cx="0" cy="0"/>
+          <a:chOff x="0" y="0"/>
+          <a:chExt cx="0" cy="0"/>
+        </a:xfrm>
+      </p:grpSpPr>
+      <p:sp>
+        <p:nvSpPr>
+          <p:cNvPr id="2" name="Slide Image Placeholder 1"/>
+          <p:cNvSpPr>
+            <a:spLocks noGrp="1" noRot="1" noChangeAspect="1"/>
+          </p:cNvSpPr>
+          <p:nvPr>
+            <p:ph type="sldImg"/>
+          </p:nvPr>
+        </p:nvSpPr>
+        <p:spPr/>
+      </p:sp>
+      <p:sp>
+        <p:nvSpPr>
+          <p:cNvPr id="3" name="Notes Placeholder 2"/>
+          <p:cNvSpPr>
+            <a:spLocks noGrp="1"/>
+          </p:cNvSpPr>
+          <p:nvPr>
+            <p:ph type="body" idx="1"/>
+          </p:nvPr>
+        </p:nvSpPr>
+        <p:spPr/>
+        <p:txBody>
+          <a:bodyPr/>
+          <a:lstStyle/>
+          <a:p>
+            <a:endParaRPr lang="en-US" dirty="0"/>
+          </a:p>
+        </p:txBody>
+      </p:sp>
+      <p:sp>
+        <p:nvSpPr>
+          <p:cNvPr id="4" name="Date Placeholder 3"/>
+          <p:cNvSpPr>
+            <a:spLocks noGrp="1"/>
+          </p:cNvSpPr>
+          <p:nvPr>
+            <p:ph type="dt" idx="1"/>
+          </p:nvPr>
+        </p:nvSpPr>
+        <p:spPr/>
+        <p:txBody>
+          <a:bodyPr/>
+          <a:lstStyle/>
+          <a:p>
+            <a:fld id="{7391307E-C702-714D-87CE-7789B0B8B84B}" type="datetime1">
+              <a:rPr lang="en-US" smtClean="0"/>
+              <a:t>11/26/19</a:t>
+            </a:fld>
+            <a:endParaRPr lang="en-US"/>
+          </a:p>
+        </p:txBody>
+      </p:sp>
+      <p:sp>
+        <p:nvSpPr>
+          <p:cNvPr id="5" name="Footer Placeholder 4"/>
+          <p:cNvSpPr>
+            <a:spLocks noGrp="1"/>
+          </p:cNvSpPr>
+          <p:nvPr>
+            <p:ph type="ftr" sz="quarter" idx="4"/>
+          </p:nvPr>
+        </p:nvSpPr>
+        <p:spPr/>
+        <p:txBody>
+          <a:bodyPr/>
+          <a:lstStyle/>
+          <a:p>
+            <a:r>
+              <a:rPr lang="en-US"/>
+              <a:t>Spring 2019 - Text Analytics</a:t>
+            </a:r>
+          </a:p>
+        </p:txBody>
+      </p:sp>
+      <p:sp>
+        <p:nvSpPr>
+          <p:cNvPr id="6" name="Slide Number Placeholder 5"/>
+          <p:cNvSpPr>
+            <a:spLocks noGrp="1"/>
+          </p:cNvSpPr>
+          <p:nvPr>
+            <p:ph type="sldNum" sz="quarter" idx="5"/>
+          </p:nvPr>
+        </p:nvSpPr>
+        <p:spPr/>
+        <p:txBody>
+          <a:bodyPr/>
+          <a:lstStyle/>
+          <a:p>
+            <a:fld id="{2CB13408-1B40-47FE-9C4E-B8D2CA5316B9}" type="slidenum">
+              <a:rPr lang="en-US" smtClean="0"/>
+              <a:t>1</a:t>
+            </a:fld>
+            <a:endParaRPr lang="en-US"/>
+          </a:p>
+        </p:txBody>
+      </p:sp>
+    </p:spTree>
+    <p:extLst>
+      <p:ext uri="{BB962C8B-B14F-4D97-AF65-F5344CB8AC3E}">
+        <p14:creationId xmlns:p14="http://schemas.microsoft.com/office/powerpoint/2010/main" val="2549440209"/>
+      </p:ext>
+    </p:extLst>
+  </p:cSld>
+  <p:clrMapOvr>
+    <a:masterClrMapping/>
+  </p:clrMapOvr>
+</p:notes>
 </file>
 
 <file path=ppt/slideLayouts/slideLayout1.xml><?xml version="1.0" encoding="utf-8"?>
@@ -2841,7 +2971,7 @@
         </p:nvSpPr>
         <p:spPr>
           <a:xfrm>
-            <a:off x="0" y="0"/>
+            <a:off x="153827" y="-152400"/>
             <a:ext cx="17373600" cy="11887201"/>
           </a:xfrm>
           <a:prstGeom prst="rect">
@@ -2895,7 +3025,10 @@
           <a:lstStyle/>
           <a:p>
             <a:pPr algn="ctr"/>
-            <a:endParaRPr lang="en-US" sz="2377" dirty="0"/>
+            <a:r>
+              <a:rPr lang="en-US" sz="2377" dirty="0"/>
+              <a:t> </a:t>
+            </a:r>
           </a:p>
         </p:txBody>
       </p:sp>
@@ -2915,7 +3048,7 @@
         </p:nvSpPr>
         <p:spPr>
           <a:xfrm>
-            <a:off x="4188762" y="10731500"/>
+            <a:off x="4188762" y="10669852"/>
             <a:ext cx="12367805" cy="1155700"/>
           </a:xfrm>
           <a:prstGeom prst="rect">
@@ -3139,7 +3272,7 @@
         </p:nvSpPr>
         <p:spPr>
           <a:xfrm>
-            <a:off x="76200" y="1676400"/>
+            <a:off x="0" y="917150"/>
             <a:ext cx="5938837" cy="555707"/>
           </a:xfrm>
           <a:prstGeom prst="rect">
@@ -3196,7 +3329,7 @@
         </p:nvSpPr>
         <p:spPr>
           <a:xfrm>
-            <a:off x="457200" y="158496"/>
+            <a:off x="-76200" y="-152400"/>
             <a:ext cx="9406467" cy="1015663"/>
           </a:xfrm>
           <a:prstGeom prst="rect">
@@ -3214,7 +3347,7 @@
               <a:rPr lang="en-US" sz="6000" b="1" dirty="0">
                 <a:latin typeface="+mj-lt"/>
               </a:rPr>
-              <a:t>Boston Flight Delays</a:t>
+              <a:t>Project title</a:t>
             </a:r>
           </a:p>
         </p:txBody>
@@ -3233,8 +3366,8 @@
         </p:nvSpPr>
         <p:spPr>
           <a:xfrm>
-            <a:off x="12420604" y="-1"/>
-            <a:ext cx="4343395" cy="1680498"/>
+            <a:off x="9275233" y="-76200"/>
+            <a:ext cx="8098367" cy="448203"/>
           </a:xfrm>
           <a:prstGeom prst="rect">
             <a:avLst/>
@@ -3248,42 +3381,14 @@
           <a:lstStyle/>
           <a:p>
             <a:r>
-              <a:rPr lang="en-US" sz="2400" b="1" dirty="0" err="1"/>
-              <a:t>Aksel</a:t>
-            </a:r>
-            <a:r>
               <a:rPr lang="en-US" sz="2400" b="1" dirty="0"/>
-              <a:t> Danielsen (EECS)</a:t>
+              <a:t>Team member 1 (program) Team member 4 (program)</a:t>
             </a:r>
           </a:p>
           <a:p>
             <a:r>
               <a:rPr lang="en-US" sz="2400" b="1" dirty="0"/>
-              <a:t>Jayanth Kumar (SDM)</a:t>
-            </a:r>
-          </a:p>
-          <a:p>
-            <a:r>
-              <a:rPr lang="en-US" sz="2400" b="1" dirty="0" err="1"/>
-              <a:t>Nithin</a:t>
-            </a:r>
-            <a:r>
-              <a:rPr lang="en-US" sz="2400" b="1" dirty="0"/>
-              <a:t> Narayanan (SDM)</a:t>
-            </a:r>
-          </a:p>
-          <a:p>
-            <a:r>
-              <a:rPr lang="en-US" sz="2400" b="1" dirty="0"/>
-              <a:t>Phillip </a:t>
-            </a:r>
-            <a:r>
-              <a:rPr lang="en-US" sz="2400" b="1" dirty="0" err="1"/>
-              <a:t>Schmedeman</a:t>
-            </a:r>
-            <a:r>
-              <a:rPr lang="en-US" sz="2400" b="1" dirty="0"/>
-              <a:t> (SDM)</a:t>
+              <a:t>Team member 2 (program) Team member 3 (program)</a:t>
             </a:r>
           </a:p>
         </p:txBody>
@@ -3302,7 +3407,7 @@
         </p:nvSpPr>
         <p:spPr>
           <a:xfrm>
-            <a:off x="76200" y="4184148"/>
+            <a:off x="77031" y="2624997"/>
             <a:ext cx="5938837" cy="555707"/>
           </a:xfrm>
           <a:prstGeom prst="rect">
@@ -3416,8 +3521,8 @@
         </p:nvSpPr>
         <p:spPr>
           <a:xfrm>
-            <a:off x="5978342" y="1676400"/>
-            <a:ext cx="5660136" cy="555707"/>
+            <a:off x="5929065" y="914400"/>
+            <a:ext cx="5708195" cy="555707"/>
           </a:xfrm>
           <a:prstGeom prst="rect">
             <a:avLst/>
@@ -3473,8 +3578,8 @@
         </p:nvSpPr>
         <p:spPr>
           <a:xfrm>
-            <a:off x="5914162" y="4184148"/>
-            <a:ext cx="5660136" cy="555707"/>
+            <a:off x="5997393" y="6779809"/>
+            <a:ext cx="5618703" cy="555707"/>
           </a:xfrm>
           <a:prstGeom prst="rect">
             <a:avLst/>
@@ -3530,8 +3635,8 @@
         </p:nvSpPr>
         <p:spPr>
           <a:xfrm flipV="1">
-            <a:off x="92662" y="1680497"/>
-            <a:ext cx="17140555" cy="9248126"/>
+            <a:off x="92662" y="1361891"/>
+            <a:ext cx="17140555" cy="9512240"/>
           </a:xfrm>
           <a:prstGeom prst="round1Rect">
             <a:avLst>
@@ -3587,7 +3692,7 @@
         </p:nvSpPr>
         <p:spPr>
           <a:xfrm>
-            <a:off x="89626" y="11033929"/>
+            <a:off x="92662" y="10951633"/>
             <a:ext cx="3963273" cy="777071"/>
           </a:xfrm>
           <a:prstGeom prst="rect">
@@ -3641,7 +3746,7 @@
         </p:nvSpPr>
         <p:spPr>
           <a:xfrm>
-            <a:off x="4142525" y="11033929"/>
+            <a:off x="4142525" y="10935784"/>
             <a:ext cx="13138411" cy="777071"/>
           </a:xfrm>
           <a:prstGeom prst="rect">
@@ -3698,8 +3803,8 @@
         </p:nvSpPr>
         <p:spPr>
           <a:xfrm>
-            <a:off x="4142525" y="11059087"/>
-            <a:ext cx="13138411" cy="735686"/>
+            <a:off x="4200674" y="10951633"/>
+            <a:ext cx="13032543" cy="735686"/>
           </a:xfrm>
           <a:prstGeom prst="rect">
             <a:avLst/>
@@ -3926,9 +4031,9 @@
           <p:nvPr/>
         </p:nvCxnSpPr>
         <p:spPr>
-          <a:xfrm flipH="1">
-            <a:off x="5978342" y="1946428"/>
-            <a:ext cx="36696" cy="8988291"/>
+          <a:xfrm>
+            <a:off x="5970565" y="924911"/>
+            <a:ext cx="10366" cy="9949225"/>
           </a:xfrm>
           <a:prstGeom prst="line">
             <a:avLst/>
@@ -3970,9 +4075,9 @@
           <p:nvPr/>
         </p:nvCxnSpPr>
         <p:spPr>
-          <a:xfrm flipH="1">
-            <a:off x="11573084" y="1946428"/>
-            <a:ext cx="1214" cy="8982195"/>
+          <a:xfrm>
+            <a:off x="11573084" y="990600"/>
+            <a:ext cx="1214" cy="9883536"/>
           </a:xfrm>
           <a:prstGeom prst="line">
             <a:avLst/>
@@ -4013,7 +4118,7 @@
         </p:nvSpPr>
         <p:spPr>
           <a:xfrm>
-            <a:off x="11582400" y="1676400"/>
+            <a:off x="11620152" y="914395"/>
             <a:ext cx="5660136" cy="555707"/>
           </a:xfrm>
           <a:prstGeom prst="rect">
@@ -4127,8 +4232,8 @@
         </p:nvSpPr>
         <p:spPr>
           <a:xfrm>
-            <a:off x="221114" y="2550998"/>
-            <a:ext cx="5757228" cy="492443"/>
+            <a:off x="92659" y="1439158"/>
+            <a:ext cx="5789335" cy="1200329"/>
           </a:xfrm>
           <a:prstGeom prst="rect">
             <a:avLst/>
@@ -4142,16 +4247,2446 @@
           <a:lstStyle/>
           <a:p>
             <a:r>
-              <a:rPr lang="en-US" sz="2500" dirty="0"/>
-              <a:t>Text box</a:t>
-            </a:r>
-          </a:p>
-        </p:txBody>
-      </p:sp>
+              <a:rPr lang="en-US" sz="1800" dirty="0"/>
+              <a:t>We aim to provide a toolbox for customers to choose their flights based on the delay predicted by our model for each future flight based on DoT data on historical flight performance.</a:t>
+            </a:r>
+          </a:p>
+        </p:txBody>
+      </p:sp>
+      <p:pic>
+        <p:nvPicPr>
+          <p:cNvPr id="7" name="Picture 6" descr="A screenshot of a cell phone&#10;&#10;Description automatically generated">
+            <a:extLst>
+              <a:ext uri="{FF2B5EF4-FFF2-40B4-BE49-F238E27FC236}">
+                <a16:creationId xmlns:a16="http://schemas.microsoft.com/office/drawing/2014/main" id="{35E0DAB3-BA4D-4E2A-BAF2-449E24573789}"/>
+              </a:ext>
+            </a:extLst>
+          </p:cNvPr>
+          <p:cNvPicPr>
+            <a:picLocks noChangeAspect="1"/>
+          </p:cNvPicPr>
+          <p:nvPr/>
+        </p:nvPicPr>
+        <p:blipFill>
+          <a:blip r:embed="rId4">
+            <a:extLst>
+              <a:ext uri="{28A0092B-C50C-407E-A947-70E740481C1C}">
+                <a14:useLocalDpi xmlns:a14="http://schemas.microsoft.com/office/drawing/2010/main" val="0"/>
+              </a:ext>
+            </a:extLst>
+          </a:blip>
+          <a:stretch>
+            <a:fillRect/>
+          </a:stretch>
+        </p:blipFill>
+        <p:spPr>
+          <a:xfrm>
+            <a:off x="5386610" y="11658509"/>
+            <a:ext cx="16023286" cy="6744641"/>
+          </a:xfrm>
+          <a:prstGeom prst="rect">
+            <a:avLst/>
+          </a:prstGeom>
+        </p:spPr>
+      </p:pic>
+      <p:pic>
+        <p:nvPicPr>
+          <p:cNvPr id="10" name="Picture 9" descr="A screenshot of a cell phone&#10;&#10;Description automatically generated">
+            <a:extLst>
+              <a:ext uri="{FF2B5EF4-FFF2-40B4-BE49-F238E27FC236}">
+                <a16:creationId xmlns:a16="http://schemas.microsoft.com/office/drawing/2014/main" id="{EC8A8D4B-65E4-478E-AE6F-A4FE0C9B8988}"/>
+              </a:ext>
+            </a:extLst>
+          </p:cNvPr>
+          <p:cNvPicPr>
+            <a:picLocks noChangeAspect="1"/>
+          </p:cNvPicPr>
+          <p:nvPr/>
+        </p:nvPicPr>
+        <p:blipFill>
+          <a:blip r:embed="rId5">
+            <a:extLst>
+              <a:ext uri="{28A0092B-C50C-407E-A947-70E740481C1C}">
+                <a14:useLocalDpi xmlns:a14="http://schemas.microsoft.com/office/drawing/2010/main" val="0"/>
+              </a:ext>
+            </a:extLst>
+          </a:blip>
+          <a:stretch>
+            <a:fillRect/>
+          </a:stretch>
+        </p:blipFill>
+        <p:spPr>
+          <a:xfrm>
+            <a:off x="17416430" y="3194412"/>
+            <a:ext cx="14994443" cy="6744641"/>
+          </a:xfrm>
+          <a:prstGeom prst="rect">
+            <a:avLst/>
+          </a:prstGeom>
+        </p:spPr>
+      </p:pic>
+      <p:pic>
+        <p:nvPicPr>
+          <p:cNvPr id="14" name="Picture 13" descr="A screenshot of a cell phone&#10;&#10;Description automatically generated">
+            <a:extLst>
+              <a:ext uri="{FF2B5EF4-FFF2-40B4-BE49-F238E27FC236}">
+                <a16:creationId xmlns:a16="http://schemas.microsoft.com/office/drawing/2014/main" id="{C379AF7E-34C5-47FA-897D-696F13C8FC07}"/>
+              </a:ext>
+            </a:extLst>
+          </p:cNvPr>
+          <p:cNvPicPr>
+            <a:picLocks noChangeAspect="1"/>
+          </p:cNvPicPr>
+          <p:nvPr/>
+        </p:nvPicPr>
+        <p:blipFill>
+          <a:blip r:embed="rId6">
+            <a:extLst>
+              <a:ext uri="{28A0092B-C50C-407E-A947-70E740481C1C}">
+                <a14:useLocalDpi xmlns:a14="http://schemas.microsoft.com/office/drawing/2010/main" val="0"/>
+              </a:ext>
+            </a:extLst>
+          </a:blip>
+          <a:stretch>
+            <a:fillRect/>
+          </a:stretch>
+        </p:blipFill>
+        <p:spPr>
+          <a:xfrm>
+            <a:off x="-1526657" y="2945199"/>
+            <a:ext cx="14994443" cy="6744641"/>
+          </a:xfrm>
+          <a:prstGeom prst="rect">
+            <a:avLst/>
+          </a:prstGeom>
+        </p:spPr>
+      </p:pic>
+      <p:pic>
+        <p:nvPicPr>
+          <p:cNvPr id="16" name="Picture 15" descr="A close up of a map&#10;&#10;Description automatically generated">
+            <a:extLst>
+              <a:ext uri="{FF2B5EF4-FFF2-40B4-BE49-F238E27FC236}">
+                <a16:creationId xmlns:a16="http://schemas.microsoft.com/office/drawing/2014/main" id="{7F238D30-94FA-4196-B078-F36C61BA9FFC}"/>
+              </a:ext>
+            </a:extLst>
+          </p:cNvPr>
+          <p:cNvPicPr>
+            <a:picLocks noChangeAspect="1"/>
+          </p:cNvPicPr>
+          <p:nvPr/>
+        </p:nvPicPr>
+        <p:blipFill>
+          <a:blip r:embed="rId7">
+            <a:extLst>
+              <a:ext uri="{28A0092B-C50C-407E-A947-70E740481C1C}">
+                <a14:useLocalDpi xmlns:a14="http://schemas.microsoft.com/office/drawing/2010/main" val="0"/>
+              </a:ext>
+            </a:extLst>
+          </a:blip>
+          <a:stretch>
+            <a:fillRect/>
+          </a:stretch>
+        </p:blipFill>
+        <p:spPr>
+          <a:xfrm>
+            <a:off x="-5068050" y="4358943"/>
+            <a:ext cx="24052743" cy="10260911"/>
+          </a:xfrm>
+          <a:prstGeom prst="rect">
+            <a:avLst/>
+          </a:prstGeom>
+        </p:spPr>
+      </p:pic>
+      <p:pic>
+        <p:nvPicPr>
+          <p:cNvPr id="20" name="Picture 19" descr="A screenshot of a cell phone&#10;&#10;Description automatically generated">
+            <a:extLst>
+              <a:ext uri="{FF2B5EF4-FFF2-40B4-BE49-F238E27FC236}">
+                <a16:creationId xmlns:a16="http://schemas.microsoft.com/office/drawing/2014/main" id="{4DFFC69D-CFF8-4ABA-B851-2B1692EB086C}"/>
+              </a:ext>
+            </a:extLst>
+          </p:cNvPr>
+          <p:cNvPicPr>
+            <a:picLocks noChangeAspect="1"/>
+          </p:cNvPicPr>
+          <p:nvPr/>
+        </p:nvPicPr>
+        <p:blipFill>
+          <a:blip r:embed="rId8">
+            <a:extLst>
+              <a:ext uri="{28A0092B-C50C-407E-A947-70E740481C1C}">
+                <a14:useLocalDpi xmlns:a14="http://schemas.microsoft.com/office/drawing/2010/main" val="0"/>
+              </a:ext>
+            </a:extLst>
+          </a:blip>
+          <a:stretch>
+            <a:fillRect/>
+          </a:stretch>
+        </p:blipFill>
+        <p:spPr>
+          <a:xfrm>
+            <a:off x="12496800" y="5080911"/>
+            <a:ext cx="16709182" cy="6744641"/>
+          </a:xfrm>
+          <a:prstGeom prst="rect">
+            <a:avLst/>
+          </a:prstGeom>
+        </p:spPr>
+      </p:pic>
     </p:spTree>
     <p:extLst>
       <p:ext uri="{BB962C8B-B14F-4D97-AF65-F5344CB8AC3E}">
-        <p14:creationId xmlns:p14="http://schemas.microsoft.com/office/powerpoint/2010/main" val="582482011"/>
+        <p14:creationId xmlns:p14="http://schemas.microsoft.com/office/powerpoint/2010/main" val="3743965930"/>
+      </p:ext>
+    </p:extLst>
+  </p:cSld>
+  <p:clrMapOvr>
+    <a:masterClrMapping/>
+  </p:clrMapOvr>
+</p:sld>
+</file>
+
+<file path=ppt/slides/slide2.xml><?xml version="1.0" encoding="utf-8"?>
+<p:sld xmlns:a="http://schemas.openxmlformats.org/drawingml/2006/main" xmlns:r="http://schemas.openxmlformats.org/officeDocument/2006/relationships" xmlns:p="http://schemas.openxmlformats.org/presentationml/2006/main">
+  <p:cSld>
+    <p:spTree>
+      <p:nvGrpSpPr>
+        <p:cNvPr id="1" name=""/>
+        <p:cNvGrpSpPr/>
+        <p:nvPr/>
+      </p:nvGrpSpPr>
+      <p:grpSpPr>
+        <a:xfrm>
+          <a:off x="0" y="0"/>
+          <a:ext cx="0" cy="0"/>
+          <a:chOff x="0" y="0"/>
+          <a:chExt cx="0" cy="0"/>
+        </a:xfrm>
+      </p:grpSpPr>
+      <p:sp>
+        <p:nvSpPr>
+          <p:cNvPr id="26" name="Rectangle 25">
+            <a:extLst>
+              <a:ext uri="{FF2B5EF4-FFF2-40B4-BE49-F238E27FC236}">
+                <a16:creationId xmlns:a16="http://schemas.microsoft.com/office/drawing/2014/main" id="{71147632-37C3-6B4E-8B86-3138668B1281}"/>
+              </a:ext>
+            </a:extLst>
+          </p:cNvPr>
+          <p:cNvSpPr/>
+          <p:nvPr/>
+        </p:nvSpPr>
+        <p:spPr>
+          <a:xfrm>
+            <a:off x="0" y="0"/>
+            <a:ext cx="17373600" cy="11887201"/>
+          </a:xfrm>
+          <a:prstGeom prst="rect">
+            <a:avLst/>
+          </a:prstGeom>
+          <a:blipFill dpi="0" rotWithShape="1">
+            <a:blip r:embed="rId3">
+              <a:extLst>
+                <a:ext uri="{BEBA8EAE-BF5A-486C-A8C5-ECC9F3942E4B}">
+                  <a14:imgProps xmlns:a14="http://schemas.microsoft.com/office/drawing/2010/main">
+                    <a14:imgLayer r:embed="rId4">
+                      <a14:imgEffect>
+                        <a14:colorTemperature colorTemp="5300"/>
+                      </a14:imgEffect>
+                      <a14:imgEffect>
+                        <a14:saturation sat="76000"/>
+                      </a14:imgEffect>
+                      <a14:imgEffect>
+                        <a14:brightnessContrast bright="2000" contrast="56000"/>
+                      </a14:imgEffect>
+                    </a14:imgLayer>
+                  </a14:imgProps>
+                </a:ext>
+              </a:extLst>
+            </a:blip>
+            <a:srcRect/>
+            <a:tile tx="0" ty="0" sx="100000" sy="100000" flip="xy" algn="tl"/>
+          </a:blipFill>
+          <a:ln>
+            <a:noFill/>
+          </a:ln>
+        </p:spPr>
+        <p:style>
+          <a:lnRef idx="2">
+            <a:schemeClr val="accent1">
+              <a:shade val="50000"/>
+            </a:schemeClr>
+          </a:lnRef>
+          <a:fillRef idx="1">
+            <a:schemeClr val="accent1"/>
+          </a:fillRef>
+          <a:effectRef idx="0">
+            <a:schemeClr val="accent1"/>
+          </a:effectRef>
+          <a:fontRef idx="minor">
+            <a:schemeClr val="lt1"/>
+          </a:fontRef>
+        </p:style>
+        <p:txBody>
+          <a:bodyPr vert="vert270" rtlCol="0" anchor="ctr"/>
+          <a:lstStyle/>
+          <a:p>
+            <a:pPr algn="ctr"/>
+            <a:endParaRPr lang="en-US" sz="1200" dirty="0">
+              <a:solidFill>
+                <a:schemeClr val="tx1"/>
+              </a:solidFill>
+            </a:endParaRPr>
+          </a:p>
+        </p:txBody>
+      </p:sp>
+      <p:sp>
+        <p:nvSpPr>
+          <p:cNvPr id="5" name="Text Placeholder 3">
+            <a:extLst>
+              <a:ext uri="{FF2B5EF4-FFF2-40B4-BE49-F238E27FC236}">
+                <a16:creationId xmlns:a16="http://schemas.microsoft.com/office/drawing/2014/main" id="{C19707DB-3C5B-4A1F-B161-380ACA0B5B1F}"/>
+              </a:ext>
+            </a:extLst>
+          </p:cNvPr>
+          <p:cNvSpPr txBox="1">
+            <a:spLocks/>
+          </p:cNvSpPr>
+          <p:nvPr/>
+        </p:nvSpPr>
+        <p:spPr>
+          <a:xfrm>
+            <a:off x="4188762" y="10731500"/>
+            <a:ext cx="12367805" cy="1155700"/>
+          </a:xfrm>
+          <a:prstGeom prst="rect">
+            <a:avLst/>
+          </a:prstGeom>
+        </p:spPr>
+        <p:txBody>
+          <a:bodyPr vert="horz">
+            <a:normAutofit/>
+          </a:bodyPr>
+          <a:lstStyle>
+            <a:lvl1pPr marL="0" marR="0" indent="0" algn="l" defTabSz="914400" rtl="0" eaLnBrk="1" fontAlgn="auto" latinLnBrk="0" hangingPunct="1">
+              <a:lnSpc>
+                <a:spcPct val="100000"/>
+              </a:lnSpc>
+              <a:spcBef>
+                <a:spcPts val="700"/>
+              </a:spcBef>
+              <a:spcAft>
+                <a:spcPts val="0"/>
+              </a:spcAft>
+              <a:buClr>
+                <a:schemeClr val="accent2">
+                  <a:lumMod val="90000"/>
+                  <a:lumOff val="10000"/>
+                </a:schemeClr>
+              </a:buClr>
+              <a:buSzPct val="70000"/>
+              <a:buFont typeface="Arial"/>
+              <a:buNone/>
+              <a:tabLst/>
+              <a:defRPr kumimoji="0" sz="2900" kern="1200">
+                <a:solidFill>
+                  <a:schemeClr val="bg1"/>
+                </a:solidFill>
+                <a:latin typeface="+mn-lt"/>
+                <a:ea typeface="+mn-ea"/>
+                <a:cs typeface="+mn-cs"/>
+              </a:defRPr>
+            </a:lvl1pPr>
+            <a:lvl2pPr marL="640080" indent="-274320" algn="l" rtl="0" eaLnBrk="1" latinLnBrk="0" hangingPunct="1">
+              <a:spcBef>
+                <a:spcPts val="550"/>
+              </a:spcBef>
+              <a:buClr>
+                <a:schemeClr val="accent2">
+                  <a:lumMod val="90000"/>
+                  <a:lumOff val="10000"/>
+                </a:schemeClr>
+              </a:buClr>
+              <a:buSzPct val="70000"/>
+              <a:buFont typeface="Arial"/>
+              <a:buChar char="•"/>
+              <a:defRPr kumimoji="0" sz="2600" kern="1200">
+                <a:solidFill>
+                  <a:schemeClr val="tx1">
+                    <a:lumMod val="95000"/>
+                    <a:lumOff val="5000"/>
+                  </a:schemeClr>
+                </a:solidFill>
+                <a:latin typeface="+mn-lt"/>
+                <a:ea typeface="+mn-ea"/>
+                <a:cs typeface="+mn-cs"/>
+              </a:defRPr>
+            </a:lvl2pPr>
+            <a:lvl3pPr marL="914400" indent="-228600" algn="l" rtl="0" eaLnBrk="1" latinLnBrk="0" hangingPunct="1">
+              <a:spcBef>
+                <a:spcPts val="500"/>
+              </a:spcBef>
+              <a:buClr>
+                <a:schemeClr val="accent2">
+                  <a:lumMod val="90000"/>
+                  <a:lumOff val="10000"/>
+                </a:schemeClr>
+              </a:buClr>
+              <a:buSzPct val="70000"/>
+              <a:buFont typeface="Arial"/>
+              <a:buChar char="•"/>
+              <a:defRPr kumimoji="0" sz="2300" kern="1200">
+                <a:solidFill>
+                  <a:schemeClr val="tx1">
+                    <a:lumMod val="95000"/>
+                    <a:lumOff val="5000"/>
+                  </a:schemeClr>
+                </a:solidFill>
+                <a:latin typeface="+mn-lt"/>
+                <a:ea typeface="+mn-ea"/>
+                <a:cs typeface="+mn-cs"/>
+              </a:defRPr>
+            </a:lvl3pPr>
+            <a:lvl4pPr marL="1371600" indent="-228600" algn="l" rtl="0" eaLnBrk="1" latinLnBrk="0" hangingPunct="1">
+              <a:spcBef>
+                <a:spcPts val="400"/>
+              </a:spcBef>
+              <a:buClr>
+                <a:schemeClr val="accent3"/>
+              </a:buClr>
+              <a:buSzPct val="75000"/>
+              <a:buFont typeface="Wingdings" charset="2"/>
+              <a:buChar char="§"/>
+              <a:defRPr kumimoji="0" sz="2000" kern="1200">
+                <a:solidFill>
+                  <a:schemeClr val="tx1"/>
+                </a:solidFill>
+                <a:latin typeface="+mn-lt"/>
+                <a:ea typeface="+mn-ea"/>
+                <a:cs typeface="+mn-cs"/>
+              </a:defRPr>
+            </a:lvl4pPr>
+            <a:lvl5pPr marL="1828800" indent="-228600" algn="l" rtl="0" eaLnBrk="1" latinLnBrk="0" hangingPunct="1">
+              <a:spcBef>
+                <a:spcPts val="400"/>
+              </a:spcBef>
+              <a:buClr>
+                <a:schemeClr val="accent4"/>
+              </a:buClr>
+              <a:buSzPct val="65000"/>
+              <a:buFont typeface="Wingdings" charset="2"/>
+              <a:buChar char="§"/>
+              <a:defRPr kumimoji="0" sz="2000" kern="1200">
+                <a:solidFill>
+                  <a:schemeClr val="tx1"/>
+                </a:solidFill>
+                <a:latin typeface="+mn-lt"/>
+                <a:ea typeface="+mn-ea"/>
+                <a:cs typeface="+mn-cs"/>
+              </a:defRPr>
+            </a:lvl5pPr>
+            <a:lvl6pPr marL="2103120" indent="-228600" algn="l" rtl="0" eaLnBrk="1" latinLnBrk="0" hangingPunct="1">
+              <a:spcBef>
+                <a:spcPct val="20000"/>
+              </a:spcBef>
+              <a:buClr>
+                <a:schemeClr val="accent1"/>
+              </a:buClr>
+              <a:buFont typeface="Wingdings"/>
+              <a:buChar char="§"/>
+              <a:defRPr kumimoji="0" sz="1800" kern="1200" baseline="0">
+                <a:solidFill>
+                  <a:schemeClr val="tx1"/>
+                </a:solidFill>
+                <a:latin typeface="+mn-lt"/>
+                <a:ea typeface="+mn-ea"/>
+                <a:cs typeface="+mn-cs"/>
+              </a:defRPr>
+            </a:lvl6pPr>
+            <a:lvl7pPr marL="2377440" indent="-228600" algn="l" rtl="0" eaLnBrk="1" latinLnBrk="0" hangingPunct="1">
+              <a:spcBef>
+                <a:spcPct val="20000"/>
+              </a:spcBef>
+              <a:buClr>
+                <a:schemeClr val="accent2"/>
+              </a:buClr>
+              <a:buFont typeface="Wingdings"/>
+              <a:buChar char="§"/>
+              <a:defRPr kumimoji="0" sz="1800" kern="1200" baseline="0">
+                <a:solidFill>
+                  <a:schemeClr val="tx1"/>
+                </a:solidFill>
+                <a:latin typeface="+mn-lt"/>
+                <a:ea typeface="+mn-ea"/>
+                <a:cs typeface="+mn-cs"/>
+              </a:defRPr>
+            </a:lvl7pPr>
+            <a:lvl8pPr marL="2651760" indent="-228600" algn="l" rtl="0" eaLnBrk="1" latinLnBrk="0" hangingPunct="1">
+              <a:spcBef>
+                <a:spcPct val="20000"/>
+              </a:spcBef>
+              <a:buClr>
+                <a:schemeClr val="accent3"/>
+              </a:buClr>
+              <a:buFont typeface="Wingdings"/>
+              <a:buChar char="§"/>
+              <a:defRPr kumimoji="0" sz="1800" kern="1200" baseline="0">
+                <a:solidFill>
+                  <a:schemeClr val="tx1"/>
+                </a:solidFill>
+                <a:latin typeface="+mn-lt"/>
+                <a:ea typeface="+mn-ea"/>
+                <a:cs typeface="+mn-cs"/>
+              </a:defRPr>
+            </a:lvl8pPr>
+            <a:lvl9pPr marL="2926080" indent="-228600" algn="l" rtl="0" eaLnBrk="1" latinLnBrk="0" hangingPunct="1">
+              <a:spcBef>
+                <a:spcPct val="20000"/>
+              </a:spcBef>
+              <a:buClr>
+                <a:schemeClr val="accent4"/>
+              </a:buClr>
+              <a:buFont typeface="Wingdings"/>
+              <a:buChar char="§"/>
+              <a:defRPr kumimoji="0" sz="1800" kern="1200" baseline="0">
+                <a:solidFill>
+                  <a:schemeClr val="tx1"/>
+                </a:solidFill>
+                <a:latin typeface="+mn-lt"/>
+                <a:ea typeface="+mn-ea"/>
+                <a:cs typeface="+mn-cs"/>
+              </a:defRPr>
+            </a:lvl9pPr>
+          </a:lstStyle>
+          <a:p>
+            <a:r>
+              <a:rPr lang="en-US" sz="5027" dirty="0"/>
+              <a:t>15.071—The Analytics Edge 			Fall 2019</a:t>
+            </a:r>
+          </a:p>
+        </p:txBody>
+      </p:sp>
+      <p:sp>
+        <p:nvSpPr>
+          <p:cNvPr id="8" name="Rectangle 7">
+            <a:extLst>
+              <a:ext uri="{FF2B5EF4-FFF2-40B4-BE49-F238E27FC236}">
+                <a16:creationId xmlns:a16="http://schemas.microsoft.com/office/drawing/2014/main" id="{69E0112D-96AE-564D-8BF9-91A8837BA6BF}"/>
+              </a:ext>
+            </a:extLst>
+          </p:cNvPr>
+          <p:cNvSpPr/>
+          <p:nvPr/>
+        </p:nvSpPr>
+        <p:spPr>
+          <a:xfrm>
+            <a:off x="76200" y="1066800"/>
+            <a:ext cx="5938837" cy="555707"/>
+          </a:xfrm>
+          <a:prstGeom prst="rect">
+            <a:avLst/>
+          </a:prstGeom>
+          <a:solidFill>
+            <a:schemeClr val="accent1"/>
+          </a:solidFill>
+          <a:ln w="50800" cap="rnd" cmpd="dbl" algn="ctr">
+            <a:noFill/>
+            <a:prstDash val="solid"/>
+          </a:ln>
+          <a:effectLst/>
+        </p:spPr>
+        <p:style>
+          <a:lnRef idx="3">
+            <a:schemeClr val="lt1"/>
+          </a:lnRef>
+          <a:fillRef idx="1">
+            <a:schemeClr val="accent1"/>
+          </a:fillRef>
+          <a:effectRef idx="1">
+            <a:schemeClr val="accent1"/>
+          </a:effectRef>
+          <a:fontRef idx="minor">
+            <a:schemeClr val="lt1"/>
+          </a:fontRef>
+        </p:style>
+        <p:txBody>
+          <a:bodyPr anchor="ctr"/>
+          <a:lstStyle/>
+          <a:p>
+            <a:pPr algn="ctr" eaLnBrk="1" latinLnBrk="0" hangingPunct="1"/>
+            <a:r>
+              <a:rPr lang="en-US" sz="2600" b="1" dirty="0">
+                <a:latin typeface="+mj-lt"/>
+              </a:rPr>
+              <a:t>Executive summary</a:t>
+            </a:r>
+          </a:p>
+        </p:txBody>
+      </p:sp>
+      <p:sp>
+        <p:nvSpPr>
+          <p:cNvPr id="18" name="TextBox 17">
+            <a:extLst>
+              <a:ext uri="{FF2B5EF4-FFF2-40B4-BE49-F238E27FC236}">
+                <a16:creationId xmlns:a16="http://schemas.microsoft.com/office/drawing/2014/main" id="{B3FA1AFC-C416-944E-9551-F39AF29A2C75}"/>
+              </a:ext>
+            </a:extLst>
+          </p:cNvPr>
+          <p:cNvSpPr txBox="1"/>
+          <p:nvPr/>
+        </p:nvSpPr>
+        <p:spPr>
+          <a:xfrm>
+            <a:off x="76200" y="-5077"/>
+            <a:ext cx="9330267" cy="1015663"/>
+          </a:xfrm>
+          <a:prstGeom prst="rect">
+            <a:avLst/>
+          </a:prstGeom>
+          <a:noFill/>
+        </p:spPr>
+        <p:txBody>
+          <a:bodyPr wrap="square" rtlCol="0">
+            <a:spAutoFit/>
+          </a:bodyPr>
+          <a:lstStyle/>
+          <a:p>
+            <a:r>
+              <a:rPr lang="en-US" sz="6000" b="1" dirty="0">
+                <a:latin typeface="+mj-lt"/>
+              </a:rPr>
+              <a:t>Predicting Flight Delay</a:t>
+            </a:r>
+          </a:p>
+        </p:txBody>
+      </p:sp>
+      <p:sp>
+        <p:nvSpPr>
+          <p:cNvPr id="19" name="TextBox 18">
+            <a:extLst>
+              <a:ext uri="{FF2B5EF4-FFF2-40B4-BE49-F238E27FC236}">
+                <a16:creationId xmlns:a16="http://schemas.microsoft.com/office/drawing/2014/main" id="{9DB7554F-5360-5742-AC75-7E4C09B947AA}"/>
+              </a:ext>
+            </a:extLst>
+          </p:cNvPr>
+          <p:cNvSpPr txBox="1"/>
+          <p:nvPr/>
+        </p:nvSpPr>
+        <p:spPr>
+          <a:xfrm>
+            <a:off x="9863667" y="-1275"/>
+            <a:ext cx="7509933" cy="940964"/>
+          </a:xfrm>
+          <a:prstGeom prst="rect">
+            <a:avLst/>
+          </a:prstGeom>
+          <a:noFill/>
+        </p:spPr>
+        <p:txBody>
+          <a:bodyPr wrap="square" rtlCol="0">
+            <a:noAutofit/>
+          </a:bodyPr>
+          <a:lstStyle/>
+          <a:p>
+            <a:r>
+              <a:rPr lang="en-US" sz="2400" b="1" dirty="0" err="1"/>
+              <a:t>Aksel</a:t>
+            </a:r>
+            <a:r>
+              <a:rPr lang="en-US" sz="2400" b="1" dirty="0"/>
+              <a:t> Danielsen (EECS)	</a:t>
+            </a:r>
+            <a:r>
+              <a:rPr lang="en-US" sz="2400" b="1" dirty="0" err="1"/>
+              <a:t>Nithin</a:t>
+            </a:r>
+            <a:r>
+              <a:rPr lang="en-US" sz="2400" b="1" dirty="0"/>
+              <a:t> Narayanan (SDM)</a:t>
+            </a:r>
+          </a:p>
+          <a:p>
+            <a:r>
+              <a:rPr lang="en-US" sz="2400" b="1" dirty="0"/>
+              <a:t>Jayanth Kumar (SDM)	Phillip </a:t>
+            </a:r>
+            <a:r>
+              <a:rPr lang="en-US" sz="2400" b="1" dirty="0" err="1"/>
+              <a:t>Schmedeman</a:t>
+            </a:r>
+            <a:r>
+              <a:rPr lang="en-US" sz="2400" b="1" dirty="0"/>
+              <a:t> (SDM)</a:t>
+            </a:r>
+          </a:p>
+        </p:txBody>
+      </p:sp>
+      <p:sp>
+        <p:nvSpPr>
+          <p:cNvPr id="21" name="Rectangle 20">
+            <a:extLst>
+              <a:ext uri="{FF2B5EF4-FFF2-40B4-BE49-F238E27FC236}">
+                <a16:creationId xmlns:a16="http://schemas.microsoft.com/office/drawing/2014/main" id="{44FE49EC-1B8B-8C47-AA1B-4D150829FB0E}"/>
+              </a:ext>
+            </a:extLst>
+          </p:cNvPr>
+          <p:cNvSpPr/>
+          <p:nvPr/>
+        </p:nvSpPr>
+        <p:spPr>
+          <a:xfrm>
+            <a:off x="76201" y="3276600"/>
+            <a:ext cx="5902142" cy="555707"/>
+          </a:xfrm>
+          <a:prstGeom prst="rect">
+            <a:avLst/>
+          </a:prstGeom>
+          <a:solidFill>
+            <a:schemeClr val="accent1"/>
+          </a:solidFill>
+          <a:ln w="50800" cap="rnd" cmpd="dbl" algn="ctr">
+            <a:noFill/>
+            <a:prstDash val="solid"/>
+          </a:ln>
+          <a:effectLst/>
+        </p:spPr>
+        <p:style>
+          <a:lnRef idx="3">
+            <a:schemeClr val="lt1"/>
+          </a:lnRef>
+          <a:fillRef idx="1">
+            <a:schemeClr val="accent1"/>
+          </a:fillRef>
+          <a:effectRef idx="1">
+            <a:schemeClr val="accent1"/>
+          </a:effectRef>
+          <a:fontRef idx="minor">
+            <a:schemeClr val="lt1"/>
+          </a:fontRef>
+        </p:style>
+        <p:txBody>
+          <a:bodyPr anchor="ctr"/>
+          <a:lstStyle/>
+          <a:p>
+            <a:pPr algn="ctr" eaLnBrk="1" latinLnBrk="0" hangingPunct="1"/>
+            <a:r>
+              <a:rPr lang="en-US" sz="2600" b="1" dirty="0">
+                <a:latin typeface="+mj-lt"/>
+              </a:rPr>
+              <a:t>Problem</a:t>
+            </a:r>
+          </a:p>
+        </p:txBody>
+      </p:sp>
+      <p:sp>
+        <p:nvSpPr>
+          <p:cNvPr id="22" name="Rectangle 21">
+            <a:extLst>
+              <a:ext uri="{FF2B5EF4-FFF2-40B4-BE49-F238E27FC236}">
+                <a16:creationId xmlns:a16="http://schemas.microsoft.com/office/drawing/2014/main" id="{4EDCD9FC-98AC-6C4B-A6C3-16BBA189A7D1}"/>
+              </a:ext>
+            </a:extLst>
+          </p:cNvPr>
+          <p:cNvSpPr/>
+          <p:nvPr/>
+        </p:nvSpPr>
+        <p:spPr>
+          <a:xfrm>
+            <a:off x="76200" y="5616493"/>
+            <a:ext cx="5938837" cy="555707"/>
+          </a:xfrm>
+          <a:prstGeom prst="rect">
+            <a:avLst/>
+          </a:prstGeom>
+          <a:solidFill>
+            <a:schemeClr val="accent1"/>
+          </a:solidFill>
+          <a:ln w="50800" cap="rnd" cmpd="dbl" algn="ctr">
+            <a:noFill/>
+            <a:prstDash val="solid"/>
+          </a:ln>
+          <a:effectLst/>
+        </p:spPr>
+        <p:style>
+          <a:lnRef idx="3">
+            <a:schemeClr val="lt1"/>
+          </a:lnRef>
+          <a:fillRef idx="1">
+            <a:schemeClr val="accent1"/>
+          </a:fillRef>
+          <a:effectRef idx="1">
+            <a:schemeClr val="accent1"/>
+          </a:effectRef>
+          <a:fontRef idx="minor">
+            <a:schemeClr val="lt1"/>
+          </a:fontRef>
+        </p:style>
+        <p:txBody>
+          <a:bodyPr anchor="ctr"/>
+          <a:lstStyle/>
+          <a:p>
+            <a:pPr algn="ctr" eaLnBrk="1" latinLnBrk="0" hangingPunct="1"/>
+            <a:r>
+              <a:rPr lang="en-US" sz="2600" b="1" dirty="0">
+                <a:latin typeface="+mj-lt"/>
+              </a:rPr>
+              <a:t>Key questions</a:t>
+            </a:r>
+          </a:p>
+        </p:txBody>
+      </p:sp>
+      <p:sp>
+        <p:nvSpPr>
+          <p:cNvPr id="23" name="Rectangle 22">
+            <a:extLst>
+              <a:ext uri="{FF2B5EF4-FFF2-40B4-BE49-F238E27FC236}">
+                <a16:creationId xmlns:a16="http://schemas.microsoft.com/office/drawing/2014/main" id="{CEA58433-15EB-B341-9862-A3BB7FB7D9EA}"/>
+              </a:ext>
+            </a:extLst>
+          </p:cNvPr>
+          <p:cNvSpPr/>
+          <p:nvPr/>
+        </p:nvSpPr>
+        <p:spPr>
+          <a:xfrm>
+            <a:off x="5978342" y="1066800"/>
+            <a:ext cx="5660136" cy="555707"/>
+          </a:xfrm>
+          <a:prstGeom prst="rect">
+            <a:avLst/>
+          </a:prstGeom>
+          <a:solidFill>
+            <a:schemeClr val="accent1"/>
+          </a:solidFill>
+          <a:ln w="50800" cap="rnd" cmpd="dbl" algn="ctr">
+            <a:noFill/>
+            <a:prstDash val="solid"/>
+          </a:ln>
+          <a:effectLst/>
+        </p:spPr>
+        <p:style>
+          <a:lnRef idx="3">
+            <a:schemeClr val="lt1"/>
+          </a:lnRef>
+          <a:fillRef idx="1">
+            <a:schemeClr val="accent1"/>
+          </a:fillRef>
+          <a:effectRef idx="1">
+            <a:schemeClr val="accent1"/>
+          </a:effectRef>
+          <a:fontRef idx="minor">
+            <a:schemeClr val="lt1"/>
+          </a:fontRef>
+        </p:style>
+        <p:txBody>
+          <a:bodyPr anchor="ctr"/>
+          <a:lstStyle/>
+          <a:p>
+            <a:pPr algn="ctr" eaLnBrk="1" latinLnBrk="0" hangingPunct="1"/>
+            <a:r>
+              <a:rPr lang="en-US" sz="2600" b="1" dirty="0">
+                <a:latin typeface="+mj-lt"/>
+              </a:rPr>
+              <a:t>Data Visualization</a:t>
+            </a:r>
+          </a:p>
+        </p:txBody>
+      </p:sp>
+      <p:sp>
+        <p:nvSpPr>
+          <p:cNvPr id="24" name="Rectangle 23">
+            <a:extLst>
+              <a:ext uri="{FF2B5EF4-FFF2-40B4-BE49-F238E27FC236}">
+                <a16:creationId xmlns:a16="http://schemas.microsoft.com/office/drawing/2014/main" id="{CC08E273-E82D-C049-8A65-5A150105876E}"/>
+              </a:ext>
+            </a:extLst>
+          </p:cNvPr>
+          <p:cNvSpPr/>
+          <p:nvPr/>
+        </p:nvSpPr>
+        <p:spPr>
+          <a:xfrm>
+            <a:off x="5977734" y="6379333"/>
+            <a:ext cx="5595959" cy="555707"/>
+          </a:xfrm>
+          <a:prstGeom prst="rect">
+            <a:avLst/>
+          </a:prstGeom>
+          <a:solidFill>
+            <a:schemeClr val="accent1"/>
+          </a:solidFill>
+          <a:ln w="50800" cap="rnd" cmpd="dbl" algn="ctr">
+            <a:noFill/>
+            <a:prstDash val="solid"/>
+          </a:ln>
+          <a:effectLst/>
+        </p:spPr>
+        <p:style>
+          <a:lnRef idx="3">
+            <a:schemeClr val="lt1"/>
+          </a:lnRef>
+          <a:fillRef idx="1">
+            <a:schemeClr val="accent1"/>
+          </a:fillRef>
+          <a:effectRef idx="1">
+            <a:schemeClr val="accent1"/>
+          </a:effectRef>
+          <a:fontRef idx="minor">
+            <a:schemeClr val="lt1"/>
+          </a:fontRef>
+        </p:style>
+        <p:txBody>
+          <a:bodyPr anchor="ctr"/>
+          <a:lstStyle/>
+          <a:p>
+            <a:pPr algn="ctr" eaLnBrk="1" latinLnBrk="0" hangingPunct="1"/>
+            <a:r>
+              <a:rPr lang="en-US" sz="2600" b="1" dirty="0">
+                <a:latin typeface="+mj-lt"/>
+              </a:rPr>
+              <a:t>Results</a:t>
+            </a:r>
+          </a:p>
+        </p:txBody>
+      </p:sp>
+      <p:sp>
+        <p:nvSpPr>
+          <p:cNvPr id="27" name="Round Single Corner Rectangle 26">
+            <a:extLst>
+              <a:ext uri="{FF2B5EF4-FFF2-40B4-BE49-F238E27FC236}">
+                <a16:creationId xmlns:a16="http://schemas.microsoft.com/office/drawing/2014/main" id="{75AA1624-D2C4-AE42-931A-A56F1B2AC6C0}"/>
+              </a:ext>
+            </a:extLst>
+          </p:cNvPr>
+          <p:cNvSpPr/>
+          <p:nvPr/>
+        </p:nvSpPr>
+        <p:spPr>
+          <a:xfrm flipV="1">
+            <a:off x="92662" y="1044995"/>
+            <a:ext cx="17140555" cy="9883628"/>
+          </a:xfrm>
+          <a:prstGeom prst="round1Rect">
+            <a:avLst>
+              <a:gd name="adj" fmla="val 2367"/>
+            </a:avLst>
+          </a:prstGeom>
+          <a:noFill/>
+          <a:ln w="76200">
+            <a:solidFill>
+              <a:schemeClr val="accent1"/>
+            </a:solidFill>
+          </a:ln>
+        </p:spPr>
+        <p:style>
+          <a:lnRef idx="2">
+            <a:schemeClr val="accent1">
+              <a:shade val="50000"/>
+            </a:schemeClr>
+          </a:lnRef>
+          <a:fillRef idx="1">
+            <a:schemeClr val="accent1"/>
+          </a:fillRef>
+          <a:effectRef idx="0">
+            <a:schemeClr val="accent1"/>
+          </a:effectRef>
+          <a:fontRef idx="minor">
+            <a:schemeClr val="lt1"/>
+          </a:fontRef>
+        </p:style>
+        <p:txBody>
+          <a:bodyPr rtlCol="0" anchor="ctr"/>
+          <a:lstStyle/>
+          <a:p>
+            <a:pPr algn="ctr"/>
+            <a:r>
+              <a:rPr lang="en-US" sz="2377" dirty="0"/>
+              <a:t> </a:t>
+            </a:r>
+          </a:p>
+        </p:txBody>
+      </p:sp>
+      <p:sp>
+        <p:nvSpPr>
+          <p:cNvPr id="33" name="Rectangle 32">
+            <a:extLst>
+              <a:ext uri="{FF2B5EF4-FFF2-40B4-BE49-F238E27FC236}">
+                <a16:creationId xmlns:a16="http://schemas.microsoft.com/office/drawing/2014/main" id="{ACCBE6D3-A62D-3D4A-A24B-5A57F3DBB775}"/>
+              </a:ext>
+            </a:extLst>
+          </p:cNvPr>
+          <p:cNvSpPr/>
+          <p:nvPr/>
+        </p:nvSpPr>
+        <p:spPr>
+          <a:xfrm>
+            <a:off x="89626" y="11033929"/>
+            <a:ext cx="3963273" cy="777071"/>
+          </a:xfrm>
+          <a:prstGeom prst="rect">
+            <a:avLst/>
+          </a:prstGeom>
+          <a:solidFill>
+            <a:schemeClr val="bg1">
+              <a:lumMod val="50000"/>
+            </a:schemeClr>
+          </a:solidFill>
+          <a:ln w="50800" cap="rnd" cmpd="dbl" algn="ctr">
+            <a:noFill/>
+            <a:prstDash val="solid"/>
+          </a:ln>
+          <a:effectLst/>
+        </p:spPr>
+        <p:style>
+          <a:lnRef idx="3">
+            <a:schemeClr val="lt1"/>
+          </a:lnRef>
+          <a:fillRef idx="1">
+            <a:schemeClr val="accent1"/>
+          </a:fillRef>
+          <a:effectRef idx="1">
+            <a:schemeClr val="accent1"/>
+          </a:effectRef>
+          <a:fontRef idx="minor">
+            <a:schemeClr val="lt1"/>
+          </a:fontRef>
+        </p:style>
+        <p:txBody>
+          <a:bodyPr anchor="ctr"/>
+          <a:lstStyle/>
+          <a:p>
+            <a:pPr algn="ctr" eaLnBrk="1" latinLnBrk="0" hangingPunct="1"/>
+            <a:endParaRPr lang="en-US" sz="7488" dirty="0"/>
+          </a:p>
+        </p:txBody>
+      </p:sp>
+      <p:sp>
+        <p:nvSpPr>
+          <p:cNvPr id="34" name="Rectangle 33">
+            <a:extLst>
+              <a:ext uri="{FF2B5EF4-FFF2-40B4-BE49-F238E27FC236}">
+                <a16:creationId xmlns:a16="http://schemas.microsoft.com/office/drawing/2014/main" id="{4EAF66C9-203E-8E4B-86AC-C98EDBE36137}"/>
+              </a:ext>
+            </a:extLst>
+          </p:cNvPr>
+          <p:cNvSpPr/>
+          <p:nvPr/>
+        </p:nvSpPr>
+        <p:spPr>
+          <a:xfrm>
+            <a:off x="4142525" y="11033929"/>
+            <a:ext cx="13138411" cy="777071"/>
+          </a:xfrm>
+          <a:prstGeom prst="rect">
+            <a:avLst/>
+          </a:prstGeom>
+          <a:solidFill>
+            <a:schemeClr val="accent2">
+              <a:lumMod val="90000"/>
+              <a:lumOff val="10000"/>
+            </a:schemeClr>
+          </a:solidFill>
+          <a:ln w="50800" cap="rnd" cmpd="dbl" algn="ctr">
+            <a:noFill/>
+            <a:prstDash val="solid"/>
+          </a:ln>
+          <a:effectLst/>
+        </p:spPr>
+        <p:style>
+          <a:lnRef idx="3">
+            <a:schemeClr val="lt1"/>
+          </a:lnRef>
+          <a:fillRef idx="1">
+            <a:schemeClr val="accent1"/>
+          </a:fillRef>
+          <a:effectRef idx="1">
+            <a:schemeClr val="accent1"/>
+          </a:effectRef>
+          <a:fontRef idx="minor">
+            <a:schemeClr val="lt1"/>
+          </a:fontRef>
+        </p:style>
+        <p:txBody>
+          <a:bodyPr anchor="ctr"/>
+          <a:lstStyle/>
+          <a:p>
+            <a:pPr algn="ctr" eaLnBrk="1" latinLnBrk="0" hangingPunct="1"/>
+            <a:endParaRPr lang="en-US" sz="7488" dirty="0"/>
+          </a:p>
+        </p:txBody>
+      </p:sp>
+      <p:sp>
+        <p:nvSpPr>
+          <p:cNvPr id="35" name="Text Placeholder 4">
+            <a:extLst>
+              <a:ext uri="{FF2B5EF4-FFF2-40B4-BE49-F238E27FC236}">
+                <a16:creationId xmlns:a16="http://schemas.microsoft.com/office/drawing/2014/main" id="{999938E6-E4B1-4D46-B06F-C0C0F5B16317}"/>
+              </a:ext>
+            </a:extLst>
+          </p:cNvPr>
+          <p:cNvSpPr txBox="1">
+            <a:spLocks/>
+          </p:cNvSpPr>
+          <p:nvPr/>
+        </p:nvSpPr>
+        <p:spPr>
+          <a:xfrm>
+            <a:off x="4142525" y="11059087"/>
+            <a:ext cx="13138411" cy="735686"/>
+          </a:xfrm>
+          <a:prstGeom prst="rect">
+            <a:avLst/>
+          </a:prstGeom>
+        </p:spPr>
+        <p:txBody>
+          <a:bodyPr vert="horz">
+            <a:noAutofit/>
+          </a:bodyPr>
+          <a:lstStyle>
+            <a:lvl1pPr marL="0" marR="0" indent="0" algn="l" defTabSz="2194505" rtl="0" eaLnBrk="1" fontAlgn="auto" latinLnBrk="0" hangingPunct="1">
+              <a:lnSpc>
+                <a:spcPct val="100000"/>
+              </a:lnSpc>
+              <a:spcBef>
+                <a:spcPts val="1680"/>
+              </a:spcBef>
+              <a:spcAft>
+                <a:spcPts val="0"/>
+              </a:spcAft>
+              <a:buClr>
+                <a:schemeClr val="accent2">
+                  <a:lumMod val="90000"/>
+                  <a:lumOff val="10000"/>
+                </a:schemeClr>
+              </a:buClr>
+              <a:buSzPct val="70000"/>
+              <a:buFont typeface="Arial"/>
+              <a:buNone/>
+              <a:tabLst/>
+              <a:defRPr kumimoji="0" sz="6000" kern="1200">
+                <a:solidFill>
+                  <a:schemeClr val="bg1"/>
+                </a:solidFill>
+                <a:latin typeface="+mn-lt"/>
+                <a:ea typeface="+mn-ea"/>
+                <a:cs typeface="+mn-cs"/>
+              </a:defRPr>
+            </a:lvl1pPr>
+            <a:lvl2pPr marL="1536154" indent="-658352" algn="l" rtl="0" eaLnBrk="1" latinLnBrk="0" hangingPunct="1">
+              <a:spcBef>
+                <a:spcPts val="1320"/>
+              </a:spcBef>
+              <a:buClr>
+                <a:schemeClr val="accent2">
+                  <a:lumMod val="90000"/>
+                  <a:lumOff val="10000"/>
+                </a:schemeClr>
+              </a:buClr>
+              <a:buSzPct val="70000"/>
+              <a:buFont typeface="Arial"/>
+              <a:buChar char="•"/>
+              <a:defRPr kumimoji="0" sz="5280" kern="1200">
+                <a:solidFill>
+                  <a:schemeClr val="tx1">
+                    <a:lumMod val="95000"/>
+                    <a:lumOff val="5000"/>
+                  </a:schemeClr>
+                </a:solidFill>
+                <a:latin typeface="+mn-lt"/>
+                <a:ea typeface="+mn-ea"/>
+                <a:cs typeface="+mn-cs"/>
+              </a:defRPr>
+            </a:lvl2pPr>
+            <a:lvl3pPr marL="2194505" indent="-548626" algn="l" rtl="0" eaLnBrk="1" latinLnBrk="0" hangingPunct="1">
+              <a:spcBef>
+                <a:spcPts val="1200"/>
+              </a:spcBef>
+              <a:buClr>
+                <a:schemeClr val="accent2">
+                  <a:lumMod val="90000"/>
+                  <a:lumOff val="10000"/>
+                </a:schemeClr>
+              </a:buClr>
+              <a:buSzPct val="70000"/>
+              <a:buFont typeface="Arial"/>
+              <a:buChar char="•"/>
+              <a:defRPr kumimoji="0" sz="4800" kern="1200">
+                <a:solidFill>
+                  <a:schemeClr val="tx1">
+                    <a:lumMod val="95000"/>
+                    <a:lumOff val="5000"/>
+                  </a:schemeClr>
+                </a:solidFill>
+                <a:latin typeface="+mn-lt"/>
+                <a:ea typeface="+mn-ea"/>
+                <a:cs typeface="+mn-cs"/>
+              </a:defRPr>
+            </a:lvl3pPr>
+            <a:lvl4pPr marL="3291758" indent="-548626" algn="l" rtl="0" eaLnBrk="1" latinLnBrk="0" hangingPunct="1">
+              <a:spcBef>
+                <a:spcPts val="960"/>
+              </a:spcBef>
+              <a:buClr>
+                <a:schemeClr val="accent3"/>
+              </a:buClr>
+              <a:buSzPct val="75000"/>
+              <a:buFont typeface="Wingdings" charset="2"/>
+              <a:buChar char="§"/>
+              <a:defRPr kumimoji="0" sz="4800" kern="1200">
+                <a:solidFill>
+                  <a:schemeClr val="tx1"/>
+                </a:solidFill>
+                <a:latin typeface="+mn-lt"/>
+                <a:ea typeface="+mn-ea"/>
+                <a:cs typeface="+mn-cs"/>
+              </a:defRPr>
+            </a:lvl4pPr>
+            <a:lvl5pPr marL="4389010" indent="-548626" algn="l" rtl="0" eaLnBrk="1" latinLnBrk="0" hangingPunct="1">
+              <a:spcBef>
+                <a:spcPts val="960"/>
+              </a:spcBef>
+              <a:buClr>
+                <a:schemeClr val="accent4"/>
+              </a:buClr>
+              <a:buSzPct val="65000"/>
+              <a:buFont typeface="Wingdings" charset="2"/>
+              <a:buChar char="§"/>
+              <a:defRPr kumimoji="0" sz="4800" kern="1200">
+                <a:solidFill>
+                  <a:schemeClr val="tx1"/>
+                </a:solidFill>
+                <a:latin typeface="+mn-lt"/>
+                <a:ea typeface="+mn-ea"/>
+                <a:cs typeface="+mn-cs"/>
+              </a:defRPr>
+            </a:lvl5pPr>
+            <a:lvl6pPr marL="5047362" indent="-548626" algn="l" rtl="0" eaLnBrk="1" latinLnBrk="0" hangingPunct="1">
+              <a:spcBef>
+                <a:spcPct val="20000"/>
+              </a:spcBef>
+              <a:buClr>
+                <a:schemeClr val="accent1"/>
+              </a:buClr>
+              <a:buFont typeface="Wingdings"/>
+              <a:buChar char="§"/>
+              <a:defRPr kumimoji="0" sz="4320" kern="1200" baseline="0">
+                <a:solidFill>
+                  <a:schemeClr val="tx1"/>
+                </a:solidFill>
+                <a:latin typeface="+mn-lt"/>
+                <a:ea typeface="+mn-ea"/>
+                <a:cs typeface="+mn-cs"/>
+              </a:defRPr>
+            </a:lvl6pPr>
+            <a:lvl7pPr marL="5705713" indent="-548626" algn="l" rtl="0" eaLnBrk="1" latinLnBrk="0" hangingPunct="1">
+              <a:spcBef>
+                <a:spcPct val="20000"/>
+              </a:spcBef>
+              <a:buClr>
+                <a:schemeClr val="accent2"/>
+              </a:buClr>
+              <a:buFont typeface="Wingdings"/>
+              <a:buChar char="§"/>
+              <a:defRPr kumimoji="0" sz="4320" kern="1200" baseline="0">
+                <a:solidFill>
+                  <a:schemeClr val="tx1"/>
+                </a:solidFill>
+                <a:latin typeface="+mn-lt"/>
+                <a:ea typeface="+mn-ea"/>
+                <a:cs typeface="+mn-cs"/>
+              </a:defRPr>
+            </a:lvl7pPr>
+            <a:lvl8pPr marL="6364065" indent="-548626" algn="l" rtl="0" eaLnBrk="1" latinLnBrk="0" hangingPunct="1">
+              <a:spcBef>
+                <a:spcPct val="20000"/>
+              </a:spcBef>
+              <a:buClr>
+                <a:schemeClr val="accent3"/>
+              </a:buClr>
+              <a:buFont typeface="Wingdings"/>
+              <a:buChar char="§"/>
+              <a:defRPr kumimoji="0" sz="4320" kern="1200" baseline="0">
+                <a:solidFill>
+                  <a:schemeClr val="tx1"/>
+                </a:solidFill>
+                <a:latin typeface="+mn-lt"/>
+                <a:ea typeface="+mn-ea"/>
+                <a:cs typeface="+mn-cs"/>
+              </a:defRPr>
+            </a:lvl8pPr>
+            <a:lvl9pPr marL="7022416" indent="-548626" algn="l" rtl="0" eaLnBrk="1" latinLnBrk="0" hangingPunct="1">
+              <a:spcBef>
+                <a:spcPct val="20000"/>
+              </a:spcBef>
+              <a:buClr>
+                <a:schemeClr val="accent4"/>
+              </a:buClr>
+              <a:buFont typeface="Wingdings"/>
+              <a:buChar char="§"/>
+              <a:defRPr kumimoji="0" sz="4320" kern="1200" baseline="0">
+                <a:solidFill>
+                  <a:schemeClr val="tx1"/>
+                </a:solidFill>
+                <a:latin typeface="+mn-lt"/>
+                <a:ea typeface="+mn-ea"/>
+                <a:cs typeface="+mn-cs"/>
+              </a:defRPr>
+            </a:lvl9pPr>
+          </a:lstStyle>
+          <a:p>
+            <a:pPr>
+              <a:defRPr/>
+            </a:pPr>
+            <a:r>
+              <a:rPr lang="en-US" sz="4400" dirty="0"/>
+              <a:t>15.071—The Analytics Edge		          Fall 2019</a:t>
+            </a:r>
+          </a:p>
+        </p:txBody>
+      </p:sp>
+      <p:cxnSp>
+        <p:nvCxnSpPr>
+          <p:cNvPr id="36" name="Straight Connector 35">
+            <a:extLst>
+              <a:ext uri="{FF2B5EF4-FFF2-40B4-BE49-F238E27FC236}">
+                <a16:creationId xmlns:a16="http://schemas.microsoft.com/office/drawing/2014/main" id="{F20F6DFB-76BA-8C46-A716-8B2054C8EE1B}"/>
+              </a:ext>
+            </a:extLst>
+          </p:cNvPr>
+          <p:cNvCxnSpPr>
+            <a:cxnSpLocks/>
+          </p:cNvCxnSpPr>
+          <p:nvPr/>
+        </p:nvCxnSpPr>
+        <p:spPr>
+          <a:xfrm>
+            <a:off x="5978342" y="1010586"/>
+            <a:ext cx="0" cy="9924133"/>
+          </a:xfrm>
+          <a:prstGeom prst="line">
+            <a:avLst/>
+          </a:prstGeom>
+          <a:ln w="76200">
+            <a:solidFill>
+              <a:schemeClr val="accent1"/>
+            </a:solidFill>
+            <a:prstDash val="solid"/>
+          </a:ln>
+        </p:spPr>
+        <p:style>
+          <a:lnRef idx="1">
+            <a:schemeClr val="accent1"/>
+          </a:lnRef>
+          <a:fillRef idx="0">
+            <a:schemeClr val="accent1"/>
+          </a:fillRef>
+          <a:effectRef idx="0">
+            <a:schemeClr val="accent1"/>
+          </a:effectRef>
+          <a:fontRef idx="minor">
+            <a:schemeClr val="tx1"/>
+          </a:fontRef>
+        </p:style>
+      </p:cxnSp>
+      <p:cxnSp>
+        <p:nvCxnSpPr>
+          <p:cNvPr id="38" name="Straight Connector 37">
+            <a:extLst>
+              <a:ext uri="{FF2B5EF4-FFF2-40B4-BE49-F238E27FC236}">
+                <a16:creationId xmlns:a16="http://schemas.microsoft.com/office/drawing/2014/main" id="{466A29D5-D287-A444-AABB-53E9394BB38E}"/>
+              </a:ext>
+            </a:extLst>
+          </p:cNvPr>
+          <p:cNvCxnSpPr>
+            <a:cxnSpLocks/>
+          </p:cNvCxnSpPr>
+          <p:nvPr/>
+        </p:nvCxnSpPr>
+        <p:spPr>
+          <a:xfrm>
+            <a:off x="11573084" y="1010586"/>
+            <a:ext cx="0" cy="9918037"/>
+          </a:xfrm>
+          <a:prstGeom prst="line">
+            <a:avLst/>
+          </a:prstGeom>
+          <a:ln w="76200">
+            <a:solidFill>
+              <a:schemeClr val="accent1"/>
+            </a:solidFill>
+            <a:prstDash val="solid"/>
+          </a:ln>
+        </p:spPr>
+        <p:style>
+          <a:lnRef idx="1">
+            <a:schemeClr val="accent1"/>
+          </a:lnRef>
+          <a:fillRef idx="0">
+            <a:schemeClr val="accent1"/>
+          </a:fillRef>
+          <a:effectRef idx="0">
+            <a:schemeClr val="accent1"/>
+          </a:effectRef>
+          <a:fontRef idx="minor">
+            <a:schemeClr val="tx1"/>
+          </a:fontRef>
+        </p:style>
+      </p:cxnSp>
+      <p:sp>
+        <p:nvSpPr>
+          <p:cNvPr id="39" name="Rectangle 38">
+            <a:extLst>
+              <a:ext uri="{FF2B5EF4-FFF2-40B4-BE49-F238E27FC236}">
+                <a16:creationId xmlns:a16="http://schemas.microsoft.com/office/drawing/2014/main" id="{949515A5-5264-0048-8CE2-F2A246993C8D}"/>
+              </a:ext>
+            </a:extLst>
+          </p:cNvPr>
+          <p:cNvSpPr/>
+          <p:nvPr/>
+        </p:nvSpPr>
+        <p:spPr>
+          <a:xfrm>
+            <a:off x="11582400" y="1066800"/>
+            <a:ext cx="5660136" cy="555707"/>
+          </a:xfrm>
+          <a:prstGeom prst="rect">
+            <a:avLst/>
+          </a:prstGeom>
+          <a:solidFill>
+            <a:schemeClr val="accent1"/>
+          </a:solidFill>
+          <a:ln w="50800" cap="rnd" cmpd="dbl" algn="ctr">
+            <a:noFill/>
+            <a:prstDash val="solid"/>
+          </a:ln>
+          <a:effectLst/>
+        </p:spPr>
+        <p:style>
+          <a:lnRef idx="3">
+            <a:schemeClr val="lt1"/>
+          </a:lnRef>
+          <a:fillRef idx="1">
+            <a:schemeClr val="accent1"/>
+          </a:fillRef>
+          <a:effectRef idx="1">
+            <a:schemeClr val="accent1"/>
+          </a:effectRef>
+          <a:fontRef idx="minor">
+            <a:schemeClr val="lt1"/>
+          </a:fontRef>
+        </p:style>
+        <p:txBody>
+          <a:bodyPr anchor="ctr"/>
+          <a:lstStyle/>
+          <a:p>
+            <a:pPr algn="ctr" eaLnBrk="1" latinLnBrk="0" hangingPunct="1"/>
+            <a:r>
+              <a:rPr lang="en-US" sz="2600" b="1" dirty="0">
+                <a:latin typeface="+mj-lt"/>
+              </a:rPr>
+              <a:t>Takeaways</a:t>
+            </a:r>
+          </a:p>
+        </p:txBody>
+      </p:sp>
+      <p:sp>
+        <p:nvSpPr>
+          <p:cNvPr id="40" name="Rectangle 39">
+            <a:extLst>
+              <a:ext uri="{FF2B5EF4-FFF2-40B4-BE49-F238E27FC236}">
+                <a16:creationId xmlns:a16="http://schemas.microsoft.com/office/drawing/2014/main" id="{02516EF2-4547-7145-AEA5-F5BF26EA3EFA}"/>
+              </a:ext>
+            </a:extLst>
+          </p:cNvPr>
+          <p:cNvSpPr/>
+          <p:nvPr/>
+        </p:nvSpPr>
+        <p:spPr>
+          <a:xfrm>
+            <a:off x="11573084" y="4724400"/>
+            <a:ext cx="5660136" cy="555707"/>
+          </a:xfrm>
+          <a:prstGeom prst="rect">
+            <a:avLst/>
+          </a:prstGeom>
+          <a:solidFill>
+            <a:schemeClr val="accent1"/>
+          </a:solidFill>
+          <a:ln w="50800" cap="rnd" cmpd="dbl" algn="ctr">
+            <a:noFill/>
+            <a:prstDash val="solid"/>
+          </a:ln>
+          <a:effectLst/>
+        </p:spPr>
+        <p:style>
+          <a:lnRef idx="3">
+            <a:schemeClr val="lt1"/>
+          </a:lnRef>
+          <a:fillRef idx="1">
+            <a:schemeClr val="accent1"/>
+          </a:fillRef>
+          <a:effectRef idx="1">
+            <a:schemeClr val="accent1"/>
+          </a:effectRef>
+          <a:fontRef idx="minor">
+            <a:schemeClr val="lt1"/>
+          </a:fontRef>
+        </p:style>
+        <p:txBody>
+          <a:bodyPr anchor="ctr"/>
+          <a:lstStyle/>
+          <a:p>
+            <a:pPr algn="ctr" eaLnBrk="1" latinLnBrk="0" hangingPunct="1"/>
+            <a:r>
+              <a:rPr lang="en-US" sz="2600" b="1" dirty="0">
+                <a:latin typeface="+mj-lt"/>
+              </a:rPr>
+              <a:t>Conclusion</a:t>
+            </a:r>
+          </a:p>
+        </p:txBody>
+      </p:sp>
+      <p:sp>
+        <p:nvSpPr>
+          <p:cNvPr id="28" name="TextBox 27">
+            <a:extLst>
+              <a:ext uri="{FF2B5EF4-FFF2-40B4-BE49-F238E27FC236}">
+                <a16:creationId xmlns:a16="http://schemas.microsoft.com/office/drawing/2014/main" id="{9E55D381-D4D4-3B4D-9BF5-FC6E88995DB8}"/>
+              </a:ext>
+            </a:extLst>
+          </p:cNvPr>
+          <p:cNvSpPr txBox="1"/>
+          <p:nvPr/>
+        </p:nvSpPr>
+        <p:spPr>
+          <a:xfrm>
+            <a:off x="134093" y="1643008"/>
+            <a:ext cx="5816048" cy="1477328"/>
+          </a:xfrm>
+          <a:prstGeom prst="rect">
+            <a:avLst/>
+          </a:prstGeom>
+          <a:noFill/>
+        </p:spPr>
+        <p:txBody>
+          <a:bodyPr wrap="square" rtlCol="0">
+            <a:spAutoFit/>
+          </a:bodyPr>
+          <a:lstStyle/>
+          <a:p>
+            <a:r>
+              <a:rPr lang="en-US" sz="1800" dirty="0"/>
+              <a:t>Using commercial aviation flight data, we created a model that predicts the delay times for future flights. This provides travelers with decision-relevant information they can use to reduce the duration of their travel delays.</a:t>
+            </a:r>
+          </a:p>
+          <a:p>
+            <a:r>
+              <a:rPr lang="en-US" sz="1800" dirty="0"/>
+              <a:t>Results &amp; Conclusion …</a:t>
+            </a:r>
+          </a:p>
+        </p:txBody>
+      </p:sp>
+      <p:sp>
+        <p:nvSpPr>
+          <p:cNvPr id="29" name="TextBox 28">
+            <a:extLst>
+              <a:ext uri="{FF2B5EF4-FFF2-40B4-BE49-F238E27FC236}">
+                <a16:creationId xmlns:a16="http://schemas.microsoft.com/office/drawing/2014/main" id="{58F1100F-AA54-534A-8BF1-F92A8F2C8AA4}"/>
+              </a:ext>
+            </a:extLst>
+          </p:cNvPr>
+          <p:cNvSpPr txBox="1"/>
+          <p:nvPr/>
+        </p:nvSpPr>
+        <p:spPr>
+          <a:xfrm>
+            <a:off x="150903" y="3884474"/>
+            <a:ext cx="5789335" cy="1754326"/>
+          </a:xfrm>
+          <a:prstGeom prst="rect">
+            <a:avLst/>
+          </a:prstGeom>
+          <a:noFill/>
+        </p:spPr>
+        <p:txBody>
+          <a:bodyPr wrap="square" rtlCol="0">
+            <a:spAutoFit/>
+          </a:bodyPr>
+          <a:lstStyle/>
+          <a:p>
+            <a:r>
+              <a:rPr lang="en-US" sz="1800" dirty="0"/>
+              <a:t>A study estimated that in 2007, the total direct cost to US passengers from air transportation delay was $16.7 billon. Despite the cost and inconvenience of delays, travelers have to make many decisions (airports, airline, flight time and date), with little information about how those variables impact the likelihood of delay.</a:t>
+            </a:r>
+          </a:p>
+        </p:txBody>
+      </p:sp>
+      <p:sp>
+        <p:nvSpPr>
+          <p:cNvPr id="30" name="TextBox 29">
+            <a:extLst>
+              <a:ext uri="{FF2B5EF4-FFF2-40B4-BE49-F238E27FC236}">
+                <a16:creationId xmlns:a16="http://schemas.microsoft.com/office/drawing/2014/main" id="{986E3B4B-43D6-F745-B58B-B95E38CDD180}"/>
+              </a:ext>
+            </a:extLst>
+          </p:cNvPr>
+          <p:cNvSpPr txBox="1"/>
+          <p:nvPr/>
+        </p:nvSpPr>
+        <p:spPr>
+          <a:xfrm>
+            <a:off x="132604" y="6172600"/>
+            <a:ext cx="5789335" cy="2585323"/>
+          </a:xfrm>
+          <a:prstGeom prst="rect">
+            <a:avLst/>
+          </a:prstGeom>
+          <a:noFill/>
+        </p:spPr>
+        <p:txBody>
+          <a:bodyPr wrap="square" rtlCol="0">
+            <a:spAutoFit/>
+          </a:bodyPr>
+          <a:lstStyle/>
+          <a:p>
+            <a:pPr marL="285750" indent="-285750">
+              <a:buFont typeface="Arial" panose="020B0604020202020204" pitchFamily="34" charset="0"/>
+              <a:buChar char="•"/>
+            </a:pPr>
+            <a:r>
+              <a:rPr lang="en-US" sz="1800" dirty="0"/>
+              <a:t>How should we structure the data to achieve the best results?</a:t>
+            </a:r>
+          </a:p>
+          <a:p>
+            <a:pPr marL="285750" indent="-285750">
+              <a:buFont typeface="Arial" panose="020B0604020202020204" pitchFamily="34" charset="0"/>
+              <a:buChar char="•"/>
+            </a:pPr>
+            <a:r>
+              <a:rPr lang="en-US" sz="1800" dirty="0"/>
+              <a:t>What are the most significant independent variables affecting flight delay?</a:t>
+            </a:r>
+          </a:p>
+          <a:p>
+            <a:pPr marL="285750" indent="-285750">
+              <a:buFont typeface="Arial" panose="020B0604020202020204" pitchFamily="34" charset="0"/>
+              <a:buChar char="•"/>
+            </a:pPr>
+            <a:r>
+              <a:rPr lang="en-US" sz="1800" dirty="0"/>
+              <a:t>How will the decisions travels make when selecting a flight impact the expected duration of delay?</a:t>
+            </a:r>
+          </a:p>
+          <a:p>
+            <a:pPr marL="285750" indent="-285750">
+              <a:buFont typeface="Arial" panose="020B0604020202020204" pitchFamily="34" charset="0"/>
+              <a:buChar char="•"/>
+            </a:pPr>
+            <a:r>
+              <a:rPr lang="en-US" sz="1800" dirty="0"/>
+              <a:t>What model family will provide the best prediction of future flight delays?</a:t>
+            </a:r>
+          </a:p>
+          <a:p>
+            <a:pPr marL="285750" indent="-285750">
+              <a:buFont typeface="Arial" panose="020B0604020202020204" pitchFamily="34" charset="0"/>
+              <a:buChar char="•"/>
+            </a:pPr>
+            <a:r>
+              <a:rPr lang="en-US" sz="1800" dirty="0"/>
+              <a:t>What model parameters will provide the best performance?</a:t>
+            </a:r>
+          </a:p>
+        </p:txBody>
+      </p:sp>
+      <p:sp>
+        <p:nvSpPr>
+          <p:cNvPr id="25" name="TextBox 24">
+            <a:extLst>
+              <a:ext uri="{FF2B5EF4-FFF2-40B4-BE49-F238E27FC236}">
+                <a16:creationId xmlns:a16="http://schemas.microsoft.com/office/drawing/2014/main" id="{94BE27BD-A347-DA42-9A85-5E891AD45BE7}"/>
+              </a:ext>
+            </a:extLst>
+          </p:cNvPr>
+          <p:cNvSpPr txBox="1"/>
+          <p:nvPr/>
+        </p:nvSpPr>
+        <p:spPr>
+          <a:xfrm>
+            <a:off x="132604" y="9419272"/>
+            <a:ext cx="5780345" cy="1477328"/>
+          </a:xfrm>
+          <a:prstGeom prst="rect">
+            <a:avLst/>
+          </a:prstGeom>
+          <a:noFill/>
+        </p:spPr>
+        <p:txBody>
+          <a:bodyPr wrap="square" rtlCol="0">
+            <a:spAutoFit/>
+          </a:bodyPr>
+          <a:lstStyle/>
+          <a:p>
+            <a:r>
+              <a:rPr lang="en-US" sz="1800" dirty="0"/>
+              <a:t>We utilize a dataset from the Bureau of Transportation Statistics containing commercial aviation flight data from 2009 to 2018. After processing the dataset contains 1.8 million entries across 8 variables. The dependent variable is Arrival Delay. Independent variables: </a:t>
+            </a:r>
+          </a:p>
+        </p:txBody>
+      </p:sp>
+      <p:pic>
+        <p:nvPicPr>
+          <p:cNvPr id="11" name="Picture 10">
+            <a:extLst>
+              <a:ext uri="{FF2B5EF4-FFF2-40B4-BE49-F238E27FC236}">
+                <a16:creationId xmlns:a16="http://schemas.microsoft.com/office/drawing/2014/main" id="{24A1D334-D324-FD4B-A58B-ABD2091CA807}"/>
+              </a:ext>
+            </a:extLst>
+          </p:cNvPr>
+          <p:cNvPicPr>
+            <a:picLocks noChangeAspect="1"/>
+          </p:cNvPicPr>
+          <p:nvPr/>
+        </p:nvPicPr>
+        <p:blipFill>
+          <a:blip r:embed="rId5">
+            <a:extLst>
+              <a:ext uri="{28A0092B-C50C-407E-A947-70E740481C1C}">
+                <a14:useLocalDpi xmlns:a14="http://schemas.microsoft.com/office/drawing/2010/main" val="0"/>
+              </a:ext>
+            </a:extLst>
+          </a:blip>
+          <a:stretch>
+            <a:fillRect/>
+          </a:stretch>
+        </p:blipFill>
+        <p:spPr>
+          <a:xfrm>
+            <a:off x="17703883" y="179202"/>
+            <a:ext cx="8663004" cy="3641073"/>
+          </a:xfrm>
+          <a:prstGeom prst="rect">
+            <a:avLst/>
+          </a:prstGeom>
+        </p:spPr>
+      </p:pic>
+      <p:sp>
+        <p:nvSpPr>
+          <p:cNvPr id="37" name="Rectangle 36">
+            <a:extLst>
+              <a:ext uri="{FF2B5EF4-FFF2-40B4-BE49-F238E27FC236}">
+                <a16:creationId xmlns:a16="http://schemas.microsoft.com/office/drawing/2014/main" id="{55C5637D-7DDB-8B47-80B8-47BF65594F25}"/>
+              </a:ext>
+            </a:extLst>
+          </p:cNvPr>
+          <p:cNvSpPr/>
+          <p:nvPr/>
+        </p:nvSpPr>
+        <p:spPr>
+          <a:xfrm>
+            <a:off x="78926" y="8800960"/>
+            <a:ext cx="5890097" cy="555707"/>
+          </a:xfrm>
+          <a:prstGeom prst="rect">
+            <a:avLst/>
+          </a:prstGeom>
+          <a:solidFill>
+            <a:schemeClr val="accent1"/>
+          </a:solidFill>
+          <a:ln w="50800" cap="rnd" cmpd="dbl" algn="ctr">
+            <a:noFill/>
+            <a:prstDash val="solid"/>
+          </a:ln>
+          <a:effectLst/>
+        </p:spPr>
+        <p:style>
+          <a:lnRef idx="3">
+            <a:schemeClr val="lt1"/>
+          </a:lnRef>
+          <a:fillRef idx="1">
+            <a:schemeClr val="accent1"/>
+          </a:fillRef>
+          <a:effectRef idx="1">
+            <a:schemeClr val="accent1"/>
+          </a:effectRef>
+          <a:fontRef idx="minor">
+            <a:schemeClr val="lt1"/>
+          </a:fontRef>
+        </p:style>
+        <p:txBody>
+          <a:bodyPr anchor="ctr"/>
+          <a:lstStyle/>
+          <a:p>
+            <a:pPr algn="ctr" eaLnBrk="1" latinLnBrk="0" hangingPunct="1"/>
+            <a:r>
+              <a:rPr lang="en-US" sz="2600" b="1" dirty="0">
+                <a:latin typeface="+mj-lt"/>
+              </a:rPr>
+              <a:t>Data</a:t>
+            </a:r>
+          </a:p>
+        </p:txBody>
+      </p:sp>
+      <p:pic>
+        <p:nvPicPr>
+          <p:cNvPr id="3" name="Picture 2">
+            <a:extLst>
+              <a:ext uri="{FF2B5EF4-FFF2-40B4-BE49-F238E27FC236}">
+                <a16:creationId xmlns:a16="http://schemas.microsoft.com/office/drawing/2014/main" id="{44965ADB-8B32-554C-A020-9256A8C4C536}"/>
+              </a:ext>
+            </a:extLst>
+          </p:cNvPr>
+          <p:cNvPicPr>
+            <a:picLocks noChangeAspect="1"/>
+          </p:cNvPicPr>
+          <p:nvPr/>
+        </p:nvPicPr>
+        <p:blipFill>
+          <a:blip r:embed="rId6">
+            <a:extLst>
+              <a:ext uri="{28A0092B-C50C-407E-A947-70E740481C1C}">
+                <a14:useLocalDpi xmlns:a14="http://schemas.microsoft.com/office/drawing/2010/main" val="0"/>
+              </a:ext>
+            </a:extLst>
+          </a:blip>
+          <a:stretch>
+            <a:fillRect/>
+          </a:stretch>
+        </p:blipFill>
+        <p:spPr>
+          <a:xfrm>
+            <a:off x="19208535" y="-1057966"/>
+            <a:ext cx="10944492" cy="5360946"/>
+          </a:xfrm>
+          <a:prstGeom prst="rect">
+            <a:avLst/>
+          </a:prstGeom>
+        </p:spPr>
+      </p:pic>
+      <p:graphicFrame>
+        <p:nvGraphicFramePr>
+          <p:cNvPr id="17" name="Table 16">
+            <a:extLst>
+              <a:ext uri="{FF2B5EF4-FFF2-40B4-BE49-F238E27FC236}">
+                <a16:creationId xmlns:a16="http://schemas.microsoft.com/office/drawing/2014/main" id="{B33F8BC2-7053-6143-87C5-971302543526}"/>
+              </a:ext>
+            </a:extLst>
+          </p:cNvPr>
+          <p:cNvGraphicFramePr>
+            <a:graphicFrameLocks noGrp="1"/>
+          </p:cNvGraphicFramePr>
+          <p:nvPr>
+            <p:extLst>
+              <p:ext uri="{D42A27DB-BD31-4B8C-83A1-F6EECF244321}">
+                <p14:modId xmlns:p14="http://schemas.microsoft.com/office/powerpoint/2010/main" val="828910108"/>
+              </p:ext>
+            </p:extLst>
+          </p:nvPr>
+        </p:nvGraphicFramePr>
+        <p:xfrm>
+          <a:off x="6738658" y="7048537"/>
+          <a:ext cx="7614368" cy="3479800"/>
+        </p:xfrm>
+        <a:graphic>
+          <a:graphicData uri="http://schemas.openxmlformats.org/drawingml/2006/table">
+            <a:tbl>
+              <a:tblPr firstRow="1" bandRow="1">
+                <a:tableStyleId>{5C22544A-7EE6-4342-B048-85BDC9FD1C3A}</a:tableStyleId>
+              </a:tblPr>
+              <a:tblGrid>
+                <a:gridCol w="1121210">
+                  <a:extLst>
+                    <a:ext uri="{9D8B030D-6E8A-4147-A177-3AD203B41FA5}">
+                      <a16:colId xmlns:a16="http://schemas.microsoft.com/office/drawing/2014/main" val="1077954340"/>
+                    </a:ext>
+                  </a:extLst>
+                </a:gridCol>
+                <a:gridCol w="1360332">
+                  <a:extLst>
+                    <a:ext uri="{9D8B030D-6E8A-4147-A177-3AD203B41FA5}">
+                      <a16:colId xmlns:a16="http://schemas.microsoft.com/office/drawing/2014/main" val="1781208849"/>
+                    </a:ext>
+                  </a:extLst>
+                </a:gridCol>
+                <a:gridCol w="1941473">
+                  <a:extLst>
+                    <a:ext uri="{9D8B030D-6E8A-4147-A177-3AD203B41FA5}">
+                      <a16:colId xmlns:a16="http://schemas.microsoft.com/office/drawing/2014/main" val="1309071497"/>
+                    </a:ext>
+                  </a:extLst>
+                </a:gridCol>
+                <a:gridCol w="1210155">
+                  <a:extLst>
+                    <a:ext uri="{9D8B030D-6E8A-4147-A177-3AD203B41FA5}">
+                      <a16:colId xmlns:a16="http://schemas.microsoft.com/office/drawing/2014/main" val="3419688354"/>
+                    </a:ext>
+                  </a:extLst>
+                </a:gridCol>
+                <a:gridCol w="1981198">
+                  <a:extLst>
+                    <a:ext uri="{9D8B030D-6E8A-4147-A177-3AD203B41FA5}">
+                      <a16:colId xmlns:a16="http://schemas.microsoft.com/office/drawing/2014/main" val="1497112927"/>
+                    </a:ext>
+                  </a:extLst>
+                </a:gridCol>
+              </a:tblGrid>
+              <a:tr h="370840">
+                <a:tc>
+                  <a:txBody>
+                    <a:bodyPr/>
+                    <a:lstStyle/>
+                    <a:p>
+                      <a:r>
+                        <a:rPr lang="en-US" dirty="0"/>
+                        <a:t>Carrier</a:t>
+                      </a:r>
+                    </a:p>
+                  </a:txBody>
+                  <a:tcPr/>
+                </a:tc>
+                <a:tc>
+                  <a:txBody>
+                    <a:bodyPr/>
+                    <a:lstStyle/>
+                    <a:p>
+                      <a:r>
+                        <a:rPr lang="en-US" dirty="0"/>
+                        <a:t>Destination</a:t>
+                      </a:r>
+                    </a:p>
+                  </a:txBody>
+                  <a:tcPr/>
+                </a:tc>
+                <a:tc>
+                  <a:txBody>
+                    <a:bodyPr/>
+                    <a:lstStyle/>
+                    <a:p>
+                      <a:r>
+                        <a:rPr lang="en-US" dirty="0"/>
+                        <a:t>Time of Day</a:t>
+                      </a:r>
+                    </a:p>
+                  </a:txBody>
+                  <a:tcPr/>
+                </a:tc>
+                <a:tc>
+                  <a:txBody>
+                    <a:bodyPr/>
+                    <a:lstStyle/>
+                    <a:p>
+                      <a:r>
+                        <a:rPr lang="en-US" dirty="0"/>
+                        <a:t>Weekday</a:t>
+                      </a:r>
+                    </a:p>
+                  </a:txBody>
+                  <a:tcPr/>
+                </a:tc>
+                <a:tc>
+                  <a:txBody>
+                    <a:bodyPr/>
+                    <a:lstStyle/>
+                    <a:p>
+                      <a:r>
+                        <a:rPr lang="en-US" dirty="0"/>
+                        <a:t>Month</a:t>
+                      </a:r>
+                    </a:p>
+                  </a:txBody>
+                  <a:tcPr/>
+                </a:tc>
+                <a:extLst>
+                  <a:ext uri="{0D108BD9-81ED-4DB2-BD59-A6C34878D82A}">
+                    <a16:rowId xmlns:a16="http://schemas.microsoft.com/office/drawing/2014/main" val="665170446"/>
+                  </a:ext>
+                </a:extLst>
+              </a:tr>
+              <a:tr h="370840">
+                <a:tc>
+                  <a:txBody>
+                    <a:bodyPr/>
+                    <a:lstStyle/>
+                    <a:p>
+                      <a:r>
+                        <a:rPr lang="en-US" dirty="0"/>
+                        <a:t>Jet Blue</a:t>
+                      </a:r>
+                    </a:p>
+                    <a:p>
+                      <a:r>
+                        <a:rPr lang="en-US" dirty="0"/>
+                        <a:t>Southwest</a:t>
+                      </a:r>
+                    </a:p>
+                    <a:p>
+                      <a:r>
+                        <a:rPr lang="en-US" dirty="0"/>
+                        <a:t>United</a:t>
+                      </a:r>
+                    </a:p>
+                    <a:p>
+                      <a:r>
+                        <a:rPr lang="en-US" dirty="0"/>
+                        <a:t>Express Jet</a:t>
+                      </a:r>
+                    </a:p>
+                    <a:p>
+                      <a:r>
+                        <a:rPr lang="en-US" dirty="0"/>
+                        <a:t>American</a:t>
+                      </a:r>
+                    </a:p>
+                    <a:p>
+                      <a:r>
+                        <a:rPr lang="en-US" dirty="0"/>
+                        <a:t>Delta</a:t>
+                      </a:r>
+                    </a:p>
+                    <a:p>
+                      <a:r>
+                        <a:rPr lang="en-US" dirty="0"/>
+                        <a:t>Alaska</a:t>
+                      </a:r>
+                    </a:p>
+                  </a:txBody>
+                  <a:tcPr/>
+                </a:tc>
+                <a:tc>
+                  <a:txBody>
+                    <a:bodyPr/>
+                    <a:lstStyle/>
+                    <a:p>
+                      <a:r>
+                        <a:rPr lang="en-US" dirty="0"/>
+                        <a:t>ORF</a:t>
+                      </a:r>
+                    </a:p>
+                    <a:p>
+                      <a:endParaRPr lang="en-US" dirty="0"/>
+                    </a:p>
+                    <a:p>
+                      <a:r>
+                        <a:rPr lang="en-US" dirty="0"/>
+                        <a:t>…</a:t>
+                      </a:r>
+                    </a:p>
+                    <a:p>
+                      <a:endParaRPr lang="en-US" dirty="0"/>
+                    </a:p>
+                    <a:p>
+                      <a:endParaRPr lang="en-US" dirty="0"/>
+                    </a:p>
+                    <a:p>
+                      <a:endParaRPr lang="en-US" dirty="0"/>
+                    </a:p>
+                    <a:p>
+                      <a:endParaRPr lang="en-US" dirty="0"/>
+                    </a:p>
+                    <a:p>
+                      <a:endParaRPr lang="en-US" dirty="0"/>
+                    </a:p>
+                    <a:p>
+                      <a:r>
+                        <a:rPr lang="en-US" dirty="0"/>
+                        <a:t>PDX</a:t>
+                      </a:r>
+                    </a:p>
+                  </a:txBody>
+                  <a:tcPr/>
+                </a:tc>
+                <a:tc>
+                  <a:txBody>
+                    <a:bodyPr/>
+                    <a:lstStyle/>
+                    <a:p>
+                      <a:r>
+                        <a:rPr lang="en-US" dirty="0"/>
+                        <a:t>Evening (1800-2400)</a:t>
+                      </a:r>
+                    </a:p>
+                    <a:p>
+                      <a:r>
+                        <a:rPr lang="en-US" dirty="0"/>
+                        <a:t>Afternoon (1200-1800)</a:t>
+                      </a:r>
+                    </a:p>
+                    <a:p>
+                      <a:r>
+                        <a:rPr lang="en-US" dirty="0"/>
+                        <a:t>Morning (0600-1200)</a:t>
+                      </a:r>
+                    </a:p>
+                    <a:p>
+                      <a:r>
+                        <a:rPr lang="en-US" dirty="0"/>
+                        <a:t>Night (2400-0600)</a:t>
+                      </a:r>
+                    </a:p>
+                  </a:txBody>
+                  <a:tcPr/>
+                </a:tc>
+                <a:tc>
+                  <a:txBody>
+                    <a:bodyPr/>
+                    <a:lstStyle/>
+                    <a:p>
+                      <a:r>
+                        <a:rPr lang="en-US" dirty="0"/>
+                        <a:t>Thursday</a:t>
+                      </a:r>
+                    </a:p>
+                    <a:p>
+                      <a:r>
+                        <a:rPr lang="en-US" dirty="0"/>
+                        <a:t>Friday</a:t>
+                      </a:r>
+                    </a:p>
+                    <a:p>
+                      <a:r>
+                        <a:rPr lang="en-US" dirty="0"/>
+                        <a:t>Monday</a:t>
+                      </a:r>
+                    </a:p>
+                    <a:p>
+                      <a:r>
+                        <a:rPr lang="en-US" dirty="0"/>
+                        <a:t>Tuesday</a:t>
+                      </a:r>
+                    </a:p>
+                    <a:p>
+                      <a:r>
+                        <a:rPr lang="en-US" dirty="0"/>
+                        <a:t>Wednesday</a:t>
+                      </a:r>
+                    </a:p>
+                    <a:p>
+                      <a:r>
+                        <a:rPr lang="en-US" dirty="0"/>
+                        <a:t>Sunday</a:t>
+                      </a:r>
+                    </a:p>
+                    <a:p>
+                      <a:r>
+                        <a:rPr lang="en-US" dirty="0"/>
+                        <a:t>Saturday</a:t>
+                      </a:r>
+                    </a:p>
+                    <a:p>
+                      <a:endParaRPr lang="en-US" dirty="0"/>
+                    </a:p>
+                  </a:txBody>
+                  <a:tcPr/>
+                </a:tc>
+                <a:tc>
+                  <a:txBody>
+                    <a:bodyPr/>
+                    <a:lstStyle/>
+                    <a:p>
+                      <a:r>
+                        <a:rPr lang="en-US" dirty="0"/>
+                        <a:t>July</a:t>
+                      </a:r>
+                    </a:p>
+                    <a:p>
+                      <a:r>
+                        <a:rPr lang="en-US" dirty="0"/>
+                        <a:t>June</a:t>
+                      </a:r>
+                    </a:p>
+                    <a:p>
+                      <a:r>
+                        <a:rPr lang="en-US" dirty="0"/>
+                        <a:t>August</a:t>
+                      </a:r>
+                    </a:p>
+                    <a:p>
+                      <a:r>
+                        <a:rPr lang="en-US" dirty="0"/>
+                        <a:t>May</a:t>
+                      </a:r>
+                    </a:p>
+                    <a:p>
+                      <a:r>
+                        <a:rPr lang="en-US" dirty="0"/>
+                        <a:t>April</a:t>
+                      </a:r>
+                    </a:p>
+                    <a:p>
+                      <a:r>
+                        <a:rPr lang="en-US" dirty="0"/>
+                        <a:t>March</a:t>
+                      </a:r>
+                    </a:p>
+                    <a:p>
+                      <a:r>
+                        <a:rPr lang="en-US" dirty="0"/>
+                        <a:t>February</a:t>
+                      </a:r>
+                    </a:p>
+                    <a:p>
+                      <a:r>
+                        <a:rPr lang="en-US" dirty="0"/>
+                        <a:t>January</a:t>
+                      </a:r>
+                    </a:p>
+                    <a:p>
+                      <a:r>
+                        <a:rPr lang="en-US" dirty="0"/>
+                        <a:t>October</a:t>
+                      </a:r>
+                    </a:p>
+                    <a:p>
+                      <a:r>
+                        <a:rPr lang="en-US" dirty="0"/>
+                        <a:t>September</a:t>
+                      </a:r>
+                    </a:p>
+                    <a:p>
+                      <a:r>
+                        <a:rPr lang="en-US" dirty="0"/>
+                        <a:t>November</a:t>
+                      </a:r>
+                    </a:p>
+                  </a:txBody>
+                  <a:tcPr/>
+                </a:tc>
+                <a:extLst>
+                  <a:ext uri="{0D108BD9-81ED-4DB2-BD59-A6C34878D82A}">
+                    <a16:rowId xmlns:a16="http://schemas.microsoft.com/office/drawing/2014/main" val="370178054"/>
+                  </a:ext>
+                </a:extLst>
+              </a:tr>
+            </a:tbl>
+          </a:graphicData>
+        </a:graphic>
+      </p:graphicFrame>
+      <p:pic>
+        <p:nvPicPr>
+          <p:cNvPr id="13" name="Picture 12">
+            <a:extLst>
+              <a:ext uri="{FF2B5EF4-FFF2-40B4-BE49-F238E27FC236}">
+                <a16:creationId xmlns:a16="http://schemas.microsoft.com/office/drawing/2014/main" id="{07113625-5CC8-264B-8982-024A3D490E98}"/>
+              </a:ext>
+            </a:extLst>
+          </p:cNvPr>
+          <p:cNvPicPr>
+            <a:picLocks noChangeAspect="1"/>
+          </p:cNvPicPr>
+          <p:nvPr/>
+        </p:nvPicPr>
+        <p:blipFill>
+          <a:blip r:embed="rId7">
+            <a:extLst>
+              <a:ext uri="{28A0092B-C50C-407E-A947-70E740481C1C}">
+                <a14:useLocalDpi xmlns:a14="http://schemas.microsoft.com/office/drawing/2010/main" val="0"/>
+              </a:ext>
+            </a:extLst>
+          </a:blip>
+          <a:stretch>
+            <a:fillRect/>
+          </a:stretch>
+        </p:blipFill>
+        <p:spPr>
+          <a:xfrm>
+            <a:off x="17703883" y="2721203"/>
+            <a:ext cx="11935694" cy="5360946"/>
+          </a:xfrm>
+          <a:prstGeom prst="rect">
+            <a:avLst/>
+          </a:prstGeom>
+        </p:spPr>
+      </p:pic>
+      <p:pic>
+        <p:nvPicPr>
+          <p:cNvPr id="9" name="Picture 8">
+            <a:extLst>
+              <a:ext uri="{FF2B5EF4-FFF2-40B4-BE49-F238E27FC236}">
+                <a16:creationId xmlns:a16="http://schemas.microsoft.com/office/drawing/2014/main" id="{62E7F738-D0D9-124D-8742-3A45A503E498}"/>
+              </a:ext>
+            </a:extLst>
+          </p:cNvPr>
+          <p:cNvPicPr>
+            <a:picLocks noChangeAspect="1"/>
+          </p:cNvPicPr>
+          <p:nvPr/>
+        </p:nvPicPr>
+        <p:blipFill>
+          <a:blip r:embed="rId8">
+            <a:extLst>
+              <a:ext uri="{28A0092B-C50C-407E-A947-70E740481C1C}">
+                <a14:useLocalDpi xmlns:a14="http://schemas.microsoft.com/office/drawing/2010/main" val="0"/>
+              </a:ext>
+            </a:extLst>
+          </a:blip>
+          <a:stretch>
+            <a:fillRect/>
+          </a:stretch>
+        </p:blipFill>
+        <p:spPr>
+          <a:xfrm>
+            <a:off x="18346147" y="4413729"/>
+            <a:ext cx="16488013" cy="6645358"/>
+          </a:xfrm>
+          <a:prstGeom prst="rect">
+            <a:avLst/>
+          </a:prstGeom>
+        </p:spPr>
+      </p:pic>
+      <p:pic>
+        <p:nvPicPr>
+          <p:cNvPr id="6" name="Picture 5">
+            <a:extLst>
+              <a:ext uri="{FF2B5EF4-FFF2-40B4-BE49-F238E27FC236}">
+                <a16:creationId xmlns:a16="http://schemas.microsoft.com/office/drawing/2014/main" id="{EF0572B8-DD3F-384B-B879-37C30F28CEFF}"/>
+              </a:ext>
+            </a:extLst>
+          </p:cNvPr>
+          <p:cNvPicPr>
+            <a:picLocks noChangeAspect="1"/>
+          </p:cNvPicPr>
+          <p:nvPr/>
+        </p:nvPicPr>
+        <p:blipFill>
+          <a:blip r:embed="rId9">
+            <a:extLst>
+              <a:ext uri="{28A0092B-C50C-407E-A947-70E740481C1C}">
+                <a14:useLocalDpi xmlns:a14="http://schemas.microsoft.com/office/drawing/2010/main" val="0"/>
+              </a:ext>
+            </a:extLst>
+          </a:blip>
+          <a:stretch>
+            <a:fillRect/>
+          </a:stretch>
+        </p:blipFill>
+        <p:spPr>
+          <a:xfrm>
+            <a:off x="18574074" y="9570222"/>
+            <a:ext cx="5510485" cy="2492293"/>
+          </a:xfrm>
+          <a:prstGeom prst="rect">
+            <a:avLst/>
+          </a:prstGeom>
+        </p:spPr>
+      </p:pic>
+      <p:pic>
+        <p:nvPicPr>
+          <p:cNvPr id="43" name="Picture 42">
+            <a:extLst>
+              <a:ext uri="{FF2B5EF4-FFF2-40B4-BE49-F238E27FC236}">
+                <a16:creationId xmlns:a16="http://schemas.microsoft.com/office/drawing/2014/main" id="{F4F390C6-A528-9B48-A24E-533D344DC59B}"/>
+              </a:ext>
+            </a:extLst>
+          </p:cNvPr>
+          <p:cNvPicPr>
+            <a:picLocks noChangeAspect="1"/>
+          </p:cNvPicPr>
+          <p:nvPr/>
+        </p:nvPicPr>
+        <p:blipFill rotWithShape="1">
+          <a:blip r:embed="rId9">
+            <a:extLst>
+              <a:ext uri="{28A0092B-C50C-407E-A947-70E740481C1C}">
+                <a14:useLocalDpi xmlns:a14="http://schemas.microsoft.com/office/drawing/2010/main" val="0"/>
+              </a:ext>
+            </a:extLst>
+          </a:blip>
+          <a:srcRect r="25919" b="18462"/>
+          <a:stretch/>
+        </p:blipFill>
+        <p:spPr>
+          <a:xfrm>
+            <a:off x="6014614" y="1604778"/>
+            <a:ext cx="5483671" cy="2729842"/>
+          </a:xfrm>
+          <a:prstGeom prst="rect">
+            <a:avLst/>
+          </a:prstGeom>
+        </p:spPr>
+      </p:pic>
+      <p:pic>
+        <p:nvPicPr>
+          <p:cNvPr id="44" name="Picture 43">
+            <a:extLst>
+              <a:ext uri="{FF2B5EF4-FFF2-40B4-BE49-F238E27FC236}">
+                <a16:creationId xmlns:a16="http://schemas.microsoft.com/office/drawing/2014/main" id="{4259C4C8-A9A2-8D45-B4E5-A334F7FE4F0E}"/>
+              </a:ext>
+            </a:extLst>
+          </p:cNvPr>
+          <p:cNvPicPr>
+            <a:picLocks noChangeAspect="1"/>
+          </p:cNvPicPr>
+          <p:nvPr/>
+        </p:nvPicPr>
+        <p:blipFill>
+          <a:blip r:embed="rId9">
+            <a:extLst>
+              <a:ext uri="{28A0092B-C50C-407E-A947-70E740481C1C}">
+                <a14:useLocalDpi xmlns:a14="http://schemas.microsoft.com/office/drawing/2010/main" val="0"/>
+              </a:ext>
+            </a:extLst>
+          </a:blip>
+          <a:stretch>
+            <a:fillRect/>
+          </a:stretch>
+        </p:blipFill>
+        <p:spPr>
+          <a:xfrm>
+            <a:off x="16543200" y="11315751"/>
+            <a:ext cx="5510485" cy="2492293"/>
+          </a:xfrm>
+          <a:prstGeom prst="rect">
+            <a:avLst/>
+          </a:prstGeom>
+        </p:spPr>
+      </p:pic>
+      <p:cxnSp>
+        <p:nvCxnSpPr>
+          <p:cNvPr id="32" name="Straight Arrow Connector 31">
+            <a:extLst>
+              <a:ext uri="{FF2B5EF4-FFF2-40B4-BE49-F238E27FC236}">
+                <a16:creationId xmlns:a16="http://schemas.microsoft.com/office/drawing/2014/main" id="{94A39827-1A8C-6343-9D5F-EB5CE20E7345}"/>
+              </a:ext>
+            </a:extLst>
+          </p:cNvPr>
+          <p:cNvCxnSpPr>
+            <a:cxnSpLocks/>
+          </p:cNvCxnSpPr>
+          <p:nvPr/>
+        </p:nvCxnSpPr>
+        <p:spPr>
+          <a:xfrm>
+            <a:off x="6299306" y="7315200"/>
+            <a:ext cx="0" cy="3247094"/>
+          </a:xfrm>
+          <a:prstGeom prst="straightConnector1">
+            <a:avLst/>
+          </a:prstGeom>
+          <a:ln w="38100">
+            <a:headEnd type="triangle"/>
+            <a:tailEnd type="triangle"/>
+          </a:ln>
+        </p:spPr>
+        <p:style>
+          <a:lnRef idx="2">
+            <a:schemeClr val="accent1"/>
+          </a:lnRef>
+          <a:fillRef idx="0">
+            <a:schemeClr val="accent1"/>
+          </a:fillRef>
+          <a:effectRef idx="1">
+            <a:schemeClr val="accent1"/>
+          </a:effectRef>
+          <a:fontRef idx="minor">
+            <a:schemeClr val="tx1"/>
+          </a:fontRef>
+        </p:style>
+      </p:cxnSp>
+    </p:spTree>
+    <p:extLst>
+      <p:ext uri="{BB962C8B-B14F-4D97-AF65-F5344CB8AC3E}">
+        <p14:creationId xmlns:p14="http://schemas.microsoft.com/office/powerpoint/2010/main" val="3222808955"/>
       </p:ext>
     </p:extLst>
   </p:cSld>

--- a/TM12_15.071_Term_Project_Poster.pptx
+++ b/TM12_15.071_Term_Project_Poster.pptx
@@ -212,7 +212,7 @@
           <a:p>
             <a:fld id="{890071B7-4BD8-8145-82BE-2A6C42B82778}" type="datetime1">
               <a:rPr lang="en-US" smtClean="0"/>
-              <a:t>11/23/19</a:t>
+              <a:t>11/26/19</a:t>
             </a:fld>
             <a:endParaRPr lang="en-US"/>
           </a:p>
@@ -381,7 +381,7 @@
           <a:p>
             <a:fld id="{7391307E-C702-714D-87CE-7789B0B8B84B}" type="datetime1">
               <a:rPr lang="en-US" smtClean="0"/>
-              <a:t>11/23/19</a:t>
+              <a:t>11/26/19</a:t>
             </a:fld>
             <a:endParaRPr lang="en-US"/>
           </a:p>
@@ -4253,186 +4253,85 @@
           </a:p>
         </p:txBody>
       </p:sp>
-      <p:pic>
-        <p:nvPicPr>
-          <p:cNvPr id="7" name="Picture 6" descr="A screenshot of a cell phone&#10;&#10;Description automatically generated">
+      <p:sp>
+        <p:nvSpPr>
+          <p:cNvPr id="25" name="TextBox 24">
             <a:extLst>
               <a:ext uri="{FF2B5EF4-FFF2-40B4-BE49-F238E27FC236}">
-                <a16:creationId xmlns:a16="http://schemas.microsoft.com/office/drawing/2014/main" id="{35E0DAB3-BA4D-4E2A-BAF2-449E24573789}"/>
+                <a16:creationId xmlns:a16="http://schemas.microsoft.com/office/drawing/2014/main" id="{70E02502-993E-2A4A-8BF1-43604979461D}"/>
               </a:ext>
             </a:extLst>
           </p:cNvPr>
-          <p:cNvPicPr>
-            <a:picLocks noChangeAspect="1"/>
-          </p:cNvPicPr>
+          <p:cNvSpPr txBox="1"/>
           <p:nvPr/>
-        </p:nvPicPr>
-        <p:blipFill>
-          <a:blip r:embed="rId4">
-            <a:extLst>
-              <a:ext uri="{28A0092B-C50C-407E-A947-70E740481C1C}">
-                <a14:useLocalDpi xmlns:a14="http://schemas.microsoft.com/office/drawing/2010/main" val="0"/>
-              </a:ext>
-            </a:extLst>
-          </a:blip>
-          <a:stretch>
-            <a:fillRect/>
-          </a:stretch>
-        </p:blipFill>
-        <p:spPr>
-          <a:xfrm>
-            <a:off x="5386610" y="11658509"/>
-            <a:ext cx="16023286" cy="6744641"/>
+        </p:nvSpPr>
+        <p:spPr>
+          <a:xfrm>
+            <a:off x="153566" y="8212613"/>
+            <a:ext cx="5789335" cy="2585323"/>
           </a:xfrm>
           <a:prstGeom prst="rect">
             <a:avLst/>
           </a:prstGeom>
-        </p:spPr>
-      </p:pic>
-      <p:pic>
-        <p:nvPicPr>
-          <p:cNvPr id="10" name="Picture 9" descr="A screenshot of a cell phone&#10;&#10;Description automatically generated">
-            <a:extLst>
-              <a:ext uri="{FF2B5EF4-FFF2-40B4-BE49-F238E27FC236}">
-                <a16:creationId xmlns:a16="http://schemas.microsoft.com/office/drawing/2014/main" id="{EC8A8D4B-65E4-478E-AE6F-A4FE0C9B8988}"/>
-              </a:ext>
-            </a:extLst>
-          </p:cNvPr>
-          <p:cNvPicPr>
-            <a:picLocks noChangeAspect="1"/>
-          </p:cNvPicPr>
-          <p:nvPr/>
-        </p:nvPicPr>
-        <p:blipFill>
-          <a:blip r:embed="rId5">
-            <a:extLst>
-              <a:ext uri="{28A0092B-C50C-407E-A947-70E740481C1C}">
-                <a14:useLocalDpi xmlns:a14="http://schemas.microsoft.com/office/drawing/2010/main" val="0"/>
-              </a:ext>
-            </a:extLst>
-          </a:blip>
-          <a:stretch>
-            <a:fillRect/>
-          </a:stretch>
-        </p:blipFill>
-        <p:spPr>
-          <a:xfrm>
-            <a:off x="17416430" y="3194412"/>
-            <a:ext cx="14994443" cy="6744641"/>
-          </a:xfrm>
-          <a:prstGeom prst="rect">
-            <a:avLst/>
-          </a:prstGeom>
-        </p:spPr>
-      </p:pic>
-      <p:pic>
-        <p:nvPicPr>
-          <p:cNvPr id="14" name="Picture 13" descr="A screenshot of a cell phone&#10;&#10;Description automatically generated">
-            <a:extLst>
-              <a:ext uri="{FF2B5EF4-FFF2-40B4-BE49-F238E27FC236}">
-                <a16:creationId xmlns:a16="http://schemas.microsoft.com/office/drawing/2014/main" id="{C379AF7E-34C5-47FA-897D-696F13C8FC07}"/>
-              </a:ext>
-            </a:extLst>
-          </p:cNvPr>
-          <p:cNvPicPr>
-            <a:picLocks noChangeAspect="1"/>
-          </p:cNvPicPr>
-          <p:nvPr/>
-        </p:nvPicPr>
-        <p:blipFill>
-          <a:blip r:embed="rId6">
-            <a:extLst>
-              <a:ext uri="{28A0092B-C50C-407E-A947-70E740481C1C}">
-                <a14:useLocalDpi xmlns:a14="http://schemas.microsoft.com/office/drawing/2010/main" val="0"/>
-              </a:ext>
-            </a:extLst>
-          </a:blip>
-          <a:stretch>
-            <a:fillRect/>
-          </a:stretch>
-        </p:blipFill>
-        <p:spPr>
-          <a:xfrm>
-            <a:off x="-1526657" y="2945199"/>
-            <a:ext cx="14994443" cy="6744641"/>
-          </a:xfrm>
-          <a:prstGeom prst="rect">
-            <a:avLst/>
-          </a:prstGeom>
-        </p:spPr>
-      </p:pic>
-      <p:pic>
-        <p:nvPicPr>
-          <p:cNvPr id="16" name="Picture 15" descr="A close up of a map&#10;&#10;Description automatically generated">
-            <a:extLst>
-              <a:ext uri="{FF2B5EF4-FFF2-40B4-BE49-F238E27FC236}">
-                <a16:creationId xmlns:a16="http://schemas.microsoft.com/office/drawing/2014/main" id="{7F238D30-94FA-4196-B078-F36C61BA9FFC}"/>
-              </a:ext>
-            </a:extLst>
-          </p:cNvPr>
-          <p:cNvPicPr>
-            <a:picLocks noChangeAspect="1"/>
-          </p:cNvPicPr>
-          <p:nvPr/>
-        </p:nvPicPr>
-        <p:blipFill>
-          <a:blip r:embed="rId7">
-            <a:extLst>
-              <a:ext uri="{28A0092B-C50C-407E-A947-70E740481C1C}">
-                <a14:useLocalDpi xmlns:a14="http://schemas.microsoft.com/office/drawing/2010/main" val="0"/>
-              </a:ext>
-            </a:extLst>
-          </a:blip>
-          <a:stretch>
-            <a:fillRect/>
-          </a:stretch>
-        </p:blipFill>
-        <p:spPr>
-          <a:xfrm>
-            <a:off x="-5068050" y="4358943"/>
-            <a:ext cx="24052743" cy="10260911"/>
-          </a:xfrm>
-          <a:prstGeom prst="rect">
-            <a:avLst/>
-          </a:prstGeom>
-        </p:spPr>
-      </p:pic>
-      <p:pic>
-        <p:nvPicPr>
-          <p:cNvPr id="20" name="Picture 19" descr="A screenshot of a cell phone&#10;&#10;Description automatically generated">
-            <a:extLst>
-              <a:ext uri="{FF2B5EF4-FFF2-40B4-BE49-F238E27FC236}">
-                <a16:creationId xmlns:a16="http://schemas.microsoft.com/office/drawing/2014/main" id="{4DFFC69D-CFF8-4ABA-B851-2B1692EB086C}"/>
-              </a:ext>
-            </a:extLst>
-          </p:cNvPr>
-          <p:cNvPicPr>
-            <a:picLocks noChangeAspect="1"/>
-          </p:cNvPicPr>
-          <p:nvPr/>
-        </p:nvPicPr>
-        <p:blipFill>
-          <a:blip r:embed="rId8">
-            <a:extLst>
-              <a:ext uri="{28A0092B-C50C-407E-A947-70E740481C1C}">
-                <a14:useLocalDpi xmlns:a14="http://schemas.microsoft.com/office/drawing/2010/main" val="0"/>
-              </a:ext>
-            </a:extLst>
-          </a:blip>
-          <a:stretch>
-            <a:fillRect/>
-          </a:stretch>
-        </p:blipFill>
-        <p:spPr>
-          <a:xfrm>
-            <a:off x="12496800" y="5080911"/>
-            <a:ext cx="16709182" cy="6744641"/>
-          </a:xfrm>
-          <a:prstGeom prst="rect">
-            <a:avLst/>
-          </a:prstGeom>
-        </p:spPr>
-      </p:pic>
+          <a:noFill/>
+        </p:spPr>
+        <p:txBody>
+          <a:bodyPr wrap="square" rtlCol="0">
+            <a:spAutoFit/>
+          </a:bodyPr>
+          <a:lstStyle/>
+          <a:p>
+            <a:pPr marL="285750" indent="-285750">
+              <a:buFont typeface="Arial" panose="020B0604020202020204" pitchFamily="34" charset="0"/>
+              <a:buChar char="•"/>
+            </a:pPr>
+            <a:r>
+              <a:rPr lang="en-US" sz="1800" dirty="0"/>
+              <a:t>How should we structure the data to achieve the best results?</a:t>
+            </a:r>
+          </a:p>
+          <a:p>
+            <a:pPr marL="285750" indent="-285750">
+              <a:buFont typeface="Arial" panose="020B0604020202020204" pitchFamily="34" charset="0"/>
+              <a:buChar char="•"/>
+            </a:pPr>
+            <a:r>
+              <a:rPr lang="en-US" sz="1800" dirty="0"/>
+              <a:t>What are the most significant independent variables affecting flight delay?</a:t>
+            </a:r>
+          </a:p>
+          <a:p>
+            <a:pPr marL="285750" indent="-285750">
+              <a:buFont typeface="Arial" panose="020B0604020202020204" pitchFamily="34" charset="0"/>
+              <a:buChar char="•"/>
+            </a:pPr>
+            <a:r>
+              <a:rPr lang="en-US" sz="1800" dirty="0"/>
+              <a:t>How will the decisions travels make when selecting a flight impact the expected duration of delay?</a:t>
+            </a:r>
+          </a:p>
+          <a:p>
+            <a:pPr marL="285750" indent="-285750">
+              <a:buFont typeface="Arial" panose="020B0604020202020204" pitchFamily="34" charset="0"/>
+              <a:buChar char="•"/>
+            </a:pPr>
+            <a:r>
+              <a:rPr lang="en-US" sz="1800" dirty="0"/>
+              <a:t>What model family will provide the best prediction of future flight delays?</a:t>
+            </a:r>
+          </a:p>
+          <a:p>
+            <a:pPr marL="285750" indent="-285750">
+              <a:buFont typeface="Arial" panose="020B0604020202020204" pitchFamily="34" charset="0"/>
+              <a:buChar char="•"/>
+            </a:pPr>
+            <a:r>
+              <a:rPr lang="en-US" sz="1800" dirty="0"/>
+              <a:t>What model parameters will provide the best performance?</a:t>
+            </a:r>
+          </a:p>
+        </p:txBody>
+      </p:sp>
     </p:spTree>
     <p:extLst>
       <p:ext uri="{BB962C8B-B14F-4D97-AF65-F5344CB8AC3E}">
@@ -4934,7 +4833,7 @@
         </p:nvSpPr>
         <p:spPr>
           <a:xfrm>
-            <a:off x="76201" y="3276600"/>
+            <a:off x="76201" y="3025693"/>
             <a:ext cx="5902142" cy="555707"/>
           </a:xfrm>
           <a:prstGeom prst="rect">
@@ -4991,7 +4890,7 @@
         </p:nvSpPr>
         <p:spPr>
           <a:xfrm>
-            <a:off x="76200" y="5616493"/>
+            <a:off x="76200" y="5410200"/>
             <a:ext cx="5938837" cy="555707"/>
           </a:xfrm>
           <a:prstGeom prst="rect">
@@ -5029,7 +4928,7 @@
               <a:rPr lang="en-US" sz="2600" b="1" dirty="0">
                 <a:latin typeface="+mj-lt"/>
               </a:rPr>
-              <a:t>Key questions</a:t>
+              <a:t>Data</a:t>
             </a:r>
           </a:p>
         </p:txBody>
@@ -5087,63 +4986,6 @@
                 <a:latin typeface="+mj-lt"/>
               </a:rPr>
               <a:t>Data Visualization</a:t>
-            </a:r>
-          </a:p>
-        </p:txBody>
-      </p:sp>
-      <p:sp>
-        <p:nvSpPr>
-          <p:cNvPr id="24" name="Rectangle 23">
-            <a:extLst>
-              <a:ext uri="{FF2B5EF4-FFF2-40B4-BE49-F238E27FC236}">
-                <a16:creationId xmlns:a16="http://schemas.microsoft.com/office/drawing/2014/main" id="{CC08E273-E82D-C049-8A65-5A150105876E}"/>
-              </a:ext>
-            </a:extLst>
-          </p:cNvPr>
-          <p:cNvSpPr/>
-          <p:nvPr/>
-        </p:nvSpPr>
-        <p:spPr>
-          <a:xfrm>
-            <a:off x="5977734" y="6379333"/>
-            <a:ext cx="5595959" cy="555707"/>
-          </a:xfrm>
-          <a:prstGeom prst="rect">
-            <a:avLst/>
-          </a:prstGeom>
-          <a:solidFill>
-            <a:schemeClr val="accent1"/>
-          </a:solidFill>
-          <a:ln w="50800" cap="rnd" cmpd="dbl" algn="ctr">
-            <a:noFill/>
-            <a:prstDash val="solid"/>
-          </a:ln>
-          <a:effectLst/>
-        </p:spPr>
-        <p:style>
-          <a:lnRef idx="3">
-            <a:schemeClr val="lt1"/>
-          </a:lnRef>
-          <a:fillRef idx="1">
-            <a:schemeClr val="accent1"/>
-          </a:fillRef>
-          <a:effectRef idx="1">
-            <a:schemeClr val="accent1"/>
-          </a:effectRef>
-          <a:fontRef idx="minor">
-            <a:schemeClr val="lt1"/>
-          </a:fontRef>
-        </p:style>
-        <p:txBody>
-          <a:bodyPr anchor="ctr"/>
-          <a:lstStyle/>
-          <a:p>
-            <a:pPr algn="ctr" eaLnBrk="1" latinLnBrk="0" hangingPunct="1"/>
-            <a:r>
-              <a:rPr lang="en-US" sz="2600" b="1" dirty="0">
-                <a:latin typeface="+mj-lt"/>
-              </a:rPr>
-              <a:t>Results</a:t>
             </a:r>
           </a:p>
         </p:txBody>
@@ -5683,7 +5525,7 @@
               <a:rPr lang="en-US" sz="2600" b="1" dirty="0">
                 <a:latin typeface="+mj-lt"/>
               </a:rPr>
-              <a:t>Takeaways</a:t>
+              <a:t>Results</a:t>
             </a:r>
           </a:p>
         </p:txBody>
@@ -5702,7 +5544,7 @@
         </p:nvSpPr>
         <p:spPr>
           <a:xfrm>
-            <a:off x="11573084" y="4724400"/>
+            <a:off x="11573084" y="6096000"/>
             <a:ext cx="5660136" cy="555707"/>
           </a:xfrm>
           <a:prstGeom prst="rect">
@@ -5760,7 +5602,7 @@
         <p:spPr>
           <a:xfrm>
             <a:off x="134093" y="1643008"/>
-            <a:ext cx="5816048" cy="1477328"/>
+            <a:ext cx="5816048" cy="1200329"/>
           </a:xfrm>
           <a:prstGeom prst="rect">
             <a:avLst/>
@@ -5775,13 +5617,7 @@
           <a:p>
             <a:r>
               <a:rPr lang="en-US" sz="1800" dirty="0"/>
-              <a:t>Using commercial aviation flight data, we created a model that predicts the delay times for future flights. This provides travelers with decision-relevant information they can use to reduce the duration of their travel delays.</a:t>
-            </a:r>
-          </a:p>
-          <a:p>
-            <a:r>
-              <a:rPr lang="en-US" sz="1800" dirty="0"/>
-              <a:t>Results &amp; Conclusion …</a:t>
+              <a:t>Using commercial aviation data, we created a model that predicts the delay times for future flights. This provides travelers with decision-relevant information they can use to reduce the duration of their travel delays.</a:t>
             </a:r>
           </a:p>
         </p:txBody>
@@ -5800,7 +5636,7 @@
         </p:nvSpPr>
         <p:spPr>
           <a:xfrm>
-            <a:off x="150903" y="3884474"/>
+            <a:off x="150903" y="3581400"/>
             <a:ext cx="5789335" cy="1754326"/>
           </a:xfrm>
           <a:prstGeom prst="rect">
@@ -5816,86 +5652,7 @@
           <a:p>
             <a:r>
               <a:rPr lang="en-US" sz="1800" dirty="0"/>
-              <a:t>A study estimated that in 2007, the total direct cost to US passengers from air transportation delay was $16.7 billon. Despite the cost and inconvenience of delays, travelers have to make many decisions (airports, airline, flight time and date), with little information about how those variables impact the likelihood of delay.</a:t>
-            </a:r>
-          </a:p>
-        </p:txBody>
-      </p:sp>
-      <p:sp>
-        <p:nvSpPr>
-          <p:cNvPr id="30" name="TextBox 29">
-            <a:extLst>
-              <a:ext uri="{FF2B5EF4-FFF2-40B4-BE49-F238E27FC236}">
-                <a16:creationId xmlns:a16="http://schemas.microsoft.com/office/drawing/2014/main" id="{986E3B4B-43D6-F745-B58B-B95E38CDD180}"/>
-              </a:ext>
-            </a:extLst>
-          </p:cNvPr>
-          <p:cNvSpPr txBox="1"/>
-          <p:nvPr/>
-        </p:nvSpPr>
-        <p:spPr>
-          <a:xfrm>
-            <a:off x="132604" y="6172600"/>
-            <a:ext cx="5789335" cy="2585323"/>
-          </a:xfrm>
-          <a:prstGeom prst="rect">
-            <a:avLst/>
-          </a:prstGeom>
-          <a:noFill/>
-        </p:spPr>
-        <p:txBody>
-          <a:bodyPr wrap="square" rtlCol="0">
-            <a:spAutoFit/>
-          </a:bodyPr>
-          <a:lstStyle/>
-          <a:p>
-            <a:pPr marL="285750" indent="-285750">
-              <a:buFont typeface="Arial" panose="020B0604020202020204" pitchFamily="34" charset="0"/>
-              <a:buChar char="•"/>
-            </a:pPr>
-            <a:r>
-              <a:rPr lang="en-US" sz="1800" dirty="0"/>
-              <a:t>How should we structure the data to achieve the best results?</a:t>
-            </a:r>
-          </a:p>
-          <a:p>
-            <a:pPr marL="285750" indent="-285750">
-              <a:buFont typeface="Arial" panose="020B0604020202020204" pitchFamily="34" charset="0"/>
-              <a:buChar char="•"/>
-            </a:pPr>
-            <a:r>
-              <a:rPr lang="en-US" sz="1800" dirty="0"/>
-              <a:t>What are the most significant independent variables affecting flight delay?</a:t>
-            </a:r>
-          </a:p>
-          <a:p>
-            <a:pPr marL="285750" indent="-285750">
-              <a:buFont typeface="Arial" panose="020B0604020202020204" pitchFamily="34" charset="0"/>
-              <a:buChar char="•"/>
-            </a:pPr>
-            <a:r>
-              <a:rPr lang="en-US" sz="1800" dirty="0"/>
-              <a:t>How will the decisions travels make when selecting a flight impact the expected duration of delay?</a:t>
-            </a:r>
-          </a:p>
-          <a:p>
-            <a:pPr marL="285750" indent="-285750">
-              <a:buFont typeface="Arial" panose="020B0604020202020204" pitchFamily="34" charset="0"/>
-              <a:buChar char="•"/>
-            </a:pPr>
-            <a:r>
-              <a:rPr lang="en-US" sz="1800" dirty="0"/>
-              <a:t>What model family will provide the best prediction of future flight delays?</a:t>
-            </a:r>
-          </a:p>
-          <a:p>
-            <a:pPr marL="285750" indent="-285750">
-              <a:buFont typeface="Arial" panose="020B0604020202020204" pitchFamily="34" charset="0"/>
-              <a:buChar char="•"/>
-            </a:pPr>
-            <a:r>
-              <a:rPr lang="en-US" sz="1800" dirty="0"/>
-              <a:t>What model parameters will provide the best performance?</a:t>
+              <a:t>A study estimated that in 2007, the total direct cost to US passengers from air transportation delay was $16.7 billon. Despite the significant cost and inconvenience of delays, travelers have to make many decisions (airports, airline, flight time and date), with little information about how those variables impact the amount of delay they experience.</a:t>
             </a:r>
           </a:p>
         </p:txBody>
@@ -5914,8 +5671,8 @@
         </p:nvSpPr>
         <p:spPr>
           <a:xfrm>
-            <a:off x="132604" y="9419272"/>
-            <a:ext cx="5780345" cy="1477328"/>
+            <a:off x="132604" y="6019800"/>
+            <a:ext cx="5780345" cy="1754326"/>
           </a:xfrm>
           <a:prstGeom prst="rect">
             <a:avLst/>
@@ -5930,7 +5687,7 @@
           <a:p>
             <a:r>
               <a:rPr lang="en-US" sz="1800" dirty="0"/>
-              <a:t>We utilize a dataset from the Bureau of Transportation Statistics containing commercial aviation flight data from 2009 to 2018. After processing the dataset contains 1.8 million entries across 8 variables. The dependent variable is Arrival Delay. Independent variables: </a:t>
+              <a:t>We utilize a dataset from the U.S. Department of Transportation containing commercial aviation flight data from 2009 to 2018. After processing the dataset contains 1.8 million entries across 8 variables. The dependent variable is Arrival Delay. Independent variables are carrier, origin, destination, distance, destination, and date/time of flight.</a:t>
             </a:r>
           </a:p>
         </p:txBody>
@@ -5963,8 +5720,8 @@
         </p:blipFill>
         <p:spPr>
           <a:xfrm>
-            <a:off x="17703883" y="179202"/>
-            <a:ext cx="8663004" cy="3641073"/>
+            <a:off x="6014006" y="4538928"/>
+            <a:ext cx="5520972" cy="2320472"/>
           </a:xfrm>
           <a:prstGeom prst="rect">
             <a:avLst/>
@@ -5985,7 +5742,7 @@
         </p:nvSpPr>
         <p:spPr>
           <a:xfrm>
-            <a:off x="78926" y="8800960"/>
+            <a:off x="78926" y="7772400"/>
             <a:ext cx="5890097" cy="555707"/>
           </a:xfrm>
           <a:prstGeom prst="rect">
@@ -6023,7 +5780,7 @@
               <a:rPr lang="en-US" sz="2600" b="1" dirty="0">
                 <a:latin typeface="+mj-lt"/>
               </a:rPr>
-              <a:t>Data</a:t>
+              <a:t>Analytical Approach</a:t>
             </a:r>
           </a:p>
         </p:txBody>
@@ -6064,404 +5821,6 @@
           </a:prstGeom>
         </p:spPr>
       </p:pic>
-      <p:graphicFrame>
-        <p:nvGraphicFramePr>
-          <p:cNvPr id="17" name="Table 16">
-            <a:extLst>
-              <a:ext uri="{FF2B5EF4-FFF2-40B4-BE49-F238E27FC236}">
-                <a16:creationId xmlns:a16="http://schemas.microsoft.com/office/drawing/2014/main" id="{B33F8BC2-7053-6143-87C5-971302543526}"/>
-              </a:ext>
-            </a:extLst>
-          </p:cNvPr>
-          <p:cNvGraphicFramePr>
-            <a:graphicFrameLocks noGrp="1"/>
-          </p:cNvGraphicFramePr>
-          <p:nvPr>
-            <p:extLst>
-              <p:ext uri="{D42A27DB-BD31-4B8C-83A1-F6EECF244321}">
-                <p14:modId xmlns:p14="http://schemas.microsoft.com/office/powerpoint/2010/main" val="828910108"/>
-              </p:ext>
-            </p:extLst>
-          </p:nvPr>
-        </p:nvGraphicFramePr>
-        <p:xfrm>
-          <a:off x="6738658" y="7048537"/>
-          <a:ext cx="7614368" cy="3479800"/>
-        </p:xfrm>
-        <a:graphic>
-          <a:graphicData uri="http://schemas.openxmlformats.org/drawingml/2006/table">
-            <a:tbl>
-              <a:tblPr firstRow="1" bandRow="1">
-                <a:tableStyleId>{5C22544A-7EE6-4342-B048-85BDC9FD1C3A}</a:tableStyleId>
-              </a:tblPr>
-              <a:tblGrid>
-                <a:gridCol w="1121210">
-                  <a:extLst>
-                    <a:ext uri="{9D8B030D-6E8A-4147-A177-3AD203B41FA5}">
-                      <a16:colId xmlns:a16="http://schemas.microsoft.com/office/drawing/2014/main" val="1077954340"/>
-                    </a:ext>
-                  </a:extLst>
-                </a:gridCol>
-                <a:gridCol w="1360332">
-                  <a:extLst>
-                    <a:ext uri="{9D8B030D-6E8A-4147-A177-3AD203B41FA5}">
-                      <a16:colId xmlns:a16="http://schemas.microsoft.com/office/drawing/2014/main" val="1781208849"/>
-                    </a:ext>
-                  </a:extLst>
-                </a:gridCol>
-                <a:gridCol w="1941473">
-                  <a:extLst>
-                    <a:ext uri="{9D8B030D-6E8A-4147-A177-3AD203B41FA5}">
-                      <a16:colId xmlns:a16="http://schemas.microsoft.com/office/drawing/2014/main" val="1309071497"/>
-                    </a:ext>
-                  </a:extLst>
-                </a:gridCol>
-                <a:gridCol w="1210155">
-                  <a:extLst>
-                    <a:ext uri="{9D8B030D-6E8A-4147-A177-3AD203B41FA5}">
-                      <a16:colId xmlns:a16="http://schemas.microsoft.com/office/drawing/2014/main" val="3419688354"/>
-                    </a:ext>
-                  </a:extLst>
-                </a:gridCol>
-                <a:gridCol w="1981198">
-                  <a:extLst>
-                    <a:ext uri="{9D8B030D-6E8A-4147-A177-3AD203B41FA5}">
-                      <a16:colId xmlns:a16="http://schemas.microsoft.com/office/drawing/2014/main" val="1497112927"/>
-                    </a:ext>
-                  </a:extLst>
-                </a:gridCol>
-              </a:tblGrid>
-              <a:tr h="370840">
-                <a:tc>
-                  <a:txBody>
-                    <a:bodyPr/>
-                    <a:lstStyle/>
-                    <a:p>
-                      <a:r>
-                        <a:rPr lang="en-US" dirty="0"/>
-                        <a:t>Carrier</a:t>
-                      </a:r>
-                    </a:p>
-                  </a:txBody>
-                  <a:tcPr/>
-                </a:tc>
-                <a:tc>
-                  <a:txBody>
-                    <a:bodyPr/>
-                    <a:lstStyle/>
-                    <a:p>
-                      <a:r>
-                        <a:rPr lang="en-US" dirty="0"/>
-                        <a:t>Destination</a:t>
-                      </a:r>
-                    </a:p>
-                  </a:txBody>
-                  <a:tcPr/>
-                </a:tc>
-                <a:tc>
-                  <a:txBody>
-                    <a:bodyPr/>
-                    <a:lstStyle/>
-                    <a:p>
-                      <a:r>
-                        <a:rPr lang="en-US" dirty="0"/>
-                        <a:t>Time of Day</a:t>
-                      </a:r>
-                    </a:p>
-                  </a:txBody>
-                  <a:tcPr/>
-                </a:tc>
-                <a:tc>
-                  <a:txBody>
-                    <a:bodyPr/>
-                    <a:lstStyle/>
-                    <a:p>
-                      <a:r>
-                        <a:rPr lang="en-US" dirty="0"/>
-                        <a:t>Weekday</a:t>
-                      </a:r>
-                    </a:p>
-                  </a:txBody>
-                  <a:tcPr/>
-                </a:tc>
-                <a:tc>
-                  <a:txBody>
-                    <a:bodyPr/>
-                    <a:lstStyle/>
-                    <a:p>
-                      <a:r>
-                        <a:rPr lang="en-US" dirty="0"/>
-                        <a:t>Month</a:t>
-                      </a:r>
-                    </a:p>
-                  </a:txBody>
-                  <a:tcPr/>
-                </a:tc>
-                <a:extLst>
-                  <a:ext uri="{0D108BD9-81ED-4DB2-BD59-A6C34878D82A}">
-                    <a16:rowId xmlns:a16="http://schemas.microsoft.com/office/drawing/2014/main" val="665170446"/>
-                  </a:ext>
-                </a:extLst>
-              </a:tr>
-              <a:tr h="370840">
-                <a:tc>
-                  <a:txBody>
-                    <a:bodyPr/>
-                    <a:lstStyle/>
-                    <a:p>
-                      <a:r>
-                        <a:rPr lang="en-US" dirty="0"/>
-                        <a:t>Jet Blue</a:t>
-                      </a:r>
-                    </a:p>
-                    <a:p>
-                      <a:r>
-                        <a:rPr lang="en-US" dirty="0"/>
-                        <a:t>Southwest</a:t>
-                      </a:r>
-                    </a:p>
-                    <a:p>
-                      <a:r>
-                        <a:rPr lang="en-US" dirty="0"/>
-                        <a:t>United</a:t>
-                      </a:r>
-                    </a:p>
-                    <a:p>
-                      <a:r>
-                        <a:rPr lang="en-US" dirty="0"/>
-                        <a:t>Express Jet</a:t>
-                      </a:r>
-                    </a:p>
-                    <a:p>
-                      <a:r>
-                        <a:rPr lang="en-US" dirty="0"/>
-                        <a:t>American</a:t>
-                      </a:r>
-                    </a:p>
-                    <a:p>
-                      <a:r>
-                        <a:rPr lang="en-US" dirty="0"/>
-                        <a:t>Delta</a:t>
-                      </a:r>
-                    </a:p>
-                    <a:p>
-                      <a:r>
-                        <a:rPr lang="en-US" dirty="0"/>
-                        <a:t>Alaska</a:t>
-                      </a:r>
-                    </a:p>
-                  </a:txBody>
-                  <a:tcPr/>
-                </a:tc>
-                <a:tc>
-                  <a:txBody>
-                    <a:bodyPr/>
-                    <a:lstStyle/>
-                    <a:p>
-                      <a:r>
-                        <a:rPr lang="en-US" dirty="0"/>
-                        <a:t>ORF</a:t>
-                      </a:r>
-                    </a:p>
-                    <a:p>
-                      <a:endParaRPr lang="en-US" dirty="0"/>
-                    </a:p>
-                    <a:p>
-                      <a:r>
-                        <a:rPr lang="en-US" dirty="0"/>
-                        <a:t>…</a:t>
-                      </a:r>
-                    </a:p>
-                    <a:p>
-                      <a:endParaRPr lang="en-US" dirty="0"/>
-                    </a:p>
-                    <a:p>
-                      <a:endParaRPr lang="en-US" dirty="0"/>
-                    </a:p>
-                    <a:p>
-                      <a:endParaRPr lang="en-US" dirty="0"/>
-                    </a:p>
-                    <a:p>
-                      <a:endParaRPr lang="en-US" dirty="0"/>
-                    </a:p>
-                    <a:p>
-                      <a:endParaRPr lang="en-US" dirty="0"/>
-                    </a:p>
-                    <a:p>
-                      <a:r>
-                        <a:rPr lang="en-US" dirty="0"/>
-                        <a:t>PDX</a:t>
-                      </a:r>
-                    </a:p>
-                  </a:txBody>
-                  <a:tcPr/>
-                </a:tc>
-                <a:tc>
-                  <a:txBody>
-                    <a:bodyPr/>
-                    <a:lstStyle/>
-                    <a:p>
-                      <a:r>
-                        <a:rPr lang="en-US" dirty="0"/>
-                        <a:t>Evening (1800-2400)</a:t>
-                      </a:r>
-                    </a:p>
-                    <a:p>
-                      <a:r>
-                        <a:rPr lang="en-US" dirty="0"/>
-                        <a:t>Afternoon (1200-1800)</a:t>
-                      </a:r>
-                    </a:p>
-                    <a:p>
-                      <a:r>
-                        <a:rPr lang="en-US" dirty="0"/>
-                        <a:t>Morning (0600-1200)</a:t>
-                      </a:r>
-                    </a:p>
-                    <a:p>
-                      <a:r>
-                        <a:rPr lang="en-US" dirty="0"/>
-                        <a:t>Night (2400-0600)</a:t>
-                      </a:r>
-                    </a:p>
-                  </a:txBody>
-                  <a:tcPr/>
-                </a:tc>
-                <a:tc>
-                  <a:txBody>
-                    <a:bodyPr/>
-                    <a:lstStyle/>
-                    <a:p>
-                      <a:r>
-                        <a:rPr lang="en-US" dirty="0"/>
-                        <a:t>Thursday</a:t>
-                      </a:r>
-                    </a:p>
-                    <a:p>
-                      <a:r>
-                        <a:rPr lang="en-US" dirty="0"/>
-                        <a:t>Friday</a:t>
-                      </a:r>
-                    </a:p>
-                    <a:p>
-                      <a:r>
-                        <a:rPr lang="en-US" dirty="0"/>
-                        <a:t>Monday</a:t>
-                      </a:r>
-                    </a:p>
-                    <a:p>
-                      <a:r>
-                        <a:rPr lang="en-US" dirty="0"/>
-                        <a:t>Tuesday</a:t>
-                      </a:r>
-                    </a:p>
-                    <a:p>
-                      <a:r>
-                        <a:rPr lang="en-US" dirty="0"/>
-                        <a:t>Wednesday</a:t>
-                      </a:r>
-                    </a:p>
-                    <a:p>
-                      <a:r>
-                        <a:rPr lang="en-US" dirty="0"/>
-                        <a:t>Sunday</a:t>
-                      </a:r>
-                    </a:p>
-                    <a:p>
-                      <a:r>
-                        <a:rPr lang="en-US" dirty="0"/>
-                        <a:t>Saturday</a:t>
-                      </a:r>
-                    </a:p>
-                    <a:p>
-                      <a:endParaRPr lang="en-US" dirty="0"/>
-                    </a:p>
-                  </a:txBody>
-                  <a:tcPr/>
-                </a:tc>
-                <a:tc>
-                  <a:txBody>
-                    <a:bodyPr/>
-                    <a:lstStyle/>
-                    <a:p>
-                      <a:r>
-                        <a:rPr lang="en-US" dirty="0"/>
-                        <a:t>July</a:t>
-                      </a:r>
-                    </a:p>
-                    <a:p>
-                      <a:r>
-                        <a:rPr lang="en-US" dirty="0"/>
-                        <a:t>June</a:t>
-                      </a:r>
-                    </a:p>
-                    <a:p>
-                      <a:r>
-                        <a:rPr lang="en-US" dirty="0"/>
-                        <a:t>August</a:t>
-                      </a:r>
-                    </a:p>
-                    <a:p>
-                      <a:r>
-                        <a:rPr lang="en-US" dirty="0"/>
-                        <a:t>May</a:t>
-                      </a:r>
-                    </a:p>
-                    <a:p>
-                      <a:r>
-                        <a:rPr lang="en-US" dirty="0"/>
-                        <a:t>April</a:t>
-                      </a:r>
-                    </a:p>
-                    <a:p>
-                      <a:r>
-                        <a:rPr lang="en-US" dirty="0"/>
-                        <a:t>March</a:t>
-                      </a:r>
-                    </a:p>
-                    <a:p>
-                      <a:r>
-                        <a:rPr lang="en-US" dirty="0"/>
-                        <a:t>February</a:t>
-                      </a:r>
-                    </a:p>
-                    <a:p>
-                      <a:r>
-                        <a:rPr lang="en-US" dirty="0"/>
-                        <a:t>January</a:t>
-                      </a:r>
-                    </a:p>
-                    <a:p>
-                      <a:r>
-                        <a:rPr lang="en-US" dirty="0"/>
-                        <a:t>October</a:t>
-                      </a:r>
-                    </a:p>
-                    <a:p>
-                      <a:r>
-                        <a:rPr lang="en-US" dirty="0"/>
-                        <a:t>September</a:t>
-                      </a:r>
-                    </a:p>
-                    <a:p>
-                      <a:r>
-                        <a:rPr lang="en-US" dirty="0"/>
-                        <a:t>November</a:t>
-                      </a:r>
-                    </a:p>
-                  </a:txBody>
-                  <a:tcPr/>
-                </a:tc>
-                <a:extLst>
-                  <a:ext uri="{0D108BD9-81ED-4DB2-BD59-A6C34878D82A}">
-                    <a16:rowId xmlns:a16="http://schemas.microsoft.com/office/drawing/2014/main" val="370178054"/>
-                  </a:ext>
-                </a:extLst>
-              </a:tr>
-            </a:tbl>
-          </a:graphicData>
-        </a:graphic>
-      </p:graphicFrame>
       <p:pic>
         <p:nvPicPr>
           <p:cNvPr id="13" name="Picture 12">
@@ -6536,42 +5895,6 @@
       </p:pic>
       <p:pic>
         <p:nvPicPr>
-          <p:cNvPr id="6" name="Picture 5">
-            <a:extLst>
-              <a:ext uri="{FF2B5EF4-FFF2-40B4-BE49-F238E27FC236}">
-                <a16:creationId xmlns:a16="http://schemas.microsoft.com/office/drawing/2014/main" id="{EF0572B8-DD3F-384B-B879-37C30F28CEFF}"/>
-              </a:ext>
-            </a:extLst>
-          </p:cNvPr>
-          <p:cNvPicPr>
-            <a:picLocks noChangeAspect="1"/>
-          </p:cNvPicPr>
-          <p:nvPr/>
-        </p:nvPicPr>
-        <p:blipFill>
-          <a:blip r:embed="rId9">
-            <a:extLst>
-              <a:ext uri="{28A0092B-C50C-407E-A947-70E740481C1C}">
-                <a14:useLocalDpi xmlns:a14="http://schemas.microsoft.com/office/drawing/2010/main" val="0"/>
-              </a:ext>
-            </a:extLst>
-          </a:blip>
-          <a:stretch>
-            <a:fillRect/>
-          </a:stretch>
-        </p:blipFill>
-        <p:spPr>
-          <a:xfrm>
-            <a:off x="18574074" y="9570222"/>
-            <a:ext cx="5510485" cy="2492293"/>
-          </a:xfrm>
-          <a:prstGeom prst="rect">
-            <a:avLst/>
-          </a:prstGeom>
-        </p:spPr>
-      </p:pic>
-      <p:pic>
-        <p:nvPicPr>
           <p:cNvPr id="43" name="Picture 42">
             <a:extLst>
               <a:ext uri="{FF2B5EF4-FFF2-40B4-BE49-F238E27FC236}">
@@ -6592,13 +5915,13 @@
               </a:ext>
             </a:extLst>
           </a:blip>
-          <a:srcRect r="25919" b="18462"/>
+          <a:srcRect r="30959" b="18462"/>
           <a:stretch/>
         </p:blipFill>
         <p:spPr>
           <a:xfrm>
-            <a:off x="6014614" y="1604778"/>
-            <a:ext cx="5483671" cy="2729842"/>
+            <a:off x="6014616" y="1622506"/>
+            <a:ext cx="5521799" cy="2949493"/>
           </a:xfrm>
           <a:prstGeom prst="rect">
             <a:avLst/>
@@ -6657,7 +5980,7 @@
         </p:nvCxnSpPr>
         <p:spPr>
           <a:xfrm>
-            <a:off x="6299306" y="7315200"/>
+            <a:off x="6188079" y="7484406"/>
             <a:ext cx="0" cy="3247094"/>
           </a:xfrm>
           <a:prstGeom prst="straightConnector1">
@@ -6683,6 +6006,789 @@
           </a:fontRef>
         </p:style>
       </p:cxnSp>
+      <p:pic>
+        <p:nvPicPr>
+          <p:cNvPr id="48" name="Picture 47">
+            <a:extLst>
+              <a:ext uri="{FF2B5EF4-FFF2-40B4-BE49-F238E27FC236}">
+                <a16:creationId xmlns:a16="http://schemas.microsoft.com/office/drawing/2014/main" id="{8B62D3D9-9B55-2C45-AF90-07509C6C1396}"/>
+              </a:ext>
+            </a:extLst>
+          </p:cNvPr>
+          <p:cNvPicPr>
+            <a:picLocks noChangeAspect="1"/>
+          </p:cNvPicPr>
+          <p:nvPr/>
+        </p:nvPicPr>
+        <p:blipFill rotWithShape="1">
+          <a:blip r:embed="rId9">
+            <a:extLst>
+              <a:ext uri="{28A0092B-C50C-407E-A947-70E740481C1C}">
+                <a14:useLocalDpi xmlns:a14="http://schemas.microsoft.com/office/drawing/2010/main" val="0"/>
+              </a:ext>
+            </a:extLst>
+          </a:blip>
+          <a:srcRect l="82476" t="10415" r="5629" b="52895"/>
+          <a:stretch/>
+        </p:blipFill>
+        <p:spPr>
+          <a:xfrm>
+            <a:off x="6081271" y="3481601"/>
+            <a:ext cx="655503" cy="914401"/>
+          </a:xfrm>
+          <a:prstGeom prst="rect">
+            <a:avLst/>
+          </a:prstGeom>
+        </p:spPr>
+      </p:pic>
+      <p:sp>
+        <p:nvSpPr>
+          <p:cNvPr id="52" name="Oval 51">
+            <a:extLst>
+              <a:ext uri="{FF2B5EF4-FFF2-40B4-BE49-F238E27FC236}">
+                <a16:creationId xmlns:a16="http://schemas.microsoft.com/office/drawing/2014/main" id="{1CA5A2A3-8F73-C948-AED7-9DC96213E7DE}"/>
+              </a:ext>
+            </a:extLst>
+          </p:cNvPr>
+          <p:cNvSpPr/>
+          <p:nvPr/>
+        </p:nvSpPr>
+        <p:spPr>
+          <a:xfrm>
+            <a:off x="6188079" y="3857946"/>
+            <a:ext cx="93978" cy="102191"/>
+          </a:xfrm>
+          <a:prstGeom prst="ellipse">
+            <a:avLst/>
+          </a:prstGeom>
+          <a:solidFill>
+            <a:srgbClr val="4E79A7"/>
+          </a:solidFill>
+          <a:ln>
+            <a:solidFill>
+              <a:srgbClr val="4E79A7"/>
+            </a:solidFill>
+          </a:ln>
+          <a:effectLst/>
+        </p:spPr>
+        <p:style>
+          <a:lnRef idx="1">
+            <a:schemeClr val="accent1"/>
+          </a:lnRef>
+          <a:fillRef idx="3">
+            <a:schemeClr val="accent1"/>
+          </a:fillRef>
+          <a:effectRef idx="2">
+            <a:schemeClr val="accent1"/>
+          </a:effectRef>
+          <a:fontRef idx="minor">
+            <a:schemeClr val="lt1"/>
+          </a:fontRef>
+        </p:style>
+        <p:txBody>
+          <a:bodyPr rtlCol="0" anchor="ctr"/>
+          <a:lstStyle/>
+          <a:p>
+            <a:pPr algn="ctr"/>
+            <a:endParaRPr lang="en-US"/>
+          </a:p>
+        </p:txBody>
+      </p:sp>
+      <p:sp>
+        <p:nvSpPr>
+          <p:cNvPr id="53" name="Oval 52">
+            <a:extLst>
+              <a:ext uri="{FF2B5EF4-FFF2-40B4-BE49-F238E27FC236}">
+                <a16:creationId xmlns:a16="http://schemas.microsoft.com/office/drawing/2014/main" id="{8FDDD4CB-7187-4748-A8C2-AF1FD0FC8BA6}"/>
+              </a:ext>
+            </a:extLst>
+          </p:cNvPr>
+          <p:cNvSpPr/>
+          <p:nvPr/>
+        </p:nvSpPr>
+        <p:spPr>
+          <a:xfrm>
+            <a:off x="6196311" y="3757324"/>
+            <a:ext cx="77248" cy="77248"/>
+          </a:xfrm>
+          <a:prstGeom prst="ellipse">
+            <a:avLst/>
+          </a:prstGeom>
+          <a:solidFill>
+            <a:srgbClr val="4E79A7"/>
+          </a:solidFill>
+          <a:ln>
+            <a:solidFill>
+              <a:srgbClr val="4E79A7"/>
+            </a:solidFill>
+          </a:ln>
+          <a:effectLst/>
+        </p:spPr>
+        <p:style>
+          <a:lnRef idx="1">
+            <a:schemeClr val="accent1"/>
+          </a:lnRef>
+          <a:fillRef idx="3">
+            <a:schemeClr val="accent1"/>
+          </a:fillRef>
+          <a:effectRef idx="2">
+            <a:schemeClr val="accent1"/>
+          </a:effectRef>
+          <a:fontRef idx="minor">
+            <a:schemeClr val="lt1"/>
+          </a:fontRef>
+        </p:style>
+        <p:txBody>
+          <a:bodyPr rtlCol="0" anchor="ctr"/>
+          <a:lstStyle/>
+          <a:p>
+            <a:pPr algn="ctr"/>
+            <a:endParaRPr lang="en-US"/>
+          </a:p>
+        </p:txBody>
+      </p:sp>
+      <p:sp>
+        <p:nvSpPr>
+          <p:cNvPr id="54" name="Oval 53">
+            <a:extLst>
+              <a:ext uri="{FF2B5EF4-FFF2-40B4-BE49-F238E27FC236}">
+                <a16:creationId xmlns:a16="http://schemas.microsoft.com/office/drawing/2014/main" id="{DA18099A-5901-A84A-B42F-92843AFDC07A}"/>
+              </a:ext>
+            </a:extLst>
+          </p:cNvPr>
+          <p:cNvSpPr/>
+          <p:nvPr/>
+        </p:nvSpPr>
+        <p:spPr>
+          <a:xfrm>
+            <a:off x="6212076" y="3655565"/>
+            <a:ext cx="45719" cy="45719"/>
+          </a:xfrm>
+          <a:prstGeom prst="ellipse">
+            <a:avLst/>
+          </a:prstGeom>
+          <a:solidFill>
+            <a:srgbClr val="4E79A7"/>
+          </a:solidFill>
+          <a:ln>
+            <a:solidFill>
+              <a:srgbClr val="4E79A7"/>
+            </a:solidFill>
+          </a:ln>
+          <a:effectLst/>
+        </p:spPr>
+        <p:style>
+          <a:lnRef idx="1">
+            <a:schemeClr val="accent1"/>
+          </a:lnRef>
+          <a:fillRef idx="3">
+            <a:schemeClr val="accent1"/>
+          </a:fillRef>
+          <a:effectRef idx="2">
+            <a:schemeClr val="accent1"/>
+          </a:effectRef>
+          <a:fontRef idx="minor">
+            <a:schemeClr val="lt1"/>
+          </a:fontRef>
+        </p:style>
+        <p:txBody>
+          <a:bodyPr rtlCol="0" anchor="ctr"/>
+          <a:lstStyle/>
+          <a:p>
+            <a:pPr algn="ctr"/>
+            <a:endParaRPr lang="en-US"/>
+          </a:p>
+        </p:txBody>
+      </p:sp>
+      <p:sp>
+        <p:nvSpPr>
+          <p:cNvPr id="55" name="Oval 54">
+            <a:extLst>
+              <a:ext uri="{FF2B5EF4-FFF2-40B4-BE49-F238E27FC236}">
+                <a16:creationId xmlns:a16="http://schemas.microsoft.com/office/drawing/2014/main" id="{5B3DAF95-59F8-9D41-A7E0-C7F7EC4A02E5}"/>
+              </a:ext>
+            </a:extLst>
+          </p:cNvPr>
+          <p:cNvSpPr/>
+          <p:nvPr/>
+        </p:nvSpPr>
+        <p:spPr>
+          <a:xfrm>
+            <a:off x="6176822" y="3973300"/>
+            <a:ext cx="116226" cy="126383"/>
+          </a:xfrm>
+          <a:prstGeom prst="ellipse">
+            <a:avLst/>
+          </a:prstGeom>
+          <a:solidFill>
+            <a:srgbClr val="4E79A7"/>
+          </a:solidFill>
+          <a:ln>
+            <a:solidFill>
+              <a:srgbClr val="4E79A7"/>
+            </a:solidFill>
+          </a:ln>
+          <a:effectLst/>
+        </p:spPr>
+        <p:style>
+          <a:lnRef idx="1">
+            <a:schemeClr val="accent1"/>
+          </a:lnRef>
+          <a:fillRef idx="3">
+            <a:schemeClr val="accent1"/>
+          </a:fillRef>
+          <a:effectRef idx="2">
+            <a:schemeClr val="accent1"/>
+          </a:effectRef>
+          <a:fontRef idx="minor">
+            <a:schemeClr val="lt1"/>
+          </a:fontRef>
+        </p:style>
+        <p:txBody>
+          <a:bodyPr rtlCol="0" anchor="ctr"/>
+          <a:lstStyle/>
+          <a:p>
+            <a:pPr algn="ctr"/>
+            <a:endParaRPr lang="en-US"/>
+          </a:p>
+        </p:txBody>
+      </p:sp>
+      <p:sp>
+        <p:nvSpPr>
+          <p:cNvPr id="56" name="Oval 55">
+            <a:extLst>
+              <a:ext uri="{FF2B5EF4-FFF2-40B4-BE49-F238E27FC236}">
+                <a16:creationId xmlns:a16="http://schemas.microsoft.com/office/drawing/2014/main" id="{CA6DBF1A-13D4-0C43-90A6-9E8B37CEE75F}"/>
+              </a:ext>
+            </a:extLst>
+          </p:cNvPr>
+          <p:cNvSpPr/>
+          <p:nvPr/>
+        </p:nvSpPr>
+        <p:spPr>
+          <a:xfrm>
+            <a:off x="6176358" y="4109895"/>
+            <a:ext cx="117154" cy="127392"/>
+          </a:xfrm>
+          <a:prstGeom prst="ellipse">
+            <a:avLst/>
+          </a:prstGeom>
+          <a:solidFill>
+            <a:srgbClr val="4E79A7"/>
+          </a:solidFill>
+          <a:ln>
+            <a:solidFill>
+              <a:srgbClr val="4E79A7"/>
+            </a:solidFill>
+          </a:ln>
+          <a:effectLst/>
+        </p:spPr>
+        <p:style>
+          <a:lnRef idx="1">
+            <a:schemeClr val="accent1"/>
+          </a:lnRef>
+          <a:fillRef idx="3">
+            <a:schemeClr val="accent1"/>
+          </a:fillRef>
+          <a:effectRef idx="2">
+            <a:schemeClr val="accent1"/>
+          </a:effectRef>
+          <a:fontRef idx="minor">
+            <a:schemeClr val="lt1"/>
+          </a:fontRef>
+        </p:style>
+        <p:txBody>
+          <a:bodyPr rtlCol="0" anchor="ctr"/>
+          <a:lstStyle/>
+          <a:p>
+            <a:pPr algn="ctr"/>
+            <a:endParaRPr lang="en-US"/>
+          </a:p>
+        </p:txBody>
+      </p:sp>
+      <p:sp>
+        <p:nvSpPr>
+          <p:cNvPr id="57" name="Oval 56">
+            <a:extLst>
+              <a:ext uri="{FF2B5EF4-FFF2-40B4-BE49-F238E27FC236}">
+                <a16:creationId xmlns:a16="http://schemas.microsoft.com/office/drawing/2014/main" id="{D10E6E50-1D84-954D-9CF2-D87F54312AB1}"/>
+              </a:ext>
+            </a:extLst>
+          </p:cNvPr>
+          <p:cNvSpPr/>
+          <p:nvPr/>
+        </p:nvSpPr>
+        <p:spPr>
+          <a:xfrm>
+            <a:off x="6170564" y="4245961"/>
+            <a:ext cx="128742" cy="139993"/>
+          </a:xfrm>
+          <a:prstGeom prst="ellipse">
+            <a:avLst/>
+          </a:prstGeom>
+          <a:solidFill>
+            <a:srgbClr val="4E79A7"/>
+          </a:solidFill>
+          <a:ln>
+            <a:solidFill>
+              <a:srgbClr val="4E79A7"/>
+            </a:solidFill>
+          </a:ln>
+          <a:effectLst/>
+        </p:spPr>
+        <p:style>
+          <a:lnRef idx="1">
+            <a:schemeClr val="accent1"/>
+          </a:lnRef>
+          <a:fillRef idx="3">
+            <a:schemeClr val="accent1"/>
+          </a:fillRef>
+          <a:effectRef idx="2">
+            <a:schemeClr val="accent1"/>
+          </a:effectRef>
+          <a:fontRef idx="minor">
+            <a:schemeClr val="lt1"/>
+          </a:fontRef>
+        </p:style>
+        <p:txBody>
+          <a:bodyPr rtlCol="0" anchor="ctr"/>
+          <a:lstStyle/>
+          <a:p>
+            <a:pPr algn="ctr"/>
+            <a:endParaRPr lang="en-US"/>
+          </a:p>
+        </p:txBody>
+      </p:sp>
+      <p:cxnSp>
+        <p:nvCxnSpPr>
+          <p:cNvPr id="58" name="Straight Connector 57">
+            <a:extLst>
+              <a:ext uri="{FF2B5EF4-FFF2-40B4-BE49-F238E27FC236}">
+                <a16:creationId xmlns:a16="http://schemas.microsoft.com/office/drawing/2014/main" id="{EC07FE94-C5B4-7D4D-86EA-25D409F81A09}"/>
+              </a:ext>
+            </a:extLst>
+          </p:cNvPr>
+          <p:cNvCxnSpPr>
+            <a:cxnSpLocks/>
+          </p:cNvCxnSpPr>
+          <p:nvPr/>
+        </p:nvCxnSpPr>
+        <p:spPr>
+          <a:xfrm flipH="1" flipV="1">
+            <a:off x="5983540" y="4556148"/>
+            <a:ext cx="5605493" cy="61"/>
+          </a:xfrm>
+          <a:prstGeom prst="line">
+            <a:avLst/>
+          </a:prstGeom>
+          <a:ln w="31750">
+            <a:solidFill>
+              <a:schemeClr val="accent1"/>
+            </a:solidFill>
+            <a:prstDash val="solid"/>
+          </a:ln>
+        </p:spPr>
+        <p:style>
+          <a:lnRef idx="1">
+            <a:schemeClr val="accent1"/>
+          </a:lnRef>
+          <a:fillRef idx="0">
+            <a:schemeClr val="accent1"/>
+          </a:fillRef>
+          <a:effectRef idx="0">
+            <a:schemeClr val="accent1"/>
+          </a:effectRef>
+          <a:fontRef idx="minor">
+            <a:schemeClr val="tx1"/>
+          </a:fontRef>
+        </p:style>
+      </p:cxnSp>
+      <p:graphicFrame>
+        <p:nvGraphicFramePr>
+          <p:cNvPr id="68" name="Table 67">
+            <a:extLst>
+              <a:ext uri="{FF2B5EF4-FFF2-40B4-BE49-F238E27FC236}">
+                <a16:creationId xmlns:a16="http://schemas.microsoft.com/office/drawing/2014/main" id="{9B067F6D-6C9B-D24B-8FF2-D91B33D269DC}"/>
+              </a:ext>
+            </a:extLst>
+          </p:cNvPr>
+          <p:cNvGraphicFramePr>
+            <a:graphicFrameLocks noGrp="1"/>
+          </p:cNvGraphicFramePr>
+          <p:nvPr>
+            <p:extLst>
+              <p:ext uri="{D42A27DB-BD31-4B8C-83A1-F6EECF244321}">
+                <p14:modId xmlns:p14="http://schemas.microsoft.com/office/powerpoint/2010/main" val="3113726906"/>
+              </p:ext>
+            </p:extLst>
+          </p:nvPr>
+        </p:nvGraphicFramePr>
+        <p:xfrm>
+          <a:off x="11695841" y="1643011"/>
+          <a:ext cx="5487932" cy="2024449"/>
+        </p:xfrm>
+        <a:graphic>
+          <a:graphicData uri="http://schemas.openxmlformats.org/drawingml/2006/table">
+            <a:tbl>
+              <a:tblPr firstRow="1" bandRow="1">
+                <a:tableStyleId>{5C22544A-7EE6-4342-B048-85BDC9FD1C3A}</a:tableStyleId>
+              </a:tblPr>
+              <a:tblGrid>
+                <a:gridCol w="1371983">
+                  <a:extLst>
+                    <a:ext uri="{9D8B030D-6E8A-4147-A177-3AD203B41FA5}">
+                      <a16:colId xmlns:a16="http://schemas.microsoft.com/office/drawing/2014/main" val="3655027934"/>
+                    </a:ext>
+                  </a:extLst>
+                </a:gridCol>
+                <a:gridCol w="1371983">
+                  <a:extLst>
+                    <a:ext uri="{9D8B030D-6E8A-4147-A177-3AD203B41FA5}">
+                      <a16:colId xmlns:a16="http://schemas.microsoft.com/office/drawing/2014/main" val="3498593769"/>
+                    </a:ext>
+                  </a:extLst>
+                </a:gridCol>
+                <a:gridCol w="1371983">
+                  <a:extLst>
+                    <a:ext uri="{9D8B030D-6E8A-4147-A177-3AD203B41FA5}">
+                      <a16:colId xmlns:a16="http://schemas.microsoft.com/office/drawing/2014/main" val="2445888722"/>
+                    </a:ext>
+                  </a:extLst>
+                </a:gridCol>
+                <a:gridCol w="1371983">
+                  <a:extLst>
+                    <a:ext uri="{9D8B030D-6E8A-4147-A177-3AD203B41FA5}">
+                      <a16:colId xmlns:a16="http://schemas.microsoft.com/office/drawing/2014/main" val="2501869834"/>
+                    </a:ext>
+                  </a:extLst>
+                </a:gridCol>
+              </a:tblGrid>
+              <a:tr h="275253">
+                <a:tc>
+                  <a:txBody>
+                    <a:bodyPr/>
+                    <a:lstStyle/>
+                    <a:p>
+                      <a:pPr algn="ctr"/>
+                      <a:r>
+                        <a:rPr lang="en-US" sz="1200" dirty="0"/>
+                        <a:t>Model</a:t>
+                      </a:r>
+                    </a:p>
+                  </a:txBody>
+                  <a:tcPr anchor="ctr"/>
+                </a:tc>
+                <a:tc>
+                  <a:txBody>
+                    <a:bodyPr/>
+                    <a:lstStyle/>
+                    <a:p>
+                      <a:pPr algn="ctr"/>
+                      <a:r>
+                        <a:rPr lang="en-US" sz="1200" dirty="0"/>
+                        <a:t>OSR2</a:t>
+                      </a:r>
+                    </a:p>
+                  </a:txBody>
+                  <a:tcPr anchor="ctr"/>
+                </a:tc>
+                <a:tc>
+                  <a:txBody>
+                    <a:bodyPr/>
+                    <a:lstStyle/>
+                    <a:p>
+                      <a:pPr algn="ctr"/>
+                      <a:r>
+                        <a:rPr lang="en-US" sz="1200" dirty="0"/>
+                        <a:t>MAE</a:t>
+                      </a:r>
+                    </a:p>
+                  </a:txBody>
+                  <a:tcPr anchor="ctr"/>
+                </a:tc>
+                <a:tc>
+                  <a:txBody>
+                    <a:bodyPr/>
+                    <a:lstStyle/>
+                    <a:p>
+                      <a:pPr algn="ctr"/>
+                      <a:r>
+                        <a:rPr lang="en-US" sz="1200" dirty="0"/>
+                        <a:t>RMSE</a:t>
+                      </a:r>
+                    </a:p>
+                  </a:txBody>
+                  <a:tcPr anchor="ctr"/>
+                </a:tc>
+                <a:extLst>
+                  <a:ext uri="{0D108BD9-81ED-4DB2-BD59-A6C34878D82A}">
+                    <a16:rowId xmlns:a16="http://schemas.microsoft.com/office/drawing/2014/main" val="3913714163"/>
+                  </a:ext>
+                </a:extLst>
+              </a:tr>
+              <a:tr h="387572">
+                <a:tc>
+                  <a:txBody>
+                    <a:bodyPr/>
+                    <a:lstStyle/>
+                    <a:p>
+                      <a:r>
+                        <a:rPr lang="en-US" sz="1200" dirty="0"/>
+                        <a:t>Linear Regression (all variables)</a:t>
+                      </a:r>
+                    </a:p>
+                  </a:txBody>
+                  <a:tcPr/>
+                </a:tc>
+                <a:tc>
+                  <a:txBody>
+                    <a:bodyPr/>
+                    <a:lstStyle/>
+                    <a:p>
+                      <a:r>
+                        <a:rPr lang="en-US" sz="1200" dirty="0"/>
+                        <a:t>0.03876</a:t>
+                      </a:r>
+                    </a:p>
+                  </a:txBody>
+                  <a:tcPr/>
+                </a:tc>
+                <a:tc>
+                  <a:txBody>
+                    <a:bodyPr/>
+                    <a:lstStyle/>
+                    <a:p>
+                      <a:r>
+                        <a:rPr lang="en-US" sz="1200" dirty="0"/>
+                        <a:t>26.31</a:t>
+                      </a:r>
+                    </a:p>
+                  </a:txBody>
+                  <a:tcPr/>
+                </a:tc>
+                <a:tc>
+                  <a:txBody>
+                    <a:bodyPr/>
+                    <a:lstStyle/>
+                    <a:p>
+                      <a:r>
+                        <a:rPr lang="en-US" sz="1200"/>
+                        <a:t>2040</a:t>
+                      </a:r>
+                      <a:endParaRPr lang="en-US" sz="1200" dirty="0"/>
+                    </a:p>
+                  </a:txBody>
+                  <a:tcPr/>
+                </a:tc>
+                <a:extLst>
+                  <a:ext uri="{0D108BD9-81ED-4DB2-BD59-A6C34878D82A}">
+                    <a16:rowId xmlns:a16="http://schemas.microsoft.com/office/drawing/2014/main" val="3514980448"/>
+                  </a:ext>
+                </a:extLst>
+              </a:tr>
+              <a:tr h="542601">
+                <a:tc>
+                  <a:txBody>
+                    <a:bodyPr/>
+                    <a:lstStyle/>
+                    <a:p>
+                      <a:r>
+                        <a:rPr lang="en-US" sz="1200" dirty="0"/>
+                        <a:t>Linear Regression Stepwise Variable Selection</a:t>
+                      </a:r>
+                    </a:p>
+                  </a:txBody>
+                  <a:tcPr/>
+                </a:tc>
+                <a:tc>
+                  <a:txBody>
+                    <a:bodyPr/>
+                    <a:lstStyle/>
+                    <a:p>
+                      <a:endParaRPr lang="en-US" sz="1200" dirty="0"/>
+                    </a:p>
+                  </a:txBody>
+                  <a:tcPr/>
+                </a:tc>
+                <a:tc>
+                  <a:txBody>
+                    <a:bodyPr/>
+                    <a:lstStyle/>
+                    <a:p>
+                      <a:endParaRPr lang="en-US" sz="1200" dirty="0"/>
+                    </a:p>
+                  </a:txBody>
+                  <a:tcPr/>
+                </a:tc>
+                <a:tc>
+                  <a:txBody>
+                    <a:bodyPr/>
+                    <a:lstStyle/>
+                    <a:p>
+                      <a:endParaRPr lang="en-US" sz="1200" dirty="0"/>
+                    </a:p>
+                  </a:txBody>
+                  <a:tcPr/>
+                </a:tc>
+                <a:extLst>
+                  <a:ext uri="{0D108BD9-81ED-4DB2-BD59-A6C34878D82A}">
+                    <a16:rowId xmlns:a16="http://schemas.microsoft.com/office/drawing/2014/main" val="2244400224"/>
+                  </a:ext>
+                </a:extLst>
+              </a:tr>
+              <a:tr h="232543">
+                <a:tc>
+                  <a:txBody>
+                    <a:bodyPr/>
+                    <a:lstStyle/>
+                    <a:p>
+                      <a:r>
+                        <a:rPr lang="en-US" sz="1200" dirty="0"/>
+                        <a:t>CART (cp = 0.</a:t>
+                      </a:r>
+                    </a:p>
+                  </a:txBody>
+                  <a:tcPr/>
+                </a:tc>
+                <a:tc>
+                  <a:txBody>
+                    <a:bodyPr/>
+                    <a:lstStyle/>
+                    <a:p>
+                      <a:endParaRPr lang="en-US" sz="1200" dirty="0"/>
+                    </a:p>
+                  </a:txBody>
+                  <a:tcPr/>
+                </a:tc>
+                <a:tc>
+                  <a:txBody>
+                    <a:bodyPr/>
+                    <a:lstStyle/>
+                    <a:p>
+                      <a:endParaRPr lang="en-US" sz="1200" dirty="0"/>
+                    </a:p>
+                  </a:txBody>
+                  <a:tcPr/>
+                </a:tc>
+                <a:tc>
+                  <a:txBody>
+                    <a:bodyPr/>
+                    <a:lstStyle/>
+                    <a:p>
+                      <a:endParaRPr lang="en-US" sz="1200" dirty="0"/>
+                    </a:p>
+                  </a:txBody>
+                  <a:tcPr/>
+                </a:tc>
+                <a:extLst>
+                  <a:ext uri="{0D108BD9-81ED-4DB2-BD59-A6C34878D82A}">
+                    <a16:rowId xmlns:a16="http://schemas.microsoft.com/office/drawing/2014/main" val="2953384077"/>
+                  </a:ext>
+                </a:extLst>
+              </a:tr>
+              <a:tr h="377596">
+                <a:tc>
+                  <a:txBody>
+                    <a:bodyPr/>
+                    <a:lstStyle/>
+                    <a:p>
+                      <a:r>
+                        <a:rPr lang="en-US" sz="1200" dirty="0"/>
+                        <a:t>Random Forest</a:t>
+                      </a:r>
+                    </a:p>
+                  </a:txBody>
+                  <a:tcPr/>
+                </a:tc>
+                <a:tc>
+                  <a:txBody>
+                    <a:bodyPr/>
+                    <a:lstStyle/>
+                    <a:p>
+                      <a:endParaRPr lang="en-US" sz="1200" dirty="0"/>
+                    </a:p>
+                  </a:txBody>
+                  <a:tcPr/>
+                </a:tc>
+                <a:tc>
+                  <a:txBody>
+                    <a:bodyPr/>
+                    <a:lstStyle/>
+                    <a:p>
+                      <a:endParaRPr lang="en-US" sz="1200" dirty="0"/>
+                    </a:p>
+                  </a:txBody>
+                  <a:tcPr/>
+                </a:tc>
+                <a:tc>
+                  <a:txBody>
+                    <a:bodyPr/>
+                    <a:lstStyle/>
+                    <a:p>
+                      <a:endParaRPr lang="en-US" sz="1200" dirty="0"/>
+                    </a:p>
+                  </a:txBody>
+                  <a:tcPr/>
+                </a:tc>
+                <a:extLst>
+                  <a:ext uri="{0D108BD9-81ED-4DB2-BD59-A6C34878D82A}">
+                    <a16:rowId xmlns:a16="http://schemas.microsoft.com/office/drawing/2014/main" val="406434146"/>
+                  </a:ext>
+                </a:extLst>
+              </a:tr>
+            </a:tbl>
+          </a:graphicData>
+        </a:graphic>
+      </p:graphicFrame>
+      <p:sp>
+        <p:nvSpPr>
+          <p:cNvPr id="69" name="TextBox 68">
+            <a:extLst>
+              <a:ext uri="{FF2B5EF4-FFF2-40B4-BE49-F238E27FC236}">
+                <a16:creationId xmlns:a16="http://schemas.microsoft.com/office/drawing/2014/main" id="{B3897332-7079-8E48-B1CF-3B3860B5A536}"/>
+              </a:ext>
+            </a:extLst>
+          </p:cNvPr>
+          <p:cNvSpPr txBox="1"/>
+          <p:nvPr/>
+        </p:nvSpPr>
+        <p:spPr>
+          <a:xfrm>
+            <a:off x="140383" y="8330663"/>
+            <a:ext cx="5780345" cy="646331"/>
+          </a:xfrm>
+          <a:prstGeom prst="rect">
+            <a:avLst/>
+          </a:prstGeom>
+          <a:noFill/>
+        </p:spPr>
+        <p:txBody>
+          <a:bodyPr wrap="square" rtlCol="0">
+            <a:spAutoFit/>
+          </a:bodyPr>
+          <a:lstStyle/>
+          <a:p>
+            <a:pPr marL="285750" indent="-285750">
+              <a:buFont typeface="Arial" panose="020B0604020202020204" pitchFamily="34" charset="0"/>
+              <a:buChar char="•"/>
+            </a:pPr>
+            <a:r>
+              <a:rPr lang="en-US" sz="1800" dirty="0"/>
+              <a:t>We scoped the</a:t>
+            </a:r>
+          </a:p>
+          <a:p>
+            <a:pPr marL="285750" indent="-285750">
+              <a:buFont typeface="Arial" panose="020B0604020202020204" pitchFamily="34" charset="0"/>
+              <a:buChar char="•"/>
+            </a:pPr>
+            <a:r>
+              <a:rPr lang="en-US" sz="1800" dirty="0"/>
+              <a:t> </a:t>
+            </a:r>
+          </a:p>
+        </p:txBody>
+      </p:sp>
     </p:spTree>
     <p:extLst>
       <p:ext uri="{BB962C8B-B14F-4D97-AF65-F5344CB8AC3E}">

--- a/TM12_15.071_Term_Project_Poster.pptx
+++ b/TM12_15.071_Term_Project_Poster.pptx
@@ -6418,7 +6418,7 @@
           <p:nvPr>
             <p:extLst>
               <p:ext uri="{D42A27DB-BD31-4B8C-83A1-F6EECF244321}">
-                <p14:modId xmlns:p14="http://schemas.microsoft.com/office/powerpoint/2010/main" val="3113726906"/>
+                <p14:modId xmlns:p14="http://schemas.microsoft.com/office/powerpoint/2010/main" val="2184871560"/>
               </p:ext>
             </p:extLst>
           </p:nvPr>
@@ -6434,14 +6434,14 @@
                 <a:tableStyleId>{5C22544A-7EE6-4342-B048-85BDC9FD1C3A}</a:tableStyleId>
               </a:tblPr>
               <a:tblGrid>
-                <a:gridCol w="1371983">
+                <a:gridCol w="1410559">
                   <a:extLst>
                     <a:ext uri="{9D8B030D-6E8A-4147-A177-3AD203B41FA5}">
                       <a16:colId xmlns:a16="http://schemas.microsoft.com/office/drawing/2014/main" val="3655027934"/>
                     </a:ext>
                   </a:extLst>
                 </a:gridCol>
-                <a:gridCol w="1371983">
+                <a:gridCol w="1333407">
                   <a:extLst>
                     <a:ext uri="{9D8B030D-6E8A-4147-A177-3AD203B41FA5}">
                       <a16:colId xmlns:a16="http://schemas.microsoft.com/office/drawing/2014/main" val="3498593769"/>
@@ -6572,10 +6572,9 @@
                     <a:lstStyle/>
                     <a:p>
                       <a:r>
-                        <a:rPr lang="en-US" sz="1200"/>
-                        <a:t>2040</a:t>
+                        <a:rPr lang="en-US" sz="1200" dirty="0"/>
+                        <a:t>20</a:t>
                       </a:r>
-                      <a:endParaRPr lang="en-US" sz="1200" dirty="0"/>
                     </a:p>
                   </a:txBody>
                   <a:tcPr/>
@@ -6644,7 +6643,7 @@
                     <a:p>
                       <a:r>
                         <a:rPr lang="en-US" sz="1200" dirty="0"/>
-                        <a:t>CART (cp = 0.</a:t>
+                        <a:t>CART (cp = 1.5e-05</a:t>
                       </a:r>
                     </a:p>
                   </a:txBody>
@@ -6655,7 +6654,10 @@
                     <a:bodyPr/>
                     <a:lstStyle/>
                     <a:p>
-                      <a:endParaRPr lang="en-US" sz="1200" dirty="0"/>
+                      <a:r>
+                        <a:rPr lang="en-US" sz="1200" dirty="0"/>
+                        <a:t>0.0410</a:t>
+                      </a:r>
                     </a:p>
                   </a:txBody>
                   <a:tcPr/>
@@ -6665,7 +6667,10 @@
                     <a:bodyPr/>
                     <a:lstStyle/>
                     <a:p>
-                      <a:endParaRPr lang="en-US" sz="1200" dirty="0"/>
+                      <a:r>
+                        <a:rPr lang="en-US" sz="1200" dirty="0"/>
+                        <a:t>26.17</a:t>
+                      </a:r>
                     </a:p>
                   </a:txBody>
                   <a:tcPr/>
@@ -6675,6 +6680,10 @@
                     <a:bodyPr/>
                     <a:lstStyle/>
                     <a:p>
+                      <a:r>
+                        <a:rPr lang="en-US" sz="1200"/>
+                        <a:t>2042</a:t>
+                      </a:r>
                       <a:endParaRPr lang="en-US" sz="1200" dirty="0"/>
                     </a:p>
                   </a:txBody>

--- a/TM12_15.071_Term_Project_Poster.pptx
+++ b/TM12_15.071_Term_Project_Poster.pptx
@@ -6418,14 +6418,14 @@
           <p:nvPr>
             <p:extLst>
               <p:ext uri="{D42A27DB-BD31-4B8C-83A1-F6EECF244321}">
-                <p14:modId xmlns:p14="http://schemas.microsoft.com/office/powerpoint/2010/main" val="2184871560"/>
+                <p14:modId xmlns:p14="http://schemas.microsoft.com/office/powerpoint/2010/main" val="3091114886"/>
               </p:ext>
             </p:extLst>
           </p:nvPr>
         </p:nvGraphicFramePr>
         <p:xfrm>
-          <a:off x="11695841" y="1643011"/>
-          <a:ext cx="5487932" cy="2024449"/>
+          <a:off x="11629077" y="1637954"/>
+          <a:ext cx="5561354" cy="2024449"/>
         </p:xfrm>
         <a:graphic>
           <a:graphicData uri="http://schemas.openxmlformats.org/drawingml/2006/table">
@@ -6434,28 +6434,28 @@
                 <a:tableStyleId>{5C22544A-7EE6-4342-B048-85BDC9FD1C3A}</a:tableStyleId>
               </a:tblPr>
               <a:tblGrid>
-                <a:gridCol w="1410559">
+                <a:gridCol w="1705923">
                   <a:extLst>
                     <a:ext uri="{9D8B030D-6E8A-4147-A177-3AD203B41FA5}">
                       <a16:colId xmlns:a16="http://schemas.microsoft.com/office/drawing/2014/main" val="3655027934"/>
                     </a:ext>
                   </a:extLst>
                 </a:gridCol>
-                <a:gridCol w="1333407">
+                <a:gridCol w="1219200">
                   <a:extLst>
                     <a:ext uri="{9D8B030D-6E8A-4147-A177-3AD203B41FA5}">
                       <a16:colId xmlns:a16="http://schemas.microsoft.com/office/drawing/2014/main" val="3498593769"/>
                     </a:ext>
                   </a:extLst>
                 </a:gridCol>
-                <a:gridCol w="1371983">
+                <a:gridCol w="1295400">
                   <a:extLst>
                     <a:ext uri="{9D8B030D-6E8A-4147-A177-3AD203B41FA5}">
                       <a16:colId xmlns:a16="http://schemas.microsoft.com/office/drawing/2014/main" val="2445888722"/>
                     </a:ext>
                   </a:extLst>
                 </a:gridCol>
-                <a:gridCol w="1371983">
+                <a:gridCol w="1340831">
                   <a:extLst>
                     <a:ext uri="{9D8B030D-6E8A-4147-A177-3AD203B41FA5}">
                       <a16:colId xmlns:a16="http://schemas.microsoft.com/office/drawing/2014/main" val="2501869834"/>
@@ -6572,9 +6572,10 @@
                     <a:lstStyle/>
                     <a:p>
                       <a:r>
-                        <a:rPr lang="en-US" sz="1200" dirty="0"/>
-                        <a:t>20</a:t>
+                        <a:rPr lang="en-US" sz="1200"/>
+                        <a:t>2040</a:t>
                       </a:r>
+                      <a:endParaRPr lang="en-US" sz="1200" dirty="0"/>
                     </a:p>
                   </a:txBody>
                   <a:tcPr/>
@@ -6593,7 +6594,7 @@
                     <a:p>
                       <a:r>
                         <a:rPr lang="en-US" sz="1200" dirty="0"/>
-                        <a:t>Linear Regression Stepwise Variable Selection</a:t>
+                        <a:t>Linear Regression Stepwise Variable Selection (-Distance)</a:t>
                       </a:r>
                     </a:p>
                   </a:txBody>
@@ -6604,7 +6605,10 @@
                     <a:bodyPr/>
                     <a:lstStyle/>
                     <a:p>
-                      <a:endParaRPr lang="en-US" sz="1200" dirty="0"/>
+                      <a:r>
+                        <a:rPr lang="en-US" sz="1200" dirty="0"/>
+                        <a:t>0.0388</a:t>
+                      </a:r>
                     </a:p>
                   </a:txBody>
                   <a:tcPr/>
@@ -6614,7 +6618,10 @@
                     <a:bodyPr/>
                     <a:lstStyle/>
                     <a:p>
-                      <a:endParaRPr lang="en-US" sz="1200" dirty="0"/>
+                      <a:r>
+                        <a:rPr lang="en-US" sz="1200" dirty="0"/>
+                        <a:t>26.31</a:t>
+                      </a:r>
                     </a:p>
                   </a:txBody>
                   <a:tcPr/>
@@ -6624,7 +6631,10 @@
                     <a:bodyPr/>
                     <a:lstStyle/>
                     <a:p>
-                      <a:endParaRPr lang="en-US" sz="1200" dirty="0"/>
+                      <a:r>
+                        <a:rPr lang="en-US" sz="1200" dirty="0"/>
+                        <a:t>2040</a:t>
+                      </a:r>
                     </a:p>
                   </a:txBody>
                   <a:tcPr/>
@@ -6643,7 +6653,7 @@
                     <a:p>
                       <a:r>
                         <a:rPr lang="en-US" sz="1200" dirty="0"/>
-                        <a:t>CART (cp = 1.5e-05</a:t>
+                        <a:t>CART (cp = 1.5e-05)</a:t>
                       </a:r>
                     </a:p>
                   </a:txBody>
@@ -6681,10 +6691,9 @@
                     <a:lstStyle/>
                     <a:p>
                       <a:r>
-                        <a:rPr lang="en-US" sz="1200"/>
+                        <a:rPr lang="en-US" sz="1200" dirty="0"/>
                         <a:t>2042</a:t>
                       </a:r>
-                      <a:endParaRPr lang="en-US" sz="1200" dirty="0"/>
                     </a:p>
                   </a:txBody>
                   <a:tcPr/>

--- a/TM12_15.071_Term_Project_Poster.pptx
+++ b/TM12_15.071_Term_Project_Poster.pptx
@@ -11,8 +11,8 @@
     <p:handoutMasterId r:id="rId5"/>
   </p:handoutMasterIdLst>
   <p:sldIdLst>
-    <p:sldId id="1444" r:id="rId2"/>
-    <p:sldId id="1445" r:id="rId3"/>
+    <p:sldId id="1445" r:id="rId2"/>
+    <p:sldId id="1444" r:id="rId3"/>
   </p:sldIdLst>
   <p:sldSz cx="17373600" cy="11887200"/>
   <p:notesSz cx="9144000" cy="6858000"/>
@@ -717,7 +717,7 @@
           <a:p>
             <a:fld id="{7391307E-C702-714D-87CE-7789B0B8B84B}" type="datetime1">
               <a:rPr lang="en-US" smtClean="0"/>
-              <a:t>11/26/19</a:t>
+              <a:t>11/27/19</a:t>
             </a:fld>
             <a:endParaRPr lang="en-US"/>
           </a:p>
@@ -762,7 +762,7 @@
           <a:p>
             <a:fld id="{2CB13408-1B40-47FE-9C4E-B8D2CA5316B9}" type="slidenum">
               <a:rPr lang="en-US" smtClean="0"/>
-              <a:t>1</a:t>
+              <a:t>0</a:t>
             </a:fld>
             <a:endParaRPr lang="en-US"/>
           </a:p>
@@ -2971,18 +2971,18 @@
         </p:nvSpPr>
         <p:spPr>
           <a:xfrm>
-            <a:off x="153827" y="-152400"/>
+            <a:off x="0" y="0"/>
             <a:ext cx="17373600" cy="11887201"/>
           </a:xfrm>
           <a:prstGeom prst="rect">
             <a:avLst/>
           </a:prstGeom>
           <a:blipFill dpi="0" rotWithShape="1">
-            <a:blip r:embed="rId2">
+            <a:blip r:embed="rId3">
               <a:extLst>
                 <a:ext uri="{BEBA8EAE-BF5A-486C-A8C5-ECC9F3942E4B}">
                   <a14:imgProps xmlns:a14="http://schemas.microsoft.com/office/drawing/2010/main">
-                    <a14:imgLayer r:embed="rId3">
+                    <a14:imgLayer r:embed="rId4">
                       <a14:imgEffect>
                         <a14:colorTemperature colorTemp="5300"/>
                       </a14:imgEffect>
@@ -3021,14 +3021,15 @@
           </a:fontRef>
         </p:style>
         <p:txBody>
-          <a:bodyPr rtlCol="0" anchor="ctr"/>
+          <a:bodyPr vert="vert270" rtlCol="0" anchor="ctr"/>
           <a:lstStyle/>
           <a:p>
             <a:pPr algn="ctr"/>
-            <a:r>
-              <a:rPr lang="en-US" sz="2377" dirty="0"/>
-              <a:t> </a:t>
-            </a:r>
+            <a:endParaRPr lang="en-US" sz="1200" dirty="0">
+              <a:solidFill>
+                <a:schemeClr val="tx1"/>
+              </a:solidFill>
+            </a:endParaRPr>
           </a:p>
         </p:txBody>
       </p:sp>
@@ -3048,7 +3049,7 @@
         </p:nvSpPr>
         <p:spPr>
           <a:xfrm>
-            <a:off x="4188762" y="10669852"/>
+            <a:off x="4188762" y="10731500"/>
             <a:ext cx="12367805" cy="1155700"/>
           </a:xfrm>
           <a:prstGeom prst="rect">
@@ -3272,7 +3273,7 @@
         </p:nvSpPr>
         <p:spPr>
           <a:xfrm>
-            <a:off x="0" y="917150"/>
+            <a:off x="76200" y="1066800"/>
             <a:ext cx="5938837" cy="555707"/>
           </a:xfrm>
           <a:prstGeom prst="rect">
@@ -3329,8 +3330,8 @@
         </p:nvSpPr>
         <p:spPr>
           <a:xfrm>
-            <a:off x="-76200" y="-152400"/>
-            <a:ext cx="9406467" cy="1015663"/>
+            <a:off x="76200" y="-5077"/>
+            <a:ext cx="9330267" cy="1015663"/>
           </a:xfrm>
           <a:prstGeom prst="rect">
             <a:avLst/>
@@ -3347,7 +3348,7 @@
               <a:rPr lang="en-US" sz="6000" b="1" dirty="0">
                 <a:latin typeface="+mj-lt"/>
               </a:rPr>
-              <a:t>Project title</a:t>
+              <a:t>Predicting Flight Delay</a:t>
             </a:r>
           </a:p>
         </p:txBody>
@@ -3366,8 +3367,8 @@
         </p:nvSpPr>
         <p:spPr>
           <a:xfrm>
-            <a:off x="9275233" y="-76200"/>
-            <a:ext cx="8098367" cy="448203"/>
+            <a:off x="9863667" y="-1275"/>
+            <a:ext cx="7509933" cy="940964"/>
           </a:xfrm>
           <a:prstGeom prst="rect">
             <a:avLst/>
@@ -3381,14 +3382,34 @@
           <a:lstStyle/>
           <a:p>
             <a:r>
-              <a:rPr lang="en-US" sz="2400" b="1" dirty="0"/>
-              <a:t>Team member 1 (program) Team member 4 (program)</a:t>
+              <a:rPr lang="en-US" sz="2400" b="1" dirty="0" err="1"/>
+              <a:t>Aksel</a:t>
             </a:r>
-          </a:p>
-          <a:p>
             <a:r>
               <a:rPr lang="en-US" sz="2400" b="1" dirty="0"/>
-              <a:t>Team member 2 (program) Team member 3 (program)</a:t>
+              <a:t> Danielsen (EECS)	</a:t>
+            </a:r>
+            <a:r>
+              <a:rPr lang="en-US" sz="2400" b="1" dirty="0" err="1"/>
+              <a:t>Nithin</a:t>
+            </a:r>
+            <a:r>
+              <a:rPr lang="en-US" sz="2400" b="1" dirty="0"/>
+              <a:t> Narayanan (SDM)</a:t>
+            </a:r>
+          </a:p>
+          <a:p>
+            <a:r>
+              <a:rPr lang="en-US" sz="2400" b="1" dirty="0"/>
+              <a:t>Jayanth Kumar (SDM)	Phillip </a:t>
+            </a:r>
+            <a:r>
+              <a:rPr lang="en-US" sz="2400" b="1" dirty="0" err="1"/>
+              <a:t>Schmedeman</a:t>
+            </a:r>
+            <a:r>
+              <a:rPr lang="en-US" sz="2400" b="1" dirty="0"/>
+              <a:t> (SDM)</a:t>
             </a:r>
           </a:p>
         </p:txBody>
@@ -3407,8 +3428,8 @@
         </p:nvSpPr>
         <p:spPr>
           <a:xfrm>
-            <a:off x="77031" y="2624997"/>
-            <a:ext cx="5938837" cy="555707"/>
+            <a:off x="76201" y="3025693"/>
+            <a:ext cx="5902142" cy="555707"/>
           </a:xfrm>
           <a:prstGeom prst="rect">
             <a:avLst/>
@@ -3464,7 +3485,7 @@
         </p:nvSpPr>
         <p:spPr>
           <a:xfrm>
-            <a:off x="76200" y="7420108"/>
+            <a:off x="76200" y="5410200"/>
             <a:ext cx="5938837" cy="555707"/>
           </a:xfrm>
           <a:prstGeom prst="rect">
@@ -3502,7 +3523,7 @@
               <a:rPr lang="en-US" sz="2600" b="1" dirty="0">
                 <a:latin typeface="+mj-lt"/>
               </a:rPr>
-              <a:t>Key questions</a:t>
+              <a:t>Data</a:t>
             </a:r>
           </a:p>
         </p:txBody>
@@ -3521,8 +3542,8 @@
         </p:nvSpPr>
         <p:spPr>
           <a:xfrm>
-            <a:off x="5929065" y="914400"/>
-            <a:ext cx="5708195" cy="555707"/>
+            <a:off x="5978342" y="1066800"/>
+            <a:ext cx="5660136" cy="555707"/>
           </a:xfrm>
           <a:prstGeom prst="rect">
             <a:avLst/>
@@ -3559,64 +3580,7 @@
               <a:rPr lang="en-US" sz="2600" b="1" dirty="0">
                 <a:latin typeface="+mj-lt"/>
               </a:rPr>
-              <a:t>Data</a:t>
-            </a:r>
-          </a:p>
-        </p:txBody>
-      </p:sp>
-      <p:sp>
-        <p:nvSpPr>
-          <p:cNvPr id="24" name="Rectangle 23">
-            <a:extLst>
-              <a:ext uri="{FF2B5EF4-FFF2-40B4-BE49-F238E27FC236}">
-                <a16:creationId xmlns:a16="http://schemas.microsoft.com/office/drawing/2014/main" id="{CC08E273-E82D-C049-8A65-5A150105876E}"/>
-              </a:ext>
-            </a:extLst>
-          </p:cNvPr>
-          <p:cNvSpPr/>
-          <p:nvPr/>
-        </p:nvSpPr>
-        <p:spPr>
-          <a:xfrm>
-            <a:off x="5997393" y="6779809"/>
-            <a:ext cx="5618703" cy="555707"/>
-          </a:xfrm>
-          <a:prstGeom prst="rect">
-            <a:avLst/>
-          </a:prstGeom>
-          <a:solidFill>
-            <a:schemeClr val="accent1"/>
-          </a:solidFill>
-          <a:ln w="50800" cap="rnd" cmpd="dbl" algn="ctr">
-            <a:noFill/>
-            <a:prstDash val="solid"/>
-          </a:ln>
-          <a:effectLst/>
-        </p:spPr>
-        <p:style>
-          <a:lnRef idx="3">
-            <a:schemeClr val="lt1"/>
-          </a:lnRef>
-          <a:fillRef idx="1">
-            <a:schemeClr val="accent1"/>
-          </a:fillRef>
-          <a:effectRef idx="1">
-            <a:schemeClr val="accent1"/>
-          </a:effectRef>
-          <a:fontRef idx="minor">
-            <a:schemeClr val="lt1"/>
-          </a:fontRef>
-        </p:style>
-        <p:txBody>
-          <a:bodyPr anchor="ctr"/>
-          <a:lstStyle/>
-          <a:p>
-            <a:pPr algn="ctr" eaLnBrk="1" latinLnBrk="0" hangingPunct="1"/>
-            <a:r>
-              <a:rPr lang="en-US" sz="2600" b="1" dirty="0">
-                <a:latin typeface="+mj-lt"/>
-              </a:rPr>
-              <a:t>Results</a:t>
+              <a:t>Data Visualization</a:t>
             </a:r>
           </a:p>
         </p:txBody>
@@ -3635,8 +3599,8 @@
         </p:nvSpPr>
         <p:spPr>
           <a:xfrm flipV="1">
-            <a:off x="92662" y="1361891"/>
-            <a:ext cx="17140555" cy="9512240"/>
+            <a:off x="92662" y="1044995"/>
+            <a:ext cx="17140555" cy="9883628"/>
           </a:xfrm>
           <a:prstGeom prst="round1Rect">
             <a:avLst>
@@ -3692,7 +3656,7 @@
         </p:nvSpPr>
         <p:spPr>
           <a:xfrm>
-            <a:off x="92662" y="10951633"/>
+            <a:off x="89626" y="11033929"/>
             <a:ext cx="3963273" cy="777071"/>
           </a:xfrm>
           <a:prstGeom prst="rect">
@@ -3746,7 +3710,7 @@
         </p:nvSpPr>
         <p:spPr>
           <a:xfrm>
-            <a:off x="4142525" y="10935784"/>
+            <a:off x="4142525" y="11033929"/>
             <a:ext cx="13138411" cy="777071"/>
           </a:xfrm>
           <a:prstGeom prst="rect">
@@ -3803,8 +3767,8 @@
         </p:nvSpPr>
         <p:spPr>
           <a:xfrm>
-            <a:off x="4200674" y="10951633"/>
-            <a:ext cx="13032543" cy="735686"/>
+            <a:off x="4142525" y="11059087"/>
+            <a:ext cx="13138411" cy="735686"/>
           </a:xfrm>
           <a:prstGeom prst="rect">
             <a:avLst/>
@@ -4032,1375 +3996,6 @@
         </p:nvCxnSpPr>
         <p:spPr>
           <a:xfrm>
-            <a:off x="5970565" y="924911"/>
-            <a:ext cx="10366" cy="9949225"/>
-          </a:xfrm>
-          <a:prstGeom prst="line">
-            <a:avLst/>
-          </a:prstGeom>
-          <a:ln w="76200">
-            <a:solidFill>
-              <a:schemeClr val="accent1"/>
-            </a:solidFill>
-            <a:prstDash val="solid"/>
-          </a:ln>
-        </p:spPr>
-        <p:style>
-          <a:lnRef idx="1">
-            <a:schemeClr val="accent1"/>
-          </a:lnRef>
-          <a:fillRef idx="0">
-            <a:schemeClr val="accent1"/>
-          </a:fillRef>
-          <a:effectRef idx="0">
-            <a:schemeClr val="accent1"/>
-          </a:effectRef>
-          <a:fontRef idx="minor">
-            <a:schemeClr val="tx1"/>
-          </a:fontRef>
-        </p:style>
-      </p:cxnSp>
-      <p:cxnSp>
-        <p:nvCxnSpPr>
-          <p:cNvPr id="38" name="Straight Connector 37">
-            <a:extLst>
-              <a:ext uri="{FF2B5EF4-FFF2-40B4-BE49-F238E27FC236}">
-                <a16:creationId xmlns:a16="http://schemas.microsoft.com/office/drawing/2014/main" id="{466A29D5-D287-A444-AABB-53E9394BB38E}"/>
-              </a:ext>
-            </a:extLst>
-          </p:cNvPr>
-          <p:cNvCxnSpPr>
-            <a:cxnSpLocks/>
-          </p:cNvCxnSpPr>
-          <p:nvPr/>
-        </p:nvCxnSpPr>
-        <p:spPr>
-          <a:xfrm>
-            <a:off x="11573084" y="990600"/>
-            <a:ext cx="1214" cy="9883536"/>
-          </a:xfrm>
-          <a:prstGeom prst="line">
-            <a:avLst/>
-          </a:prstGeom>
-          <a:ln w="76200">
-            <a:solidFill>
-              <a:schemeClr val="accent1"/>
-            </a:solidFill>
-            <a:prstDash val="solid"/>
-          </a:ln>
-        </p:spPr>
-        <p:style>
-          <a:lnRef idx="1">
-            <a:schemeClr val="accent1"/>
-          </a:lnRef>
-          <a:fillRef idx="0">
-            <a:schemeClr val="accent1"/>
-          </a:fillRef>
-          <a:effectRef idx="0">
-            <a:schemeClr val="accent1"/>
-          </a:effectRef>
-          <a:fontRef idx="minor">
-            <a:schemeClr val="tx1"/>
-          </a:fontRef>
-        </p:style>
-      </p:cxnSp>
-      <p:sp>
-        <p:nvSpPr>
-          <p:cNvPr id="39" name="Rectangle 38">
-            <a:extLst>
-              <a:ext uri="{FF2B5EF4-FFF2-40B4-BE49-F238E27FC236}">
-                <a16:creationId xmlns:a16="http://schemas.microsoft.com/office/drawing/2014/main" id="{949515A5-5264-0048-8CE2-F2A246993C8D}"/>
-              </a:ext>
-            </a:extLst>
-          </p:cNvPr>
-          <p:cNvSpPr/>
-          <p:nvPr/>
-        </p:nvSpPr>
-        <p:spPr>
-          <a:xfrm>
-            <a:off x="11620152" y="914395"/>
-            <a:ext cx="5660136" cy="555707"/>
-          </a:xfrm>
-          <a:prstGeom prst="rect">
-            <a:avLst/>
-          </a:prstGeom>
-          <a:solidFill>
-            <a:schemeClr val="accent1"/>
-          </a:solidFill>
-          <a:ln w="50800" cap="rnd" cmpd="dbl" algn="ctr">
-            <a:noFill/>
-            <a:prstDash val="solid"/>
-          </a:ln>
-          <a:effectLst/>
-        </p:spPr>
-        <p:style>
-          <a:lnRef idx="3">
-            <a:schemeClr val="lt1"/>
-          </a:lnRef>
-          <a:fillRef idx="1">
-            <a:schemeClr val="accent1"/>
-          </a:fillRef>
-          <a:effectRef idx="1">
-            <a:schemeClr val="accent1"/>
-          </a:effectRef>
-          <a:fontRef idx="minor">
-            <a:schemeClr val="lt1"/>
-          </a:fontRef>
-        </p:style>
-        <p:txBody>
-          <a:bodyPr anchor="ctr"/>
-          <a:lstStyle/>
-          <a:p>
-            <a:pPr algn="ctr" eaLnBrk="1" latinLnBrk="0" hangingPunct="1"/>
-            <a:r>
-              <a:rPr lang="en-US" sz="2600" b="1" dirty="0">
-                <a:latin typeface="+mj-lt"/>
-              </a:rPr>
-              <a:t>Takeaways</a:t>
-            </a:r>
-          </a:p>
-        </p:txBody>
-      </p:sp>
-      <p:sp>
-        <p:nvSpPr>
-          <p:cNvPr id="40" name="Rectangle 39">
-            <a:extLst>
-              <a:ext uri="{FF2B5EF4-FFF2-40B4-BE49-F238E27FC236}">
-                <a16:creationId xmlns:a16="http://schemas.microsoft.com/office/drawing/2014/main" id="{02516EF2-4547-7145-AEA5-F5BF26EA3EFA}"/>
-              </a:ext>
-            </a:extLst>
-          </p:cNvPr>
-          <p:cNvSpPr/>
-          <p:nvPr/>
-        </p:nvSpPr>
-        <p:spPr>
-          <a:xfrm>
-            <a:off x="11573084" y="5746594"/>
-            <a:ext cx="5660136" cy="555707"/>
-          </a:xfrm>
-          <a:prstGeom prst="rect">
-            <a:avLst/>
-          </a:prstGeom>
-          <a:solidFill>
-            <a:schemeClr val="accent1"/>
-          </a:solidFill>
-          <a:ln w="50800" cap="rnd" cmpd="dbl" algn="ctr">
-            <a:noFill/>
-            <a:prstDash val="solid"/>
-          </a:ln>
-          <a:effectLst/>
-        </p:spPr>
-        <p:style>
-          <a:lnRef idx="3">
-            <a:schemeClr val="lt1"/>
-          </a:lnRef>
-          <a:fillRef idx="1">
-            <a:schemeClr val="accent1"/>
-          </a:fillRef>
-          <a:effectRef idx="1">
-            <a:schemeClr val="accent1"/>
-          </a:effectRef>
-          <a:fontRef idx="minor">
-            <a:schemeClr val="lt1"/>
-          </a:fontRef>
-        </p:style>
-        <p:txBody>
-          <a:bodyPr anchor="ctr"/>
-          <a:lstStyle/>
-          <a:p>
-            <a:pPr algn="ctr" eaLnBrk="1" latinLnBrk="0" hangingPunct="1"/>
-            <a:r>
-              <a:rPr lang="en-US" sz="2600" b="1" dirty="0">
-                <a:latin typeface="+mj-lt"/>
-              </a:rPr>
-              <a:t>Conclusion</a:t>
-            </a:r>
-          </a:p>
-        </p:txBody>
-      </p:sp>
-      <p:sp>
-        <p:nvSpPr>
-          <p:cNvPr id="42" name="TextBox 41">
-            <a:extLst>
-              <a:ext uri="{FF2B5EF4-FFF2-40B4-BE49-F238E27FC236}">
-                <a16:creationId xmlns:a16="http://schemas.microsoft.com/office/drawing/2014/main" id="{94290346-EA7B-9449-ACEC-04DA9FA0A197}"/>
-              </a:ext>
-            </a:extLst>
-          </p:cNvPr>
-          <p:cNvSpPr txBox="1"/>
-          <p:nvPr/>
-        </p:nvSpPr>
-        <p:spPr>
-          <a:xfrm>
-            <a:off x="92659" y="1439158"/>
-            <a:ext cx="5789335" cy="1200329"/>
-          </a:xfrm>
-          <a:prstGeom prst="rect">
-            <a:avLst/>
-          </a:prstGeom>
-          <a:noFill/>
-        </p:spPr>
-        <p:txBody>
-          <a:bodyPr wrap="square" rtlCol="0">
-            <a:spAutoFit/>
-          </a:bodyPr>
-          <a:lstStyle/>
-          <a:p>
-            <a:r>
-              <a:rPr lang="en-US" sz="1800" dirty="0"/>
-              <a:t>We aim to provide a toolbox for customers to choose their flights based on the delay predicted by our model for each future flight based on DoT data on historical flight performance.</a:t>
-            </a:r>
-          </a:p>
-        </p:txBody>
-      </p:sp>
-      <p:sp>
-        <p:nvSpPr>
-          <p:cNvPr id="25" name="TextBox 24">
-            <a:extLst>
-              <a:ext uri="{FF2B5EF4-FFF2-40B4-BE49-F238E27FC236}">
-                <a16:creationId xmlns:a16="http://schemas.microsoft.com/office/drawing/2014/main" id="{70E02502-993E-2A4A-8BF1-43604979461D}"/>
-              </a:ext>
-            </a:extLst>
-          </p:cNvPr>
-          <p:cNvSpPr txBox="1"/>
-          <p:nvPr/>
-        </p:nvSpPr>
-        <p:spPr>
-          <a:xfrm>
-            <a:off x="153566" y="8212613"/>
-            <a:ext cx="5789335" cy="2585323"/>
-          </a:xfrm>
-          <a:prstGeom prst="rect">
-            <a:avLst/>
-          </a:prstGeom>
-          <a:noFill/>
-        </p:spPr>
-        <p:txBody>
-          <a:bodyPr wrap="square" rtlCol="0">
-            <a:spAutoFit/>
-          </a:bodyPr>
-          <a:lstStyle/>
-          <a:p>
-            <a:pPr marL="285750" indent="-285750">
-              <a:buFont typeface="Arial" panose="020B0604020202020204" pitchFamily="34" charset="0"/>
-              <a:buChar char="•"/>
-            </a:pPr>
-            <a:r>
-              <a:rPr lang="en-US" sz="1800" dirty="0"/>
-              <a:t>How should we structure the data to achieve the best results?</a:t>
-            </a:r>
-          </a:p>
-          <a:p>
-            <a:pPr marL="285750" indent="-285750">
-              <a:buFont typeface="Arial" panose="020B0604020202020204" pitchFamily="34" charset="0"/>
-              <a:buChar char="•"/>
-            </a:pPr>
-            <a:r>
-              <a:rPr lang="en-US" sz="1800" dirty="0"/>
-              <a:t>What are the most significant independent variables affecting flight delay?</a:t>
-            </a:r>
-          </a:p>
-          <a:p>
-            <a:pPr marL="285750" indent="-285750">
-              <a:buFont typeface="Arial" panose="020B0604020202020204" pitchFamily="34" charset="0"/>
-              <a:buChar char="•"/>
-            </a:pPr>
-            <a:r>
-              <a:rPr lang="en-US" sz="1800" dirty="0"/>
-              <a:t>How will the decisions travels make when selecting a flight impact the expected duration of delay?</a:t>
-            </a:r>
-          </a:p>
-          <a:p>
-            <a:pPr marL="285750" indent="-285750">
-              <a:buFont typeface="Arial" panose="020B0604020202020204" pitchFamily="34" charset="0"/>
-              <a:buChar char="•"/>
-            </a:pPr>
-            <a:r>
-              <a:rPr lang="en-US" sz="1800" dirty="0"/>
-              <a:t>What model family will provide the best prediction of future flight delays?</a:t>
-            </a:r>
-          </a:p>
-          <a:p>
-            <a:pPr marL="285750" indent="-285750">
-              <a:buFont typeface="Arial" panose="020B0604020202020204" pitchFamily="34" charset="0"/>
-              <a:buChar char="•"/>
-            </a:pPr>
-            <a:r>
-              <a:rPr lang="en-US" sz="1800" dirty="0"/>
-              <a:t>What model parameters will provide the best performance?</a:t>
-            </a:r>
-          </a:p>
-        </p:txBody>
-      </p:sp>
-    </p:spTree>
-    <p:extLst>
-      <p:ext uri="{BB962C8B-B14F-4D97-AF65-F5344CB8AC3E}">
-        <p14:creationId xmlns:p14="http://schemas.microsoft.com/office/powerpoint/2010/main" val="3743965930"/>
-      </p:ext>
-    </p:extLst>
-  </p:cSld>
-  <p:clrMapOvr>
-    <a:masterClrMapping/>
-  </p:clrMapOvr>
-</p:sld>
-</file>
-
-<file path=ppt/slides/slide2.xml><?xml version="1.0" encoding="utf-8"?>
-<p:sld xmlns:a="http://schemas.openxmlformats.org/drawingml/2006/main" xmlns:r="http://schemas.openxmlformats.org/officeDocument/2006/relationships" xmlns:p="http://schemas.openxmlformats.org/presentationml/2006/main">
-  <p:cSld>
-    <p:spTree>
-      <p:nvGrpSpPr>
-        <p:cNvPr id="1" name=""/>
-        <p:cNvGrpSpPr/>
-        <p:nvPr/>
-      </p:nvGrpSpPr>
-      <p:grpSpPr>
-        <a:xfrm>
-          <a:off x="0" y="0"/>
-          <a:ext cx="0" cy="0"/>
-          <a:chOff x="0" y="0"/>
-          <a:chExt cx="0" cy="0"/>
-        </a:xfrm>
-      </p:grpSpPr>
-      <p:sp>
-        <p:nvSpPr>
-          <p:cNvPr id="26" name="Rectangle 25">
-            <a:extLst>
-              <a:ext uri="{FF2B5EF4-FFF2-40B4-BE49-F238E27FC236}">
-                <a16:creationId xmlns:a16="http://schemas.microsoft.com/office/drawing/2014/main" id="{71147632-37C3-6B4E-8B86-3138668B1281}"/>
-              </a:ext>
-            </a:extLst>
-          </p:cNvPr>
-          <p:cNvSpPr/>
-          <p:nvPr/>
-        </p:nvSpPr>
-        <p:spPr>
-          <a:xfrm>
-            <a:off x="0" y="0"/>
-            <a:ext cx="17373600" cy="11887201"/>
-          </a:xfrm>
-          <a:prstGeom prst="rect">
-            <a:avLst/>
-          </a:prstGeom>
-          <a:blipFill dpi="0" rotWithShape="1">
-            <a:blip r:embed="rId3">
-              <a:extLst>
-                <a:ext uri="{BEBA8EAE-BF5A-486C-A8C5-ECC9F3942E4B}">
-                  <a14:imgProps xmlns:a14="http://schemas.microsoft.com/office/drawing/2010/main">
-                    <a14:imgLayer r:embed="rId4">
-                      <a14:imgEffect>
-                        <a14:colorTemperature colorTemp="5300"/>
-                      </a14:imgEffect>
-                      <a14:imgEffect>
-                        <a14:saturation sat="76000"/>
-                      </a14:imgEffect>
-                      <a14:imgEffect>
-                        <a14:brightnessContrast bright="2000" contrast="56000"/>
-                      </a14:imgEffect>
-                    </a14:imgLayer>
-                  </a14:imgProps>
-                </a:ext>
-              </a:extLst>
-            </a:blip>
-            <a:srcRect/>
-            <a:tile tx="0" ty="0" sx="100000" sy="100000" flip="xy" algn="tl"/>
-          </a:blipFill>
-          <a:ln>
-            <a:noFill/>
-          </a:ln>
-        </p:spPr>
-        <p:style>
-          <a:lnRef idx="2">
-            <a:schemeClr val="accent1">
-              <a:shade val="50000"/>
-            </a:schemeClr>
-          </a:lnRef>
-          <a:fillRef idx="1">
-            <a:schemeClr val="accent1"/>
-          </a:fillRef>
-          <a:effectRef idx="0">
-            <a:schemeClr val="accent1"/>
-          </a:effectRef>
-          <a:fontRef idx="minor">
-            <a:schemeClr val="lt1"/>
-          </a:fontRef>
-        </p:style>
-        <p:txBody>
-          <a:bodyPr vert="vert270" rtlCol="0" anchor="ctr"/>
-          <a:lstStyle/>
-          <a:p>
-            <a:pPr algn="ctr"/>
-            <a:endParaRPr lang="en-US" sz="1200" dirty="0">
-              <a:solidFill>
-                <a:schemeClr val="tx1"/>
-              </a:solidFill>
-            </a:endParaRPr>
-          </a:p>
-        </p:txBody>
-      </p:sp>
-      <p:sp>
-        <p:nvSpPr>
-          <p:cNvPr id="5" name="Text Placeholder 3">
-            <a:extLst>
-              <a:ext uri="{FF2B5EF4-FFF2-40B4-BE49-F238E27FC236}">
-                <a16:creationId xmlns:a16="http://schemas.microsoft.com/office/drawing/2014/main" id="{C19707DB-3C5B-4A1F-B161-380ACA0B5B1F}"/>
-              </a:ext>
-            </a:extLst>
-          </p:cNvPr>
-          <p:cNvSpPr txBox="1">
-            <a:spLocks/>
-          </p:cNvSpPr>
-          <p:nvPr/>
-        </p:nvSpPr>
-        <p:spPr>
-          <a:xfrm>
-            <a:off x="4188762" y="10731500"/>
-            <a:ext cx="12367805" cy="1155700"/>
-          </a:xfrm>
-          <a:prstGeom prst="rect">
-            <a:avLst/>
-          </a:prstGeom>
-        </p:spPr>
-        <p:txBody>
-          <a:bodyPr vert="horz">
-            <a:normAutofit/>
-          </a:bodyPr>
-          <a:lstStyle>
-            <a:lvl1pPr marL="0" marR="0" indent="0" algn="l" defTabSz="914400" rtl="0" eaLnBrk="1" fontAlgn="auto" latinLnBrk="0" hangingPunct="1">
-              <a:lnSpc>
-                <a:spcPct val="100000"/>
-              </a:lnSpc>
-              <a:spcBef>
-                <a:spcPts val="700"/>
-              </a:spcBef>
-              <a:spcAft>
-                <a:spcPts val="0"/>
-              </a:spcAft>
-              <a:buClr>
-                <a:schemeClr val="accent2">
-                  <a:lumMod val="90000"/>
-                  <a:lumOff val="10000"/>
-                </a:schemeClr>
-              </a:buClr>
-              <a:buSzPct val="70000"/>
-              <a:buFont typeface="Arial"/>
-              <a:buNone/>
-              <a:tabLst/>
-              <a:defRPr kumimoji="0" sz="2900" kern="1200">
-                <a:solidFill>
-                  <a:schemeClr val="bg1"/>
-                </a:solidFill>
-                <a:latin typeface="+mn-lt"/>
-                <a:ea typeface="+mn-ea"/>
-                <a:cs typeface="+mn-cs"/>
-              </a:defRPr>
-            </a:lvl1pPr>
-            <a:lvl2pPr marL="640080" indent="-274320" algn="l" rtl="0" eaLnBrk="1" latinLnBrk="0" hangingPunct="1">
-              <a:spcBef>
-                <a:spcPts val="550"/>
-              </a:spcBef>
-              <a:buClr>
-                <a:schemeClr val="accent2">
-                  <a:lumMod val="90000"/>
-                  <a:lumOff val="10000"/>
-                </a:schemeClr>
-              </a:buClr>
-              <a:buSzPct val="70000"/>
-              <a:buFont typeface="Arial"/>
-              <a:buChar char="•"/>
-              <a:defRPr kumimoji="0" sz="2600" kern="1200">
-                <a:solidFill>
-                  <a:schemeClr val="tx1">
-                    <a:lumMod val="95000"/>
-                    <a:lumOff val="5000"/>
-                  </a:schemeClr>
-                </a:solidFill>
-                <a:latin typeface="+mn-lt"/>
-                <a:ea typeface="+mn-ea"/>
-                <a:cs typeface="+mn-cs"/>
-              </a:defRPr>
-            </a:lvl2pPr>
-            <a:lvl3pPr marL="914400" indent="-228600" algn="l" rtl="0" eaLnBrk="1" latinLnBrk="0" hangingPunct="1">
-              <a:spcBef>
-                <a:spcPts val="500"/>
-              </a:spcBef>
-              <a:buClr>
-                <a:schemeClr val="accent2">
-                  <a:lumMod val="90000"/>
-                  <a:lumOff val="10000"/>
-                </a:schemeClr>
-              </a:buClr>
-              <a:buSzPct val="70000"/>
-              <a:buFont typeface="Arial"/>
-              <a:buChar char="•"/>
-              <a:defRPr kumimoji="0" sz="2300" kern="1200">
-                <a:solidFill>
-                  <a:schemeClr val="tx1">
-                    <a:lumMod val="95000"/>
-                    <a:lumOff val="5000"/>
-                  </a:schemeClr>
-                </a:solidFill>
-                <a:latin typeface="+mn-lt"/>
-                <a:ea typeface="+mn-ea"/>
-                <a:cs typeface="+mn-cs"/>
-              </a:defRPr>
-            </a:lvl3pPr>
-            <a:lvl4pPr marL="1371600" indent="-228600" algn="l" rtl="0" eaLnBrk="1" latinLnBrk="0" hangingPunct="1">
-              <a:spcBef>
-                <a:spcPts val="400"/>
-              </a:spcBef>
-              <a:buClr>
-                <a:schemeClr val="accent3"/>
-              </a:buClr>
-              <a:buSzPct val="75000"/>
-              <a:buFont typeface="Wingdings" charset="2"/>
-              <a:buChar char="§"/>
-              <a:defRPr kumimoji="0" sz="2000" kern="1200">
-                <a:solidFill>
-                  <a:schemeClr val="tx1"/>
-                </a:solidFill>
-                <a:latin typeface="+mn-lt"/>
-                <a:ea typeface="+mn-ea"/>
-                <a:cs typeface="+mn-cs"/>
-              </a:defRPr>
-            </a:lvl4pPr>
-            <a:lvl5pPr marL="1828800" indent="-228600" algn="l" rtl="0" eaLnBrk="1" latinLnBrk="0" hangingPunct="1">
-              <a:spcBef>
-                <a:spcPts val="400"/>
-              </a:spcBef>
-              <a:buClr>
-                <a:schemeClr val="accent4"/>
-              </a:buClr>
-              <a:buSzPct val="65000"/>
-              <a:buFont typeface="Wingdings" charset="2"/>
-              <a:buChar char="§"/>
-              <a:defRPr kumimoji="0" sz="2000" kern="1200">
-                <a:solidFill>
-                  <a:schemeClr val="tx1"/>
-                </a:solidFill>
-                <a:latin typeface="+mn-lt"/>
-                <a:ea typeface="+mn-ea"/>
-                <a:cs typeface="+mn-cs"/>
-              </a:defRPr>
-            </a:lvl5pPr>
-            <a:lvl6pPr marL="2103120" indent="-228600" algn="l" rtl="0" eaLnBrk="1" latinLnBrk="0" hangingPunct="1">
-              <a:spcBef>
-                <a:spcPct val="20000"/>
-              </a:spcBef>
-              <a:buClr>
-                <a:schemeClr val="accent1"/>
-              </a:buClr>
-              <a:buFont typeface="Wingdings"/>
-              <a:buChar char="§"/>
-              <a:defRPr kumimoji="0" sz="1800" kern="1200" baseline="0">
-                <a:solidFill>
-                  <a:schemeClr val="tx1"/>
-                </a:solidFill>
-                <a:latin typeface="+mn-lt"/>
-                <a:ea typeface="+mn-ea"/>
-                <a:cs typeface="+mn-cs"/>
-              </a:defRPr>
-            </a:lvl6pPr>
-            <a:lvl7pPr marL="2377440" indent="-228600" algn="l" rtl="0" eaLnBrk="1" latinLnBrk="0" hangingPunct="1">
-              <a:spcBef>
-                <a:spcPct val="20000"/>
-              </a:spcBef>
-              <a:buClr>
-                <a:schemeClr val="accent2"/>
-              </a:buClr>
-              <a:buFont typeface="Wingdings"/>
-              <a:buChar char="§"/>
-              <a:defRPr kumimoji="0" sz="1800" kern="1200" baseline="0">
-                <a:solidFill>
-                  <a:schemeClr val="tx1"/>
-                </a:solidFill>
-                <a:latin typeface="+mn-lt"/>
-                <a:ea typeface="+mn-ea"/>
-                <a:cs typeface="+mn-cs"/>
-              </a:defRPr>
-            </a:lvl7pPr>
-            <a:lvl8pPr marL="2651760" indent="-228600" algn="l" rtl="0" eaLnBrk="1" latinLnBrk="0" hangingPunct="1">
-              <a:spcBef>
-                <a:spcPct val="20000"/>
-              </a:spcBef>
-              <a:buClr>
-                <a:schemeClr val="accent3"/>
-              </a:buClr>
-              <a:buFont typeface="Wingdings"/>
-              <a:buChar char="§"/>
-              <a:defRPr kumimoji="0" sz="1800" kern="1200" baseline="0">
-                <a:solidFill>
-                  <a:schemeClr val="tx1"/>
-                </a:solidFill>
-                <a:latin typeface="+mn-lt"/>
-                <a:ea typeface="+mn-ea"/>
-                <a:cs typeface="+mn-cs"/>
-              </a:defRPr>
-            </a:lvl8pPr>
-            <a:lvl9pPr marL="2926080" indent="-228600" algn="l" rtl="0" eaLnBrk="1" latinLnBrk="0" hangingPunct="1">
-              <a:spcBef>
-                <a:spcPct val="20000"/>
-              </a:spcBef>
-              <a:buClr>
-                <a:schemeClr val="accent4"/>
-              </a:buClr>
-              <a:buFont typeface="Wingdings"/>
-              <a:buChar char="§"/>
-              <a:defRPr kumimoji="0" sz="1800" kern="1200" baseline="0">
-                <a:solidFill>
-                  <a:schemeClr val="tx1"/>
-                </a:solidFill>
-                <a:latin typeface="+mn-lt"/>
-                <a:ea typeface="+mn-ea"/>
-                <a:cs typeface="+mn-cs"/>
-              </a:defRPr>
-            </a:lvl9pPr>
-          </a:lstStyle>
-          <a:p>
-            <a:r>
-              <a:rPr lang="en-US" sz="5027" dirty="0"/>
-              <a:t>15.071—The Analytics Edge 			Fall 2019</a:t>
-            </a:r>
-          </a:p>
-        </p:txBody>
-      </p:sp>
-      <p:sp>
-        <p:nvSpPr>
-          <p:cNvPr id="8" name="Rectangle 7">
-            <a:extLst>
-              <a:ext uri="{FF2B5EF4-FFF2-40B4-BE49-F238E27FC236}">
-                <a16:creationId xmlns:a16="http://schemas.microsoft.com/office/drawing/2014/main" id="{69E0112D-96AE-564D-8BF9-91A8837BA6BF}"/>
-              </a:ext>
-            </a:extLst>
-          </p:cNvPr>
-          <p:cNvSpPr/>
-          <p:nvPr/>
-        </p:nvSpPr>
-        <p:spPr>
-          <a:xfrm>
-            <a:off x="76200" y="1066800"/>
-            <a:ext cx="5938837" cy="555707"/>
-          </a:xfrm>
-          <a:prstGeom prst="rect">
-            <a:avLst/>
-          </a:prstGeom>
-          <a:solidFill>
-            <a:schemeClr val="accent1"/>
-          </a:solidFill>
-          <a:ln w="50800" cap="rnd" cmpd="dbl" algn="ctr">
-            <a:noFill/>
-            <a:prstDash val="solid"/>
-          </a:ln>
-          <a:effectLst/>
-        </p:spPr>
-        <p:style>
-          <a:lnRef idx="3">
-            <a:schemeClr val="lt1"/>
-          </a:lnRef>
-          <a:fillRef idx="1">
-            <a:schemeClr val="accent1"/>
-          </a:fillRef>
-          <a:effectRef idx="1">
-            <a:schemeClr val="accent1"/>
-          </a:effectRef>
-          <a:fontRef idx="minor">
-            <a:schemeClr val="lt1"/>
-          </a:fontRef>
-        </p:style>
-        <p:txBody>
-          <a:bodyPr anchor="ctr"/>
-          <a:lstStyle/>
-          <a:p>
-            <a:pPr algn="ctr" eaLnBrk="1" latinLnBrk="0" hangingPunct="1"/>
-            <a:r>
-              <a:rPr lang="en-US" sz="2600" b="1" dirty="0">
-                <a:latin typeface="+mj-lt"/>
-              </a:rPr>
-              <a:t>Executive summary</a:t>
-            </a:r>
-          </a:p>
-        </p:txBody>
-      </p:sp>
-      <p:sp>
-        <p:nvSpPr>
-          <p:cNvPr id="18" name="TextBox 17">
-            <a:extLst>
-              <a:ext uri="{FF2B5EF4-FFF2-40B4-BE49-F238E27FC236}">
-                <a16:creationId xmlns:a16="http://schemas.microsoft.com/office/drawing/2014/main" id="{B3FA1AFC-C416-944E-9551-F39AF29A2C75}"/>
-              </a:ext>
-            </a:extLst>
-          </p:cNvPr>
-          <p:cNvSpPr txBox="1"/>
-          <p:nvPr/>
-        </p:nvSpPr>
-        <p:spPr>
-          <a:xfrm>
-            <a:off x="76200" y="-5077"/>
-            <a:ext cx="9330267" cy="1015663"/>
-          </a:xfrm>
-          <a:prstGeom prst="rect">
-            <a:avLst/>
-          </a:prstGeom>
-          <a:noFill/>
-        </p:spPr>
-        <p:txBody>
-          <a:bodyPr wrap="square" rtlCol="0">
-            <a:spAutoFit/>
-          </a:bodyPr>
-          <a:lstStyle/>
-          <a:p>
-            <a:r>
-              <a:rPr lang="en-US" sz="6000" b="1" dirty="0">
-                <a:latin typeface="+mj-lt"/>
-              </a:rPr>
-              <a:t>Predicting Flight Delay</a:t>
-            </a:r>
-          </a:p>
-        </p:txBody>
-      </p:sp>
-      <p:sp>
-        <p:nvSpPr>
-          <p:cNvPr id="19" name="TextBox 18">
-            <a:extLst>
-              <a:ext uri="{FF2B5EF4-FFF2-40B4-BE49-F238E27FC236}">
-                <a16:creationId xmlns:a16="http://schemas.microsoft.com/office/drawing/2014/main" id="{9DB7554F-5360-5742-AC75-7E4C09B947AA}"/>
-              </a:ext>
-            </a:extLst>
-          </p:cNvPr>
-          <p:cNvSpPr txBox="1"/>
-          <p:nvPr/>
-        </p:nvSpPr>
-        <p:spPr>
-          <a:xfrm>
-            <a:off x="9863667" y="-1275"/>
-            <a:ext cx="7509933" cy="940964"/>
-          </a:xfrm>
-          <a:prstGeom prst="rect">
-            <a:avLst/>
-          </a:prstGeom>
-          <a:noFill/>
-        </p:spPr>
-        <p:txBody>
-          <a:bodyPr wrap="square" rtlCol="0">
-            <a:noAutofit/>
-          </a:bodyPr>
-          <a:lstStyle/>
-          <a:p>
-            <a:r>
-              <a:rPr lang="en-US" sz="2400" b="1" dirty="0" err="1"/>
-              <a:t>Aksel</a:t>
-            </a:r>
-            <a:r>
-              <a:rPr lang="en-US" sz="2400" b="1" dirty="0"/>
-              <a:t> Danielsen (EECS)	</a:t>
-            </a:r>
-            <a:r>
-              <a:rPr lang="en-US" sz="2400" b="1" dirty="0" err="1"/>
-              <a:t>Nithin</a:t>
-            </a:r>
-            <a:r>
-              <a:rPr lang="en-US" sz="2400" b="1" dirty="0"/>
-              <a:t> Narayanan (SDM)</a:t>
-            </a:r>
-          </a:p>
-          <a:p>
-            <a:r>
-              <a:rPr lang="en-US" sz="2400" b="1" dirty="0"/>
-              <a:t>Jayanth Kumar (SDM)	Phillip </a:t>
-            </a:r>
-            <a:r>
-              <a:rPr lang="en-US" sz="2400" b="1" dirty="0" err="1"/>
-              <a:t>Schmedeman</a:t>
-            </a:r>
-            <a:r>
-              <a:rPr lang="en-US" sz="2400" b="1" dirty="0"/>
-              <a:t> (SDM)</a:t>
-            </a:r>
-          </a:p>
-        </p:txBody>
-      </p:sp>
-      <p:sp>
-        <p:nvSpPr>
-          <p:cNvPr id="21" name="Rectangle 20">
-            <a:extLst>
-              <a:ext uri="{FF2B5EF4-FFF2-40B4-BE49-F238E27FC236}">
-                <a16:creationId xmlns:a16="http://schemas.microsoft.com/office/drawing/2014/main" id="{44FE49EC-1B8B-8C47-AA1B-4D150829FB0E}"/>
-              </a:ext>
-            </a:extLst>
-          </p:cNvPr>
-          <p:cNvSpPr/>
-          <p:nvPr/>
-        </p:nvSpPr>
-        <p:spPr>
-          <a:xfrm>
-            <a:off x="76201" y="3025693"/>
-            <a:ext cx="5902142" cy="555707"/>
-          </a:xfrm>
-          <a:prstGeom prst="rect">
-            <a:avLst/>
-          </a:prstGeom>
-          <a:solidFill>
-            <a:schemeClr val="accent1"/>
-          </a:solidFill>
-          <a:ln w="50800" cap="rnd" cmpd="dbl" algn="ctr">
-            <a:noFill/>
-            <a:prstDash val="solid"/>
-          </a:ln>
-          <a:effectLst/>
-        </p:spPr>
-        <p:style>
-          <a:lnRef idx="3">
-            <a:schemeClr val="lt1"/>
-          </a:lnRef>
-          <a:fillRef idx="1">
-            <a:schemeClr val="accent1"/>
-          </a:fillRef>
-          <a:effectRef idx="1">
-            <a:schemeClr val="accent1"/>
-          </a:effectRef>
-          <a:fontRef idx="minor">
-            <a:schemeClr val="lt1"/>
-          </a:fontRef>
-        </p:style>
-        <p:txBody>
-          <a:bodyPr anchor="ctr"/>
-          <a:lstStyle/>
-          <a:p>
-            <a:pPr algn="ctr" eaLnBrk="1" latinLnBrk="0" hangingPunct="1"/>
-            <a:r>
-              <a:rPr lang="en-US" sz="2600" b="1" dirty="0">
-                <a:latin typeface="+mj-lt"/>
-              </a:rPr>
-              <a:t>Problem</a:t>
-            </a:r>
-          </a:p>
-        </p:txBody>
-      </p:sp>
-      <p:sp>
-        <p:nvSpPr>
-          <p:cNvPr id="22" name="Rectangle 21">
-            <a:extLst>
-              <a:ext uri="{FF2B5EF4-FFF2-40B4-BE49-F238E27FC236}">
-                <a16:creationId xmlns:a16="http://schemas.microsoft.com/office/drawing/2014/main" id="{4EDCD9FC-98AC-6C4B-A6C3-16BBA189A7D1}"/>
-              </a:ext>
-            </a:extLst>
-          </p:cNvPr>
-          <p:cNvSpPr/>
-          <p:nvPr/>
-        </p:nvSpPr>
-        <p:spPr>
-          <a:xfrm>
-            <a:off x="76200" y="5410200"/>
-            <a:ext cx="5938837" cy="555707"/>
-          </a:xfrm>
-          <a:prstGeom prst="rect">
-            <a:avLst/>
-          </a:prstGeom>
-          <a:solidFill>
-            <a:schemeClr val="accent1"/>
-          </a:solidFill>
-          <a:ln w="50800" cap="rnd" cmpd="dbl" algn="ctr">
-            <a:noFill/>
-            <a:prstDash val="solid"/>
-          </a:ln>
-          <a:effectLst/>
-        </p:spPr>
-        <p:style>
-          <a:lnRef idx="3">
-            <a:schemeClr val="lt1"/>
-          </a:lnRef>
-          <a:fillRef idx="1">
-            <a:schemeClr val="accent1"/>
-          </a:fillRef>
-          <a:effectRef idx="1">
-            <a:schemeClr val="accent1"/>
-          </a:effectRef>
-          <a:fontRef idx="minor">
-            <a:schemeClr val="lt1"/>
-          </a:fontRef>
-        </p:style>
-        <p:txBody>
-          <a:bodyPr anchor="ctr"/>
-          <a:lstStyle/>
-          <a:p>
-            <a:pPr algn="ctr" eaLnBrk="1" latinLnBrk="0" hangingPunct="1"/>
-            <a:r>
-              <a:rPr lang="en-US" sz="2600" b="1" dirty="0">
-                <a:latin typeface="+mj-lt"/>
-              </a:rPr>
-              <a:t>Data</a:t>
-            </a:r>
-          </a:p>
-        </p:txBody>
-      </p:sp>
-      <p:sp>
-        <p:nvSpPr>
-          <p:cNvPr id="23" name="Rectangle 22">
-            <a:extLst>
-              <a:ext uri="{FF2B5EF4-FFF2-40B4-BE49-F238E27FC236}">
-                <a16:creationId xmlns:a16="http://schemas.microsoft.com/office/drawing/2014/main" id="{CEA58433-15EB-B341-9862-A3BB7FB7D9EA}"/>
-              </a:ext>
-            </a:extLst>
-          </p:cNvPr>
-          <p:cNvSpPr/>
-          <p:nvPr/>
-        </p:nvSpPr>
-        <p:spPr>
-          <a:xfrm>
-            <a:off x="5978342" y="1066800"/>
-            <a:ext cx="5660136" cy="555707"/>
-          </a:xfrm>
-          <a:prstGeom prst="rect">
-            <a:avLst/>
-          </a:prstGeom>
-          <a:solidFill>
-            <a:schemeClr val="accent1"/>
-          </a:solidFill>
-          <a:ln w="50800" cap="rnd" cmpd="dbl" algn="ctr">
-            <a:noFill/>
-            <a:prstDash val="solid"/>
-          </a:ln>
-          <a:effectLst/>
-        </p:spPr>
-        <p:style>
-          <a:lnRef idx="3">
-            <a:schemeClr val="lt1"/>
-          </a:lnRef>
-          <a:fillRef idx="1">
-            <a:schemeClr val="accent1"/>
-          </a:fillRef>
-          <a:effectRef idx="1">
-            <a:schemeClr val="accent1"/>
-          </a:effectRef>
-          <a:fontRef idx="minor">
-            <a:schemeClr val="lt1"/>
-          </a:fontRef>
-        </p:style>
-        <p:txBody>
-          <a:bodyPr anchor="ctr"/>
-          <a:lstStyle/>
-          <a:p>
-            <a:pPr algn="ctr" eaLnBrk="1" latinLnBrk="0" hangingPunct="1"/>
-            <a:r>
-              <a:rPr lang="en-US" sz="2600" b="1" dirty="0">
-                <a:latin typeface="+mj-lt"/>
-              </a:rPr>
-              <a:t>Data Visualization</a:t>
-            </a:r>
-          </a:p>
-        </p:txBody>
-      </p:sp>
-      <p:sp>
-        <p:nvSpPr>
-          <p:cNvPr id="27" name="Round Single Corner Rectangle 26">
-            <a:extLst>
-              <a:ext uri="{FF2B5EF4-FFF2-40B4-BE49-F238E27FC236}">
-                <a16:creationId xmlns:a16="http://schemas.microsoft.com/office/drawing/2014/main" id="{75AA1624-D2C4-AE42-931A-A56F1B2AC6C0}"/>
-              </a:ext>
-            </a:extLst>
-          </p:cNvPr>
-          <p:cNvSpPr/>
-          <p:nvPr/>
-        </p:nvSpPr>
-        <p:spPr>
-          <a:xfrm flipV="1">
-            <a:off x="92662" y="1044995"/>
-            <a:ext cx="17140555" cy="9883628"/>
-          </a:xfrm>
-          <a:prstGeom prst="round1Rect">
-            <a:avLst>
-              <a:gd name="adj" fmla="val 2367"/>
-            </a:avLst>
-          </a:prstGeom>
-          <a:noFill/>
-          <a:ln w="76200">
-            <a:solidFill>
-              <a:schemeClr val="accent1"/>
-            </a:solidFill>
-          </a:ln>
-        </p:spPr>
-        <p:style>
-          <a:lnRef idx="2">
-            <a:schemeClr val="accent1">
-              <a:shade val="50000"/>
-            </a:schemeClr>
-          </a:lnRef>
-          <a:fillRef idx="1">
-            <a:schemeClr val="accent1"/>
-          </a:fillRef>
-          <a:effectRef idx="0">
-            <a:schemeClr val="accent1"/>
-          </a:effectRef>
-          <a:fontRef idx="minor">
-            <a:schemeClr val="lt1"/>
-          </a:fontRef>
-        </p:style>
-        <p:txBody>
-          <a:bodyPr rtlCol="0" anchor="ctr"/>
-          <a:lstStyle/>
-          <a:p>
-            <a:pPr algn="ctr"/>
-            <a:r>
-              <a:rPr lang="en-US" sz="2377" dirty="0"/>
-              <a:t> </a:t>
-            </a:r>
-          </a:p>
-        </p:txBody>
-      </p:sp>
-      <p:sp>
-        <p:nvSpPr>
-          <p:cNvPr id="33" name="Rectangle 32">
-            <a:extLst>
-              <a:ext uri="{FF2B5EF4-FFF2-40B4-BE49-F238E27FC236}">
-                <a16:creationId xmlns:a16="http://schemas.microsoft.com/office/drawing/2014/main" id="{ACCBE6D3-A62D-3D4A-A24B-5A57F3DBB775}"/>
-              </a:ext>
-            </a:extLst>
-          </p:cNvPr>
-          <p:cNvSpPr/>
-          <p:nvPr/>
-        </p:nvSpPr>
-        <p:spPr>
-          <a:xfrm>
-            <a:off x="89626" y="11033929"/>
-            <a:ext cx="3963273" cy="777071"/>
-          </a:xfrm>
-          <a:prstGeom prst="rect">
-            <a:avLst/>
-          </a:prstGeom>
-          <a:solidFill>
-            <a:schemeClr val="bg1">
-              <a:lumMod val="50000"/>
-            </a:schemeClr>
-          </a:solidFill>
-          <a:ln w="50800" cap="rnd" cmpd="dbl" algn="ctr">
-            <a:noFill/>
-            <a:prstDash val="solid"/>
-          </a:ln>
-          <a:effectLst/>
-        </p:spPr>
-        <p:style>
-          <a:lnRef idx="3">
-            <a:schemeClr val="lt1"/>
-          </a:lnRef>
-          <a:fillRef idx="1">
-            <a:schemeClr val="accent1"/>
-          </a:fillRef>
-          <a:effectRef idx="1">
-            <a:schemeClr val="accent1"/>
-          </a:effectRef>
-          <a:fontRef idx="minor">
-            <a:schemeClr val="lt1"/>
-          </a:fontRef>
-        </p:style>
-        <p:txBody>
-          <a:bodyPr anchor="ctr"/>
-          <a:lstStyle/>
-          <a:p>
-            <a:pPr algn="ctr" eaLnBrk="1" latinLnBrk="0" hangingPunct="1"/>
-            <a:endParaRPr lang="en-US" sz="7488" dirty="0"/>
-          </a:p>
-        </p:txBody>
-      </p:sp>
-      <p:sp>
-        <p:nvSpPr>
-          <p:cNvPr id="34" name="Rectangle 33">
-            <a:extLst>
-              <a:ext uri="{FF2B5EF4-FFF2-40B4-BE49-F238E27FC236}">
-                <a16:creationId xmlns:a16="http://schemas.microsoft.com/office/drawing/2014/main" id="{4EAF66C9-203E-8E4B-86AC-C98EDBE36137}"/>
-              </a:ext>
-            </a:extLst>
-          </p:cNvPr>
-          <p:cNvSpPr/>
-          <p:nvPr/>
-        </p:nvSpPr>
-        <p:spPr>
-          <a:xfrm>
-            <a:off x="4142525" y="11033929"/>
-            <a:ext cx="13138411" cy="777071"/>
-          </a:xfrm>
-          <a:prstGeom prst="rect">
-            <a:avLst/>
-          </a:prstGeom>
-          <a:solidFill>
-            <a:schemeClr val="accent2">
-              <a:lumMod val="90000"/>
-              <a:lumOff val="10000"/>
-            </a:schemeClr>
-          </a:solidFill>
-          <a:ln w="50800" cap="rnd" cmpd="dbl" algn="ctr">
-            <a:noFill/>
-            <a:prstDash val="solid"/>
-          </a:ln>
-          <a:effectLst/>
-        </p:spPr>
-        <p:style>
-          <a:lnRef idx="3">
-            <a:schemeClr val="lt1"/>
-          </a:lnRef>
-          <a:fillRef idx="1">
-            <a:schemeClr val="accent1"/>
-          </a:fillRef>
-          <a:effectRef idx="1">
-            <a:schemeClr val="accent1"/>
-          </a:effectRef>
-          <a:fontRef idx="minor">
-            <a:schemeClr val="lt1"/>
-          </a:fontRef>
-        </p:style>
-        <p:txBody>
-          <a:bodyPr anchor="ctr"/>
-          <a:lstStyle/>
-          <a:p>
-            <a:pPr algn="ctr" eaLnBrk="1" latinLnBrk="0" hangingPunct="1"/>
-            <a:endParaRPr lang="en-US" sz="7488" dirty="0"/>
-          </a:p>
-        </p:txBody>
-      </p:sp>
-      <p:sp>
-        <p:nvSpPr>
-          <p:cNvPr id="35" name="Text Placeholder 4">
-            <a:extLst>
-              <a:ext uri="{FF2B5EF4-FFF2-40B4-BE49-F238E27FC236}">
-                <a16:creationId xmlns:a16="http://schemas.microsoft.com/office/drawing/2014/main" id="{999938E6-E4B1-4D46-B06F-C0C0F5B16317}"/>
-              </a:ext>
-            </a:extLst>
-          </p:cNvPr>
-          <p:cNvSpPr txBox="1">
-            <a:spLocks/>
-          </p:cNvSpPr>
-          <p:nvPr/>
-        </p:nvSpPr>
-        <p:spPr>
-          <a:xfrm>
-            <a:off x="4142525" y="11059087"/>
-            <a:ext cx="13138411" cy="735686"/>
-          </a:xfrm>
-          <a:prstGeom prst="rect">
-            <a:avLst/>
-          </a:prstGeom>
-        </p:spPr>
-        <p:txBody>
-          <a:bodyPr vert="horz">
-            <a:noAutofit/>
-          </a:bodyPr>
-          <a:lstStyle>
-            <a:lvl1pPr marL="0" marR="0" indent="0" algn="l" defTabSz="2194505" rtl="0" eaLnBrk="1" fontAlgn="auto" latinLnBrk="0" hangingPunct="1">
-              <a:lnSpc>
-                <a:spcPct val="100000"/>
-              </a:lnSpc>
-              <a:spcBef>
-                <a:spcPts val="1680"/>
-              </a:spcBef>
-              <a:spcAft>
-                <a:spcPts val="0"/>
-              </a:spcAft>
-              <a:buClr>
-                <a:schemeClr val="accent2">
-                  <a:lumMod val="90000"/>
-                  <a:lumOff val="10000"/>
-                </a:schemeClr>
-              </a:buClr>
-              <a:buSzPct val="70000"/>
-              <a:buFont typeface="Arial"/>
-              <a:buNone/>
-              <a:tabLst/>
-              <a:defRPr kumimoji="0" sz="6000" kern="1200">
-                <a:solidFill>
-                  <a:schemeClr val="bg1"/>
-                </a:solidFill>
-                <a:latin typeface="+mn-lt"/>
-                <a:ea typeface="+mn-ea"/>
-                <a:cs typeface="+mn-cs"/>
-              </a:defRPr>
-            </a:lvl1pPr>
-            <a:lvl2pPr marL="1536154" indent="-658352" algn="l" rtl="0" eaLnBrk="1" latinLnBrk="0" hangingPunct="1">
-              <a:spcBef>
-                <a:spcPts val="1320"/>
-              </a:spcBef>
-              <a:buClr>
-                <a:schemeClr val="accent2">
-                  <a:lumMod val="90000"/>
-                  <a:lumOff val="10000"/>
-                </a:schemeClr>
-              </a:buClr>
-              <a:buSzPct val="70000"/>
-              <a:buFont typeface="Arial"/>
-              <a:buChar char="•"/>
-              <a:defRPr kumimoji="0" sz="5280" kern="1200">
-                <a:solidFill>
-                  <a:schemeClr val="tx1">
-                    <a:lumMod val="95000"/>
-                    <a:lumOff val="5000"/>
-                  </a:schemeClr>
-                </a:solidFill>
-                <a:latin typeface="+mn-lt"/>
-                <a:ea typeface="+mn-ea"/>
-                <a:cs typeface="+mn-cs"/>
-              </a:defRPr>
-            </a:lvl2pPr>
-            <a:lvl3pPr marL="2194505" indent="-548626" algn="l" rtl="0" eaLnBrk="1" latinLnBrk="0" hangingPunct="1">
-              <a:spcBef>
-                <a:spcPts val="1200"/>
-              </a:spcBef>
-              <a:buClr>
-                <a:schemeClr val="accent2">
-                  <a:lumMod val="90000"/>
-                  <a:lumOff val="10000"/>
-                </a:schemeClr>
-              </a:buClr>
-              <a:buSzPct val="70000"/>
-              <a:buFont typeface="Arial"/>
-              <a:buChar char="•"/>
-              <a:defRPr kumimoji="0" sz="4800" kern="1200">
-                <a:solidFill>
-                  <a:schemeClr val="tx1">
-                    <a:lumMod val="95000"/>
-                    <a:lumOff val="5000"/>
-                  </a:schemeClr>
-                </a:solidFill>
-                <a:latin typeface="+mn-lt"/>
-                <a:ea typeface="+mn-ea"/>
-                <a:cs typeface="+mn-cs"/>
-              </a:defRPr>
-            </a:lvl3pPr>
-            <a:lvl4pPr marL="3291758" indent="-548626" algn="l" rtl="0" eaLnBrk="1" latinLnBrk="0" hangingPunct="1">
-              <a:spcBef>
-                <a:spcPts val="960"/>
-              </a:spcBef>
-              <a:buClr>
-                <a:schemeClr val="accent3"/>
-              </a:buClr>
-              <a:buSzPct val="75000"/>
-              <a:buFont typeface="Wingdings" charset="2"/>
-              <a:buChar char="§"/>
-              <a:defRPr kumimoji="0" sz="4800" kern="1200">
-                <a:solidFill>
-                  <a:schemeClr val="tx1"/>
-                </a:solidFill>
-                <a:latin typeface="+mn-lt"/>
-                <a:ea typeface="+mn-ea"/>
-                <a:cs typeface="+mn-cs"/>
-              </a:defRPr>
-            </a:lvl4pPr>
-            <a:lvl5pPr marL="4389010" indent="-548626" algn="l" rtl="0" eaLnBrk="1" latinLnBrk="0" hangingPunct="1">
-              <a:spcBef>
-                <a:spcPts val="960"/>
-              </a:spcBef>
-              <a:buClr>
-                <a:schemeClr val="accent4"/>
-              </a:buClr>
-              <a:buSzPct val="65000"/>
-              <a:buFont typeface="Wingdings" charset="2"/>
-              <a:buChar char="§"/>
-              <a:defRPr kumimoji="0" sz="4800" kern="1200">
-                <a:solidFill>
-                  <a:schemeClr val="tx1"/>
-                </a:solidFill>
-                <a:latin typeface="+mn-lt"/>
-                <a:ea typeface="+mn-ea"/>
-                <a:cs typeface="+mn-cs"/>
-              </a:defRPr>
-            </a:lvl5pPr>
-            <a:lvl6pPr marL="5047362" indent="-548626" algn="l" rtl="0" eaLnBrk="1" latinLnBrk="0" hangingPunct="1">
-              <a:spcBef>
-                <a:spcPct val="20000"/>
-              </a:spcBef>
-              <a:buClr>
-                <a:schemeClr val="accent1"/>
-              </a:buClr>
-              <a:buFont typeface="Wingdings"/>
-              <a:buChar char="§"/>
-              <a:defRPr kumimoji="0" sz="4320" kern="1200" baseline="0">
-                <a:solidFill>
-                  <a:schemeClr val="tx1"/>
-                </a:solidFill>
-                <a:latin typeface="+mn-lt"/>
-                <a:ea typeface="+mn-ea"/>
-                <a:cs typeface="+mn-cs"/>
-              </a:defRPr>
-            </a:lvl6pPr>
-            <a:lvl7pPr marL="5705713" indent="-548626" algn="l" rtl="0" eaLnBrk="1" latinLnBrk="0" hangingPunct="1">
-              <a:spcBef>
-                <a:spcPct val="20000"/>
-              </a:spcBef>
-              <a:buClr>
-                <a:schemeClr val="accent2"/>
-              </a:buClr>
-              <a:buFont typeface="Wingdings"/>
-              <a:buChar char="§"/>
-              <a:defRPr kumimoji="0" sz="4320" kern="1200" baseline="0">
-                <a:solidFill>
-                  <a:schemeClr val="tx1"/>
-                </a:solidFill>
-                <a:latin typeface="+mn-lt"/>
-                <a:ea typeface="+mn-ea"/>
-                <a:cs typeface="+mn-cs"/>
-              </a:defRPr>
-            </a:lvl7pPr>
-            <a:lvl8pPr marL="6364065" indent="-548626" algn="l" rtl="0" eaLnBrk="1" latinLnBrk="0" hangingPunct="1">
-              <a:spcBef>
-                <a:spcPct val="20000"/>
-              </a:spcBef>
-              <a:buClr>
-                <a:schemeClr val="accent3"/>
-              </a:buClr>
-              <a:buFont typeface="Wingdings"/>
-              <a:buChar char="§"/>
-              <a:defRPr kumimoji="0" sz="4320" kern="1200" baseline="0">
-                <a:solidFill>
-                  <a:schemeClr val="tx1"/>
-                </a:solidFill>
-                <a:latin typeface="+mn-lt"/>
-                <a:ea typeface="+mn-ea"/>
-                <a:cs typeface="+mn-cs"/>
-              </a:defRPr>
-            </a:lvl8pPr>
-            <a:lvl9pPr marL="7022416" indent="-548626" algn="l" rtl="0" eaLnBrk="1" latinLnBrk="0" hangingPunct="1">
-              <a:spcBef>
-                <a:spcPct val="20000"/>
-              </a:spcBef>
-              <a:buClr>
-                <a:schemeClr val="accent4"/>
-              </a:buClr>
-              <a:buFont typeface="Wingdings"/>
-              <a:buChar char="§"/>
-              <a:defRPr kumimoji="0" sz="4320" kern="1200" baseline="0">
-                <a:solidFill>
-                  <a:schemeClr val="tx1"/>
-                </a:solidFill>
-                <a:latin typeface="+mn-lt"/>
-                <a:ea typeface="+mn-ea"/>
-                <a:cs typeface="+mn-cs"/>
-              </a:defRPr>
-            </a:lvl9pPr>
-          </a:lstStyle>
-          <a:p>
-            <a:pPr>
-              <a:defRPr/>
-            </a:pPr>
-            <a:r>
-              <a:rPr lang="en-US" sz="4400" dirty="0"/>
-              <a:t>15.071—The Analytics Edge		          Fall 2019</a:t>
-            </a:r>
-          </a:p>
-        </p:txBody>
-      </p:sp>
-      <p:cxnSp>
-        <p:nvCxnSpPr>
-          <p:cNvPr id="36" name="Straight Connector 35">
-            <a:extLst>
-              <a:ext uri="{FF2B5EF4-FFF2-40B4-BE49-F238E27FC236}">
-                <a16:creationId xmlns:a16="http://schemas.microsoft.com/office/drawing/2014/main" id="{F20F6DFB-76BA-8C46-A716-8B2054C8EE1B}"/>
-              </a:ext>
-            </a:extLst>
-          </p:cNvPr>
-          <p:cNvCxnSpPr>
-            <a:cxnSpLocks/>
-          </p:cNvCxnSpPr>
-          <p:nvPr/>
-        </p:nvCxnSpPr>
-        <p:spPr>
-          <a:xfrm>
             <a:off x="5978342" y="1010586"/>
             <a:ext cx="0" cy="9924133"/>
           </a:xfrm>
@@ -5885,8 +4480,8 @@
         </p:blipFill>
         <p:spPr>
           <a:xfrm>
-            <a:off x="18346147" y="4413729"/>
-            <a:ext cx="16488013" cy="6645358"/>
+            <a:off x="18768151" y="8760222"/>
+            <a:ext cx="4023113" cy="1621483"/>
           </a:xfrm>
           <a:prstGeom prst="rect">
             <a:avLst/>
@@ -5964,48 +4559,6 @@
           </a:prstGeom>
         </p:spPr>
       </p:pic>
-      <p:cxnSp>
-        <p:nvCxnSpPr>
-          <p:cNvPr id="32" name="Straight Arrow Connector 31">
-            <a:extLst>
-              <a:ext uri="{FF2B5EF4-FFF2-40B4-BE49-F238E27FC236}">
-                <a16:creationId xmlns:a16="http://schemas.microsoft.com/office/drawing/2014/main" id="{94A39827-1A8C-6343-9D5F-EB5CE20E7345}"/>
-              </a:ext>
-            </a:extLst>
-          </p:cNvPr>
-          <p:cNvCxnSpPr>
-            <a:cxnSpLocks/>
-          </p:cNvCxnSpPr>
-          <p:nvPr/>
-        </p:nvCxnSpPr>
-        <p:spPr>
-          <a:xfrm>
-            <a:off x="6188079" y="7484406"/>
-            <a:ext cx="0" cy="3247094"/>
-          </a:xfrm>
-          <a:prstGeom prst="straightConnector1">
-            <a:avLst/>
-          </a:prstGeom>
-          <a:ln w="38100">
-            <a:headEnd type="triangle"/>
-            <a:tailEnd type="triangle"/>
-          </a:ln>
-        </p:spPr>
-        <p:style>
-          <a:lnRef idx="2">
-            <a:schemeClr val="accent1"/>
-          </a:lnRef>
-          <a:fillRef idx="0">
-            <a:schemeClr val="accent1"/>
-          </a:fillRef>
-          <a:effectRef idx="1">
-            <a:schemeClr val="accent1"/>
-          </a:effectRef>
-          <a:fontRef idx="minor">
-            <a:schemeClr val="tx1"/>
-          </a:fontRef>
-        </p:style>
-      </p:cxnSp>
       <p:pic>
         <p:nvPicPr>
           <p:cNvPr id="48" name="Picture 47">
@@ -6418,14 +4971,14 @@
           <p:nvPr>
             <p:extLst>
               <p:ext uri="{D42A27DB-BD31-4B8C-83A1-F6EECF244321}">
-                <p14:modId xmlns:p14="http://schemas.microsoft.com/office/powerpoint/2010/main" val="3091114886"/>
+                <p14:modId xmlns:p14="http://schemas.microsoft.com/office/powerpoint/2010/main" val="4153877818"/>
               </p:ext>
             </p:extLst>
           </p:nvPr>
         </p:nvGraphicFramePr>
         <p:xfrm>
           <a:off x="11629077" y="1637954"/>
-          <a:ext cx="5561354" cy="2024449"/>
+          <a:ext cx="5561354" cy="2023516"/>
         </p:xfrm>
         <a:graphic>
           <a:graphicData uri="http://schemas.openxmlformats.org/drawingml/2006/table">
@@ -6463,7 +5016,7 @@
                   </a:extLst>
                 </a:gridCol>
               </a:tblGrid>
-              <a:tr h="275253">
+              <a:tr h="190846">
                 <a:tc>
                   <a:txBody>
                     <a:bodyPr/>
@@ -6471,7 +5024,7 @@
                     <a:p>
                       <a:pPr algn="ctr"/>
                       <a:r>
-                        <a:rPr lang="en-US" sz="1200" dirty="0"/>
+                        <a:rPr lang="en-US" sz="1200" b="1" dirty="0"/>
                         <a:t>Model</a:t>
                       </a:r>
                     </a:p>
@@ -6485,7 +5038,7 @@
                     <a:p>
                       <a:pPr algn="ctr"/>
                       <a:r>
-                        <a:rPr lang="en-US" sz="1200" dirty="0"/>
+                        <a:rPr lang="en-US" sz="1200" b="1" dirty="0"/>
                         <a:t>OSR2</a:t>
                       </a:r>
                     </a:p>
@@ -6499,7 +5052,7 @@
                     <a:p>
                       <a:pPr algn="ctr"/>
                       <a:r>
-                        <a:rPr lang="en-US" sz="1200" dirty="0"/>
+                        <a:rPr lang="en-US" sz="1200" b="1" dirty="0"/>
                         <a:t>MAE</a:t>
                       </a:r>
                     </a:p>
@@ -6513,7 +5066,7 @@
                     <a:p>
                       <a:pPr algn="ctr"/>
                       <a:r>
-                        <a:rPr lang="en-US" sz="1200" dirty="0"/>
+                        <a:rPr lang="en-US" sz="1200" b="1" dirty="0"/>
                         <a:t>RMSE</a:t>
                       </a:r>
                     </a:p>
@@ -6807,10 +5360,3265 @@
           </a:p>
         </p:txBody>
       </p:sp>
+      <p:sp>
+        <p:nvSpPr>
+          <p:cNvPr id="42" name="Arrow: Up 13">
+            <a:extLst>
+              <a:ext uri="{FF2B5EF4-FFF2-40B4-BE49-F238E27FC236}">
+                <a16:creationId xmlns:a16="http://schemas.microsoft.com/office/drawing/2014/main" id="{DB6F503E-E6A8-0C42-80DC-2A93874D3142}"/>
+              </a:ext>
+            </a:extLst>
+          </p:cNvPr>
+          <p:cNvSpPr/>
+          <p:nvPr/>
+        </p:nvSpPr>
+        <p:spPr>
+          <a:xfrm>
+            <a:off x="6065457" y="7331223"/>
+            <a:ext cx="146875" cy="1873757"/>
+          </a:xfrm>
+          <a:prstGeom prst="upArrow">
+            <a:avLst/>
+          </a:prstGeom>
+        </p:spPr>
+        <p:style>
+          <a:lnRef idx="1">
+            <a:schemeClr val="accent1"/>
+          </a:lnRef>
+          <a:fillRef idx="3">
+            <a:schemeClr val="accent1"/>
+          </a:fillRef>
+          <a:effectRef idx="2">
+            <a:schemeClr val="accent1"/>
+          </a:effectRef>
+          <a:fontRef idx="minor">
+            <a:schemeClr val="lt1"/>
+          </a:fontRef>
+        </p:style>
+        <p:txBody>
+          <a:bodyPr rtlCol="0" anchor="ctr"/>
+          <a:lstStyle/>
+          <a:p>
+            <a:pPr algn="ctr"/>
+            <a:endParaRPr lang="en-US"/>
+          </a:p>
+        </p:txBody>
+      </p:sp>
+      <p:sp>
+        <p:nvSpPr>
+          <p:cNvPr id="45" name="TextBox 44">
+            <a:extLst>
+              <a:ext uri="{FF2B5EF4-FFF2-40B4-BE49-F238E27FC236}">
+                <a16:creationId xmlns:a16="http://schemas.microsoft.com/office/drawing/2014/main" id="{7941D77A-EEE3-664D-B633-3558CD9BA310}"/>
+              </a:ext>
+            </a:extLst>
+          </p:cNvPr>
+          <p:cNvSpPr txBox="1"/>
+          <p:nvPr/>
+        </p:nvSpPr>
+        <p:spPr>
+          <a:xfrm>
+            <a:off x="5923451" y="9139228"/>
+            <a:ext cx="430887" cy="1591127"/>
+          </a:xfrm>
+          <a:prstGeom prst="rect">
+            <a:avLst/>
+          </a:prstGeom>
+          <a:noFill/>
+        </p:spPr>
+        <p:txBody>
+          <a:bodyPr vert="vert270" wrap="square" rtlCol="0">
+            <a:spAutoFit/>
+          </a:bodyPr>
+          <a:lstStyle/>
+          <a:p>
+            <a:r>
+              <a:rPr lang="en-US" sz="1600" b="1" dirty="0"/>
+              <a:t>Delay Increases</a:t>
+            </a:r>
+          </a:p>
+        </p:txBody>
+      </p:sp>
+      <p:sp>
+        <p:nvSpPr>
+          <p:cNvPr id="47" name="TextBox 46">
+            <a:extLst>
+              <a:ext uri="{FF2B5EF4-FFF2-40B4-BE49-F238E27FC236}">
+                <a16:creationId xmlns:a16="http://schemas.microsoft.com/office/drawing/2014/main" id="{3C6667FE-9042-8340-AE48-80B39675CB3F}"/>
+              </a:ext>
+            </a:extLst>
+          </p:cNvPr>
+          <p:cNvSpPr txBox="1"/>
+          <p:nvPr/>
+        </p:nvSpPr>
+        <p:spPr>
+          <a:xfrm>
+            <a:off x="8564750" y="6906847"/>
+            <a:ext cx="2228427" cy="338554"/>
+          </a:xfrm>
+          <a:prstGeom prst="rect">
+            <a:avLst/>
+          </a:prstGeom>
+          <a:noFill/>
+        </p:spPr>
+        <p:txBody>
+          <a:bodyPr wrap="square" rtlCol="0">
+            <a:spAutoFit/>
+          </a:bodyPr>
+          <a:lstStyle/>
+          <a:p>
+            <a:r>
+              <a:rPr lang="en-US" sz="1600" b="1" dirty="0"/>
+              <a:t>Significance Increases</a:t>
+            </a:r>
+          </a:p>
+        </p:txBody>
+      </p:sp>
+      <p:graphicFrame>
+        <p:nvGraphicFramePr>
+          <p:cNvPr id="2" name="Table 1">
+            <a:extLst>
+              <a:ext uri="{FF2B5EF4-FFF2-40B4-BE49-F238E27FC236}">
+                <a16:creationId xmlns:a16="http://schemas.microsoft.com/office/drawing/2014/main" id="{4450DA3B-B502-D443-AFE3-9D6A7255C16A}"/>
+              </a:ext>
+            </a:extLst>
+          </p:cNvPr>
+          <p:cNvGraphicFramePr>
+            <a:graphicFrameLocks noGrp="1"/>
+          </p:cNvGraphicFramePr>
+          <p:nvPr>
+            <p:extLst>
+              <p:ext uri="{D42A27DB-BD31-4B8C-83A1-F6EECF244321}">
+                <p14:modId xmlns:p14="http://schemas.microsoft.com/office/powerpoint/2010/main" val="1176239230"/>
+              </p:ext>
+            </p:extLst>
+          </p:nvPr>
+        </p:nvGraphicFramePr>
+        <p:xfrm>
+          <a:off x="6320683" y="7263514"/>
+          <a:ext cx="5187007" cy="3608710"/>
+        </p:xfrm>
+        <a:graphic>
+          <a:graphicData uri="http://schemas.openxmlformats.org/drawingml/2006/table">
+            <a:tbl>
+              <a:tblPr>
+                <a:tableStyleId>{5C22544A-7EE6-4342-B048-85BDC9FD1C3A}</a:tableStyleId>
+              </a:tblPr>
+              <a:tblGrid>
+                <a:gridCol w="1604117">
+                  <a:extLst>
+                    <a:ext uri="{9D8B030D-6E8A-4147-A177-3AD203B41FA5}">
+                      <a16:colId xmlns:a16="http://schemas.microsoft.com/office/drawing/2014/main" val="290372433"/>
+                    </a:ext>
+                  </a:extLst>
+                </a:gridCol>
+                <a:gridCol w="838200">
+                  <a:extLst>
+                    <a:ext uri="{9D8B030D-6E8A-4147-A177-3AD203B41FA5}">
+                      <a16:colId xmlns:a16="http://schemas.microsoft.com/office/drawing/2014/main" val="2616620708"/>
+                    </a:ext>
+                  </a:extLst>
+                </a:gridCol>
+                <a:gridCol w="838200">
+                  <a:extLst>
+                    <a:ext uri="{9D8B030D-6E8A-4147-A177-3AD203B41FA5}">
+                      <a16:colId xmlns:a16="http://schemas.microsoft.com/office/drawing/2014/main" val="2870319217"/>
+                    </a:ext>
+                  </a:extLst>
+                </a:gridCol>
+                <a:gridCol w="838200">
+                  <a:extLst>
+                    <a:ext uri="{9D8B030D-6E8A-4147-A177-3AD203B41FA5}">
+                      <a16:colId xmlns:a16="http://schemas.microsoft.com/office/drawing/2014/main" val="1757304168"/>
+                    </a:ext>
+                  </a:extLst>
+                </a:gridCol>
+                <a:gridCol w="1068290">
+                  <a:extLst>
+                    <a:ext uri="{9D8B030D-6E8A-4147-A177-3AD203B41FA5}">
+                      <a16:colId xmlns:a16="http://schemas.microsoft.com/office/drawing/2014/main" val="2875546430"/>
+                    </a:ext>
+                  </a:extLst>
+                </a:gridCol>
+              </a:tblGrid>
+              <a:tr h="297059">
+                <a:tc>
+                  <a:txBody>
+                    <a:bodyPr/>
+                    <a:lstStyle/>
+                    <a:p>
+                      <a:pPr algn="ctr" rtl="0" fontAlgn="ctr"/>
+                      <a:r>
+                        <a:rPr lang="en-US" sz="1200" b="1" u="none" strike="noStrike" dirty="0">
+                          <a:solidFill>
+                            <a:schemeClr val="bg1"/>
+                          </a:solidFill>
+                          <a:effectLst/>
+                        </a:rPr>
+                        <a:t>Time of Day</a:t>
+                      </a:r>
+                      <a:endParaRPr lang="en-US" sz="1200" b="1" i="0" u="none" strike="noStrike" dirty="0">
+                        <a:solidFill>
+                          <a:schemeClr val="bg1"/>
+                        </a:solidFill>
+                        <a:effectLst/>
+                        <a:latin typeface="Garamond" panose="02020404030301010803" pitchFamily="18" charset="0"/>
+                      </a:endParaRPr>
+                    </a:p>
+                  </a:txBody>
+                  <a:tcPr marL="9525" marR="9525" marT="9525" marB="0" anchor="ctr">
+                    <a:solidFill>
+                      <a:schemeClr val="accent1"/>
+                    </a:solidFill>
+                  </a:tcPr>
+                </a:tc>
+                <a:tc>
+                  <a:txBody>
+                    <a:bodyPr/>
+                    <a:lstStyle/>
+                    <a:p>
+                      <a:pPr algn="ctr" rtl="0" fontAlgn="ctr"/>
+                      <a:r>
+                        <a:rPr lang="en-US" sz="1200" b="1" u="none" strike="noStrike" dirty="0">
+                          <a:solidFill>
+                            <a:schemeClr val="bg1"/>
+                          </a:solidFill>
+                          <a:effectLst/>
+                        </a:rPr>
+                        <a:t>Month</a:t>
+                      </a:r>
+                      <a:endParaRPr lang="en-US" sz="1200" b="1" i="0" u="none" strike="noStrike" dirty="0">
+                        <a:solidFill>
+                          <a:schemeClr val="bg1"/>
+                        </a:solidFill>
+                        <a:effectLst/>
+                        <a:latin typeface="Garamond" panose="02020404030301010803" pitchFamily="18" charset="0"/>
+                      </a:endParaRPr>
+                    </a:p>
+                  </a:txBody>
+                  <a:tcPr marL="9525" marR="9525" marT="9525" marB="0" anchor="ctr">
+                    <a:solidFill>
+                      <a:schemeClr val="accent1"/>
+                    </a:solidFill>
+                  </a:tcPr>
+                </a:tc>
+                <a:tc>
+                  <a:txBody>
+                    <a:bodyPr/>
+                    <a:lstStyle/>
+                    <a:p>
+                      <a:pPr algn="ctr" rtl="0" fontAlgn="ctr"/>
+                      <a:r>
+                        <a:rPr lang="en-US" sz="1200" b="1" u="none" strike="noStrike" dirty="0">
+                          <a:solidFill>
+                            <a:schemeClr val="bg1"/>
+                          </a:solidFill>
+                          <a:effectLst/>
+                        </a:rPr>
+                        <a:t>Destination</a:t>
+                      </a:r>
+                      <a:endParaRPr lang="en-US" sz="1200" b="1" i="0" u="none" strike="noStrike" dirty="0">
+                        <a:solidFill>
+                          <a:schemeClr val="bg1"/>
+                        </a:solidFill>
+                        <a:effectLst/>
+                        <a:latin typeface="Garamond" panose="02020404030301010803" pitchFamily="18" charset="0"/>
+                      </a:endParaRPr>
+                    </a:p>
+                  </a:txBody>
+                  <a:tcPr marL="9525" marR="9525" marT="9525" marB="0" anchor="ctr">
+                    <a:solidFill>
+                      <a:schemeClr val="accent1"/>
+                    </a:solidFill>
+                  </a:tcPr>
+                </a:tc>
+                <a:tc>
+                  <a:txBody>
+                    <a:bodyPr/>
+                    <a:lstStyle/>
+                    <a:p>
+                      <a:pPr algn="ctr" rtl="0" fontAlgn="ctr"/>
+                      <a:r>
+                        <a:rPr lang="en-US" sz="1200" b="1" u="none" strike="noStrike" dirty="0">
+                          <a:solidFill>
+                            <a:schemeClr val="bg1"/>
+                          </a:solidFill>
+                          <a:effectLst/>
+                        </a:rPr>
+                        <a:t>Carrier</a:t>
+                      </a:r>
+                      <a:endParaRPr lang="en-US" sz="1200" b="1" i="0" u="none" strike="noStrike" dirty="0">
+                        <a:solidFill>
+                          <a:schemeClr val="bg1"/>
+                        </a:solidFill>
+                        <a:effectLst/>
+                        <a:latin typeface="Garamond" panose="02020404030301010803" pitchFamily="18" charset="0"/>
+                      </a:endParaRPr>
+                    </a:p>
+                  </a:txBody>
+                  <a:tcPr marL="9525" marR="9525" marT="9525" marB="0" anchor="ctr">
+                    <a:solidFill>
+                      <a:schemeClr val="accent1"/>
+                    </a:solidFill>
+                  </a:tcPr>
+                </a:tc>
+                <a:tc>
+                  <a:txBody>
+                    <a:bodyPr/>
+                    <a:lstStyle/>
+                    <a:p>
+                      <a:pPr algn="ctr" rtl="0" fontAlgn="ctr"/>
+                      <a:r>
+                        <a:rPr lang="en-US" sz="1200" b="1" u="none" strike="noStrike" dirty="0">
+                          <a:solidFill>
+                            <a:schemeClr val="bg1"/>
+                          </a:solidFill>
+                          <a:effectLst/>
+                        </a:rPr>
+                        <a:t>Weekday</a:t>
+                      </a:r>
+                      <a:endParaRPr lang="en-US" sz="1200" b="1" i="0" u="none" strike="noStrike" dirty="0">
+                        <a:solidFill>
+                          <a:schemeClr val="bg1"/>
+                        </a:solidFill>
+                        <a:effectLst/>
+                        <a:latin typeface="Garamond" panose="02020404030301010803" pitchFamily="18" charset="0"/>
+                      </a:endParaRPr>
+                    </a:p>
+                  </a:txBody>
+                  <a:tcPr marL="9525" marR="9525" marT="9525" marB="0" anchor="ctr">
+                    <a:solidFill>
+                      <a:schemeClr val="accent1"/>
+                    </a:solidFill>
+                  </a:tcPr>
+                </a:tc>
+                <a:extLst>
+                  <a:ext uri="{0D108BD9-81ED-4DB2-BD59-A6C34878D82A}">
+                    <a16:rowId xmlns:a16="http://schemas.microsoft.com/office/drawing/2014/main" val="4204250931"/>
+                  </a:ext>
+                </a:extLst>
+              </a:tr>
+              <a:tr h="286057">
+                <a:tc>
+                  <a:txBody>
+                    <a:bodyPr/>
+                    <a:lstStyle/>
+                    <a:p>
+                      <a:pPr algn="l" rtl="0" fontAlgn="ctr"/>
+                      <a:r>
+                        <a:rPr lang="en-US" sz="1200" u="none" strike="noStrike" dirty="0">
+                          <a:effectLst/>
+                        </a:rPr>
+                        <a:t>Evening (1800-2400)</a:t>
+                      </a:r>
+                      <a:endParaRPr lang="en-US" sz="1200" b="0" i="0" u="none" strike="noStrike" dirty="0">
+                        <a:solidFill>
+                          <a:srgbClr val="000000"/>
+                        </a:solidFill>
+                        <a:effectLst/>
+                        <a:latin typeface="Garamond" panose="02020404030301010803" pitchFamily="18" charset="0"/>
+                      </a:endParaRPr>
+                    </a:p>
+                  </a:txBody>
+                  <a:tcPr marR="9525" marT="9525" marB="0" anchor="ctr"/>
+                </a:tc>
+                <a:tc>
+                  <a:txBody>
+                    <a:bodyPr/>
+                    <a:lstStyle/>
+                    <a:p>
+                      <a:pPr algn="l" rtl="0" fontAlgn="ctr"/>
+                      <a:r>
+                        <a:rPr lang="en-US" sz="1200" u="none" strike="noStrike" dirty="0">
+                          <a:effectLst/>
+                        </a:rPr>
+                        <a:t>July</a:t>
+                      </a:r>
+                      <a:endParaRPr lang="en-US" sz="1200" b="0" i="0" u="none" strike="noStrike" dirty="0">
+                        <a:solidFill>
+                          <a:srgbClr val="000000"/>
+                        </a:solidFill>
+                        <a:effectLst/>
+                        <a:latin typeface="Garamond" panose="02020404030301010803" pitchFamily="18" charset="0"/>
+                      </a:endParaRPr>
+                    </a:p>
+                  </a:txBody>
+                  <a:tcPr marR="9525" marT="9525" marB="0" anchor="ctr"/>
+                </a:tc>
+                <a:tc>
+                  <a:txBody>
+                    <a:bodyPr/>
+                    <a:lstStyle/>
+                    <a:p>
+                      <a:pPr algn="l" rtl="0" fontAlgn="ctr"/>
+                      <a:r>
+                        <a:rPr lang="en-US" sz="1200" u="none" strike="noStrike" dirty="0">
+                          <a:effectLst/>
+                        </a:rPr>
+                        <a:t>MSN</a:t>
+                      </a:r>
+                      <a:endParaRPr lang="en-US" sz="1200" b="0" i="0" u="none" strike="noStrike" dirty="0">
+                        <a:solidFill>
+                          <a:srgbClr val="000000"/>
+                        </a:solidFill>
+                        <a:effectLst/>
+                        <a:latin typeface="Garamond" panose="02020404030301010803" pitchFamily="18" charset="0"/>
+                      </a:endParaRPr>
+                    </a:p>
+                  </a:txBody>
+                  <a:tcPr marR="9525" marT="9525" marB="0" anchor="ctr"/>
+                </a:tc>
+                <a:tc>
+                  <a:txBody>
+                    <a:bodyPr/>
+                    <a:lstStyle/>
+                    <a:p>
+                      <a:pPr algn="l" rtl="0" fontAlgn="ctr"/>
+                      <a:r>
+                        <a:rPr lang="en-US" sz="1200" u="none" strike="noStrike" dirty="0">
+                          <a:effectLst/>
+                        </a:rPr>
+                        <a:t>Express Jet</a:t>
+                      </a:r>
+                      <a:endParaRPr lang="en-US" sz="1200" b="0" i="0" u="none" strike="noStrike" dirty="0">
+                        <a:solidFill>
+                          <a:srgbClr val="000000"/>
+                        </a:solidFill>
+                        <a:effectLst/>
+                        <a:latin typeface="Garamond" panose="02020404030301010803" pitchFamily="18" charset="0"/>
+                      </a:endParaRPr>
+                    </a:p>
+                  </a:txBody>
+                  <a:tcPr marR="9525" marT="9525" marB="0" anchor="ctr"/>
+                </a:tc>
+                <a:tc>
+                  <a:txBody>
+                    <a:bodyPr/>
+                    <a:lstStyle/>
+                    <a:p>
+                      <a:pPr algn="l" rtl="0" fontAlgn="ctr"/>
+                      <a:r>
+                        <a:rPr lang="en-US" sz="1200" u="none" strike="noStrike" dirty="0">
+                          <a:effectLst/>
+                        </a:rPr>
+                        <a:t>Thursday</a:t>
+                      </a:r>
+                      <a:endParaRPr lang="en-US" sz="1200" b="0" i="0" u="none" strike="noStrike" dirty="0">
+                        <a:solidFill>
+                          <a:srgbClr val="000000"/>
+                        </a:solidFill>
+                        <a:effectLst/>
+                        <a:latin typeface="Garamond" panose="02020404030301010803" pitchFamily="18" charset="0"/>
+                      </a:endParaRPr>
+                    </a:p>
+                  </a:txBody>
+                  <a:tcPr marR="9525" marT="9525" marB="0" anchor="ctr"/>
+                </a:tc>
+                <a:extLst>
+                  <a:ext uri="{0D108BD9-81ED-4DB2-BD59-A6C34878D82A}">
+                    <a16:rowId xmlns:a16="http://schemas.microsoft.com/office/drawing/2014/main" val="2859547021"/>
+                  </a:ext>
+                </a:extLst>
+              </a:tr>
+              <a:tr h="275054">
+                <a:tc>
+                  <a:txBody>
+                    <a:bodyPr/>
+                    <a:lstStyle/>
+                    <a:p>
+                      <a:pPr algn="l" fontAlgn="t"/>
+                      <a:r>
+                        <a:rPr lang="en-US" sz="1200" u="none" strike="noStrike" dirty="0">
+                          <a:effectLst/>
+                        </a:rPr>
+                        <a:t> </a:t>
+                      </a:r>
+                      <a:endParaRPr lang="en-US" sz="1200" b="0" i="0" u="none" strike="noStrike" dirty="0">
+                        <a:solidFill>
+                          <a:srgbClr val="000000"/>
+                        </a:solidFill>
+                        <a:effectLst/>
+                        <a:latin typeface="Calibri" panose="020F0502020204030204" pitchFamily="34" charset="0"/>
+                      </a:endParaRPr>
+                    </a:p>
+                  </a:txBody>
+                  <a:tcPr marR="9525" marT="9525" marB="0"/>
+                </a:tc>
+                <a:tc>
+                  <a:txBody>
+                    <a:bodyPr/>
+                    <a:lstStyle/>
+                    <a:p>
+                      <a:pPr algn="l" rtl="0" fontAlgn="ctr"/>
+                      <a:r>
+                        <a:rPr lang="en-US" sz="1200" u="none" strike="noStrike" dirty="0">
+                          <a:effectLst/>
+                        </a:rPr>
+                        <a:t>June</a:t>
+                      </a:r>
+                      <a:endParaRPr lang="en-US" sz="1200" b="0" i="0" u="none" strike="noStrike" dirty="0">
+                        <a:solidFill>
+                          <a:srgbClr val="000000"/>
+                        </a:solidFill>
+                        <a:effectLst/>
+                        <a:latin typeface="Garamond" panose="02020404030301010803" pitchFamily="18" charset="0"/>
+                      </a:endParaRPr>
+                    </a:p>
+                  </a:txBody>
+                  <a:tcPr marR="9525" marT="9525" marB="0" anchor="ctr"/>
+                </a:tc>
+                <a:tc>
+                  <a:txBody>
+                    <a:bodyPr/>
+                    <a:lstStyle/>
+                    <a:p>
+                      <a:pPr algn="l" rtl="0" fontAlgn="ctr"/>
+                      <a:r>
+                        <a:rPr lang="en-US" sz="1200" u="none" strike="noStrike" dirty="0">
+                          <a:effectLst/>
+                        </a:rPr>
+                        <a:t>PDX</a:t>
+                      </a:r>
+                      <a:endParaRPr lang="en-US" sz="1200" b="0" i="0" u="none" strike="noStrike" dirty="0">
+                        <a:solidFill>
+                          <a:srgbClr val="000000"/>
+                        </a:solidFill>
+                        <a:effectLst/>
+                        <a:latin typeface="Garamond" panose="02020404030301010803" pitchFamily="18" charset="0"/>
+                      </a:endParaRPr>
+                    </a:p>
+                  </a:txBody>
+                  <a:tcPr marR="9525" marT="9525" marB="0" anchor="ctr"/>
+                </a:tc>
+                <a:tc>
+                  <a:txBody>
+                    <a:bodyPr/>
+                    <a:lstStyle/>
+                    <a:p>
+                      <a:pPr algn="l" rtl="0" fontAlgn="ctr"/>
+                      <a:r>
+                        <a:rPr lang="en-US" sz="1200" u="none" strike="noStrike" dirty="0">
+                          <a:effectLst/>
+                        </a:rPr>
+                        <a:t>Jet Blue</a:t>
+                      </a:r>
+                      <a:endParaRPr lang="en-US" sz="1200" b="0" i="0" u="none" strike="noStrike" dirty="0">
+                        <a:solidFill>
+                          <a:srgbClr val="000000"/>
+                        </a:solidFill>
+                        <a:effectLst/>
+                        <a:latin typeface="Garamond" panose="02020404030301010803" pitchFamily="18" charset="0"/>
+                      </a:endParaRPr>
+                    </a:p>
+                  </a:txBody>
+                  <a:tcPr marR="9525" marT="9525" marB="0" anchor="ctr"/>
+                </a:tc>
+                <a:tc>
+                  <a:txBody>
+                    <a:bodyPr/>
+                    <a:lstStyle/>
+                    <a:p>
+                      <a:pPr algn="l" rtl="0" fontAlgn="ctr"/>
+                      <a:r>
+                        <a:rPr lang="en-US" sz="1200" u="none" strike="noStrike">
+                          <a:effectLst/>
+                        </a:rPr>
+                        <a:t>Friday</a:t>
+                      </a:r>
+                      <a:endParaRPr lang="en-US" sz="1200" b="0" i="0" u="none" strike="noStrike">
+                        <a:solidFill>
+                          <a:srgbClr val="000000"/>
+                        </a:solidFill>
+                        <a:effectLst/>
+                        <a:latin typeface="Garamond" panose="02020404030301010803" pitchFamily="18" charset="0"/>
+                      </a:endParaRPr>
+                    </a:p>
+                  </a:txBody>
+                  <a:tcPr marR="9525" marT="9525" marB="0" anchor="ctr"/>
+                </a:tc>
+                <a:extLst>
+                  <a:ext uri="{0D108BD9-81ED-4DB2-BD59-A6C34878D82A}">
+                    <a16:rowId xmlns:a16="http://schemas.microsoft.com/office/drawing/2014/main" val="345773672"/>
+                  </a:ext>
+                </a:extLst>
+              </a:tr>
+              <a:tr h="275054">
+                <a:tc>
+                  <a:txBody>
+                    <a:bodyPr/>
+                    <a:lstStyle/>
+                    <a:p>
+                      <a:pPr algn="l" fontAlgn="t"/>
+                      <a:r>
+                        <a:rPr lang="en-US" sz="1200" u="none" strike="noStrike" dirty="0">
+                          <a:effectLst/>
+                        </a:rPr>
+                        <a:t> </a:t>
+                      </a:r>
+                      <a:endParaRPr lang="en-US" sz="1200" b="0" i="0" u="none" strike="noStrike" dirty="0">
+                        <a:solidFill>
+                          <a:srgbClr val="000000"/>
+                        </a:solidFill>
+                        <a:effectLst/>
+                        <a:latin typeface="Calibri" panose="020F0502020204030204" pitchFamily="34" charset="0"/>
+                      </a:endParaRPr>
+                    </a:p>
+                  </a:txBody>
+                  <a:tcPr marR="9525" marT="9525" marB="0"/>
+                </a:tc>
+                <a:tc>
+                  <a:txBody>
+                    <a:bodyPr/>
+                    <a:lstStyle/>
+                    <a:p>
+                      <a:pPr algn="l" rtl="0" fontAlgn="ctr"/>
+                      <a:r>
+                        <a:rPr lang="en-US" sz="1200" u="none" strike="noStrike" dirty="0">
+                          <a:effectLst/>
+                        </a:rPr>
+                        <a:t>August</a:t>
+                      </a:r>
+                      <a:endParaRPr lang="en-US" sz="1200" b="0" i="0" u="none" strike="noStrike" dirty="0">
+                        <a:solidFill>
+                          <a:srgbClr val="000000"/>
+                        </a:solidFill>
+                        <a:effectLst/>
+                        <a:latin typeface="Garamond" panose="02020404030301010803" pitchFamily="18" charset="0"/>
+                      </a:endParaRPr>
+                    </a:p>
+                  </a:txBody>
+                  <a:tcPr marR="9525" marT="9525" marB="0" anchor="ctr"/>
+                </a:tc>
+                <a:tc>
+                  <a:txBody>
+                    <a:bodyPr/>
+                    <a:lstStyle/>
+                    <a:p>
+                      <a:pPr algn="l" rtl="0" fontAlgn="ctr"/>
+                      <a:r>
+                        <a:rPr lang="en-US" sz="1200" u="none" strike="noStrike" dirty="0">
+                          <a:effectLst/>
+                        </a:rPr>
+                        <a:t>SYR</a:t>
+                      </a:r>
+                      <a:endParaRPr lang="en-US" sz="1200" b="0" i="0" u="none" strike="noStrike" dirty="0">
+                        <a:solidFill>
+                          <a:srgbClr val="000000"/>
+                        </a:solidFill>
+                        <a:effectLst/>
+                        <a:latin typeface="Garamond" panose="02020404030301010803" pitchFamily="18" charset="0"/>
+                      </a:endParaRPr>
+                    </a:p>
+                  </a:txBody>
+                  <a:tcPr marR="9525" marT="9525" marB="0" anchor="ctr"/>
+                </a:tc>
+                <a:tc>
+                  <a:txBody>
+                    <a:bodyPr/>
+                    <a:lstStyle/>
+                    <a:p>
+                      <a:pPr algn="l" fontAlgn="t"/>
+                      <a:r>
+                        <a:rPr lang="en-US" sz="1200" u="none" strike="noStrike" dirty="0">
+                          <a:effectLst/>
+                        </a:rPr>
+                        <a:t> </a:t>
+                      </a:r>
+                      <a:endParaRPr lang="en-US" sz="1200" b="0" i="0" u="none" strike="noStrike" dirty="0">
+                        <a:solidFill>
+                          <a:srgbClr val="000000"/>
+                        </a:solidFill>
+                        <a:effectLst/>
+                        <a:latin typeface="Calibri" panose="020F0502020204030204" pitchFamily="34" charset="0"/>
+                      </a:endParaRPr>
+                    </a:p>
+                  </a:txBody>
+                  <a:tcPr marR="9525" marT="9525" marB="0"/>
+                </a:tc>
+                <a:tc>
+                  <a:txBody>
+                    <a:bodyPr/>
+                    <a:lstStyle/>
+                    <a:p>
+                      <a:pPr algn="l" rtl="0" fontAlgn="ctr"/>
+                      <a:r>
+                        <a:rPr lang="en-US" sz="1200" u="none" strike="noStrike">
+                          <a:effectLst/>
+                        </a:rPr>
+                        <a:t> </a:t>
+                      </a:r>
+                      <a:endParaRPr lang="en-US" sz="1200" b="0" i="0" u="none" strike="noStrike">
+                        <a:solidFill>
+                          <a:srgbClr val="000000"/>
+                        </a:solidFill>
+                        <a:effectLst/>
+                        <a:latin typeface="Garamond" panose="02020404030301010803" pitchFamily="18" charset="0"/>
+                      </a:endParaRPr>
+                    </a:p>
+                  </a:txBody>
+                  <a:tcPr marR="9525" marT="9525" marB="0" anchor="ctr"/>
+                </a:tc>
+                <a:extLst>
+                  <a:ext uri="{0D108BD9-81ED-4DB2-BD59-A6C34878D82A}">
+                    <a16:rowId xmlns:a16="http://schemas.microsoft.com/office/drawing/2014/main" val="4258395016"/>
+                  </a:ext>
+                </a:extLst>
+              </a:tr>
+              <a:tr h="275054">
+                <a:tc>
+                  <a:txBody>
+                    <a:bodyPr/>
+                    <a:lstStyle/>
+                    <a:p>
+                      <a:pPr algn="l" fontAlgn="t"/>
+                      <a:r>
+                        <a:rPr lang="en-US" sz="1200" u="none" strike="noStrike">
+                          <a:effectLst/>
+                        </a:rPr>
+                        <a:t> </a:t>
+                      </a:r>
+                      <a:endParaRPr lang="en-US" sz="1200" b="0" i="0" u="none" strike="noStrike">
+                        <a:solidFill>
+                          <a:srgbClr val="000000"/>
+                        </a:solidFill>
+                        <a:effectLst/>
+                        <a:latin typeface="Calibri" panose="020F0502020204030204" pitchFamily="34" charset="0"/>
+                      </a:endParaRPr>
+                    </a:p>
+                  </a:txBody>
+                  <a:tcPr marR="9525" marT="9525" marB="0"/>
+                </a:tc>
+                <a:tc>
+                  <a:txBody>
+                    <a:bodyPr/>
+                    <a:lstStyle/>
+                    <a:p>
+                      <a:pPr algn="l" rtl="0" fontAlgn="ctr"/>
+                      <a:r>
+                        <a:rPr lang="en-US" sz="1200" u="none" strike="noStrike" dirty="0">
+                          <a:effectLst/>
+                        </a:rPr>
+                        <a:t>December</a:t>
+                      </a:r>
+                      <a:endParaRPr lang="en-US" sz="1200" b="0" i="0" u="none" strike="noStrike" dirty="0">
+                        <a:solidFill>
+                          <a:srgbClr val="000000"/>
+                        </a:solidFill>
+                        <a:effectLst/>
+                        <a:latin typeface="Garamond" panose="02020404030301010803" pitchFamily="18" charset="0"/>
+                      </a:endParaRPr>
+                    </a:p>
+                  </a:txBody>
+                  <a:tcPr marR="9525" marT="9525" marB="0" anchor="ctr"/>
+                </a:tc>
+                <a:tc>
+                  <a:txBody>
+                    <a:bodyPr/>
+                    <a:lstStyle/>
+                    <a:p>
+                      <a:pPr algn="l" rtl="0" fontAlgn="ctr"/>
+                      <a:r>
+                        <a:rPr lang="en-US" sz="1200" u="none" strike="noStrike" dirty="0">
+                          <a:effectLst/>
+                        </a:rPr>
+                        <a:t>SAN</a:t>
+                      </a:r>
+                      <a:endParaRPr lang="en-US" sz="1200" b="0" i="0" u="none" strike="noStrike" dirty="0">
+                        <a:solidFill>
+                          <a:srgbClr val="000000"/>
+                        </a:solidFill>
+                        <a:effectLst/>
+                        <a:latin typeface="Garamond" panose="02020404030301010803" pitchFamily="18" charset="0"/>
+                      </a:endParaRPr>
+                    </a:p>
+                  </a:txBody>
+                  <a:tcPr marR="9525" marT="9525" marB="0" anchor="ctr"/>
+                </a:tc>
+                <a:tc>
+                  <a:txBody>
+                    <a:bodyPr/>
+                    <a:lstStyle/>
+                    <a:p>
+                      <a:pPr algn="l" rtl="0" fontAlgn="ctr"/>
+                      <a:r>
+                        <a:rPr lang="en-US" sz="1200" u="none" strike="noStrike" dirty="0">
+                          <a:effectLst/>
+                        </a:rPr>
+                        <a:t>United</a:t>
+                      </a:r>
+                      <a:endParaRPr lang="en-US" sz="1200" b="0" i="0" u="none" strike="noStrike" dirty="0">
+                        <a:solidFill>
+                          <a:srgbClr val="000000"/>
+                        </a:solidFill>
+                        <a:effectLst/>
+                        <a:latin typeface="Garamond" panose="02020404030301010803" pitchFamily="18" charset="0"/>
+                      </a:endParaRPr>
+                    </a:p>
+                  </a:txBody>
+                  <a:tcPr marR="9525" marT="9525" marB="0" anchor="ctr"/>
+                </a:tc>
+                <a:tc>
+                  <a:txBody>
+                    <a:bodyPr/>
+                    <a:lstStyle/>
+                    <a:p>
+                      <a:pPr algn="l" rtl="0" fontAlgn="ctr"/>
+                      <a:r>
+                        <a:rPr lang="en-US" sz="1200" u="none" strike="noStrike" dirty="0">
+                          <a:effectLst/>
+                        </a:rPr>
+                        <a:t>Monday</a:t>
+                      </a:r>
+                      <a:endParaRPr lang="en-US" sz="1200" b="0" i="0" u="none" strike="noStrike" dirty="0">
+                        <a:solidFill>
+                          <a:srgbClr val="000000"/>
+                        </a:solidFill>
+                        <a:effectLst/>
+                        <a:latin typeface="Garamond" panose="02020404030301010803" pitchFamily="18" charset="0"/>
+                      </a:endParaRPr>
+                    </a:p>
+                  </a:txBody>
+                  <a:tcPr marR="9525" marT="9525" marB="0" anchor="ctr"/>
+                </a:tc>
+                <a:extLst>
+                  <a:ext uri="{0D108BD9-81ED-4DB2-BD59-A6C34878D82A}">
+                    <a16:rowId xmlns:a16="http://schemas.microsoft.com/office/drawing/2014/main" val="576199912"/>
+                  </a:ext>
+                </a:extLst>
+              </a:tr>
+              <a:tr h="275054">
+                <a:tc>
+                  <a:txBody>
+                    <a:bodyPr/>
+                    <a:lstStyle/>
+                    <a:p>
+                      <a:pPr algn="l" rtl="0" fontAlgn="ctr"/>
+                      <a:r>
+                        <a:rPr lang="en-US" sz="1200" u="none" strike="noStrike">
+                          <a:effectLst/>
+                        </a:rPr>
+                        <a:t>Afternoon (1200-1800)</a:t>
+                      </a:r>
+                      <a:endParaRPr lang="en-US" sz="1200" b="0" i="0" u="none" strike="noStrike">
+                        <a:solidFill>
+                          <a:srgbClr val="000000"/>
+                        </a:solidFill>
+                        <a:effectLst/>
+                        <a:latin typeface="Garamond" panose="02020404030301010803" pitchFamily="18" charset="0"/>
+                      </a:endParaRPr>
+                    </a:p>
+                  </a:txBody>
+                  <a:tcPr marR="9525" marT="9525" marB="0" anchor="ctr"/>
+                </a:tc>
+                <a:tc>
+                  <a:txBody>
+                    <a:bodyPr/>
+                    <a:lstStyle/>
+                    <a:p>
+                      <a:pPr algn="l" rtl="0" fontAlgn="ctr"/>
+                      <a:r>
+                        <a:rPr lang="en-US" sz="1200" u="none" strike="noStrike">
+                          <a:effectLst/>
+                        </a:rPr>
+                        <a:t>February</a:t>
+                      </a:r>
+                      <a:endParaRPr lang="en-US" sz="1200" b="0" i="0" u="none" strike="noStrike">
+                        <a:solidFill>
+                          <a:srgbClr val="000000"/>
+                        </a:solidFill>
+                        <a:effectLst/>
+                        <a:latin typeface="Garamond" panose="02020404030301010803" pitchFamily="18" charset="0"/>
+                      </a:endParaRPr>
+                    </a:p>
+                  </a:txBody>
+                  <a:tcPr marR="9525" marT="9525" marB="0" anchor="ctr"/>
+                </a:tc>
+                <a:tc>
+                  <a:txBody>
+                    <a:bodyPr/>
+                    <a:lstStyle/>
+                    <a:p>
+                      <a:pPr algn="l" rtl="0" fontAlgn="ctr"/>
+                      <a:r>
+                        <a:rPr lang="en-US" sz="1200" u="none" strike="noStrike" dirty="0">
+                          <a:effectLst/>
+                        </a:rPr>
+                        <a:t>.</a:t>
+                      </a:r>
+                      <a:endParaRPr lang="en-US" sz="1200" b="0" i="0" u="none" strike="noStrike" dirty="0">
+                        <a:solidFill>
+                          <a:srgbClr val="000000"/>
+                        </a:solidFill>
+                        <a:effectLst/>
+                        <a:latin typeface="Garamond" panose="02020404030301010803" pitchFamily="18" charset="0"/>
+                      </a:endParaRPr>
+                    </a:p>
+                  </a:txBody>
+                  <a:tcPr marR="9525" marT="9525" marB="0" anchor="ctr"/>
+                </a:tc>
+                <a:tc>
+                  <a:txBody>
+                    <a:bodyPr/>
+                    <a:lstStyle/>
+                    <a:p>
+                      <a:pPr algn="l" fontAlgn="t"/>
+                      <a:r>
+                        <a:rPr lang="en-US" sz="1200" u="none" strike="noStrike" dirty="0">
+                          <a:effectLst/>
+                        </a:rPr>
+                        <a:t> </a:t>
+                      </a:r>
+                      <a:endParaRPr lang="en-US" sz="1200" b="0" i="0" u="none" strike="noStrike" dirty="0">
+                        <a:solidFill>
+                          <a:srgbClr val="000000"/>
+                        </a:solidFill>
+                        <a:effectLst/>
+                        <a:latin typeface="Calibri" panose="020F0502020204030204" pitchFamily="34" charset="0"/>
+                      </a:endParaRPr>
+                    </a:p>
+                  </a:txBody>
+                  <a:tcPr marR="9525" marT="9525" marB="0"/>
+                </a:tc>
+                <a:tc>
+                  <a:txBody>
+                    <a:bodyPr/>
+                    <a:lstStyle/>
+                    <a:p>
+                      <a:pPr algn="l" rtl="0" fontAlgn="ctr"/>
+                      <a:r>
+                        <a:rPr lang="en-US" sz="1200" u="none" strike="noStrike" dirty="0">
+                          <a:effectLst/>
+                        </a:rPr>
+                        <a:t> </a:t>
+                      </a:r>
+                      <a:endParaRPr lang="en-US" sz="1200" b="0" i="0" u="none" strike="noStrike" dirty="0">
+                        <a:solidFill>
+                          <a:srgbClr val="000000"/>
+                        </a:solidFill>
+                        <a:effectLst/>
+                        <a:latin typeface="Garamond" panose="02020404030301010803" pitchFamily="18" charset="0"/>
+                      </a:endParaRPr>
+                    </a:p>
+                  </a:txBody>
+                  <a:tcPr marR="9525" marT="9525" marB="0" anchor="ctr"/>
+                </a:tc>
+                <a:extLst>
+                  <a:ext uri="{0D108BD9-81ED-4DB2-BD59-A6C34878D82A}">
+                    <a16:rowId xmlns:a16="http://schemas.microsoft.com/office/drawing/2014/main" val="3449715800"/>
+                  </a:ext>
+                </a:extLst>
+              </a:tr>
+              <a:tr h="275054">
+                <a:tc>
+                  <a:txBody>
+                    <a:bodyPr/>
+                    <a:lstStyle/>
+                    <a:p>
+                      <a:pPr algn="l" fontAlgn="t"/>
+                      <a:r>
+                        <a:rPr lang="en-US" sz="1200" u="none" strike="noStrike">
+                          <a:effectLst/>
+                        </a:rPr>
+                        <a:t> </a:t>
+                      </a:r>
+                      <a:endParaRPr lang="en-US" sz="1200" b="0" i="0" u="none" strike="noStrike">
+                        <a:solidFill>
+                          <a:srgbClr val="000000"/>
+                        </a:solidFill>
+                        <a:effectLst/>
+                        <a:latin typeface="Calibri" panose="020F0502020204030204" pitchFamily="34" charset="0"/>
+                      </a:endParaRPr>
+                    </a:p>
+                  </a:txBody>
+                  <a:tcPr marR="9525" marT="9525" marB="0"/>
+                </a:tc>
+                <a:tc>
+                  <a:txBody>
+                    <a:bodyPr/>
+                    <a:lstStyle/>
+                    <a:p>
+                      <a:pPr algn="l" rtl="0" fontAlgn="ctr"/>
+                      <a:r>
+                        <a:rPr lang="en-US" sz="1200" u="none" strike="noStrike" dirty="0">
+                          <a:effectLst/>
+                        </a:rPr>
+                        <a:t>May</a:t>
+                      </a:r>
+                      <a:endParaRPr lang="en-US" sz="1200" b="0" i="0" u="none" strike="noStrike" dirty="0">
+                        <a:solidFill>
+                          <a:srgbClr val="000000"/>
+                        </a:solidFill>
+                        <a:effectLst/>
+                        <a:latin typeface="Garamond" panose="02020404030301010803" pitchFamily="18" charset="0"/>
+                      </a:endParaRPr>
+                    </a:p>
+                  </a:txBody>
+                  <a:tcPr marR="9525" marT="9525" marB="0" anchor="ctr"/>
+                </a:tc>
+                <a:tc>
+                  <a:txBody>
+                    <a:bodyPr/>
+                    <a:lstStyle/>
+                    <a:p>
+                      <a:pPr algn="l" rtl="0" fontAlgn="ctr"/>
+                      <a:r>
+                        <a:rPr lang="en-US" sz="1200" u="none" strike="noStrike" dirty="0">
+                          <a:effectLst/>
+                        </a:rPr>
+                        <a:t>.</a:t>
+                      </a:r>
+                      <a:endParaRPr lang="en-US" sz="1200" b="0" i="0" u="none" strike="noStrike" dirty="0">
+                        <a:solidFill>
+                          <a:srgbClr val="000000"/>
+                        </a:solidFill>
+                        <a:effectLst/>
+                        <a:latin typeface="Garamond" panose="02020404030301010803" pitchFamily="18" charset="0"/>
+                      </a:endParaRPr>
+                    </a:p>
+                  </a:txBody>
+                  <a:tcPr marR="9525" marT="9525" marB="0" anchor="ctr"/>
+                </a:tc>
+                <a:tc>
+                  <a:txBody>
+                    <a:bodyPr/>
+                    <a:lstStyle/>
+                    <a:p>
+                      <a:pPr algn="l" rtl="0" fontAlgn="ctr"/>
+                      <a:r>
+                        <a:rPr lang="en-US" sz="1200" u="none" strike="noStrike" dirty="0">
+                          <a:effectLst/>
+                        </a:rPr>
+                        <a:t>Southwest</a:t>
+                      </a:r>
+                      <a:endParaRPr lang="en-US" sz="1200" b="0" i="0" u="none" strike="noStrike" dirty="0">
+                        <a:solidFill>
+                          <a:srgbClr val="000000"/>
+                        </a:solidFill>
+                        <a:effectLst/>
+                        <a:latin typeface="Garamond" panose="02020404030301010803" pitchFamily="18" charset="0"/>
+                      </a:endParaRPr>
+                    </a:p>
+                  </a:txBody>
+                  <a:tcPr marR="9525" marT="9525" marB="0" anchor="ctr"/>
+                </a:tc>
+                <a:tc>
+                  <a:txBody>
+                    <a:bodyPr/>
+                    <a:lstStyle/>
+                    <a:p>
+                      <a:pPr algn="l" rtl="0" fontAlgn="ctr"/>
+                      <a:r>
+                        <a:rPr lang="en-US" sz="1200" u="none" strike="noStrike" dirty="0">
+                          <a:effectLst/>
+                        </a:rPr>
+                        <a:t>Tuesday</a:t>
+                      </a:r>
+                      <a:endParaRPr lang="en-US" sz="1200" b="0" i="0" u="none" strike="noStrike" dirty="0">
+                        <a:solidFill>
+                          <a:srgbClr val="000000"/>
+                        </a:solidFill>
+                        <a:effectLst/>
+                        <a:latin typeface="Garamond" panose="02020404030301010803" pitchFamily="18" charset="0"/>
+                      </a:endParaRPr>
+                    </a:p>
+                  </a:txBody>
+                  <a:tcPr marR="9525" marT="9525" marB="0" anchor="ctr"/>
+                </a:tc>
+                <a:extLst>
+                  <a:ext uri="{0D108BD9-81ED-4DB2-BD59-A6C34878D82A}">
+                    <a16:rowId xmlns:a16="http://schemas.microsoft.com/office/drawing/2014/main" val="611040226"/>
+                  </a:ext>
+                </a:extLst>
+              </a:tr>
+              <a:tr h="275054">
+                <a:tc>
+                  <a:txBody>
+                    <a:bodyPr/>
+                    <a:lstStyle/>
+                    <a:p>
+                      <a:pPr algn="l" fontAlgn="t"/>
+                      <a:r>
+                        <a:rPr lang="en-US" sz="1200" u="none" strike="noStrike">
+                          <a:effectLst/>
+                        </a:rPr>
+                        <a:t> </a:t>
+                      </a:r>
+                      <a:endParaRPr lang="en-US" sz="1200" b="0" i="0" u="none" strike="noStrike">
+                        <a:solidFill>
+                          <a:srgbClr val="000000"/>
+                        </a:solidFill>
+                        <a:effectLst/>
+                        <a:latin typeface="Calibri" panose="020F0502020204030204" pitchFamily="34" charset="0"/>
+                      </a:endParaRPr>
+                    </a:p>
+                  </a:txBody>
+                  <a:tcPr marR="9525" marT="9525" marB="0"/>
+                </a:tc>
+                <a:tc>
+                  <a:txBody>
+                    <a:bodyPr/>
+                    <a:lstStyle/>
+                    <a:p>
+                      <a:pPr algn="l" rtl="0" fontAlgn="ctr"/>
+                      <a:r>
+                        <a:rPr lang="en-US" sz="1200" u="none" strike="noStrike">
+                          <a:effectLst/>
+                        </a:rPr>
+                        <a:t>March</a:t>
+                      </a:r>
+                      <a:endParaRPr lang="en-US" sz="1200" b="0" i="0" u="none" strike="noStrike">
+                        <a:solidFill>
+                          <a:srgbClr val="000000"/>
+                        </a:solidFill>
+                        <a:effectLst/>
+                        <a:latin typeface="Garamond" panose="02020404030301010803" pitchFamily="18" charset="0"/>
+                      </a:endParaRPr>
+                    </a:p>
+                  </a:txBody>
+                  <a:tcPr marR="9525" marT="9525" marB="0" anchor="ctr"/>
+                </a:tc>
+                <a:tc>
+                  <a:txBody>
+                    <a:bodyPr/>
+                    <a:lstStyle/>
+                    <a:p>
+                      <a:pPr algn="l" rtl="0" fontAlgn="ctr"/>
+                      <a:r>
+                        <a:rPr lang="en-US" sz="1200" u="none" strike="noStrike" dirty="0">
+                          <a:effectLst/>
+                        </a:rPr>
+                        <a:t>.</a:t>
+                      </a:r>
+                      <a:endParaRPr lang="en-US" sz="1200" b="0" i="0" u="none" strike="noStrike" dirty="0">
+                        <a:solidFill>
+                          <a:srgbClr val="000000"/>
+                        </a:solidFill>
+                        <a:effectLst/>
+                        <a:latin typeface="Garamond" panose="02020404030301010803" pitchFamily="18" charset="0"/>
+                      </a:endParaRPr>
+                    </a:p>
+                  </a:txBody>
+                  <a:tcPr marR="9525" marT="9525" marB="0" anchor="ctr"/>
+                </a:tc>
+                <a:tc>
+                  <a:txBody>
+                    <a:bodyPr/>
+                    <a:lstStyle/>
+                    <a:p>
+                      <a:pPr algn="l" fontAlgn="t"/>
+                      <a:r>
+                        <a:rPr lang="en-US" sz="1200" u="none" strike="noStrike" dirty="0">
+                          <a:effectLst/>
+                        </a:rPr>
+                        <a:t> </a:t>
+                      </a:r>
+                      <a:endParaRPr lang="en-US" sz="1200" b="0" i="0" u="none" strike="noStrike" dirty="0">
+                        <a:solidFill>
+                          <a:srgbClr val="000000"/>
+                        </a:solidFill>
+                        <a:effectLst/>
+                        <a:latin typeface="Calibri" panose="020F0502020204030204" pitchFamily="34" charset="0"/>
+                      </a:endParaRPr>
+                    </a:p>
+                  </a:txBody>
+                  <a:tcPr marR="9525" marT="9525" marB="0"/>
+                </a:tc>
+                <a:tc>
+                  <a:txBody>
+                    <a:bodyPr/>
+                    <a:lstStyle/>
+                    <a:p>
+                      <a:pPr algn="l" fontAlgn="t"/>
+                      <a:r>
+                        <a:rPr lang="en-US" sz="1200" u="none" strike="noStrike" dirty="0">
+                          <a:effectLst/>
+                        </a:rPr>
+                        <a:t> </a:t>
+                      </a:r>
+                      <a:endParaRPr lang="en-US" sz="1200" b="0" i="0" u="none" strike="noStrike" dirty="0">
+                        <a:solidFill>
+                          <a:srgbClr val="000000"/>
+                        </a:solidFill>
+                        <a:effectLst/>
+                        <a:latin typeface="Calibri" panose="020F0502020204030204" pitchFamily="34" charset="0"/>
+                      </a:endParaRPr>
+                    </a:p>
+                  </a:txBody>
+                  <a:tcPr marR="9525" marT="9525" marB="0"/>
+                </a:tc>
+                <a:extLst>
+                  <a:ext uri="{0D108BD9-81ED-4DB2-BD59-A6C34878D82A}">
+                    <a16:rowId xmlns:a16="http://schemas.microsoft.com/office/drawing/2014/main" val="303911870"/>
+                  </a:ext>
+                </a:extLst>
+              </a:tr>
+              <a:tr h="275054">
+                <a:tc>
+                  <a:txBody>
+                    <a:bodyPr/>
+                    <a:lstStyle/>
+                    <a:p>
+                      <a:pPr algn="l" rtl="0" fontAlgn="ctr"/>
+                      <a:r>
+                        <a:rPr lang="en-US" sz="1200" u="none" strike="noStrike">
+                          <a:effectLst/>
+                        </a:rPr>
+                        <a:t>Morning (0600-1200)</a:t>
+                      </a:r>
+                      <a:endParaRPr lang="en-US" sz="1200" b="0" i="0" u="none" strike="noStrike">
+                        <a:solidFill>
+                          <a:srgbClr val="000000"/>
+                        </a:solidFill>
+                        <a:effectLst/>
+                        <a:latin typeface="Garamond" panose="02020404030301010803" pitchFamily="18" charset="0"/>
+                      </a:endParaRPr>
+                    </a:p>
+                  </a:txBody>
+                  <a:tcPr marR="9525" marT="9525" marB="0" anchor="ctr"/>
+                </a:tc>
+                <a:tc>
+                  <a:txBody>
+                    <a:bodyPr/>
+                    <a:lstStyle/>
+                    <a:p>
+                      <a:pPr algn="l" rtl="0" fontAlgn="ctr"/>
+                      <a:r>
+                        <a:rPr lang="en-US" sz="1200" u="none" strike="noStrike">
+                          <a:effectLst/>
+                        </a:rPr>
+                        <a:t>April</a:t>
+                      </a:r>
+                      <a:endParaRPr lang="en-US" sz="1200" b="0" i="0" u="none" strike="noStrike">
+                        <a:solidFill>
+                          <a:srgbClr val="000000"/>
+                        </a:solidFill>
+                        <a:effectLst/>
+                        <a:latin typeface="Garamond" panose="02020404030301010803" pitchFamily="18" charset="0"/>
+                      </a:endParaRPr>
+                    </a:p>
+                  </a:txBody>
+                  <a:tcPr marR="9525" marT="9525" marB="0" anchor="ctr"/>
+                </a:tc>
+                <a:tc>
+                  <a:txBody>
+                    <a:bodyPr/>
+                    <a:lstStyle/>
+                    <a:p>
+                      <a:pPr algn="l" rtl="0" fontAlgn="ctr"/>
+                      <a:r>
+                        <a:rPr lang="en-US" sz="1200" u="none" strike="noStrike">
+                          <a:effectLst/>
+                        </a:rPr>
+                        <a:t>SJC</a:t>
+                      </a:r>
+                      <a:endParaRPr lang="en-US" sz="1200" b="0" i="0" u="none" strike="noStrike">
+                        <a:solidFill>
+                          <a:srgbClr val="000000"/>
+                        </a:solidFill>
+                        <a:effectLst/>
+                        <a:latin typeface="Garamond" panose="02020404030301010803" pitchFamily="18" charset="0"/>
+                      </a:endParaRPr>
+                    </a:p>
+                  </a:txBody>
+                  <a:tcPr marR="9525" marT="9525" marB="0" anchor="ctr"/>
+                </a:tc>
+                <a:tc>
+                  <a:txBody>
+                    <a:bodyPr/>
+                    <a:lstStyle/>
+                    <a:p>
+                      <a:pPr algn="l" rtl="0" fontAlgn="ctr"/>
+                      <a:r>
+                        <a:rPr lang="en-US" sz="1200" u="none" strike="noStrike" dirty="0">
+                          <a:effectLst/>
+                        </a:rPr>
+                        <a:t>Delta</a:t>
+                      </a:r>
+                      <a:endParaRPr lang="en-US" sz="1200" b="0" i="0" u="none" strike="noStrike" dirty="0">
+                        <a:solidFill>
+                          <a:srgbClr val="000000"/>
+                        </a:solidFill>
+                        <a:effectLst/>
+                        <a:latin typeface="Garamond" panose="02020404030301010803" pitchFamily="18" charset="0"/>
+                      </a:endParaRPr>
+                    </a:p>
+                  </a:txBody>
+                  <a:tcPr marR="9525" marT="9525" marB="0" anchor="ctr"/>
+                </a:tc>
+                <a:tc>
+                  <a:txBody>
+                    <a:bodyPr/>
+                    <a:lstStyle/>
+                    <a:p>
+                      <a:pPr algn="l" rtl="0" fontAlgn="ctr"/>
+                      <a:r>
+                        <a:rPr lang="en-US" sz="1200" u="none" strike="noStrike" dirty="0">
+                          <a:effectLst/>
+                        </a:rPr>
+                        <a:t>Wednesday</a:t>
+                      </a:r>
+                      <a:endParaRPr lang="en-US" sz="1200" b="0" i="0" u="none" strike="noStrike" dirty="0">
+                        <a:solidFill>
+                          <a:srgbClr val="000000"/>
+                        </a:solidFill>
+                        <a:effectLst/>
+                        <a:latin typeface="Garamond" panose="02020404030301010803" pitchFamily="18" charset="0"/>
+                      </a:endParaRPr>
+                    </a:p>
+                  </a:txBody>
+                  <a:tcPr marR="9525" marT="9525" marB="0" anchor="ctr"/>
+                </a:tc>
+                <a:extLst>
+                  <a:ext uri="{0D108BD9-81ED-4DB2-BD59-A6C34878D82A}">
+                    <a16:rowId xmlns:a16="http://schemas.microsoft.com/office/drawing/2014/main" val="711458763"/>
+                  </a:ext>
+                </a:extLst>
+              </a:tr>
+              <a:tr h="275054">
+                <a:tc>
+                  <a:txBody>
+                    <a:bodyPr/>
+                    <a:lstStyle/>
+                    <a:p>
+                      <a:pPr algn="l" fontAlgn="t"/>
+                      <a:r>
+                        <a:rPr lang="en-US" sz="1200" u="none" strike="noStrike">
+                          <a:effectLst/>
+                        </a:rPr>
+                        <a:t> </a:t>
+                      </a:r>
+                      <a:endParaRPr lang="en-US" sz="1200" b="0" i="0" u="none" strike="noStrike">
+                        <a:solidFill>
+                          <a:srgbClr val="000000"/>
+                        </a:solidFill>
+                        <a:effectLst/>
+                        <a:latin typeface="Calibri" panose="020F0502020204030204" pitchFamily="34" charset="0"/>
+                      </a:endParaRPr>
+                    </a:p>
+                  </a:txBody>
+                  <a:tcPr marR="9525" marT="9525" marB="0"/>
+                </a:tc>
+                <a:tc>
+                  <a:txBody>
+                    <a:bodyPr/>
+                    <a:lstStyle/>
+                    <a:p>
+                      <a:pPr algn="l" rtl="0" fontAlgn="ctr"/>
+                      <a:r>
+                        <a:rPr lang="en-US" sz="1200" u="none" strike="noStrike">
+                          <a:effectLst/>
+                        </a:rPr>
+                        <a:t>January</a:t>
+                      </a:r>
+                      <a:endParaRPr lang="en-US" sz="1200" b="0" i="0" u="none" strike="noStrike">
+                        <a:solidFill>
+                          <a:srgbClr val="000000"/>
+                        </a:solidFill>
+                        <a:effectLst/>
+                        <a:latin typeface="Garamond" panose="02020404030301010803" pitchFamily="18" charset="0"/>
+                      </a:endParaRPr>
+                    </a:p>
+                  </a:txBody>
+                  <a:tcPr marR="9525" marT="9525" marB="0" anchor="ctr"/>
+                </a:tc>
+                <a:tc>
+                  <a:txBody>
+                    <a:bodyPr/>
+                    <a:lstStyle/>
+                    <a:p>
+                      <a:pPr algn="l" rtl="0" fontAlgn="ctr"/>
+                      <a:r>
+                        <a:rPr lang="en-US" sz="1200" u="none" strike="noStrike" dirty="0">
+                          <a:effectLst/>
+                        </a:rPr>
+                        <a:t>SMF</a:t>
+                      </a:r>
+                      <a:endParaRPr lang="en-US" sz="1200" b="0" i="0" u="none" strike="noStrike" dirty="0">
+                        <a:solidFill>
+                          <a:srgbClr val="000000"/>
+                        </a:solidFill>
+                        <a:effectLst/>
+                        <a:latin typeface="Garamond" panose="02020404030301010803" pitchFamily="18" charset="0"/>
+                      </a:endParaRPr>
+                    </a:p>
+                  </a:txBody>
+                  <a:tcPr marR="9525" marT="9525" marB="0" anchor="ctr"/>
+                </a:tc>
+                <a:tc>
+                  <a:txBody>
+                    <a:bodyPr/>
+                    <a:lstStyle/>
+                    <a:p>
+                      <a:pPr algn="l" rtl="0" fontAlgn="ctr"/>
+                      <a:r>
+                        <a:rPr lang="en-US" sz="1200" u="none" strike="noStrike" dirty="0">
+                          <a:effectLst/>
+                        </a:rPr>
+                        <a:t> </a:t>
+                      </a:r>
+                      <a:endParaRPr lang="en-US" sz="1200" b="0" i="0" u="none" strike="noStrike" dirty="0">
+                        <a:solidFill>
+                          <a:srgbClr val="000000"/>
+                        </a:solidFill>
+                        <a:effectLst/>
+                        <a:latin typeface="Garamond" panose="02020404030301010803" pitchFamily="18" charset="0"/>
+                      </a:endParaRPr>
+                    </a:p>
+                  </a:txBody>
+                  <a:tcPr marR="9525" marT="9525" marB="0" anchor="ctr"/>
+                </a:tc>
+                <a:tc>
+                  <a:txBody>
+                    <a:bodyPr/>
+                    <a:lstStyle/>
+                    <a:p>
+                      <a:pPr algn="l" rtl="0" fontAlgn="ctr"/>
+                      <a:r>
+                        <a:rPr lang="en-US" sz="1200" u="none" strike="noStrike" dirty="0">
+                          <a:effectLst/>
+                        </a:rPr>
+                        <a:t> </a:t>
+                      </a:r>
+                      <a:endParaRPr lang="en-US" sz="1200" b="0" i="0" u="none" strike="noStrike" dirty="0">
+                        <a:solidFill>
+                          <a:srgbClr val="000000"/>
+                        </a:solidFill>
+                        <a:effectLst/>
+                        <a:latin typeface="Garamond" panose="02020404030301010803" pitchFamily="18" charset="0"/>
+                      </a:endParaRPr>
+                    </a:p>
+                  </a:txBody>
+                  <a:tcPr marR="9525" marT="9525" marB="0" anchor="ctr"/>
+                </a:tc>
+                <a:extLst>
+                  <a:ext uri="{0D108BD9-81ED-4DB2-BD59-A6C34878D82A}">
+                    <a16:rowId xmlns:a16="http://schemas.microsoft.com/office/drawing/2014/main" val="3164796702"/>
+                  </a:ext>
+                </a:extLst>
+              </a:tr>
+              <a:tr h="275054">
+                <a:tc>
+                  <a:txBody>
+                    <a:bodyPr/>
+                    <a:lstStyle/>
+                    <a:p>
+                      <a:pPr algn="l" fontAlgn="t"/>
+                      <a:r>
+                        <a:rPr lang="en-US" sz="1200" u="none" strike="noStrike">
+                          <a:effectLst/>
+                        </a:rPr>
+                        <a:t> </a:t>
+                      </a:r>
+                      <a:endParaRPr lang="en-US" sz="1200" b="0" i="0" u="none" strike="noStrike">
+                        <a:solidFill>
+                          <a:srgbClr val="000000"/>
+                        </a:solidFill>
+                        <a:effectLst/>
+                        <a:latin typeface="Calibri" panose="020F0502020204030204" pitchFamily="34" charset="0"/>
+                      </a:endParaRPr>
+                    </a:p>
+                  </a:txBody>
+                  <a:tcPr marR="9525" marT="9525" marB="0"/>
+                </a:tc>
+                <a:tc>
+                  <a:txBody>
+                    <a:bodyPr/>
+                    <a:lstStyle/>
+                    <a:p>
+                      <a:pPr algn="l" rtl="0" fontAlgn="ctr"/>
+                      <a:r>
+                        <a:rPr lang="en-US" sz="1200" u="none" strike="noStrike">
+                          <a:effectLst/>
+                        </a:rPr>
+                        <a:t>October</a:t>
+                      </a:r>
+                      <a:endParaRPr lang="en-US" sz="1200" b="0" i="0" u="none" strike="noStrike">
+                        <a:solidFill>
+                          <a:srgbClr val="000000"/>
+                        </a:solidFill>
+                        <a:effectLst/>
+                        <a:latin typeface="Garamond" panose="02020404030301010803" pitchFamily="18" charset="0"/>
+                      </a:endParaRPr>
+                    </a:p>
+                  </a:txBody>
+                  <a:tcPr marR="9525" marT="9525" marB="0" anchor="ctr"/>
+                </a:tc>
+                <a:tc>
+                  <a:txBody>
+                    <a:bodyPr/>
+                    <a:lstStyle/>
+                    <a:p>
+                      <a:pPr algn="l" rtl="0" fontAlgn="ctr"/>
+                      <a:r>
+                        <a:rPr lang="en-US" sz="1200" u="none" strike="noStrike">
+                          <a:effectLst/>
+                        </a:rPr>
+                        <a:t>OAK</a:t>
+                      </a:r>
+                      <a:endParaRPr lang="en-US" sz="1200" b="0" i="0" u="none" strike="noStrike">
+                        <a:solidFill>
+                          <a:srgbClr val="000000"/>
+                        </a:solidFill>
+                        <a:effectLst/>
+                        <a:latin typeface="Garamond" panose="02020404030301010803" pitchFamily="18" charset="0"/>
+                      </a:endParaRPr>
+                    </a:p>
+                  </a:txBody>
+                  <a:tcPr marR="9525" marT="9525" marB="0" anchor="ctr"/>
+                </a:tc>
+                <a:tc>
+                  <a:txBody>
+                    <a:bodyPr/>
+                    <a:lstStyle/>
+                    <a:p>
+                      <a:pPr algn="l" rtl="0" fontAlgn="ctr"/>
+                      <a:r>
+                        <a:rPr lang="en-US" sz="1200" u="none" strike="noStrike" dirty="0">
+                          <a:effectLst/>
+                        </a:rPr>
+                        <a:t>American</a:t>
+                      </a:r>
+                      <a:endParaRPr lang="en-US" sz="1200" b="0" i="0" u="none" strike="noStrike" dirty="0">
+                        <a:solidFill>
+                          <a:srgbClr val="000000"/>
+                        </a:solidFill>
+                        <a:effectLst/>
+                        <a:latin typeface="Garamond" panose="02020404030301010803" pitchFamily="18" charset="0"/>
+                      </a:endParaRPr>
+                    </a:p>
+                  </a:txBody>
+                  <a:tcPr marR="9525" marT="9525" marB="0" anchor="ctr"/>
+                </a:tc>
+                <a:tc>
+                  <a:txBody>
+                    <a:bodyPr/>
+                    <a:lstStyle/>
+                    <a:p>
+                      <a:pPr algn="l" rtl="0" fontAlgn="ctr"/>
+                      <a:r>
+                        <a:rPr lang="en-US" sz="1200" u="none" strike="noStrike" dirty="0">
+                          <a:effectLst/>
+                        </a:rPr>
+                        <a:t>Sunday</a:t>
+                      </a:r>
+                      <a:endParaRPr lang="en-US" sz="1200" b="0" i="0" u="none" strike="noStrike" dirty="0">
+                        <a:solidFill>
+                          <a:srgbClr val="000000"/>
+                        </a:solidFill>
+                        <a:effectLst/>
+                        <a:latin typeface="Garamond" panose="02020404030301010803" pitchFamily="18" charset="0"/>
+                      </a:endParaRPr>
+                    </a:p>
+                  </a:txBody>
+                  <a:tcPr marR="9525" marT="9525" marB="0" anchor="ctr"/>
+                </a:tc>
+                <a:extLst>
+                  <a:ext uri="{0D108BD9-81ED-4DB2-BD59-A6C34878D82A}">
+                    <a16:rowId xmlns:a16="http://schemas.microsoft.com/office/drawing/2014/main" val="2838297772"/>
+                  </a:ext>
+                </a:extLst>
+              </a:tr>
+              <a:tr h="275054">
+                <a:tc>
+                  <a:txBody>
+                    <a:bodyPr/>
+                    <a:lstStyle/>
+                    <a:p>
+                      <a:pPr algn="l" fontAlgn="t"/>
+                      <a:r>
+                        <a:rPr lang="en-US" sz="1200" u="none" strike="noStrike">
+                          <a:effectLst/>
+                        </a:rPr>
+                        <a:t> </a:t>
+                      </a:r>
+                      <a:endParaRPr lang="en-US" sz="1200" b="0" i="0" u="none" strike="noStrike">
+                        <a:solidFill>
+                          <a:srgbClr val="000000"/>
+                        </a:solidFill>
+                        <a:effectLst/>
+                        <a:latin typeface="Calibri" panose="020F0502020204030204" pitchFamily="34" charset="0"/>
+                      </a:endParaRPr>
+                    </a:p>
+                  </a:txBody>
+                  <a:tcPr marR="9525" marT="9525" marB="0"/>
+                </a:tc>
+                <a:tc>
+                  <a:txBody>
+                    <a:bodyPr/>
+                    <a:lstStyle/>
+                    <a:p>
+                      <a:pPr algn="l" rtl="0" fontAlgn="ctr"/>
+                      <a:r>
+                        <a:rPr lang="en-US" sz="1200" u="none" strike="noStrike">
+                          <a:effectLst/>
+                        </a:rPr>
+                        <a:t>September</a:t>
+                      </a:r>
+                      <a:endParaRPr lang="en-US" sz="1200" b="0" i="0" u="none" strike="noStrike">
+                        <a:solidFill>
+                          <a:srgbClr val="000000"/>
+                        </a:solidFill>
+                        <a:effectLst/>
+                        <a:latin typeface="Garamond" panose="02020404030301010803" pitchFamily="18" charset="0"/>
+                      </a:endParaRPr>
+                    </a:p>
+                  </a:txBody>
+                  <a:tcPr marR="9525" marT="9525" marB="0" anchor="ctr"/>
+                </a:tc>
+                <a:tc>
+                  <a:txBody>
+                    <a:bodyPr/>
+                    <a:lstStyle/>
+                    <a:p>
+                      <a:pPr algn="l" rtl="0" fontAlgn="ctr"/>
+                      <a:r>
+                        <a:rPr lang="en-US" sz="1200" u="none" strike="noStrike">
+                          <a:effectLst/>
+                        </a:rPr>
+                        <a:t>FLL</a:t>
+                      </a:r>
+                      <a:endParaRPr lang="en-US" sz="1200" b="0" i="0" u="none" strike="noStrike">
+                        <a:solidFill>
+                          <a:srgbClr val="000000"/>
+                        </a:solidFill>
+                        <a:effectLst/>
+                        <a:latin typeface="Garamond" panose="02020404030301010803" pitchFamily="18" charset="0"/>
+                      </a:endParaRPr>
+                    </a:p>
+                  </a:txBody>
+                  <a:tcPr marR="9525" marT="9525" marB="0" anchor="ctr"/>
+                </a:tc>
+                <a:tc>
+                  <a:txBody>
+                    <a:bodyPr/>
+                    <a:lstStyle/>
+                    <a:p>
+                      <a:pPr algn="l" rtl="0" fontAlgn="ctr"/>
+                      <a:r>
+                        <a:rPr lang="en-US" sz="1200" u="none" strike="noStrike" dirty="0">
+                          <a:effectLst/>
+                        </a:rPr>
+                        <a:t> </a:t>
+                      </a:r>
+                      <a:endParaRPr lang="en-US" sz="1200" b="0" i="0" u="none" strike="noStrike" dirty="0">
+                        <a:solidFill>
+                          <a:srgbClr val="000000"/>
+                        </a:solidFill>
+                        <a:effectLst/>
+                        <a:latin typeface="Garamond" panose="02020404030301010803" pitchFamily="18" charset="0"/>
+                      </a:endParaRPr>
+                    </a:p>
+                  </a:txBody>
+                  <a:tcPr marR="9525" marT="9525" marB="0" anchor="ctr"/>
+                </a:tc>
+                <a:tc>
+                  <a:txBody>
+                    <a:bodyPr/>
+                    <a:lstStyle/>
+                    <a:p>
+                      <a:pPr algn="l" rtl="0" fontAlgn="ctr"/>
+                      <a:r>
+                        <a:rPr lang="en-US" sz="1200" u="none" strike="noStrike" dirty="0">
+                          <a:effectLst/>
+                        </a:rPr>
+                        <a:t> </a:t>
+                      </a:r>
+                      <a:endParaRPr lang="en-US" sz="1200" b="0" i="0" u="none" strike="noStrike" dirty="0">
+                        <a:solidFill>
+                          <a:srgbClr val="000000"/>
+                        </a:solidFill>
+                        <a:effectLst/>
+                        <a:latin typeface="Garamond" panose="02020404030301010803" pitchFamily="18" charset="0"/>
+                      </a:endParaRPr>
+                    </a:p>
+                  </a:txBody>
+                  <a:tcPr marR="9525" marT="9525" marB="0" anchor="ctr"/>
+                </a:tc>
+                <a:extLst>
+                  <a:ext uri="{0D108BD9-81ED-4DB2-BD59-A6C34878D82A}">
+                    <a16:rowId xmlns:a16="http://schemas.microsoft.com/office/drawing/2014/main" val="127004147"/>
+                  </a:ext>
+                </a:extLst>
+              </a:tr>
+              <a:tr h="275054">
+                <a:tc>
+                  <a:txBody>
+                    <a:bodyPr/>
+                    <a:lstStyle/>
+                    <a:p>
+                      <a:pPr algn="l" rtl="0" fontAlgn="ctr"/>
+                      <a:r>
+                        <a:rPr lang="en-US" sz="1200" u="none" strike="noStrike">
+                          <a:effectLst/>
+                        </a:rPr>
+                        <a:t>Night (2400-0600)</a:t>
+                      </a:r>
+                      <a:endParaRPr lang="en-US" sz="1200" b="0" i="0" u="none" strike="noStrike">
+                        <a:solidFill>
+                          <a:srgbClr val="000000"/>
+                        </a:solidFill>
+                        <a:effectLst/>
+                        <a:latin typeface="Garamond" panose="02020404030301010803" pitchFamily="18" charset="0"/>
+                      </a:endParaRPr>
+                    </a:p>
+                  </a:txBody>
+                  <a:tcPr marR="9525" marT="9525" marB="0" anchor="ctr"/>
+                </a:tc>
+                <a:tc>
+                  <a:txBody>
+                    <a:bodyPr/>
+                    <a:lstStyle/>
+                    <a:p>
+                      <a:pPr algn="l" rtl="0" fontAlgn="ctr"/>
+                      <a:r>
+                        <a:rPr lang="en-US" sz="1200" u="none" strike="noStrike">
+                          <a:effectLst/>
+                        </a:rPr>
+                        <a:t>November</a:t>
+                      </a:r>
+                      <a:endParaRPr lang="en-US" sz="1200" b="0" i="0" u="none" strike="noStrike">
+                        <a:solidFill>
+                          <a:srgbClr val="000000"/>
+                        </a:solidFill>
+                        <a:effectLst/>
+                        <a:latin typeface="Garamond" panose="02020404030301010803" pitchFamily="18" charset="0"/>
+                      </a:endParaRPr>
+                    </a:p>
+                  </a:txBody>
+                  <a:tcPr marR="9525" marT="9525" marB="0" anchor="ctr"/>
+                </a:tc>
+                <a:tc>
+                  <a:txBody>
+                    <a:bodyPr/>
+                    <a:lstStyle/>
+                    <a:p>
+                      <a:pPr algn="l" rtl="0" fontAlgn="ctr"/>
+                      <a:r>
+                        <a:rPr lang="en-US" sz="1200" u="none" strike="noStrike">
+                          <a:effectLst/>
+                        </a:rPr>
+                        <a:t>ORF</a:t>
+                      </a:r>
+                      <a:endParaRPr lang="en-US" sz="1200" b="0" i="0" u="none" strike="noStrike">
+                        <a:solidFill>
+                          <a:srgbClr val="000000"/>
+                        </a:solidFill>
+                        <a:effectLst/>
+                        <a:latin typeface="Garamond" panose="02020404030301010803" pitchFamily="18" charset="0"/>
+                      </a:endParaRPr>
+                    </a:p>
+                  </a:txBody>
+                  <a:tcPr marR="9525" marT="9525" marB="0" anchor="ctr"/>
+                </a:tc>
+                <a:tc>
+                  <a:txBody>
+                    <a:bodyPr/>
+                    <a:lstStyle/>
+                    <a:p>
+                      <a:pPr algn="l" rtl="0" fontAlgn="ctr"/>
+                      <a:r>
+                        <a:rPr lang="en-US" sz="1200" u="none" strike="noStrike">
+                          <a:effectLst/>
+                        </a:rPr>
+                        <a:t>Alaska</a:t>
+                      </a:r>
+                      <a:endParaRPr lang="en-US" sz="1200" b="0" i="0" u="none" strike="noStrike">
+                        <a:solidFill>
+                          <a:srgbClr val="000000"/>
+                        </a:solidFill>
+                        <a:effectLst/>
+                        <a:latin typeface="Garamond" panose="02020404030301010803" pitchFamily="18" charset="0"/>
+                      </a:endParaRPr>
+                    </a:p>
+                  </a:txBody>
+                  <a:tcPr marR="9525" marT="9525" marB="0" anchor="ctr"/>
+                </a:tc>
+                <a:tc>
+                  <a:txBody>
+                    <a:bodyPr/>
+                    <a:lstStyle/>
+                    <a:p>
+                      <a:pPr algn="l" rtl="0" fontAlgn="ctr"/>
+                      <a:r>
+                        <a:rPr lang="en-US" sz="1200" u="none" strike="noStrike" dirty="0">
+                          <a:effectLst/>
+                        </a:rPr>
+                        <a:t>Saturday</a:t>
+                      </a:r>
+                      <a:endParaRPr lang="en-US" sz="1200" b="0" i="0" u="none" strike="noStrike" dirty="0">
+                        <a:solidFill>
+                          <a:srgbClr val="000000"/>
+                        </a:solidFill>
+                        <a:effectLst/>
+                        <a:latin typeface="Garamond" panose="02020404030301010803" pitchFamily="18" charset="0"/>
+                      </a:endParaRPr>
+                    </a:p>
+                  </a:txBody>
+                  <a:tcPr marR="9525" marT="9525" marB="0" anchor="ctr"/>
+                </a:tc>
+                <a:extLst>
+                  <a:ext uri="{0D108BD9-81ED-4DB2-BD59-A6C34878D82A}">
+                    <a16:rowId xmlns:a16="http://schemas.microsoft.com/office/drawing/2014/main" val="2379334522"/>
+                  </a:ext>
+                </a:extLst>
+              </a:tr>
+            </a:tbl>
+          </a:graphicData>
+        </a:graphic>
+      </p:graphicFrame>
+      <p:sp>
+        <p:nvSpPr>
+          <p:cNvPr id="49" name="Arrow: Up 13">
+            <a:extLst>
+              <a:ext uri="{FF2B5EF4-FFF2-40B4-BE49-F238E27FC236}">
+                <a16:creationId xmlns:a16="http://schemas.microsoft.com/office/drawing/2014/main" id="{EA9A907D-5788-E44D-8C73-8AEAD255D258}"/>
+              </a:ext>
+            </a:extLst>
+          </p:cNvPr>
+          <p:cNvSpPr/>
+          <p:nvPr/>
+        </p:nvSpPr>
+        <p:spPr>
+          <a:xfrm rot="16200000">
+            <a:off x="7214058" y="6139246"/>
+            <a:ext cx="146875" cy="1873757"/>
+          </a:xfrm>
+          <a:prstGeom prst="upArrow">
+            <a:avLst/>
+          </a:prstGeom>
+        </p:spPr>
+        <p:style>
+          <a:lnRef idx="1">
+            <a:schemeClr val="accent1"/>
+          </a:lnRef>
+          <a:fillRef idx="3">
+            <a:schemeClr val="accent1"/>
+          </a:fillRef>
+          <a:effectRef idx="2">
+            <a:schemeClr val="accent1"/>
+          </a:effectRef>
+          <a:fontRef idx="minor">
+            <a:schemeClr val="lt1"/>
+          </a:fontRef>
+        </p:style>
+        <p:txBody>
+          <a:bodyPr rtlCol="0" anchor="ctr"/>
+          <a:lstStyle/>
+          <a:p>
+            <a:pPr algn="ctr"/>
+            <a:endParaRPr lang="en-US"/>
+          </a:p>
+        </p:txBody>
+      </p:sp>
     </p:spTree>
     <p:extLst>
       <p:ext uri="{BB962C8B-B14F-4D97-AF65-F5344CB8AC3E}">
         <p14:creationId xmlns:p14="http://schemas.microsoft.com/office/powerpoint/2010/main" val="3222808955"/>
+      </p:ext>
+    </p:extLst>
+  </p:cSld>
+  <p:clrMapOvr>
+    <a:masterClrMapping/>
+  </p:clrMapOvr>
+</p:sld>
+</file>
+
+<file path=ppt/slides/slide2.xml><?xml version="1.0" encoding="utf-8"?>
+<p:sld xmlns:a="http://schemas.openxmlformats.org/drawingml/2006/main" xmlns:r="http://schemas.openxmlformats.org/officeDocument/2006/relationships" xmlns:p="http://schemas.openxmlformats.org/presentationml/2006/main" show="0">
+  <p:cSld>
+    <p:spTree>
+      <p:nvGrpSpPr>
+        <p:cNvPr id="1" name=""/>
+        <p:cNvGrpSpPr/>
+        <p:nvPr/>
+      </p:nvGrpSpPr>
+      <p:grpSpPr>
+        <a:xfrm>
+          <a:off x="0" y="0"/>
+          <a:ext cx="0" cy="0"/>
+          <a:chOff x="0" y="0"/>
+          <a:chExt cx="0" cy="0"/>
+        </a:xfrm>
+      </p:grpSpPr>
+      <p:sp>
+        <p:nvSpPr>
+          <p:cNvPr id="26" name="Rectangle 25">
+            <a:extLst>
+              <a:ext uri="{FF2B5EF4-FFF2-40B4-BE49-F238E27FC236}">
+                <a16:creationId xmlns:a16="http://schemas.microsoft.com/office/drawing/2014/main" id="{71147632-37C3-6B4E-8B86-3138668B1281}"/>
+              </a:ext>
+            </a:extLst>
+          </p:cNvPr>
+          <p:cNvSpPr/>
+          <p:nvPr/>
+        </p:nvSpPr>
+        <p:spPr>
+          <a:xfrm>
+            <a:off x="153827" y="-152400"/>
+            <a:ext cx="17373600" cy="11887201"/>
+          </a:xfrm>
+          <a:prstGeom prst="rect">
+            <a:avLst/>
+          </a:prstGeom>
+          <a:blipFill dpi="0" rotWithShape="1">
+            <a:blip r:embed="rId2">
+              <a:extLst>
+                <a:ext uri="{BEBA8EAE-BF5A-486C-A8C5-ECC9F3942E4B}">
+                  <a14:imgProps xmlns:a14="http://schemas.microsoft.com/office/drawing/2010/main">
+                    <a14:imgLayer r:embed="rId3">
+                      <a14:imgEffect>
+                        <a14:colorTemperature colorTemp="5300"/>
+                      </a14:imgEffect>
+                      <a14:imgEffect>
+                        <a14:saturation sat="76000"/>
+                      </a14:imgEffect>
+                      <a14:imgEffect>
+                        <a14:brightnessContrast bright="2000" contrast="56000"/>
+                      </a14:imgEffect>
+                    </a14:imgLayer>
+                  </a14:imgProps>
+                </a:ext>
+              </a:extLst>
+            </a:blip>
+            <a:srcRect/>
+            <a:tile tx="0" ty="0" sx="100000" sy="100000" flip="xy" algn="tl"/>
+          </a:blipFill>
+          <a:ln>
+            <a:noFill/>
+          </a:ln>
+        </p:spPr>
+        <p:style>
+          <a:lnRef idx="2">
+            <a:schemeClr val="accent1">
+              <a:shade val="50000"/>
+            </a:schemeClr>
+          </a:lnRef>
+          <a:fillRef idx="1">
+            <a:schemeClr val="accent1"/>
+          </a:fillRef>
+          <a:effectRef idx="0">
+            <a:schemeClr val="accent1"/>
+          </a:effectRef>
+          <a:fontRef idx="minor">
+            <a:schemeClr val="lt1"/>
+          </a:fontRef>
+        </p:style>
+        <p:txBody>
+          <a:bodyPr rtlCol="0" anchor="ctr"/>
+          <a:lstStyle/>
+          <a:p>
+            <a:pPr algn="ctr"/>
+            <a:r>
+              <a:rPr lang="en-US" sz="2377" dirty="0"/>
+              <a:t> </a:t>
+            </a:r>
+          </a:p>
+        </p:txBody>
+      </p:sp>
+      <p:sp>
+        <p:nvSpPr>
+          <p:cNvPr id="5" name="Text Placeholder 3">
+            <a:extLst>
+              <a:ext uri="{FF2B5EF4-FFF2-40B4-BE49-F238E27FC236}">
+                <a16:creationId xmlns:a16="http://schemas.microsoft.com/office/drawing/2014/main" id="{C19707DB-3C5B-4A1F-B161-380ACA0B5B1F}"/>
+              </a:ext>
+            </a:extLst>
+          </p:cNvPr>
+          <p:cNvSpPr txBox="1">
+            <a:spLocks/>
+          </p:cNvSpPr>
+          <p:nvPr/>
+        </p:nvSpPr>
+        <p:spPr>
+          <a:xfrm>
+            <a:off x="4188762" y="10669852"/>
+            <a:ext cx="12367805" cy="1155700"/>
+          </a:xfrm>
+          <a:prstGeom prst="rect">
+            <a:avLst/>
+          </a:prstGeom>
+        </p:spPr>
+        <p:txBody>
+          <a:bodyPr vert="horz">
+            <a:normAutofit/>
+          </a:bodyPr>
+          <a:lstStyle>
+            <a:lvl1pPr marL="0" marR="0" indent="0" algn="l" defTabSz="914400" rtl="0" eaLnBrk="1" fontAlgn="auto" latinLnBrk="0" hangingPunct="1">
+              <a:lnSpc>
+                <a:spcPct val="100000"/>
+              </a:lnSpc>
+              <a:spcBef>
+                <a:spcPts val="700"/>
+              </a:spcBef>
+              <a:spcAft>
+                <a:spcPts val="0"/>
+              </a:spcAft>
+              <a:buClr>
+                <a:schemeClr val="accent2">
+                  <a:lumMod val="90000"/>
+                  <a:lumOff val="10000"/>
+                </a:schemeClr>
+              </a:buClr>
+              <a:buSzPct val="70000"/>
+              <a:buFont typeface="Arial"/>
+              <a:buNone/>
+              <a:tabLst/>
+              <a:defRPr kumimoji="0" sz="2900" kern="1200">
+                <a:solidFill>
+                  <a:schemeClr val="bg1"/>
+                </a:solidFill>
+                <a:latin typeface="+mn-lt"/>
+                <a:ea typeface="+mn-ea"/>
+                <a:cs typeface="+mn-cs"/>
+              </a:defRPr>
+            </a:lvl1pPr>
+            <a:lvl2pPr marL="640080" indent="-274320" algn="l" rtl="0" eaLnBrk="1" latinLnBrk="0" hangingPunct="1">
+              <a:spcBef>
+                <a:spcPts val="550"/>
+              </a:spcBef>
+              <a:buClr>
+                <a:schemeClr val="accent2">
+                  <a:lumMod val="90000"/>
+                  <a:lumOff val="10000"/>
+                </a:schemeClr>
+              </a:buClr>
+              <a:buSzPct val="70000"/>
+              <a:buFont typeface="Arial"/>
+              <a:buChar char="•"/>
+              <a:defRPr kumimoji="0" sz="2600" kern="1200">
+                <a:solidFill>
+                  <a:schemeClr val="tx1">
+                    <a:lumMod val="95000"/>
+                    <a:lumOff val="5000"/>
+                  </a:schemeClr>
+                </a:solidFill>
+                <a:latin typeface="+mn-lt"/>
+                <a:ea typeface="+mn-ea"/>
+                <a:cs typeface="+mn-cs"/>
+              </a:defRPr>
+            </a:lvl2pPr>
+            <a:lvl3pPr marL="914400" indent="-228600" algn="l" rtl="0" eaLnBrk="1" latinLnBrk="0" hangingPunct="1">
+              <a:spcBef>
+                <a:spcPts val="500"/>
+              </a:spcBef>
+              <a:buClr>
+                <a:schemeClr val="accent2">
+                  <a:lumMod val="90000"/>
+                  <a:lumOff val="10000"/>
+                </a:schemeClr>
+              </a:buClr>
+              <a:buSzPct val="70000"/>
+              <a:buFont typeface="Arial"/>
+              <a:buChar char="•"/>
+              <a:defRPr kumimoji="0" sz="2300" kern="1200">
+                <a:solidFill>
+                  <a:schemeClr val="tx1">
+                    <a:lumMod val="95000"/>
+                    <a:lumOff val="5000"/>
+                  </a:schemeClr>
+                </a:solidFill>
+                <a:latin typeface="+mn-lt"/>
+                <a:ea typeface="+mn-ea"/>
+                <a:cs typeface="+mn-cs"/>
+              </a:defRPr>
+            </a:lvl3pPr>
+            <a:lvl4pPr marL="1371600" indent="-228600" algn="l" rtl="0" eaLnBrk="1" latinLnBrk="0" hangingPunct="1">
+              <a:spcBef>
+                <a:spcPts val="400"/>
+              </a:spcBef>
+              <a:buClr>
+                <a:schemeClr val="accent3"/>
+              </a:buClr>
+              <a:buSzPct val="75000"/>
+              <a:buFont typeface="Wingdings" charset="2"/>
+              <a:buChar char="§"/>
+              <a:defRPr kumimoji="0" sz="2000" kern="1200">
+                <a:solidFill>
+                  <a:schemeClr val="tx1"/>
+                </a:solidFill>
+                <a:latin typeface="+mn-lt"/>
+                <a:ea typeface="+mn-ea"/>
+                <a:cs typeface="+mn-cs"/>
+              </a:defRPr>
+            </a:lvl4pPr>
+            <a:lvl5pPr marL="1828800" indent="-228600" algn="l" rtl="0" eaLnBrk="1" latinLnBrk="0" hangingPunct="1">
+              <a:spcBef>
+                <a:spcPts val="400"/>
+              </a:spcBef>
+              <a:buClr>
+                <a:schemeClr val="accent4"/>
+              </a:buClr>
+              <a:buSzPct val="65000"/>
+              <a:buFont typeface="Wingdings" charset="2"/>
+              <a:buChar char="§"/>
+              <a:defRPr kumimoji="0" sz="2000" kern="1200">
+                <a:solidFill>
+                  <a:schemeClr val="tx1"/>
+                </a:solidFill>
+                <a:latin typeface="+mn-lt"/>
+                <a:ea typeface="+mn-ea"/>
+                <a:cs typeface="+mn-cs"/>
+              </a:defRPr>
+            </a:lvl5pPr>
+            <a:lvl6pPr marL="2103120" indent="-228600" algn="l" rtl="0" eaLnBrk="1" latinLnBrk="0" hangingPunct="1">
+              <a:spcBef>
+                <a:spcPct val="20000"/>
+              </a:spcBef>
+              <a:buClr>
+                <a:schemeClr val="accent1"/>
+              </a:buClr>
+              <a:buFont typeface="Wingdings"/>
+              <a:buChar char="§"/>
+              <a:defRPr kumimoji="0" sz="1800" kern="1200" baseline="0">
+                <a:solidFill>
+                  <a:schemeClr val="tx1"/>
+                </a:solidFill>
+                <a:latin typeface="+mn-lt"/>
+                <a:ea typeface="+mn-ea"/>
+                <a:cs typeface="+mn-cs"/>
+              </a:defRPr>
+            </a:lvl6pPr>
+            <a:lvl7pPr marL="2377440" indent="-228600" algn="l" rtl="0" eaLnBrk="1" latinLnBrk="0" hangingPunct="1">
+              <a:spcBef>
+                <a:spcPct val="20000"/>
+              </a:spcBef>
+              <a:buClr>
+                <a:schemeClr val="accent2"/>
+              </a:buClr>
+              <a:buFont typeface="Wingdings"/>
+              <a:buChar char="§"/>
+              <a:defRPr kumimoji="0" sz="1800" kern="1200" baseline="0">
+                <a:solidFill>
+                  <a:schemeClr val="tx1"/>
+                </a:solidFill>
+                <a:latin typeface="+mn-lt"/>
+                <a:ea typeface="+mn-ea"/>
+                <a:cs typeface="+mn-cs"/>
+              </a:defRPr>
+            </a:lvl7pPr>
+            <a:lvl8pPr marL="2651760" indent="-228600" algn="l" rtl="0" eaLnBrk="1" latinLnBrk="0" hangingPunct="1">
+              <a:spcBef>
+                <a:spcPct val="20000"/>
+              </a:spcBef>
+              <a:buClr>
+                <a:schemeClr val="accent3"/>
+              </a:buClr>
+              <a:buFont typeface="Wingdings"/>
+              <a:buChar char="§"/>
+              <a:defRPr kumimoji="0" sz="1800" kern="1200" baseline="0">
+                <a:solidFill>
+                  <a:schemeClr val="tx1"/>
+                </a:solidFill>
+                <a:latin typeface="+mn-lt"/>
+                <a:ea typeface="+mn-ea"/>
+                <a:cs typeface="+mn-cs"/>
+              </a:defRPr>
+            </a:lvl8pPr>
+            <a:lvl9pPr marL="2926080" indent="-228600" algn="l" rtl="0" eaLnBrk="1" latinLnBrk="0" hangingPunct="1">
+              <a:spcBef>
+                <a:spcPct val="20000"/>
+              </a:spcBef>
+              <a:buClr>
+                <a:schemeClr val="accent4"/>
+              </a:buClr>
+              <a:buFont typeface="Wingdings"/>
+              <a:buChar char="§"/>
+              <a:defRPr kumimoji="0" sz="1800" kern="1200" baseline="0">
+                <a:solidFill>
+                  <a:schemeClr val="tx1"/>
+                </a:solidFill>
+                <a:latin typeface="+mn-lt"/>
+                <a:ea typeface="+mn-ea"/>
+                <a:cs typeface="+mn-cs"/>
+              </a:defRPr>
+            </a:lvl9pPr>
+          </a:lstStyle>
+          <a:p>
+            <a:r>
+              <a:rPr lang="en-US" sz="5027" dirty="0"/>
+              <a:t>15.071—The Analytics Edge 			Fall 2019</a:t>
+            </a:r>
+          </a:p>
+        </p:txBody>
+      </p:sp>
+      <p:sp>
+        <p:nvSpPr>
+          <p:cNvPr id="8" name="Rectangle 7">
+            <a:extLst>
+              <a:ext uri="{FF2B5EF4-FFF2-40B4-BE49-F238E27FC236}">
+                <a16:creationId xmlns:a16="http://schemas.microsoft.com/office/drawing/2014/main" id="{69E0112D-96AE-564D-8BF9-91A8837BA6BF}"/>
+              </a:ext>
+            </a:extLst>
+          </p:cNvPr>
+          <p:cNvSpPr/>
+          <p:nvPr/>
+        </p:nvSpPr>
+        <p:spPr>
+          <a:xfrm>
+            <a:off x="0" y="917150"/>
+            <a:ext cx="5938837" cy="555707"/>
+          </a:xfrm>
+          <a:prstGeom prst="rect">
+            <a:avLst/>
+          </a:prstGeom>
+          <a:solidFill>
+            <a:schemeClr val="accent1"/>
+          </a:solidFill>
+          <a:ln w="50800" cap="rnd" cmpd="dbl" algn="ctr">
+            <a:noFill/>
+            <a:prstDash val="solid"/>
+          </a:ln>
+          <a:effectLst/>
+        </p:spPr>
+        <p:style>
+          <a:lnRef idx="3">
+            <a:schemeClr val="lt1"/>
+          </a:lnRef>
+          <a:fillRef idx="1">
+            <a:schemeClr val="accent1"/>
+          </a:fillRef>
+          <a:effectRef idx="1">
+            <a:schemeClr val="accent1"/>
+          </a:effectRef>
+          <a:fontRef idx="minor">
+            <a:schemeClr val="lt1"/>
+          </a:fontRef>
+        </p:style>
+        <p:txBody>
+          <a:bodyPr anchor="ctr"/>
+          <a:lstStyle/>
+          <a:p>
+            <a:pPr algn="ctr" eaLnBrk="1" latinLnBrk="0" hangingPunct="1"/>
+            <a:r>
+              <a:rPr lang="en-US" sz="2600" b="1" dirty="0">
+                <a:latin typeface="+mj-lt"/>
+              </a:rPr>
+              <a:t>Executive summary</a:t>
+            </a:r>
+          </a:p>
+        </p:txBody>
+      </p:sp>
+      <p:sp>
+        <p:nvSpPr>
+          <p:cNvPr id="18" name="TextBox 17">
+            <a:extLst>
+              <a:ext uri="{FF2B5EF4-FFF2-40B4-BE49-F238E27FC236}">
+                <a16:creationId xmlns:a16="http://schemas.microsoft.com/office/drawing/2014/main" id="{B3FA1AFC-C416-944E-9551-F39AF29A2C75}"/>
+              </a:ext>
+            </a:extLst>
+          </p:cNvPr>
+          <p:cNvSpPr txBox="1"/>
+          <p:nvPr/>
+        </p:nvSpPr>
+        <p:spPr>
+          <a:xfrm>
+            <a:off x="-76200" y="-152400"/>
+            <a:ext cx="9406467" cy="1015663"/>
+          </a:xfrm>
+          <a:prstGeom prst="rect">
+            <a:avLst/>
+          </a:prstGeom>
+          <a:noFill/>
+        </p:spPr>
+        <p:txBody>
+          <a:bodyPr wrap="square" rtlCol="0">
+            <a:spAutoFit/>
+          </a:bodyPr>
+          <a:lstStyle/>
+          <a:p>
+            <a:r>
+              <a:rPr lang="en-US" sz="6000" b="1" dirty="0">
+                <a:latin typeface="+mj-lt"/>
+              </a:rPr>
+              <a:t>Project title</a:t>
+            </a:r>
+          </a:p>
+        </p:txBody>
+      </p:sp>
+      <p:sp>
+        <p:nvSpPr>
+          <p:cNvPr id="19" name="TextBox 18">
+            <a:extLst>
+              <a:ext uri="{FF2B5EF4-FFF2-40B4-BE49-F238E27FC236}">
+                <a16:creationId xmlns:a16="http://schemas.microsoft.com/office/drawing/2014/main" id="{9DB7554F-5360-5742-AC75-7E4C09B947AA}"/>
+              </a:ext>
+            </a:extLst>
+          </p:cNvPr>
+          <p:cNvSpPr txBox="1"/>
+          <p:nvPr/>
+        </p:nvSpPr>
+        <p:spPr>
+          <a:xfrm>
+            <a:off x="9275233" y="-76200"/>
+            <a:ext cx="8098367" cy="448203"/>
+          </a:xfrm>
+          <a:prstGeom prst="rect">
+            <a:avLst/>
+          </a:prstGeom>
+          <a:noFill/>
+        </p:spPr>
+        <p:txBody>
+          <a:bodyPr wrap="square" rtlCol="0">
+            <a:noAutofit/>
+          </a:bodyPr>
+          <a:lstStyle/>
+          <a:p>
+            <a:r>
+              <a:rPr lang="en-US" sz="2400" b="1" dirty="0"/>
+              <a:t>Team member 1 (program) Team member 4 (program)</a:t>
+            </a:r>
+          </a:p>
+          <a:p>
+            <a:r>
+              <a:rPr lang="en-US" sz="2400" b="1" dirty="0"/>
+              <a:t>Team member 2 (program) Team member 3 (program)</a:t>
+            </a:r>
+          </a:p>
+        </p:txBody>
+      </p:sp>
+      <p:sp>
+        <p:nvSpPr>
+          <p:cNvPr id="21" name="Rectangle 20">
+            <a:extLst>
+              <a:ext uri="{FF2B5EF4-FFF2-40B4-BE49-F238E27FC236}">
+                <a16:creationId xmlns:a16="http://schemas.microsoft.com/office/drawing/2014/main" id="{44FE49EC-1B8B-8C47-AA1B-4D150829FB0E}"/>
+              </a:ext>
+            </a:extLst>
+          </p:cNvPr>
+          <p:cNvSpPr/>
+          <p:nvPr/>
+        </p:nvSpPr>
+        <p:spPr>
+          <a:xfrm>
+            <a:off x="77031" y="2624997"/>
+            <a:ext cx="5938837" cy="555707"/>
+          </a:xfrm>
+          <a:prstGeom prst="rect">
+            <a:avLst/>
+          </a:prstGeom>
+          <a:solidFill>
+            <a:schemeClr val="accent1"/>
+          </a:solidFill>
+          <a:ln w="50800" cap="rnd" cmpd="dbl" algn="ctr">
+            <a:noFill/>
+            <a:prstDash val="solid"/>
+          </a:ln>
+          <a:effectLst/>
+        </p:spPr>
+        <p:style>
+          <a:lnRef idx="3">
+            <a:schemeClr val="lt1"/>
+          </a:lnRef>
+          <a:fillRef idx="1">
+            <a:schemeClr val="accent1"/>
+          </a:fillRef>
+          <a:effectRef idx="1">
+            <a:schemeClr val="accent1"/>
+          </a:effectRef>
+          <a:fontRef idx="minor">
+            <a:schemeClr val="lt1"/>
+          </a:fontRef>
+        </p:style>
+        <p:txBody>
+          <a:bodyPr anchor="ctr"/>
+          <a:lstStyle/>
+          <a:p>
+            <a:pPr algn="ctr" eaLnBrk="1" latinLnBrk="0" hangingPunct="1"/>
+            <a:r>
+              <a:rPr lang="en-US" sz="2600" b="1" dirty="0">
+                <a:latin typeface="+mj-lt"/>
+              </a:rPr>
+              <a:t>Problem</a:t>
+            </a:r>
+          </a:p>
+        </p:txBody>
+      </p:sp>
+      <p:sp>
+        <p:nvSpPr>
+          <p:cNvPr id="22" name="Rectangle 21">
+            <a:extLst>
+              <a:ext uri="{FF2B5EF4-FFF2-40B4-BE49-F238E27FC236}">
+                <a16:creationId xmlns:a16="http://schemas.microsoft.com/office/drawing/2014/main" id="{4EDCD9FC-98AC-6C4B-A6C3-16BBA189A7D1}"/>
+              </a:ext>
+            </a:extLst>
+          </p:cNvPr>
+          <p:cNvSpPr/>
+          <p:nvPr/>
+        </p:nvSpPr>
+        <p:spPr>
+          <a:xfrm>
+            <a:off x="76200" y="7420108"/>
+            <a:ext cx="5938837" cy="555707"/>
+          </a:xfrm>
+          <a:prstGeom prst="rect">
+            <a:avLst/>
+          </a:prstGeom>
+          <a:solidFill>
+            <a:schemeClr val="accent1"/>
+          </a:solidFill>
+          <a:ln w="50800" cap="rnd" cmpd="dbl" algn="ctr">
+            <a:noFill/>
+            <a:prstDash val="solid"/>
+          </a:ln>
+          <a:effectLst/>
+        </p:spPr>
+        <p:style>
+          <a:lnRef idx="3">
+            <a:schemeClr val="lt1"/>
+          </a:lnRef>
+          <a:fillRef idx="1">
+            <a:schemeClr val="accent1"/>
+          </a:fillRef>
+          <a:effectRef idx="1">
+            <a:schemeClr val="accent1"/>
+          </a:effectRef>
+          <a:fontRef idx="minor">
+            <a:schemeClr val="lt1"/>
+          </a:fontRef>
+        </p:style>
+        <p:txBody>
+          <a:bodyPr anchor="ctr"/>
+          <a:lstStyle/>
+          <a:p>
+            <a:pPr algn="ctr" eaLnBrk="1" latinLnBrk="0" hangingPunct="1"/>
+            <a:r>
+              <a:rPr lang="en-US" sz="2600" b="1" dirty="0">
+                <a:latin typeface="+mj-lt"/>
+              </a:rPr>
+              <a:t>Key questions</a:t>
+            </a:r>
+          </a:p>
+        </p:txBody>
+      </p:sp>
+      <p:sp>
+        <p:nvSpPr>
+          <p:cNvPr id="23" name="Rectangle 22">
+            <a:extLst>
+              <a:ext uri="{FF2B5EF4-FFF2-40B4-BE49-F238E27FC236}">
+                <a16:creationId xmlns:a16="http://schemas.microsoft.com/office/drawing/2014/main" id="{CEA58433-15EB-B341-9862-A3BB7FB7D9EA}"/>
+              </a:ext>
+            </a:extLst>
+          </p:cNvPr>
+          <p:cNvSpPr/>
+          <p:nvPr/>
+        </p:nvSpPr>
+        <p:spPr>
+          <a:xfrm>
+            <a:off x="5929065" y="914400"/>
+            <a:ext cx="5708195" cy="555707"/>
+          </a:xfrm>
+          <a:prstGeom prst="rect">
+            <a:avLst/>
+          </a:prstGeom>
+          <a:solidFill>
+            <a:schemeClr val="accent1"/>
+          </a:solidFill>
+          <a:ln w="50800" cap="rnd" cmpd="dbl" algn="ctr">
+            <a:noFill/>
+            <a:prstDash val="solid"/>
+          </a:ln>
+          <a:effectLst/>
+        </p:spPr>
+        <p:style>
+          <a:lnRef idx="3">
+            <a:schemeClr val="lt1"/>
+          </a:lnRef>
+          <a:fillRef idx="1">
+            <a:schemeClr val="accent1"/>
+          </a:fillRef>
+          <a:effectRef idx="1">
+            <a:schemeClr val="accent1"/>
+          </a:effectRef>
+          <a:fontRef idx="minor">
+            <a:schemeClr val="lt1"/>
+          </a:fontRef>
+        </p:style>
+        <p:txBody>
+          <a:bodyPr anchor="ctr"/>
+          <a:lstStyle/>
+          <a:p>
+            <a:pPr algn="ctr" eaLnBrk="1" latinLnBrk="0" hangingPunct="1"/>
+            <a:r>
+              <a:rPr lang="en-US" sz="2600" b="1" dirty="0">
+                <a:latin typeface="+mj-lt"/>
+              </a:rPr>
+              <a:t>Data</a:t>
+            </a:r>
+          </a:p>
+        </p:txBody>
+      </p:sp>
+      <p:sp>
+        <p:nvSpPr>
+          <p:cNvPr id="24" name="Rectangle 23">
+            <a:extLst>
+              <a:ext uri="{FF2B5EF4-FFF2-40B4-BE49-F238E27FC236}">
+                <a16:creationId xmlns:a16="http://schemas.microsoft.com/office/drawing/2014/main" id="{CC08E273-E82D-C049-8A65-5A150105876E}"/>
+              </a:ext>
+            </a:extLst>
+          </p:cNvPr>
+          <p:cNvSpPr/>
+          <p:nvPr/>
+        </p:nvSpPr>
+        <p:spPr>
+          <a:xfrm>
+            <a:off x="5997393" y="6779809"/>
+            <a:ext cx="5618703" cy="555707"/>
+          </a:xfrm>
+          <a:prstGeom prst="rect">
+            <a:avLst/>
+          </a:prstGeom>
+          <a:solidFill>
+            <a:schemeClr val="accent1"/>
+          </a:solidFill>
+          <a:ln w="50800" cap="rnd" cmpd="dbl" algn="ctr">
+            <a:noFill/>
+            <a:prstDash val="solid"/>
+          </a:ln>
+          <a:effectLst/>
+        </p:spPr>
+        <p:style>
+          <a:lnRef idx="3">
+            <a:schemeClr val="lt1"/>
+          </a:lnRef>
+          <a:fillRef idx="1">
+            <a:schemeClr val="accent1"/>
+          </a:fillRef>
+          <a:effectRef idx="1">
+            <a:schemeClr val="accent1"/>
+          </a:effectRef>
+          <a:fontRef idx="minor">
+            <a:schemeClr val="lt1"/>
+          </a:fontRef>
+        </p:style>
+        <p:txBody>
+          <a:bodyPr anchor="ctr"/>
+          <a:lstStyle/>
+          <a:p>
+            <a:pPr algn="ctr" eaLnBrk="1" latinLnBrk="0" hangingPunct="1"/>
+            <a:r>
+              <a:rPr lang="en-US" sz="2600" b="1" dirty="0">
+                <a:latin typeface="+mj-lt"/>
+              </a:rPr>
+              <a:t>Results</a:t>
+            </a:r>
+          </a:p>
+        </p:txBody>
+      </p:sp>
+      <p:sp>
+        <p:nvSpPr>
+          <p:cNvPr id="27" name="Round Single Corner Rectangle 26">
+            <a:extLst>
+              <a:ext uri="{FF2B5EF4-FFF2-40B4-BE49-F238E27FC236}">
+                <a16:creationId xmlns:a16="http://schemas.microsoft.com/office/drawing/2014/main" id="{75AA1624-D2C4-AE42-931A-A56F1B2AC6C0}"/>
+              </a:ext>
+            </a:extLst>
+          </p:cNvPr>
+          <p:cNvSpPr/>
+          <p:nvPr/>
+        </p:nvSpPr>
+        <p:spPr>
+          <a:xfrm flipV="1">
+            <a:off x="92662" y="1361891"/>
+            <a:ext cx="17140555" cy="9512240"/>
+          </a:xfrm>
+          <a:prstGeom prst="round1Rect">
+            <a:avLst>
+              <a:gd name="adj" fmla="val 2367"/>
+            </a:avLst>
+          </a:prstGeom>
+          <a:noFill/>
+          <a:ln w="76200">
+            <a:solidFill>
+              <a:schemeClr val="accent1"/>
+            </a:solidFill>
+          </a:ln>
+        </p:spPr>
+        <p:style>
+          <a:lnRef idx="2">
+            <a:schemeClr val="accent1">
+              <a:shade val="50000"/>
+            </a:schemeClr>
+          </a:lnRef>
+          <a:fillRef idx="1">
+            <a:schemeClr val="accent1"/>
+          </a:fillRef>
+          <a:effectRef idx="0">
+            <a:schemeClr val="accent1"/>
+          </a:effectRef>
+          <a:fontRef idx="minor">
+            <a:schemeClr val="lt1"/>
+          </a:fontRef>
+        </p:style>
+        <p:txBody>
+          <a:bodyPr rtlCol="0" anchor="ctr"/>
+          <a:lstStyle/>
+          <a:p>
+            <a:pPr algn="ctr"/>
+            <a:r>
+              <a:rPr lang="en-US" sz="2377" dirty="0"/>
+              <a:t> </a:t>
+            </a:r>
+          </a:p>
+        </p:txBody>
+      </p:sp>
+      <p:sp>
+        <p:nvSpPr>
+          <p:cNvPr id="33" name="Rectangle 32">
+            <a:extLst>
+              <a:ext uri="{FF2B5EF4-FFF2-40B4-BE49-F238E27FC236}">
+                <a16:creationId xmlns:a16="http://schemas.microsoft.com/office/drawing/2014/main" id="{ACCBE6D3-A62D-3D4A-A24B-5A57F3DBB775}"/>
+              </a:ext>
+            </a:extLst>
+          </p:cNvPr>
+          <p:cNvSpPr/>
+          <p:nvPr/>
+        </p:nvSpPr>
+        <p:spPr>
+          <a:xfrm>
+            <a:off x="92662" y="10951633"/>
+            <a:ext cx="3963273" cy="777071"/>
+          </a:xfrm>
+          <a:prstGeom prst="rect">
+            <a:avLst/>
+          </a:prstGeom>
+          <a:solidFill>
+            <a:schemeClr val="bg1">
+              <a:lumMod val="50000"/>
+            </a:schemeClr>
+          </a:solidFill>
+          <a:ln w="50800" cap="rnd" cmpd="dbl" algn="ctr">
+            <a:noFill/>
+            <a:prstDash val="solid"/>
+          </a:ln>
+          <a:effectLst/>
+        </p:spPr>
+        <p:style>
+          <a:lnRef idx="3">
+            <a:schemeClr val="lt1"/>
+          </a:lnRef>
+          <a:fillRef idx="1">
+            <a:schemeClr val="accent1"/>
+          </a:fillRef>
+          <a:effectRef idx="1">
+            <a:schemeClr val="accent1"/>
+          </a:effectRef>
+          <a:fontRef idx="minor">
+            <a:schemeClr val="lt1"/>
+          </a:fontRef>
+        </p:style>
+        <p:txBody>
+          <a:bodyPr anchor="ctr"/>
+          <a:lstStyle/>
+          <a:p>
+            <a:pPr algn="ctr" eaLnBrk="1" latinLnBrk="0" hangingPunct="1"/>
+            <a:endParaRPr lang="en-US" sz="7488" dirty="0"/>
+          </a:p>
+        </p:txBody>
+      </p:sp>
+      <p:sp>
+        <p:nvSpPr>
+          <p:cNvPr id="34" name="Rectangle 33">
+            <a:extLst>
+              <a:ext uri="{FF2B5EF4-FFF2-40B4-BE49-F238E27FC236}">
+                <a16:creationId xmlns:a16="http://schemas.microsoft.com/office/drawing/2014/main" id="{4EAF66C9-203E-8E4B-86AC-C98EDBE36137}"/>
+              </a:ext>
+            </a:extLst>
+          </p:cNvPr>
+          <p:cNvSpPr/>
+          <p:nvPr/>
+        </p:nvSpPr>
+        <p:spPr>
+          <a:xfrm>
+            <a:off x="4142525" y="10935784"/>
+            <a:ext cx="13138411" cy="777071"/>
+          </a:xfrm>
+          <a:prstGeom prst="rect">
+            <a:avLst/>
+          </a:prstGeom>
+          <a:solidFill>
+            <a:schemeClr val="accent2">
+              <a:lumMod val="90000"/>
+              <a:lumOff val="10000"/>
+            </a:schemeClr>
+          </a:solidFill>
+          <a:ln w="50800" cap="rnd" cmpd="dbl" algn="ctr">
+            <a:noFill/>
+            <a:prstDash val="solid"/>
+          </a:ln>
+          <a:effectLst/>
+        </p:spPr>
+        <p:style>
+          <a:lnRef idx="3">
+            <a:schemeClr val="lt1"/>
+          </a:lnRef>
+          <a:fillRef idx="1">
+            <a:schemeClr val="accent1"/>
+          </a:fillRef>
+          <a:effectRef idx="1">
+            <a:schemeClr val="accent1"/>
+          </a:effectRef>
+          <a:fontRef idx="minor">
+            <a:schemeClr val="lt1"/>
+          </a:fontRef>
+        </p:style>
+        <p:txBody>
+          <a:bodyPr anchor="ctr"/>
+          <a:lstStyle/>
+          <a:p>
+            <a:pPr algn="ctr" eaLnBrk="1" latinLnBrk="0" hangingPunct="1"/>
+            <a:endParaRPr lang="en-US" sz="7488" dirty="0"/>
+          </a:p>
+        </p:txBody>
+      </p:sp>
+      <p:sp>
+        <p:nvSpPr>
+          <p:cNvPr id="35" name="Text Placeholder 4">
+            <a:extLst>
+              <a:ext uri="{FF2B5EF4-FFF2-40B4-BE49-F238E27FC236}">
+                <a16:creationId xmlns:a16="http://schemas.microsoft.com/office/drawing/2014/main" id="{999938E6-E4B1-4D46-B06F-C0C0F5B16317}"/>
+              </a:ext>
+            </a:extLst>
+          </p:cNvPr>
+          <p:cNvSpPr txBox="1">
+            <a:spLocks/>
+          </p:cNvSpPr>
+          <p:nvPr/>
+        </p:nvSpPr>
+        <p:spPr>
+          <a:xfrm>
+            <a:off x="4200674" y="10951633"/>
+            <a:ext cx="13032543" cy="735686"/>
+          </a:xfrm>
+          <a:prstGeom prst="rect">
+            <a:avLst/>
+          </a:prstGeom>
+        </p:spPr>
+        <p:txBody>
+          <a:bodyPr vert="horz">
+            <a:noAutofit/>
+          </a:bodyPr>
+          <a:lstStyle>
+            <a:lvl1pPr marL="0" marR="0" indent="0" algn="l" defTabSz="2194505" rtl="0" eaLnBrk="1" fontAlgn="auto" latinLnBrk="0" hangingPunct="1">
+              <a:lnSpc>
+                <a:spcPct val="100000"/>
+              </a:lnSpc>
+              <a:spcBef>
+                <a:spcPts val="1680"/>
+              </a:spcBef>
+              <a:spcAft>
+                <a:spcPts val="0"/>
+              </a:spcAft>
+              <a:buClr>
+                <a:schemeClr val="accent2">
+                  <a:lumMod val="90000"/>
+                  <a:lumOff val="10000"/>
+                </a:schemeClr>
+              </a:buClr>
+              <a:buSzPct val="70000"/>
+              <a:buFont typeface="Arial"/>
+              <a:buNone/>
+              <a:tabLst/>
+              <a:defRPr kumimoji="0" sz="6000" kern="1200">
+                <a:solidFill>
+                  <a:schemeClr val="bg1"/>
+                </a:solidFill>
+                <a:latin typeface="+mn-lt"/>
+                <a:ea typeface="+mn-ea"/>
+                <a:cs typeface="+mn-cs"/>
+              </a:defRPr>
+            </a:lvl1pPr>
+            <a:lvl2pPr marL="1536154" indent="-658352" algn="l" rtl="0" eaLnBrk="1" latinLnBrk="0" hangingPunct="1">
+              <a:spcBef>
+                <a:spcPts val="1320"/>
+              </a:spcBef>
+              <a:buClr>
+                <a:schemeClr val="accent2">
+                  <a:lumMod val="90000"/>
+                  <a:lumOff val="10000"/>
+                </a:schemeClr>
+              </a:buClr>
+              <a:buSzPct val="70000"/>
+              <a:buFont typeface="Arial"/>
+              <a:buChar char="•"/>
+              <a:defRPr kumimoji="0" sz="5280" kern="1200">
+                <a:solidFill>
+                  <a:schemeClr val="tx1">
+                    <a:lumMod val="95000"/>
+                    <a:lumOff val="5000"/>
+                  </a:schemeClr>
+                </a:solidFill>
+                <a:latin typeface="+mn-lt"/>
+                <a:ea typeface="+mn-ea"/>
+                <a:cs typeface="+mn-cs"/>
+              </a:defRPr>
+            </a:lvl2pPr>
+            <a:lvl3pPr marL="2194505" indent="-548626" algn="l" rtl="0" eaLnBrk="1" latinLnBrk="0" hangingPunct="1">
+              <a:spcBef>
+                <a:spcPts val="1200"/>
+              </a:spcBef>
+              <a:buClr>
+                <a:schemeClr val="accent2">
+                  <a:lumMod val="90000"/>
+                  <a:lumOff val="10000"/>
+                </a:schemeClr>
+              </a:buClr>
+              <a:buSzPct val="70000"/>
+              <a:buFont typeface="Arial"/>
+              <a:buChar char="•"/>
+              <a:defRPr kumimoji="0" sz="4800" kern="1200">
+                <a:solidFill>
+                  <a:schemeClr val="tx1">
+                    <a:lumMod val="95000"/>
+                    <a:lumOff val="5000"/>
+                  </a:schemeClr>
+                </a:solidFill>
+                <a:latin typeface="+mn-lt"/>
+                <a:ea typeface="+mn-ea"/>
+                <a:cs typeface="+mn-cs"/>
+              </a:defRPr>
+            </a:lvl3pPr>
+            <a:lvl4pPr marL="3291758" indent="-548626" algn="l" rtl="0" eaLnBrk="1" latinLnBrk="0" hangingPunct="1">
+              <a:spcBef>
+                <a:spcPts val="960"/>
+              </a:spcBef>
+              <a:buClr>
+                <a:schemeClr val="accent3"/>
+              </a:buClr>
+              <a:buSzPct val="75000"/>
+              <a:buFont typeface="Wingdings" charset="2"/>
+              <a:buChar char="§"/>
+              <a:defRPr kumimoji="0" sz="4800" kern="1200">
+                <a:solidFill>
+                  <a:schemeClr val="tx1"/>
+                </a:solidFill>
+                <a:latin typeface="+mn-lt"/>
+                <a:ea typeface="+mn-ea"/>
+                <a:cs typeface="+mn-cs"/>
+              </a:defRPr>
+            </a:lvl4pPr>
+            <a:lvl5pPr marL="4389010" indent="-548626" algn="l" rtl="0" eaLnBrk="1" latinLnBrk="0" hangingPunct="1">
+              <a:spcBef>
+                <a:spcPts val="960"/>
+              </a:spcBef>
+              <a:buClr>
+                <a:schemeClr val="accent4"/>
+              </a:buClr>
+              <a:buSzPct val="65000"/>
+              <a:buFont typeface="Wingdings" charset="2"/>
+              <a:buChar char="§"/>
+              <a:defRPr kumimoji="0" sz="4800" kern="1200">
+                <a:solidFill>
+                  <a:schemeClr val="tx1"/>
+                </a:solidFill>
+                <a:latin typeface="+mn-lt"/>
+                <a:ea typeface="+mn-ea"/>
+                <a:cs typeface="+mn-cs"/>
+              </a:defRPr>
+            </a:lvl5pPr>
+            <a:lvl6pPr marL="5047362" indent="-548626" algn="l" rtl="0" eaLnBrk="1" latinLnBrk="0" hangingPunct="1">
+              <a:spcBef>
+                <a:spcPct val="20000"/>
+              </a:spcBef>
+              <a:buClr>
+                <a:schemeClr val="accent1"/>
+              </a:buClr>
+              <a:buFont typeface="Wingdings"/>
+              <a:buChar char="§"/>
+              <a:defRPr kumimoji="0" sz="4320" kern="1200" baseline="0">
+                <a:solidFill>
+                  <a:schemeClr val="tx1"/>
+                </a:solidFill>
+                <a:latin typeface="+mn-lt"/>
+                <a:ea typeface="+mn-ea"/>
+                <a:cs typeface="+mn-cs"/>
+              </a:defRPr>
+            </a:lvl6pPr>
+            <a:lvl7pPr marL="5705713" indent="-548626" algn="l" rtl="0" eaLnBrk="1" latinLnBrk="0" hangingPunct="1">
+              <a:spcBef>
+                <a:spcPct val="20000"/>
+              </a:spcBef>
+              <a:buClr>
+                <a:schemeClr val="accent2"/>
+              </a:buClr>
+              <a:buFont typeface="Wingdings"/>
+              <a:buChar char="§"/>
+              <a:defRPr kumimoji="0" sz="4320" kern="1200" baseline="0">
+                <a:solidFill>
+                  <a:schemeClr val="tx1"/>
+                </a:solidFill>
+                <a:latin typeface="+mn-lt"/>
+                <a:ea typeface="+mn-ea"/>
+                <a:cs typeface="+mn-cs"/>
+              </a:defRPr>
+            </a:lvl7pPr>
+            <a:lvl8pPr marL="6364065" indent="-548626" algn="l" rtl="0" eaLnBrk="1" latinLnBrk="0" hangingPunct="1">
+              <a:spcBef>
+                <a:spcPct val="20000"/>
+              </a:spcBef>
+              <a:buClr>
+                <a:schemeClr val="accent3"/>
+              </a:buClr>
+              <a:buFont typeface="Wingdings"/>
+              <a:buChar char="§"/>
+              <a:defRPr kumimoji="0" sz="4320" kern="1200" baseline="0">
+                <a:solidFill>
+                  <a:schemeClr val="tx1"/>
+                </a:solidFill>
+                <a:latin typeface="+mn-lt"/>
+                <a:ea typeface="+mn-ea"/>
+                <a:cs typeface="+mn-cs"/>
+              </a:defRPr>
+            </a:lvl8pPr>
+            <a:lvl9pPr marL="7022416" indent="-548626" algn="l" rtl="0" eaLnBrk="1" latinLnBrk="0" hangingPunct="1">
+              <a:spcBef>
+                <a:spcPct val="20000"/>
+              </a:spcBef>
+              <a:buClr>
+                <a:schemeClr val="accent4"/>
+              </a:buClr>
+              <a:buFont typeface="Wingdings"/>
+              <a:buChar char="§"/>
+              <a:defRPr kumimoji="0" sz="4320" kern="1200" baseline="0">
+                <a:solidFill>
+                  <a:schemeClr val="tx1"/>
+                </a:solidFill>
+                <a:latin typeface="+mn-lt"/>
+                <a:ea typeface="+mn-ea"/>
+                <a:cs typeface="+mn-cs"/>
+              </a:defRPr>
+            </a:lvl9pPr>
+          </a:lstStyle>
+          <a:p>
+            <a:pPr>
+              <a:defRPr/>
+            </a:pPr>
+            <a:r>
+              <a:rPr lang="en-US" sz="4400" dirty="0"/>
+              <a:t>15.071—The Analytics Edge		          Fall 2019</a:t>
+            </a:r>
+          </a:p>
+        </p:txBody>
+      </p:sp>
+      <p:cxnSp>
+        <p:nvCxnSpPr>
+          <p:cNvPr id="36" name="Straight Connector 35">
+            <a:extLst>
+              <a:ext uri="{FF2B5EF4-FFF2-40B4-BE49-F238E27FC236}">
+                <a16:creationId xmlns:a16="http://schemas.microsoft.com/office/drawing/2014/main" id="{F20F6DFB-76BA-8C46-A716-8B2054C8EE1B}"/>
+              </a:ext>
+            </a:extLst>
+          </p:cNvPr>
+          <p:cNvCxnSpPr>
+            <a:cxnSpLocks/>
+          </p:cNvCxnSpPr>
+          <p:nvPr/>
+        </p:nvCxnSpPr>
+        <p:spPr>
+          <a:xfrm>
+            <a:off x="5970565" y="924911"/>
+            <a:ext cx="10366" cy="9949225"/>
+          </a:xfrm>
+          <a:prstGeom prst="line">
+            <a:avLst/>
+          </a:prstGeom>
+          <a:ln w="76200">
+            <a:solidFill>
+              <a:schemeClr val="accent1"/>
+            </a:solidFill>
+            <a:prstDash val="solid"/>
+          </a:ln>
+        </p:spPr>
+        <p:style>
+          <a:lnRef idx="1">
+            <a:schemeClr val="accent1"/>
+          </a:lnRef>
+          <a:fillRef idx="0">
+            <a:schemeClr val="accent1"/>
+          </a:fillRef>
+          <a:effectRef idx="0">
+            <a:schemeClr val="accent1"/>
+          </a:effectRef>
+          <a:fontRef idx="minor">
+            <a:schemeClr val="tx1"/>
+          </a:fontRef>
+        </p:style>
+      </p:cxnSp>
+      <p:cxnSp>
+        <p:nvCxnSpPr>
+          <p:cNvPr id="38" name="Straight Connector 37">
+            <a:extLst>
+              <a:ext uri="{FF2B5EF4-FFF2-40B4-BE49-F238E27FC236}">
+                <a16:creationId xmlns:a16="http://schemas.microsoft.com/office/drawing/2014/main" id="{466A29D5-D287-A444-AABB-53E9394BB38E}"/>
+              </a:ext>
+            </a:extLst>
+          </p:cNvPr>
+          <p:cNvCxnSpPr>
+            <a:cxnSpLocks/>
+          </p:cNvCxnSpPr>
+          <p:nvPr/>
+        </p:nvCxnSpPr>
+        <p:spPr>
+          <a:xfrm>
+            <a:off x="11573084" y="990600"/>
+            <a:ext cx="1214" cy="9883536"/>
+          </a:xfrm>
+          <a:prstGeom prst="line">
+            <a:avLst/>
+          </a:prstGeom>
+          <a:ln w="76200">
+            <a:solidFill>
+              <a:schemeClr val="accent1"/>
+            </a:solidFill>
+            <a:prstDash val="solid"/>
+          </a:ln>
+        </p:spPr>
+        <p:style>
+          <a:lnRef idx="1">
+            <a:schemeClr val="accent1"/>
+          </a:lnRef>
+          <a:fillRef idx="0">
+            <a:schemeClr val="accent1"/>
+          </a:fillRef>
+          <a:effectRef idx="0">
+            <a:schemeClr val="accent1"/>
+          </a:effectRef>
+          <a:fontRef idx="minor">
+            <a:schemeClr val="tx1"/>
+          </a:fontRef>
+        </p:style>
+      </p:cxnSp>
+      <p:sp>
+        <p:nvSpPr>
+          <p:cNvPr id="39" name="Rectangle 38">
+            <a:extLst>
+              <a:ext uri="{FF2B5EF4-FFF2-40B4-BE49-F238E27FC236}">
+                <a16:creationId xmlns:a16="http://schemas.microsoft.com/office/drawing/2014/main" id="{949515A5-5264-0048-8CE2-F2A246993C8D}"/>
+              </a:ext>
+            </a:extLst>
+          </p:cNvPr>
+          <p:cNvSpPr/>
+          <p:nvPr/>
+        </p:nvSpPr>
+        <p:spPr>
+          <a:xfrm>
+            <a:off x="11620152" y="914395"/>
+            <a:ext cx="5660136" cy="555707"/>
+          </a:xfrm>
+          <a:prstGeom prst="rect">
+            <a:avLst/>
+          </a:prstGeom>
+          <a:solidFill>
+            <a:schemeClr val="accent1"/>
+          </a:solidFill>
+          <a:ln w="50800" cap="rnd" cmpd="dbl" algn="ctr">
+            <a:noFill/>
+            <a:prstDash val="solid"/>
+          </a:ln>
+          <a:effectLst/>
+        </p:spPr>
+        <p:style>
+          <a:lnRef idx="3">
+            <a:schemeClr val="lt1"/>
+          </a:lnRef>
+          <a:fillRef idx="1">
+            <a:schemeClr val="accent1"/>
+          </a:fillRef>
+          <a:effectRef idx="1">
+            <a:schemeClr val="accent1"/>
+          </a:effectRef>
+          <a:fontRef idx="minor">
+            <a:schemeClr val="lt1"/>
+          </a:fontRef>
+        </p:style>
+        <p:txBody>
+          <a:bodyPr anchor="ctr"/>
+          <a:lstStyle/>
+          <a:p>
+            <a:pPr algn="ctr" eaLnBrk="1" latinLnBrk="0" hangingPunct="1"/>
+            <a:r>
+              <a:rPr lang="en-US" sz="2600" b="1" dirty="0">
+                <a:latin typeface="+mj-lt"/>
+              </a:rPr>
+              <a:t>Takeaways</a:t>
+            </a:r>
+          </a:p>
+        </p:txBody>
+      </p:sp>
+      <p:sp>
+        <p:nvSpPr>
+          <p:cNvPr id="40" name="Rectangle 39">
+            <a:extLst>
+              <a:ext uri="{FF2B5EF4-FFF2-40B4-BE49-F238E27FC236}">
+                <a16:creationId xmlns:a16="http://schemas.microsoft.com/office/drawing/2014/main" id="{02516EF2-4547-7145-AEA5-F5BF26EA3EFA}"/>
+              </a:ext>
+            </a:extLst>
+          </p:cNvPr>
+          <p:cNvSpPr/>
+          <p:nvPr/>
+        </p:nvSpPr>
+        <p:spPr>
+          <a:xfrm>
+            <a:off x="11573084" y="5746594"/>
+            <a:ext cx="5660136" cy="555707"/>
+          </a:xfrm>
+          <a:prstGeom prst="rect">
+            <a:avLst/>
+          </a:prstGeom>
+          <a:solidFill>
+            <a:schemeClr val="accent1"/>
+          </a:solidFill>
+          <a:ln w="50800" cap="rnd" cmpd="dbl" algn="ctr">
+            <a:noFill/>
+            <a:prstDash val="solid"/>
+          </a:ln>
+          <a:effectLst/>
+        </p:spPr>
+        <p:style>
+          <a:lnRef idx="3">
+            <a:schemeClr val="lt1"/>
+          </a:lnRef>
+          <a:fillRef idx="1">
+            <a:schemeClr val="accent1"/>
+          </a:fillRef>
+          <a:effectRef idx="1">
+            <a:schemeClr val="accent1"/>
+          </a:effectRef>
+          <a:fontRef idx="minor">
+            <a:schemeClr val="lt1"/>
+          </a:fontRef>
+        </p:style>
+        <p:txBody>
+          <a:bodyPr anchor="ctr"/>
+          <a:lstStyle/>
+          <a:p>
+            <a:pPr algn="ctr" eaLnBrk="1" latinLnBrk="0" hangingPunct="1"/>
+            <a:r>
+              <a:rPr lang="en-US" sz="2600" b="1" dirty="0">
+                <a:latin typeface="+mj-lt"/>
+              </a:rPr>
+              <a:t>Conclusion</a:t>
+            </a:r>
+          </a:p>
+        </p:txBody>
+      </p:sp>
+      <p:sp>
+        <p:nvSpPr>
+          <p:cNvPr id="42" name="TextBox 41">
+            <a:extLst>
+              <a:ext uri="{FF2B5EF4-FFF2-40B4-BE49-F238E27FC236}">
+                <a16:creationId xmlns:a16="http://schemas.microsoft.com/office/drawing/2014/main" id="{94290346-EA7B-9449-ACEC-04DA9FA0A197}"/>
+              </a:ext>
+            </a:extLst>
+          </p:cNvPr>
+          <p:cNvSpPr txBox="1"/>
+          <p:nvPr/>
+        </p:nvSpPr>
+        <p:spPr>
+          <a:xfrm>
+            <a:off x="92659" y="1439158"/>
+            <a:ext cx="5789335" cy="1200329"/>
+          </a:xfrm>
+          <a:prstGeom prst="rect">
+            <a:avLst/>
+          </a:prstGeom>
+          <a:noFill/>
+        </p:spPr>
+        <p:txBody>
+          <a:bodyPr wrap="square" rtlCol="0">
+            <a:spAutoFit/>
+          </a:bodyPr>
+          <a:lstStyle/>
+          <a:p>
+            <a:r>
+              <a:rPr lang="en-US" sz="1800" dirty="0"/>
+              <a:t>We aim to provide a toolbox for customers to choose their flights based on the delay predicted by our model for each future flight based on DoT data on historical flight performance.</a:t>
+            </a:r>
+          </a:p>
+        </p:txBody>
+      </p:sp>
+      <p:sp>
+        <p:nvSpPr>
+          <p:cNvPr id="25" name="TextBox 24">
+            <a:extLst>
+              <a:ext uri="{FF2B5EF4-FFF2-40B4-BE49-F238E27FC236}">
+                <a16:creationId xmlns:a16="http://schemas.microsoft.com/office/drawing/2014/main" id="{70E02502-993E-2A4A-8BF1-43604979461D}"/>
+              </a:ext>
+            </a:extLst>
+          </p:cNvPr>
+          <p:cNvSpPr txBox="1"/>
+          <p:nvPr/>
+        </p:nvSpPr>
+        <p:spPr>
+          <a:xfrm>
+            <a:off x="153566" y="8212613"/>
+            <a:ext cx="5789335" cy="2585323"/>
+          </a:xfrm>
+          <a:prstGeom prst="rect">
+            <a:avLst/>
+          </a:prstGeom>
+          <a:noFill/>
+        </p:spPr>
+        <p:txBody>
+          <a:bodyPr wrap="square" rtlCol="0">
+            <a:spAutoFit/>
+          </a:bodyPr>
+          <a:lstStyle/>
+          <a:p>
+            <a:pPr marL="285750" indent="-285750">
+              <a:buFont typeface="Arial" panose="020B0604020202020204" pitchFamily="34" charset="0"/>
+              <a:buChar char="•"/>
+            </a:pPr>
+            <a:r>
+              <a:rPr lang="en-US" sz="1800" dirty="0"/>
+              <a:t>How should we structure the data to achieve the best results?</a:t>
+            </a:r>
+          </a:p>
+          <a:p>
+            <a:pPr marL="285750" indent="-285750">
+              <a:buFont typeface="Arial" panose="020B0604020202020204" pitchFamily="34" charset="0"/>
+              <a:buChar char="•"/>
+            </a:pPr>
+            <a:r>
+              <a:rPr lang="en-US" sz="1800" dirty="0"/>
+              <a:t>What are the most significant independent variables affecting flight delay?</a:t>
+            </a:r>
+          </a:p>
+          <a:p>
+            <a:pPr marL="285750" indent="-285750">
+              <a:buFont typeface="Arial" panose="020B0604020202020204" pitchFamily="34" charset="0"/>
+              <a:buChar char="•"/>
+            </a:pPr>
+            <a:r>
+              <a:rPr lang="en-US" sz="1800" dirty="0"/>
+              <a:t>How will the decisions travels make when selecting a flight impact the expected duration of delay?</a:t>
+            </a:r>
+          </a:p>
+          <a:p>
+            <a:pPr marL="285750" indent="-285750">
+              <a:buFont typeface="Arial" panose="020B0604020202020204" pitchFamily="34" charset="0"/>
+              <a:buChar char="•"/>
+            </a:pPr>
+            <a:r>
+              <a:rPr lang="en-US" sz="1800" dirty="0"/>
+              <a:t>What model family will provide the best prediction of future flight delays?</a:t>
+            </a:r>
+          </a:p>
+          <a:p>
+            <a:pPr marL="285750" indent="-285750">
+              <a:buFont typeface="Arial" panose="020B0604020202020204" pitchFamily="34" charset="0"/>
+              <a:buChar char="•"/>
+            </a:pPr>
+            <a:r>
+              <a:rPr lang="en-US" sz="1800" dirty="0"/>
+              <a:t>What model parameters will provide the best performance?</a:t>
+            </a:r>
+          </a:p>
+        </p:txBody>
+      </p:sp>
+    </p:spTree>
+    <p:extLst>
+      <p:ext uri="{BB962C8B-B14F-4D97-AF65-F5344CB8AC3E}">
+        <p14:creationId xmlns:p14="http://schemas.microsoft.com/office/powerpoint/2010/main" val="3743965930"/>
       </p:ext>
     </p:extLst>
   </p:cSld>

--- a/TM12_15.071_Term_Project_Poster.pptx
+++ b/TM12_15.071_Term_Project_Poster.pptx
@@ -12,7 +12,7 @@
   </p:handoutMasterIdLst>
   <p:sldIdLst>
     <p:sldId id="1445" r:id="rId2"/>
-    <p:sldId id="1444" r:id="rId3"/>
+    <p:sldId id="1443" r:id="rId3"/>
   </p:sldIdLst>
   <p:sldSz cx="17373600" cy="11887200"/>
   <p:notesSz cx="9144000" cy="6858000"/>
@@ -212,7 +212,7 @@
           <a:p>
             <a:fld id="{890071B7-4BD8-8145-82BE-2A6C42B82778}" type="datetime1">
               <a:rPr lang="en-US" smtClean="0"/>
-              <a:t>11/26/19</a:t>
+              <a:t>12/1/19</a:t>
             </a:fld>
             <a:endParaRPr lang="en-US"/>
           </a:p>
@@ -381,7 +381,7 @@
           <a:p>
             <a:fld id="{7391307E-C702-714D-87CE-7789B0B8B84B}" type="datetime1">
               <a:rPr lang="en-US" smtClean="0"/>
-              <a:t>11/26/19</a:t>
+              <a:t>12/1/19</a:t>
             </a:fld>
             <a:endParaRPr lang="en-US"/>
           </a:p>
@@ -717,7 +717,7 @@
           <a:p>
             <a:fld id="{7391307E-C702-714D-87CE-7789B0B8B84B}" type="datetime1">
               <a:rPr lang="en-US" smtClean="0"/>
-              <a:t>11/27/19</a:t>
+              <a:t>12/1/19</a:t>
             </a:fld>
             <a:endParaRPr lang="en-US"/>
           </a:p>
@@ -3273,8 +3273,8 @@
         </p:nvSpPr>
         <p:spPr>
           <a:xfrm>
-            <a:off x="76200" y="1066800"/>
-            <a:ext cx="5938837" cy="555707"/>
+            <a:off x="76200" y="990600"/>
+            <a:ext cx="5938837" cy="457200"/>
           </a:xfrm>
           <a:prstGeom prst="rect">
             <a:avLst/>
@@ -3428,8 +3428,8 @@
         </p:nvSpPr>
         <p:spPr>
           <a:xfrm>
-            <a:off x="76201" y="3025693"/>
-            <a:ext cx="5902142" cy="555707"/>
+            <a:off x="76201" y="2819400"/>
+            <a:ext cx="5902142" cy="457200"/>
           </a:xfrm>
           <a:prstGeom prst="rect">
             <a:avLst/>
@@ -3485,8 +3485,8 @@
         </p:nvSpPr>
         <p:spPr>
           <a:xfrm>
-            <a:off x="76200" y="5410200"/>
-            <a:ext cx="5938837" cy="555707"/>
+            <a:off x="76200" y="5486400"/>
+            <a:ext cx="5938837" cy="457200"/>
           </a:xfrm>
           <a:prstGeom prst="rect">
             <a:avLst/>
@@ -3542,8 +3542,8 @@
         </p:nvSpPr>
         <p:spPr>
           <a:xfrm>
-            <a:off x="5978342" y="1066800"/>
-            <a:ext cx="5660136" cy="555707"/>
+            <a:off x="5978342" y="990600"/>
+            <a:ext cx="5660136" cy="457200"/>
           </a:xfrm>
           <a:prstGeom prst="rect">
             <a:avLst/>
@@ -4082,8 +4082,8 @@
         </p:nvSpPr>
         <p:spPr>
           <a:xfrm>
-            <a:off x="11582400" y="1066800"/>
-            <a:ext cx="5660136" cy="555707"/>
+            <a:off x="11582400" y="990600"/>
+            <a:ext cx="5660136" cy="457200"/>
           </a:xfrm>
           <a:prstGeom prst="rect">
             <a:avLst/>
@@ -4140,7 +4140,7 @@
         <p:spPr>
           <a:xfrm>
             <a:off x="11573084" y="6096000"/>
-            <a:ext cx="5660136" cy="555707"/>
+            <a:ext cx="5660136" cy="457200"/>
           </a:xfrm>
           <a:prstGeom prst="rect">
             <a:avLst/>
@@ -4196,8 +4196,8 @@
         </p:nvSpPr>
         <p:spPr>
           <a:xfrm>
-            <a:off x="134093" y="1643008"/>
-            <a:ext cx="5816048" cy="1200329"/>
+            <a:off x="134093" y="1447800"/>
+            <a:ext cx="5816048" cy="1323439"/>
           </a:xfrm>
           <a:prstGeom prst="rect">
             <a:avLst/>
@@ -4210,8 +4210,9 @@
           </a:bodyPr>
           <a:lstStyle/>
           <a:p>
-            <a:r>
-              <a:rPr lang="en-US" sz="1800" dirty="0"/>
+            <a:pPr algn="just"/>
+            <a:r>
+              <a:rPr lang="en-US" sz="2000" dirty="0"/>
               <a:t>Using commercial aviation data, we created a model that predicts the delay times for future flights. This provides travelers with decision-relevant information they can use to reduce the duration of their travel delays.</a:t>
             </a:r>
           </a:p>
@@ -4231,8 +4232,8 @@
         </p:nvSpPr>
         <p:spPr>
           <a:xfrm>
-            <a:off x="150903" y="3581400"/>
-            <a:ext cx="5789335" cy="1754326"/>
+            <a:off x="150903" y="3239631"/>
+            <a:ext cx="5789335" cy="2246769"/>
           </a:xfrm>
           <a:prstGeom prst="rect">
             <a:avLst/>
@@ -4245,8 +4246,9 @@
           </a:bodyPr>
           <a:lstStyle/>
           <a:p>
-            <a:r>
-              <a:rPr lang="en-US" sz="1800" dirty="0"/>
+            <a:pPr algn="just"/>
+            <a:r>
+              <a:rPr lang="en-US" sz="2000" dirty="0"/>
               <a:t>A study estimated that in 2007, the total direct cost to US passengers from air transportation delay was $16.7 billon. Despite the significant cost and inconvenience of delays, travelers have to make many decisions (airports, airline, flight time and date), with little information about how those variables impact the amount of delay they experience.</a:t>
             </a:r>
           </a:p>
@@ -4266,8 +4268,8 @@
         </p:nvSpPr>
         <p:spPr>
           <a:xfrm>
-            <a:off x="132604" y="6019800"/>
-            <a:ext cx="5780345" cy="1754326"/>
+            <a:off x="132604" y="5943600"/>
+            <a:ext cx="5780345" cy="1631216"/>
           </a:xfrm>
           <a:prstGeom prst="rect">
             <a:avLst/>
@@ -4280,9 +4282,47 @@
           </a:bodyPr>
           <a:lstStyle/>
           <a:p>
-            <a:r>
-              <a:rPr lang="en-US" sz="1800" dirty="0"/>
-              <a:t>We utilize a dataset from the U.S. Department of Transportation containing commercial aviation flight data from 2009 to 2018. After processing the dataset contains 1.8 million entries across 8 variables. The dependent variable is Arrival Delay. Independent variables are carrier, origin, destination, distance, destination, and date/time of flight.</a:t>
+            <a:pPr marL="342900" indent="-342900">
+              <a:buFont typeface="Arial" panose="020B0604020202020204" pitchFamily="34" charset="0"/>
+              <a:buChar char="•"/>
+            </a:pPr>
+            <a:r>
+              <a:rPr lang="en-US" sz="2000" dirty="0"/>
+              <a:t>Dataset from U.S. Department of Transportation</a:t>
+            </a:r>
+          </a:p>
+          <a:p>
+            <a:pPr marL="342900" indent="-342900">
+              <a:buFont typeface="Arial" panose="020B0604020202020204" pitchFamily="34" charset="0"/>
+              <a:buChar char="•"/>
+            </a:pPr>
+            <a:r>
+              <a:rPr lang="en-US" sz="2000" dirty="0"/>
+              <a:t>Commercial aviation flight data from 2009 to 2018</a:t>
+            </a:r>
+          </a:p>
+          <a:p>
+            <a:pPr marL="342900" indent="-342900">
+              <a:buFont typeface="Arial" panose="020B0604020202020204" pitchFamily="34" charset="0"/>
+              <a:buChar char="•"/>
+            </a:pPr>
+            <a:r>
+              <a:rPr lang="en-US" sz="2000" dirty="0"/>
+              <a:t>1.8 million entries across 8 variables (post-processing)</a:t>
+            </a:r>
+          </a:p>
+          <a:p>
+            <a:pPr marL="342900" indent="-342900">
+              <a:buFont typeface="Arial" panose="020B0604020202020204" pitchFamily="34" charset="0"/>
+              <a:buChar char="•"/>
+            </a:pPr>
+            <a:r>
+              <a:rPr lang="en-US" sz="2000" dirty="0">
+                <a:solidFill>
+                  <a:srgbClr val="FF0000"/>
+                </a:solidFill>
+              </a:rPr>
+              <a:t>Required wrangling comment…</a:t>
             </a:r>
           </a:p>
         </p:txBody>
@@ -4337,8 +4377,8 @@
         </p:nvSpPr>
         <p:spPr>
           <a:xfrm>
-            <a:off x="78926" y="7772400"/>
-            <a:ext cx="5890097" cy="555707"/>
+            <a:off x="78926" y="8229600"/>
+            <a:ext cx="5890097" cy="457200"/>
           </a:xfrm>
           <a:prstGeom prst="rect">
             <a:avLst/>
@@ -4971,14 +5011,14 @@
           <p:nvPr>
             <p:extLst>
               <p:ext uri="{D42A27DB-BD31-4B8C-83A1-F6EECF244321}">
-                <p14:modId xmlns:p14="http://schemas.microsoft.com/office/powerpoint/2010/main" val="4153877818"/>
+                <p14:modId xmlns:p14="http://schemas.microsoft.com/office/powerpoint/2010/main" val="4272871727"/>
               </p:ext>
             </p:extLst>
           </p:nvPr>
         </p:nvGraphicFramePr>
         <p:xfrm>
-          <a:off x="11629077" y="1637954"/>
-          <a:ext cx="5561354" cy="2023516"/>
+          <a:off x="11629077" y="1447800"/>
+          <a:ext cx="5561354" cy="2236876"/>
         </p:xfrm>
         <a:graphic>
           <a:graphicData uri="http://schemas.openxmlformats.org/drawingml/2006/table">
@@ -5024,7 +5064,7 @@
                     <a:p>
                       <a:pPr algn="ctr"/>
                       <a:r>
-                        <a:rPr lang="en-US" sz="1200" b="1" dirty="0"/>
+                        <a:rPr lang="en-US" sz="1400" b="1" dirty="0"/>
                         <a:t>Model</a:t>
                       </a:r>
                     </a:p>
@@ -5038,7 +5078,7 @@
                     <a:p>
                       <a:pPr algn="ctr"/>
                       <a:r>
-                        <a:rPr lang="en-US" sz="1200" b="1" dirty="0"/>
+                        <a:rPr lang="en-US" sz="1400" b="1" dirty="0"/>
                         <a:t>OSR2</a:t>
                       </a:r>
                     </a:p>
@@ -5052,7 +5092,7 @@
                     <a:p>
                       <a:pPr algn="ctr"/>
                       <a:r>
-                        <a:rPr lang="en-US" sz="1200" b="1" dirty="0"/>
+                        <a:rPr lang="en-US" sz="1400" b="1" dirty="0"/>
                         <a:t>MAE</a:t>
                       </a:r>
                     </a:p>
@@ -5066,7 +5106,7 @@
                     <a:p>
                       <a:pPr algn="ctr"/>
                       <a:r>
-                        <a:rPr lang="en-US" sz="1200" b="1" dirty="0"/>
+                        <a:rPr lang="en-US" sz="1400" b="1" dirty="0"/>
                         <a:t>RMSE</a:t>
                       </a:r>
                     </a:p>
@@ -5086,7 +5126,7 @@
                     <a:lstStyle/>
                     <a:p>
                       <a:r>
-                        <a:rPr lang="en-US" sz="1200" dirty="0"/>
+                        <a:rPr lang="en-US" sz="1400" dirty="0"/>
                         <a:t>Linear Regression (all variables)</a:t>
                       </a:r>
                     </a:p>
@@ -5099,7 +5139,7 @@
                     <a:lstStyle/>
                     <a:p>
                       <a:r>
-                        <a:rPr lang="en-US" sz="1200" dirty="0"/>
+                        <a:rPr lang="en-US" sz="1400" dirty="0"/>
                         <a:t>0.03876</a:t>
                       </a:r>
                     </a:p>
@@ -5112,7 +5152,7 @@
                     <a:lstStyle/>
                     <a:p>
                       <a:r>
-                        <a:rPr lang="en-US" sz="1200" dirty="0"/>
+                        <a:rPr lang="en-US" sz="1400" dirty="0"/>
                         <a:t>26.31</a:t>
                       </a:r>
                     </a:p>
@@ -5125,10 +5165,10 @@
                     <a:lstStyle/>
                     <a:p>
                       <a:r>
-                        <a:rPr lang="en-US" sz="1200"/>
+                        <a:rPr lang="en-US" sz="1400"/>
                         <a:t>2040</a:t>
                       </a:r>
-                      <a:endParaRPr lang="en-US" sz="1200" dirty="0"/>
+                      <a:endParaRPr lang="en-US" sz="1400" dirty="0"/>
                     </a:p>
                   </a:txBody>
                   <a:tcPr/>
@@ -5146,7 +5186,7 @@
                     <a:lstStyle/>
                     <a:p>
                       <a:r>
-                        <a:rPr lang="en-US" sz="1200" dirty="0"/>
+                        <a:rPr lang="en-US" sz="1400" dirty="0"/>
                         <a:t>Linear Regression Stepwise Variable Selection (-Distance)</a:t>
                       </a:r>
                     </a:p>
@@ -5159,7 +5199,7 @@
                     <a:lstStyle/>
                     <a:p>
                       <a:r>
-                        <a:rPr lang="en-US" sz="1200" dirty="0"/>
+                        <a:rPr lang="en-US" sz="1400" dirty="0"/>
                         <a:t>0.0388</a:t>
                       </a:r>
                     </a:p>
@@ -5172,7 +5212,7 @@
                     <a:lstStyle/>
                     <a:p>
                       <a:r>
-                        <a:rPr lang="en-US" sz="1200" dirty="0"/>
+                        <a:rPr lang="en-US" sz="1400" dirty="0"/>
                         <a:t>26.31</a:t>
                       </a:r>
                     </a:p>
@@ -5185,7 +5225,7 @@
                     <a:lstStyle/>
                     <a:p>
                       <a:r>
-                        <a:rPr lang="en-US" sz="1200" dirty="0"/>
+                        <a:rPr lang="en-US" sz="1400" dirty="0"/>
                         <a:t>2040</a:t>
                       </a:r>
                     </a:p>
@@ -5205,7 +5245,7 @@
                     <a:lstStyle/>
                     <a:p>
                       <a:r>
-                        <a:rPr lang="en-US" sz="1200" dirty="0"/>
+                        <a:rPr lang="en-US" sz="1400" dirty="0"/>
                         <a:t>CART (cp = 1.5e-05)</a:t>
                       </a:r>
                     </a:p>
@@ -5218,7 +5258,7 @@
                     <a:lstStyle/>
                     <a:p>
                       <a:r>
-                        <a:rPr lang="en-US" sz="1200" dirty="0"/>
+                        <a:rPr lang="en-US" sz="1400" dirty="0"/>
                         <a:t>0.0410</a:t>
                       </a:r>
                     </a:p>
@@ -5231,7 +5271,7 @@
                     <a:lstStyle/>
                     <a:p>
                       <a:r>
-                        <a:rPr lang="en-US" sz="1200" dirty="0"/>
+                        <a:rPr lang="en-US" sz="1400" dirty="0"/>
                         <a:t>26.17</a:t>
                       </a:r>
                     </a:p>
@@ -5244,7 +5284,7 @@
                     <a:lstStyle/>
                     <a:p>
                       <a:r>
-                        <a:rPr lang="en-US" sz="1200" dirty="0"/>
+                        <a:rPr lang="en-US" sz="1400" dirty="0"/>
                         <a:t>2042</a:t>
                       </a:r>
                     </a:p>
@@ -5264,7 +5304,7 @@
                     <a:lstStyle/>
                     <a:p>
                       <a:r>
-                        <a:rPr lang="en-US" sz="1200" dirty="0"/>
+                        <a:rPr lang="en-US" sz="1400" dirty="0"/>
                         <a:t>Random Forest</a:t>
                       </a:r>
                     </a:p>
@@ -5276,7 +5316,7 @@
                     <a:bodyPr/>
                     <a:lstStyle/>
                     <a:p>
-                      <a:endParaRPr lang="en-US" sz="1200" dirty="0"/>
+                      <a:endParaRPr lang="en-US" sz="1400" dirty="0"/>
                     </a:p>
                   </a:txBody>
                   <a:tcPr/>
@@ -5286,7 +5326,7 @@
                     <a:bodyPr/>
                     <a:lstStyle/>
                     <a:p>
-                      <a:endParaRPr lang="en-US" sz="1200" dirty="0"/>
+                      <a:endParaRPr lang="en-US" sz="1400" dirty="0"/>
                     </a:p>
                   </a:txBody>
                   <a:tcPr/>
@@ -5296,7 +5336,7 @@
                     <a:bodyPr/>
                     <a:lstStyle/>
                     <a:p>
-                      <a:endParaRPr lang="en-US" sz="1200" dirty="0"/>
+                      <a:endParaRPr lang="en-US" sz="1400" dirty="0"/>
                     </a:p>
                   </a:txBody>
                   <a:tcPr/>
@@ -5325,8 +5365,8 @@
         </p:nvSpPr>
         <p:spPr>
           <a:xfrm>
-            <a:off x="140383" y="8330663"/>
-            <a:ext cx="5780345" cy="646331"/>
+            <a:off x="140383" y="8686800"/>
+            <a:ext cx="5780345" cy="2246769"/>
           </a:xfrm>
           <a:prstGeom prst="rect">
             <a:avLst/>
@@ -5344,8 +5384,24 @@
               <a:buChar char="•"/>
             </a:pPr>
             <a:r>
-              <a:rPr lang="en-US" sz="1800" dirty="0"/>
-              <a:t>We scoped the</a:t>
+              <a:rPr lang="en-US" sz="2000" dirty="0"/>
+              <a:t>Dependent Variables: average </a:t>
+            </a:r>
+            <a:r>
+              <a:rPr lang="en-US" sz="2000" b="1" dirty="0"/>
+              <a:t>arrival</a:t>
+            </a:r>
+            <a:r>
+              <a:rPr lang="en-US" sz="2000" dirty="0"/>
+              <a:t> delay for all flights during a given hour; all flights of a carrier during an hour (</a:t>
+            </a:r>
+            <a:r>
+              <a:rPr lang="en-US" sz="2000" b="1" dirty="0"/>
+              <a:t>aggregate</a:t>
+            </a:r>
+            <a:r>
+              <a:rPr lang="en-US" sz="2000" dirty="0"/>
+              <a:t>)</a:t>
             </a:r>
           </a:p>
           <a:p>
@@ -5354,8 +5410,28 @@
               <a:buChar char="•"/>
             </a:pPr>
             <a:r>
-              <a:rPr lang="en-US" sz="1800" dirty="0"/>
-              <a:t> </a:t>
+              <a:rPr lang="en-US" sz="2000" dirty="0"/>
+              <a:t>Independent Variables: Time of day, month, destination, carrier, weekday</a:t>
+            </a:r>
+          </a:p>
+          <a:p>
+            <a:pPr marL="285750" indent="-285750">
+              <a:buFont typeface="Arial" panose="020B0604020202020204" pitchFamily="34" charset="0"/>
+              <a:buChar char="•"/>
+            </a:pPr>
+            <a:r>
+              <a:rPr lang="en-US" sz="2000" dirty="0"/>
+              <a:t>Models: Linear Regression, CART, Random Forest</a:t>
+            </a:r>
+          </a:p>
+          <a:p>
+            <a:pPr marL="285750" indent="-285750">
+              <a:buFont typeface="Arial" panose="020B0604020202020204" pitchFamily="34" charset="0"/>
+              <a:buChar char="•"/>
+            </a:pPr>
+            <a:r>
+              <a:rPr lang="en-US" sz="2000" dirty="0"/>
+              <a:t>…</a:t>
             </a:r>
           </a:p>
         </p:txBody>
@@ -5489,7 +5565,7 @@
           <p:nvPr>
             <p:extLst>
               <p:ext uri="{D42A27DB-BD31-4B8C-83A1-F6EECF244321}">
-                <p14:modId xmlns:p14="http://schemas.microsoft.com/office/powerpoint/2010/main" val="1176239230"/>
+                <p14:modId xmlns:p14="http://schemas.microsoft.com/office/powerpoint/2010/main" val="3376958133"/>
               </p:ext>
             </p:extLst>
           </p:nvPr>
@@ -5505,35 +5581,35 @@
                 <a:tableStyleId>{5C22544A-7EE6-4342-B048-85BDC9FD1C3A}</a:tableStyleId>
               </a:tblPr>
               <a:tblGrid>
-                <a:gridCol w="1604117">
+                <a:gridCol w="1756517">
                   <a:extLst>
                     <a:ext uri="{9D8B030D-6E8A-4147-A177-3AD203B41FA5}">
                       <a16:colId xmlns:a16="http://schemas.microsoft.com/office/drawing/2014/main" val="290372433"/>
                     </a:ext>
                   </a:extLst>
                 </a:gridCol>
-                <a:gridCol w="838200">
+                <a:gridCol w="685800">
                   <a:extLst>
                     <a:ext uri="{9D8B030D-6E8A-4147-A177-3AD203B41FA5}">
                       <a16:colId xmlns:a16="http://schemas.microsoft.com/office/drawing/2014/main" val="2616620708"/>
                     </a:ext>
                   </a:extLst>
                 </a:gridCol>
-                <a:gridCol w="838200">
+                <a:gridCol w="914400">
                   <a:extLst>
                     <a:ext uri="{9D8B030D-6E8A-4147-A177-3AD203B41FA5}">
                       <a16:colId xmlns:a16="http://schemas.microsoft.com/office/drawing/2014/main" val="2870319217"/>
                     </a:ext>
                   </a:extLst>
                 </a:gridCol>
-                <a:gridCol w="838200">
+                <a:gridCol w="914400">
                   <a:extLst>
                     <a:ext uri="{9D8B030D-6E8A-4147-A177-3AD203B41FA5}">
                       <a16:colId xmlns:a16="http://schemas.microsoft.com/office/drawing/2014/main" val="1757304168"/>
                     </a:ext>
                   </a:extLst>
                 </a:gridCol>
-                <a:gridCol w="1068290">
+                <a:gridCol w="915890">
                   <a:extLst>
                     <a:ext uri="{9D8B030D-6E8A-4147-A177-3AD203B41FA5}">
                       <a16:colId xmlns:a16="http://schemas.microsoft.com/office/drawing/2014/main" val="2875546430"/>
@@ -5549,7 +5625,7 @@
                     <a:p>
                       <a:pPr algn="ctr" rtl="0" fontAlgn="ctr"/>
                       <a:r>
-                        <a:rPr lang="en-US" sz="1200" b="1" u="none" strike="noStrike" dirty="0">
+                        <a:rPr lang="en-US" sz="1400" b="1" u="none" strike="noStrike" dirty="0">
                           <a:solidFill>
                             <a:schemeClr val="bg1"/>
                           </a:solidFill>
@@ -5557,7 +5633,7 @@
                         </a:rPr>
                         <a:t>Time of Day</a:t>
                       </a:r>
-                      <a:endParaRPr lang="en-US" sz="1200" b="1" i="0" u="none" strike="noStrike" dirty="0">
+                      <a:endParaRPr lang="en-US" sz="1400" b="1" i="0" u="none" strike="noStrike" dirty="0">
                         <a:solidFill>
                           <a:schemeClr val="bg1"/>
                         </a:solidFill>
@@ -5579,7 +5655,7 @@
                     <a:p>
                       <a:pPr algn="ctr" rtl="0" fontAlgn="ctr"/>
                       <a:r>
-                        <a:rPr lang="en-US" sz="1200" b="1" u="none" strike="noStrike" dirty="0">
+                        <a:rPr lang="en-US" sz="1400" b="1" u="none" strike="noStrike" dirty="0">
                           <a:solidFill>
                             <a:schemeClr val="bg1"/>
                           </a:solidFill>
@@ -5587,7 +5663,7 @@
                         </a:rPr>
                         <a:t>Month</a:t>
                       </a:r>
-                      <a:endParaRPr lang="en-US" sz="1200" b="1" i="0" u="none" strike="noStrike" dirty="0">
+                      <a:endParaRPr lang="en-US" sz="1400" b="1" i="0" u="none" strike="noStrike" dirty="0">
                         <a:solidFill>
                           <a:schemeClr val="bg1"/>
                         </a:solidFill>
@@ -5609,7 +5685,7 @@
                     <a:p>
                       <a:pPr algn="ctr" rtl="0" fontAlgn="ctr"/>
                       <a:r>
-                        <a:rPr lang="en-US" sz="1200" b="1" u="none" strike="noStrike" dirty="0">
+                        <a:rPr lang="en-US" sz="1400" b="1" u="none" strike="noStrike" dirty="0">
                           <a:solidFill>
                             <a:schemeClr val="bg1"/>
                           </a:solidFill>
@@ -5617,7 +5693,7 @@
                         </a:rPr>
                         <a:t>Destination</a:t>
                       </a:r>
-                      <a:endParaRPr lang="en-US" sz="1200" b="1" i="0" u="none" strike="noStrike" dirty="0">
+                      <a:endParaRPr lang="en-US" sz="1400" b="1" i="0" u="none" strike="noStrike" dirty="0">
                         <a:solidFill>
                           <a:schemeClr val="bg1"/>
                         </a:solidFill>
@@ -5639,7 +5715,7 @@
                     <a:p>
                       <a:pPr algn="ctr" rtl="0" fontAlgn="ctr"/>
                       <a:r>
-                        <a:rPr lang="en-US" sz="1200" b="1" u="none" strike="noStrike" dirty="0">
+                        <a:rPr lang="en-US" sz="1400" b="1" u="none" strike="noStrike" dirty="0">
                           <a:solidFill>
                             <a:schemeClr val="bg1"/>
                           </a:solidFill>
@@ -5647,7 +5723,7 @@
                         </a:rPr>
                         <a:t>Carrier</a:t>
                       </a:r>
-                      <a:endParaRPr lang="en-US" sz="1200" b="1" i="0" u="none" strike="noStrike" dirty="0">
+                      <a:endParaRPr lang="en-US" sz="1400" b="1" i="0" u="none" strike="noStrike" dirty="0">
                         <a:solidFill>
                           <a:schemeClr val="bg1"/>
                         </a:solidFill>
@@ -5669,7 +5745,7 @@
                     <a:p>
                       <a:pPr algn="ctr" rtl="0" fontAlgn="ctr"/>
                       <a:r>
-                        <a:rPr lang="en-US" sz="1200" b="1" u="none" strike="noStrike" dirty="0">
+                        <a:rPr lang="en-US" sz="1400" b="1" u="none" strike="noStrike" dirty="0">
                           <a:solidFill>
                             <a:schemeClr val="bg1"/>
                           </a:solidFill>
@@ -5677,7 +5753,7 @@
                         </a:rPr>
                         <a:t>Weekday</a:t>
                       </a:r>
-                      <a:endParaRPr lang="en-US" sz="1200" b="1" i="0" u="none" strike="noStrike" dirty="0">
+                      <a:endParaRPr lang="en-US" sz="1400" b="1" i="0" u="none" strike="noStrike" dirty="0">
                         <a:solidFill>
                           <a:schemeClr val="bg1"/>
                         </a:solidFill>
@@ -5706,12 +5782,12 @@
                     <a:p>
                       <a:pPr algn="l" rtl="0" fontAlgn="ctr"/>
                       <a:r>
-                        <a:rPr lang="en-US" sz="1200" u="none" strike="noStrike" dirty="0">
+                        <a:rPr lang="en-US" sz="1400" u="none" strike="noStrike" dirty="0">
                           <a:effectLst/>
                         </a:rPr>
                         <a:t>Evening (1800-2400)</a:t>
                       </a:r>
-                      <a:endParaRPr lang="en-US" sz="1200" b="0" i="0" u="none" strike="noStrike" dirty="0">
+                      <a:endParaRPr lang="en-US" sz="1400" b="0" i="0" u="none" strike="noStrike" dirty="0">
                         <a:solidFill>
                           <a:srgbClr val="000000"/>
                         </a:solidFill>
@@ -5720,7 +5796,14 @@
                       </a:endParaRPr>
                     </a:p>
                   </a:txBody>
-                  <a:tcPr marR="9525" marT="9525" marB="0" anchor="ctr"/>
+                  <a:tcPr marR="9525" marT="9525" marB="0" anchor="ctr">
+                    <a:solidFill>
+                      <a:schemeClr val="accent2">
+                        <a:lumMod val="50000"/>
+                        <a:lumOff val="50000"/>
+                      </a:schemeClr>
+                    </a:solidFill>
+                  </a:tcPr>
                 </a:tc>
                 <a:tc>
                   <a:txBody>
@@ -5729,12 +5812,12 @@
                     <a:p>
                       <a:pPr algn="l" rtl="0" fontAlgn="ctr"/>
                       <a:r>
-                        <a:rPr lang="en-US" sz="1200" u="none" strike="noStrike" dirty="0">
+                        <a:rPr lang="en-US" sz="1400" u="none" strike="noStrike" dirty="0">
                           <a:effectLst/>
                         </a:rPr>
                         <a:t>July</a:t>
                       </a:r>
-                      <a:endParaRPr lang="en-US" sz="1200" b="0" i="0" u="none" strike="noStrike" dirty="0">
+                      <a:endParaRPr lang="en-US" sz="1400" b="0" i="0" u="none" strike="noStrike" dirty="0">
                         <a:solidFill>
                           <a:srgbClr val="000000"/>
                         </a:solidFill>
@@ -5743,7 +5826,14 @@
                       </a:endParaRPr>
                     </a:p>
                   </a:txBody>
-                  <a:tcPr marR="9525" marT="9525" marB="0" anchor="ctr"/>
+                  <a:tcPr marR="9525" marT="9525" marB="0" anchor="ctr">
+                    <a:solidFill>
+                      <a:schemeClr val="accent2">
+                        <a:lumMod val="50000"/>
+                        <a:lumOff val="50000"/>
+                      </a:schemeClr>
+                    </a:solidFill>
+                  </a:tcPr>
                 </a:tc>
                 <a:tc>
                   <a:txBody>
@@ -5752,12 +5842,12 @@
                     <a:p>
                       <a:pPr algn="l" rtl="0" fontAlgn="ctr"/>
                       <a:r>
-                        <a:rPr lang="en-US" sz="1200" u="none" strike="noStrike" dirty="0">
+                        <a:rPr lang="en-US" sz="1400" u="none" strike="noStrike" dirty="0">
                           <a:effectLst/>
                         </a:rPr>
                         <a:t>MSN</a:t>
                       </a:r>
-                      <a:endParaRPr lang="en-US" sz="1200" b="0" i="0" u="none" strike="noStrike" dirty="0">
+                      <a:endParaRPr lang="en-US" sz="1400" b="0" i="0" u="none" strike="noStrike" dirty="0">
                         <a:solidFill>
                           <a:srgbClr val="000000"/>
                         </a:solidFill>
@@ -5766,7 +5856,14 @@
                       </a:endParaRPr>
                     </a:p>
                   </a:txBody>
-                  <a:tcPr marR="9525" marT="9525" marB="0" anchor="ctr"/>
+                  <a:tcPr marR="9525" marT="9525" marB="0" anchor="ctr">
+                    <a:solidFill>
+                      <a:schemeClr val="accent2">
+                        <a:lumMod val="50000"/>
+                        <a:lumOff val="50000"/>
+                      </a:schemeClr>
+                    </a:solidFill>
+                  </a:tcPr>
                 </a:tc>
                 <a:tc>
                   <a:txBody>
@@ -5775,12 +5872,12 @@
                     <a:p>
                       <a:pPr algn="l" rtl="0" fontAlgn="ctr"/>
                       <a:r>
-                        <a:rPr lang="en-US" sz="1200" u="none" strike="noStrike" dirty="0">
+                        <a:rPr lang="en-US" sz="1400" u="none" strike="noStrike" dirty="0">
                           <a:effectLst/>
                         </a:rPr>
                         <a:t>Express Jet</a:t>
                       </a:r>
-                      <a:endParaRPr lang="en-US" sz="1200" b="0" i="0" u="none" strike="noStrike" dirty="0">
+                      <a:endParaRPr lang="en-US" sz="1400" b="0" i="0" u="none" strike="noStrike" dirty="0">
                         <a:solidFill>
                           <a:srgbClr val="000000"/>
                         </a:solidFill>
@@ -5789,7 +5886,14 @@
                       </a:endParaRPr>
                     </a:p>
                   </a:txBody>
-                  <a:tcPr marR="9525" marT="9525" marB="0" anchor="ctr"/>
+                  <a:tcPr marR="9525" marT="9525" marB="0" anchor="ctr">
+                    <a:solidFill>
+                      <a:schemeClr val="accent2">
+                        <a:lumMod val="50000"/>
+                        <a:lumOff val="50000"/>
+                      </a:schemeClr>
+                    </a:solidFill>
+                  </a:tcPr>
                 </a:tc>
                 <a:tc>
                   <a:txBody>
@@ -5798,12 +5902,12 @@
                     <a:p>
                       <a:pPr algn="l" rtl="0" fontAlgn="ctr"/>
                       <a:r>
-                        <a:rPr lang="en-US" sz="1200" u="none" strike="noStrike" dirty="0">
+                        <a:rPr lang="en-US" sz="1400" u="none" strike="noStrike" dirty="0" err="1">
                           <a:effectLst/>
                         </a:rPr>
-                        <a:t>Thursday</a:t>
+                        <a:t>Thur</a:t>
                       </a:r>
-                      <a:endParaRPr lang="en-US" sz="1200" b="0" i="0" u="none" strike="noStrike" dirty="0">
+                      <a:endParaRPr lang="en-US" sz="1400" b="0" i="0" u="none" strike="noStrike" dirty="0">
                         <a:solidFill>
                           <a:srgbClr val="000000"/>
                         </a:solidFill>
@@ -5812,7 +5916,14 @@
                       </a:endParaRPr>
                     </a:p>
                   </a:txBody>
-                  <a:tcPr marR="9525" marT="9525" marB="0" anchor="ctr"/>
+                  <a:tcPr marR="9525" marT="9525" marB="0" anchor="ctr">
+                    <a:solidFill>
+                      <a:schemeClr val="accent2">
+                        <a:lumMod val="50000"/>
+                        <a:lumOff val="50000"/>
+                      </a:schemeClr>
+                    </a:solidFill>
+                  </a:tcPr>
                 </a:tc>
                 <a:extLst>
                   <a:ext uri="{0D108BD9-81ED-4DB2-BD59-A6C34878D82A}">
@@ -5828,12 +5939,12 @@
                     <a:p>
                       <a:pPr algn="l" fontAlgn="t"/>
                       <a:r>
-                        <a:rPr lang="en-US" sz="1200" u="none" strike="noStrike" dirty="0">
+                        <a:rPr lang="en-US" sz="1400" u="none" strike="noStrike" dirty="0">
                           <a:effectLst/>
                         </a:rPr>
                         <a:t> </a:t>
                       </a:r>
-                      <a:endParaRPr lang="en-US" sz="1200" b="0" i="0" u="none" strike="noStrike" dirty="0">
+                      <a:endParaRPr lang="en-US" sz="1400" b="0" i="0" u="none" strike="noStrike" dirty="0">
                         <a:solidFill>
                           <a:srgbClr val="000000"/>
                         </a:solidFill>
@@ -5842,7 +5953,14 @@
                       </a:endParaRPr>
                     </a:p>
                   </a:txBody>
-                  <a:tcPr marR="9525" marT="9525" marB="0"/>
+                  <a:tcPr marR="9525" marT="9525" marB="0">
+                    <a:solidFill>
+                      <a:schemeClr val="accent2">
+                        <a:lumMod val="50000"/>
+                        <a:lumOff val="50000"/>
+                      </a:schemeClr>
+                    </a:solidFill>
+                  </a:tcPr>
                 </a:tc>
                 <a:tc>
                   <a:txBody>
@@ -5851,12 +5969,12 @@
                     <a:p>
                       <a:pPr algn="l" rtl="0" fontAlgn="ctr"/>
                       <a:r>
-                        <a:rPr lang="en-US" sz="1200" u="none" strike="noStrike" dirty="0">
+                        <a:rPr lang="en-US" sz="1400" u="none" strike="noStrike" dirty="0">
                           <a:effectLst/>
                         </a:rPr>
                         <a:t>June</a:t>
                       </a:r>
-                      <a:endParaRPr lang="en-US" sz="1200" b="0" i="0" u="none" strike="noStrike" dirty="0">
+                      <a:endParaRPr lang="en-US" sz="1400" b="0" i="0" u="none" strike="noStrike" dirty="0">
                         <a:solidFill>
                           <a:srgbClr val="000000"/>
                         </a:solidFill>
@@ -5865,7 +5983,14 @@
                       </a:endParaRPr>
                     </a:p>
                   </a:txBody>
-                  <a:tcPr marR="9525" marT="9525" marB="0" anchor="ctr"/>
+                  <a:tcPr marR="9525" marT="9525" marB="0" anchor="ctr">
+                    <a:solidFill>
+                      <a:schemeClr val="accent2">
+                        <a:lumMod val="50000"/>
+                        <a:lumOff val="50000"/>
+                      </a:schemeClr>
+                    </a:solidFill>
+                  </a:tcPr>
                 </a:tc>
                 <a:tc>
                   <a:txBody>
@@ -5874,12 +5999,12 @@
                     <a:p>
                       <a:pPr algn="l" rtl="0" fontAlgn="ctr"/>
                       <a:r>
-                        <a:rPr lang="en-US" sz="1200" u="none" strike="noStrike" dirty="0">
+                        <a:rPr lang="en-US" sz="1400" u="none" strike="noStrike" dirty="0">
                           <a:effectLst/>
                         </a:rPr>
                         <a:t>PDX</a:t>
                       </a:r>
-                      <a:endParaRPr lang="en-US" sz="1200" b="0" i="0" u="none" strike="noStrike" dirty="0">
+                      <a:endParaRPr lang="en-US" sz="1400" b="0" i="0" u="none" strike="noStrike" dirty="0">
                         <a:solidFill>
                           <a:srgbClr val="000000"/>
                         </a:solidFill>
@@ -5888,7 +6013,14 @@
                       </a:endParaRPr>
                     </a:p>
                   </a:txBody>
-                  <a:tcPr marR="9525" marT="9525" marB="0" anchor="ctr"/>
+                  <a:tcPr marR="9525" marT="9525" marB="0" anchor="ctr">
+                    <a:solidFill>
+                      <a:schemeClr val="accent2">
+                        <a:lumMod val="50000"/>
+                        <a:lumOff val="50000"/>
+                      </a:schemeClr>
+                    </a:solidFill>
+                  </a:tcPr>
                 </a:tc>
                 <a:tc>
                   <a:txBody>
@@ -5897,12 +6029,12 @@
                     <a:p>
                       <a:pPr algn="l" rtl="0" fontAlgn="ctr"/>
                       <a:r>
-                        <a:rPr lang="en-US" sz="1200" u="none" strike="noStrike" dirty="0">
+                        <a:rPr lang="en-US" sz="1400" u="none" strike="noStrike" dirty="0">
                           <a:effectLst/>
                         </a:rPr>
                         <a:t>Jet Blue</a:t>
                       </a:r>
-                      <a:endParaRPr lang="en-US" sz="1200" b="0" i="0" u="none" strike="noStrike" dirty="0">
+                      <a:endParaRPr lang="en-US" sz="1400" b="0" i="0" u="none" strike="noStrike" dirty="0">
                         <a:solidFill>
                           <a:srgbClr val="000000"/>
                         </a:solidFill>
@@ -5911,7 +6043,14 @@
                       </a:endParaRPr>
                     </a:p>
                   </a:txBody>
-                  <a:tcPr marR="9525" marT="9525" marB="0" anchor="ctr"/>
+                  <a:tcPr marR="9525" marT="9525" marB="0" anchor="ctr">
+                    <a:solidFill>
+                      <a:schemeClr val="accent2">
+                        <a:lumMod val="50000"/>
+                        <a:lumOff val="50000"/>
+                      </a:schemeClr>
+                    </a:solidFill>
+                  </a:tcPr>
                 </a:tc>
                 <a:tc>
                   <a:txBody>
@@ -5920,12 +6059,12 @@
                     <a:p>
                       <a:pPr algn="l" rtl="0" fontAlgn="ctr"/>
                       <a:r>
-                        <a:rPr lang="en-US" sz="1200" u="none" strike="noStrike">
+                        <a:rPr lang="en-US" sz="1400" u="none" strike="noStrike" dirty="0">
                           <a:effectLst/>
                         </a:rPr>
-                        <a:t>Friday</a:t>
+                        <a:t>Fri</a:t>
                       </a:r>
-                      <a:endParaRPr lang="en-US" sz="1200" b="0" i="0" u="none" strike="noStrike">
+                      <a:endParaRPr lang="en-US" sz="1400" b="0" i="0" u="none" strike="noStrike" dirty="0">
                         <a:solidFill>
                           <a:srgbClr val="000000"/>
                         </a:solidFill>
@@ -5934,7 +6073,14 @@
                       </a:endParaRPr>
                     </a:p>
                   </a:txBody>
-                  <a:tcPr marR="9525" marT="9525" marB="0" anchor="ctr"/>
+                  <a:tcPr marR="9525" marT="9525" marB="0" anchor="ctr">
+                    <a:solidFill>
+                      <a:schemeClr val="accent2">
+                        <a:lumMod val="50000"/>
+                        <a:lumOff val="50000"/>
+                      </a:schemeClr>
+                    </a:solidFill>
+                  </a:tcPr>
                 </a:tc>
                 <a:extLst>
                   <a:ext uri="{0D108BD9-81ED-4DB2-BD59-A6C34878D82A}">
@@ -5950,12 +6096,12 @@
                     <a:p>
                       <a:pPr algn="l" fontAlgn="t"/>
                       <a:r>
-                        <a:rPr lang="en-US" sz="1200" u="none" strike="noStrike" dirty="0">
+                        <a:rPr lang="en-US" sz="1400" u="none" strike="noStrike" dirty="0">
                           <a:effectLst/>
                         </a:rPr>
                         <a:t> </a:t>
                       </a:r>
-                      <a:endParaRPr lang="en-US" sz="1200" b="0" i="0" u="none" strike="noStrike" dirty="0">
+                      <a:endParaRPr lang="en-US" sz="1400" b="0" i="0" u="none" strike="noStrike" dirty="0">
                         <a:solidFill>
                           <a:srgbClr val="000000"/>
                         </a:solidFill>
@@ -5964,7 +6110,14 @@
                       </a:endParaRPr>
                     </a:p>
                   </a:txBody>
-                  <a:tcPr marR="9525" marT="9525" marB="0"/>
+                  <a:tcPr marR="9525" marT="9525" marB="0">
+                    <a:solidFill>
+                      <a:schemeClr val="accent2">
+                        <a:lumMod val="50000"/>
+                        <a:lumOff val="50000"/>
+                      </a:schemeClr>
+                    </a:solidFill>
+                  </a:tcPr>
                 </a:tc>
                 <a:tc>
                   <a:txBody>
@@ -5973,12 +6126,12 @@
                     <a:p>
                       <a:pPr algn="l" rtl="0" fontAlgn="ctr"/>
                       <a:r>
-                        <a:rPr lang="en-US" sz="1200" u="none" strike="noStrike" dirty="0">
+                        <a:rPr lang="en-US" sz="1400" u="none" strike="noStrike" dirty="0">
                           <a:effectLst/>
                         </a:rPr>
-                        <a:t>August</a:t>
+                        <a:t>Aug</a:t>
                       </a:r>
-                      <a:endParaRPr lang="en-US" sz="1200" b="0" i="0" u="none" strike="noStrike" dirty="0">
+                      <a:endParaRPr lang="en-US" sz="1400" b="0" i="0" u="none" strike="noStrike" dirty="0">
                         <a:solidFill>
                           <a:srgbClr val="000000"/>
                         </a:solidFill>
@@ -5987,7 +6140,14 @@
                       </a:endParaRPr>
                     </a:p>
                   </a:txBody>
-                  <a:tcPr marR="9525" marT="9525" marB="0" anchor="ctr"/>
+                  <a:tcPr marR="9525" marT="9525" marB="0" anchor="ctr">
+                    <a:solidFill>
+                      <a:schemeClr val="accent2">
+                        <a:lumMod val="50000"/>
+                        <a:lumOff val="50000"/>
+                      </a:schemeClr>
+                    </a:solidFill>
+                  </a:tcPr>
                 </a:tc>
                 <a:tc>
                   <a:txBody>
@@ -5996,12 +6156,12 @@
                     <a:p>
                       <a:pPr algn="l" rtl="0" fontAlgn="ctr"/>
                       <a:r>
-                        <a:rPr lang="en-US" sz="1200" u="none" strike="noStrike" dirty="0">
+                        <a:rPr lang="en-US" sz="1400" u="none" strike="noStrike" dirty="0">
                           <a:effectLst/>
                         </a:rPr>
                         <a:t>SYR</a:t>
                       </a:r>
-                      <a:endParaRPr lang="en-US" sz="1200" b="0" i="0" u="none" strike="noStrike" dirty="0">
+                      <a:endParaRPr lang="en-US" sz="1400" b="0" i="0" u="none" strike="noStrike" dirty="0">
                         <a:solidFill>
                           <a:srgbClr val="000000"/>
                         </a:solidFill>
@@ -6010,7 +6170,14 @@
                       </a:endParaRPr>
                     </a:p>
                   </a:txBody>
-                  <a:tcPr marR="9525" marT="9525" marB="0" anchor="ctr"/>
+                  <a:tcPr marR="9525" marT="9525" marB="0" anchor="ctr">
+                    <a:solidFill>
+                      <a:schemeClr val="accent2">
+                        <a:lumMod val="50000"/>
+                        <a:lumOff val="50000"/>
+                      </a:schemeClr>
+                    </a:solidFill>
+                  </a:tcPr>
                 </a:tc>
                 <a:tc>
                   <a:txBody>
@@ -6019,12 +6186,12 @@
                     <a:p>
                       <a:pPr algn="l" fontAlgn="t"/>
                       <a:r>
-                        <a:rPr lang="en-US" sz="1200" u="none" strike="noStrike" dirty="0">
+                        <a:rPr lang="en-US" sz="1400" u="none" strike="noStrike" dirty="0">
                           <a:effectLst/>
                         </a:rPr>
                         <a:t> </a:t>
                       </a:r>
-                      <a:endParaRPr lang="en-US" sz="1200" b="0" i="0" u="none" strike="noStrike" dirty="0">
+                      <a:endParaRPr lang="en-US" sz="1400" b="0" i="0" u="none" strike="noStrike" dirty="0">
                         <a:solidFill>
                           <a:srgbClr val="000000"/>
                         </a:solidFill>
@@ -6033,7 +6200,14 @@
                       </a:endParaRPr>
                     </a:p>
                   </a:txBody>
-                  <a:tcPr marR="9525" marT="9525" marB="0"/>
+                  <a:tcPr marR="9525" marT="9525" marB="0">
+                    <a:solidFill>
+                      <a:schemeClr val="accent2">
+                        <a:lumMod val="50000"/>
+                        <a:lumOff val="50000"/>
+                      </a:schemeClr>
+                    </a:solidFill>
+                  </a:tcPr>
                 </a:tc>
                 <a:tc>
                   <a:txBody>
@@ -6042,12 +6216,12 @@
                     <a:p>
                       <a:pPr algn="l" rtl="0" fontAlgn="ctr"/>
                       <a:r>
-                        <a:rPr lang="en-US" sz="1200" u="none" strike="noStrike">
+                        <a:rPr lang="en-US" sz="1400" u="none" strike="noStrike" dirty="0">
                           <a:effectLst/>
                         </a:rPr>
                         <a:t> </a:t>
                       </a:r>
-                      <a:endParaRPr lang="en-US" sz="1200" b="0" i="0" u="none" strike="noStrike">
+                      <a:endParaRPr lang="en-US" sz="1400" b="0" i="0" u="none" strike="noStrike" dirty="0">
                         <a:solidFill>
                           <a:srgbClr val="000000"/>
                         </a:solidFill>
@@ -6056,7 +6230,14 @@
                       </a:endParaRPr>
                     </a:p>
                   </a:txBody>
-                  <a:tcPr marR="9525" marT="9525" marB="0" anchor="ctr"/>
+                  <a:tcPr marR="9525" marT="9525" marB="0" anchor="ctr">
+                    <a:solidFill>
+                      <a:schemeClr val="accent2">
+                        <a:lumMod val="50000"/>
+                        <a:lumOff val="50000"/>
+                      </a:schemeClr>
+                    </a:solidFill>
+                  </a:tcPr>
                 </a:tc>
                 <a:extLst>
                   <a:ext uri="{0D108BD9-81ED-4DB2-BD59-A6C34878D82A}">
@@ -6072,12 +6253,12 @@
                     <a:p>
                       <a:pPr algn="l" fontAlgn="t"/>
                       <a:r>
-                        <a:rPr lang="en-US" sz="1200" u="none" strike="noStrike">
+                        <a:rPr lang="en-US" sz="1400" u="none" strike="noStrike" dirty="0">
                           <a:effectLst/>
                         </a:rPr>
                         <a:t> </a:t>
                       </a:r>
-                      <a:endParaRPr lang="en-US" sz="1200" b="0" i="0" u="none" strike="noStrike">
+                      <a:endParaRPr lang="en-US" sz="1400" b="0" i="0" u="none" strike="noStrike" dirty="0">
                         <a:solidFill>
                           <a:srgbClr val="000000"/>
                         </a:solidFill>
@@ -6086,7 +6267,14 @@
                       </a:endParaRPr>
                     </a:p>
                   </a:txBody>
-                  <a:tcPr marR="9525" marT="9525" marB="0"/>
+                  <a:tcPr marR="9525" marT="9525" marB="0">
+                    <a:solidFill>
+                      <a:schemeClr val="accent2">
+                        <a:lumMod val="50000"/>
+                        <a:lumOff val="50000"/>
+                      </a:schemeClr>
+                    </a:solidFill>
+                  </a:tcPr>
                 </a:tc>
                 <a:tc>
                   <a:txBody>
@@ -6095,12 +6283,12 @@
                     <a:p>
                       <a:pPr algn="l" rtl="0" fontAlgn="ctr"/>
                       <a:r>
-                        <a:rPr lang="en-US" sz="1200" u="none" strike="noStrike" dirty="0">
+                        <a:rPr lang="en-US" sz="1400" u="none" strike="noStrike" dirty="0">
                           <a:effectLst/>
                         </a:rPr>
-                        <a:t>December</a:t>
+                        <a:t>Dec</a:t>
                       </a:r>
-                      <a:endParaRPr lang="en-US" sz="1200" b="0" i="0" u="none" strike="noStrike" dirty="0">
+                      <a:endParaRPr lang="en-US" sz="1400" b="0" i="0" u="none" strike="noStrike" dirty="0">
                         <a:solidFill>
                           <a:srgbClr val="000000"/>
                         </a:solidFill>
@@ -6109,7 +6297,14 @@
                       </a:endParaRPr>
                     </a:p>
                   </a:txBody>
-                  <a:tcPr marR="9525" marT="9525" marB="0" anchor="ctr"/>
+                  <a:tcPr marR="9525" marT="9525" marB="0" anchor="ctr">
+                    <a:solidFill>
+                      <a:schemeClr val="accent2">
+                        <a:lumMod val="50000"/>
+                        <a:lumOff val="50000"/>
+                      </a:schemeClr>
+                    </a:solidFill>
+                  </a:tcPr>
                 </a:tc>
                 <a:tc>
                   <a:txBody>
@@ -6118,12 +6313,12 @@
                     <a:p>
                       <a:pPr algn="l" rtl="0" fontAlgn="ctr"/>
                       <a:r>
-                        <a:rPr lang="en-US" sz="1200" u="none" strike="noStrike" dirty="0">
+                        <a:rPr lang="en-US" sz="1400" u="none" strike="noStrike" dirty="0">
                           <a:effectLst/>
                         </a:rPr>
                         <a:t>SAN</a:t>
                       </a:r>
-                      <a:endParaRPr lang="en-US" sz="1200" b="0" i="0" u="none" strike="noStrike" dirty="0">
+                      <a:endParaRPr lang="en-US" sz="1400" b="0" i="0" u="none" strike="noStrike" dirty="0">
                         <a:solidFill>
                           <a:srgbClr val="000000"/>
                         </a:solidFill>
@@ -6132,7 +6327,14 @@
                       </a:endParaRPr>
                     </a:p>
                   </a:txBody>
-                  <a:tcPr marR="9525" marT="9525" marB="0" anchor="ctr"/>
+                  <a:tcPr marR="9525" marT="9525" marB="0" anchor="ctr">
+                    <a:solidFill>
+                      <a:schemeClr val="accent2">
+                        <a:lumMod val="50000"/>
+                        <a:lumOff val="50000"/>
+                      </a:schemeClr>
+                    </a:solidFill>
+                  </a:tcPr>
                 </a:tc>
                 <a:tc>
                   <a:txBody>
@@ -6141,12 +6343,12 @@
                     <a:p>
                       <a:pPr algn="l" rtl="0" fontAlgn="ctr"/>
                       <a:r>
-                        <a:rPr lang="en-US" sz="1200" u="none" strike="noStrike" dirty="0">
+                        <a:rPr lang="en-US" sz="1400" u="none" strike="noStrike" dirty="0">
                           <a:effectLst/>
                         </a:rPr>
                         <a:t>United</a:t>
                       </a:r>
-                      <a:endParaRPr lang="en-US" sz="1200" b="0" i="0" u="none" strike="noStrike" dirty="0">
+                      <a:endParaRPr lang="en-US" sz="1400" b="0" i="0" u="none" strike="noStrike" dirty="0">
                         <a:solidFill>
                           <a:srgbClr val="000000"/>
                         </a:solidFill>
@@ -6155,7 +6357,14 @@
                       </a:endParaRPr>
                     </a:p>
                   </a:txBody>
-                  <a:tcPr marR="9525" marT="9525" marB="0" anchor="ctr"/>
+                  <a:tcPr marR="9525" marT="9525" marB="0" anchor="ctr">
+                    <a:solidFill>
+                      <a:schemeClr val="accent2">
+                        <a:lumMod val="50000"/>
+                        <a:lumOff val="50000"/>
+                      </a:schemeClr>
+                    </a:solidFill>
+                  </a:tcPr>
                 </a:tc>
                 <a:tc>
                   <a:txBody>
@@ -6164,12 +6373,12 @@
                     <a:p>
                       <a:pPr algn="l" rtl="0" fontAlgn="ctr"/>
                       <a:r>
-                        <a:rPr lang="en-US" sz="1200" u="none" strike="noStrike" dirty="0">
+                        <a:rPr lang="en-US" sz="1400" u="none" strike="noStrike" dirty="0">
                           <a:effectLst/>
                         </a:rPr>
-                        <a:t>Monday</a:t>
+                        <a:t>Mon</a:t>
                       </a:r>
-                      <a:endParaRPr lang="en-US" sz="1200" b="0" i="0" u="none" strike="noStrike" dirty="0">
+                      <a:endParaRPr lang="en-US" sz="1400" b="0" i="0" u="none" strike="noStrike" dirty="0">
                         <a:solidFill>
                           <a:srgbClr val="000000"/>
                         </a:solidFill>
@@ -6178,7 +6387,14 @@
                       </a:endParaRPr>
                     </a:p>
                   </a:txBody>
-                  <a:tcPr marR="9525" marT="9525" marB="0" anchor="ctr"/>
+                  <a:tcPr marR="9525" marT="9525" marB="0" anchor="ctr">
+                    <a:solidFill>
+                      <a:schemeClr val="accent2">
+                        <a:lumMod val="50000"/>
+                        <a:lumOff val="50000"/>
+                      </a:schemeClr>
+                    </a:solidFill>
+                  </a:tcPr>
                 </a:tc>
                 <a:extLst>
                   <a:ext uri="{0D108BD9-81ED-4DB2-BD59-A6C34878D82A}">
@@ -6194,12 +6410,12 @@
                     <a:p>
                       <a:pPr algn="l" rtl="0" fontAlgn="ctr"/>
                       <a:r>
-                        <a:rPr lang="en-US" sz="1200" u="none" strike="noStrike">
+                        <a:rPr lang="en-US" sz="1400" u="none" strike="noStrike" dirty="0">
                           <a:effectLst/>
                         </a:rPr>
                         <a:t>Afternoon (1200-1800)</a:t>
                       </a:r>
-                      <a:endParaRPr lang="en-US" sz="1200" b="0" i="0" u="none" strike="noStrike">
+                      <a:endParaRPr lang="en-US" sz="1400" b="0" i="0" u="none" strike="noStrike" dirty="0">
                         <a:solidFill>
                           <a:srgbClr val="000000"/>
                         </a:solidFill>
@@ -6208,7 +6424,14 @@
                       </a:endParaRPr>
                     </a:p>
                   </a:txBody>
-                  <a:tcPr marR="9525" marT="9525" marB="0" anchor="ctr"/>
+                  <a:tcPr marR="9525" marT="9525" marB="0" anchor="ctr">
+                    <a:solidFill>
+                      <a:schemeClr val="accent2">
+                        <a:lumMod val="25000"/>
+                        <a:lumOff val="75000"/>
+                      </a:schemeClr>
+                    </a:solidFill>
+                  </a:tcPr>
                 </a:tc>
                 <a:tc>
                   <a:txBody>
@@ -6217,12 +6440,12 @@
                     <a:p>
                       <a:pPr algn="l" rtl="0" fontAlgn="ctr"/>
                       <a:r>
-                        <a:rPr lang="en-US" sz="1200" u="none" strike="noStrike">
+                        <a:rPr lang="en-US" sz="1400" u="none" strike="noStrike" dirty="0">
                           <a:effectLst/>
                         </a:rPr>
-                        <a:t>February</a:t>
+                        <a:t>Feb</a:t>
                       </a:r>
-                      <a:endParaRPr lang="en-US" sz="1200" b="0" i="0" u="none" strike="noStrike">
+                      <a:endParaRPr lang="en-US" sz="1400" b="0" i="0" u="none" strike="noStrike" dirty="0">
                         <a:solidFill>
                           <a:srgbClr val="000000"/>
                         </a:solidFill>
@@ -6231,7 +6454,14 @@
                       </a:endParaRPr>
                     </a:p>
                   </a:txBody>
-                  <a:tcPr marR="9525" marT="9525" marB="0" anchor="ctr"/>
+                  <a:tcPr marR="9525" marT="9525" marB="0" anchor="ctr">
+                    <a:solidFill>
+                      <a:schemeClr val="accent2">
+                        <a:lumMod val="25000"/>
+                        <a:lumOff val="75000"/>
+                      </a:schemeClr>
+                    </a:solidFill>
+                  </a:tcPr>
                 </a:tc>
                 <a:tc>
                   <a:txBody>
@@ -6240,12 +6470,12 @@
                     <a:p>
                       <a:pPr algn="l" rtl="0" fontAlgn="ctr"/>
                       <a:r>
-                        <a:rPr lang="en-US" sz="1200" u="none" strike="noStrike" dirty="0">
+                        <a:rPr lang="en-US" sz="1400" u="none" strike="noStrike" dirty="0">
                           <a:effectLst/>
                         </a:rPr>
                         <a:t>.</a:t>
                       </a:r>
-                      <a:endParaRPr lang="en-US" sz="1200" b="0" i="0" u="none" strike="noStrike" dirty="0">
+                      <a:endParaRPr lang="en-US" sz="1400" b="0" i="0" u="none" strike="noStrike" dirty="0">
                         <a:solidFill>
                           <a:srgbClr val="000000"/>
                         </a:solidFill>
@@ -6254,7 +6484,14 @@
                       </a:endParaRPr>
                     </a:p>
                   </a:txBody>
-                  <a:tcPr marR="9525" marT="9525" marB="0" anchor="ctr"/>
+                  <a:tcPr marR="9525" marT="9525" marB="0" anchor="ctr">
+                    <a:solidFill>
+                      <a:schemeClr val="accent2">
+                        <a:lumMod val="25000"/>
+                        <a:lumOff val="75000"/>
+                      </a:schemeClr>
+                    </a:solidFill>
+                  </a:tcPr>
                 </a:tc>
                 <a:tc>
                   <a:txBody>
@@ -6263,12 +6500,12 @@
                     <a:p>
                       <a:pPr algn="l" fontAlgn="t"/>
                       <a:r>
-                        <a:rPr lang="en-US" sz="1200" u="none" strike="noStrike" dirty="0">
+                        <a:rPr lang="en-US" sz="1400" u="none" strike="noStrike" dirty="0">
                           <a:effectLst/>
                         </a:rPr>
                         <a:t> </a:t>
                       </a:r>
-                      <a:endParaRPr lang="en-US" sz="1200" b="0" i="0" u="none" strike="noStrike" dirty="0">
+                      <a:endParaRPr lang="en-US" sz="1400" b="0" i="0" u="none" strike="noStrike" dirty="0">
                         <a:solidFill>
                           <a:srgbClr val="000000"/>
                         </a:solidFill>
@@ -6277,7 +6514,14 @@
                       </a:endParaRPr>
                     </a:p>
                   </a:txBody>
-                  <a:tcPr marR="9525" marT="9525" marB="0"/>
+                  <a:tcPr marR="9525" marT="9525" marB="0">
+                    <a:solidFill>
+                      <a:schemeClr val="accent2">
+                        <a:lumMod val="25000"/>
+                        <a:lumOff val="75000"/>
+                      </a:schemeClr>
+                    </a:solidFill>
+                  </a:tcPr>
                 </a:tc>
                 <a:tc>
                   <a:txBody>
@@ -6286,12 +6530,12 @@
                     <a:p>
                       <a:pPr algn="l" rtl="0" fontAlgn="ctr"/>
                       <a:r>
-                        <a:rPr lang="en-US" sz="1200" u="none" strike="noStrike" dirty="0">
+                        <a:rPr lang="en-US" sz="1400" u="none" strike="noStrike" dirty="0">
                           <a:effectLst/>
                         </a:rPr>
                         <a:t> </a:t>
                       </a:r>
-                      <a:endParaRPr lang="en-US" sz="1200" b="0" i="0" u="none" strike="noStrike" dirty="0">
+                      <a:endParaRPr lang="en-US" sz="1400" b="0" i="0" u="none" strike="noStrike" dirty="0">
                         <a:solidFill>
                           <a:srgbClr val="000000"/>
                         </a:solidFill>
@@ -6300,7 +6544,14 @@
                       </a:endParaRPr>
                     </a:p>
                   </a:txBody>
-                  <a:tcPr marR="9525" marT="9525" marB="0" anchor="ctr"/>
+                  <a:tcPr marR="9525" marT="9525" marB="0" anchor="ctr">
+                    <a:solidFill>
+                      <a:schemeClr val="accent2">
+                        <a:lumMod val="25000"/>
+                        <a:lumOff val="75000"/>
+                      </a:schemeClr>
+                    </a:solidFill>
+                  </a:tcPr>
                 </a:tc>
                 <a:extLst>
                   <a:ext uri="{0D108BD9-81ED-4DB2-BD59-A6C34878D82A}">
@@ -6316,12 +6567,12 @@
                     <a:p>
                       <a:pPr algn="l" fontAlgn="t"/>
                       <a:r>
-                        <a:rPr lang="en-US" sz="1200" u="none" strike="noStrike">
+                        <a:rPr lang="en-US" sz="1400" u="none" strike="noStrike" dirty="0">
                           <a:effectLst/>
                         </a:rPr>
                         <a:t> </a:t>
                       </a:r>
-                      <a:endParaRPr lang="en-US" sz="1200" b="0" i="0" u="none" strike="noStrike">
+                      <a:endParaRPr lang="en-US" sz="1400" b="0" i="0" u="none" strike="noStrike" dirty="0">
                         <a:solidFill>
                           <a:srgbClr val="000000"/>
                         </a:solidFill>
@@ -6330,7 +6581,14 @@
                       </a:endParaRPr>
                     </a:p>
                   </a:txBody>
-                  <a:tcPr marR="9525" marT="9525" marB="0"/>
+                  <a:tcPr marR="9525" marT="9525" marB="0">
+                    <a:solidFill>
+                      <a:schemeClr val="accent2">
+                        <a:lumMod val="25000"/>
+                        <a:lumOff val="75000"/>
+                      </a:schemeClr>
+                    </a:solidFill>
+                  </a:tcPr>
                 </a:tc>
                 <a:tc>
                   <a:txBody>
@@ -6339,12 +6597,12 @@
                     <a:p>
                       <a:pPr algn="l" rtl="0" fontAlgn="ctr"/>
                       <a:r>
-                        <a:rPr lang="en-US" sz="1200" u="none" strike="noStrike" dirty="0">
+                        <a:rPr lang="en-US" sz="1400" u="none" strike="noStrike" dirty="0">
                           <a:effectLst/>
                         </a:rPr>
                         <a:t>May</a:t>
                       </a:r>
-                      <a:endParaRPr lang="en-US" sz="1200" b="0" i="0" u="none" strike="noStrike" dirty="0">
+                      <a:endParaRPr lang="en-US" sz="1400" b="0" i="0" u="none" strike="noStrike" dirty="0">
                         <a:solidFill>
                           <a:srgbClr val="000000"/>
                         </a:solidFill>
@@ -6353,7 +6611,14 @@
                       </a:endParaRPr>
                     </a:p>
                   </a:txBody>
-                  <a:tcPr marR="9525" marT="9525" marB="0" anchor="ctr"/>
+                  <a:tcPr marR="9525" marT="9525" marB="0" anchor="ctr">
+                    <a:solidFill>
+                      <a:schemeClr val="accent2">
+                        <a:lumMod val="25000"/>
+                        <a:lumOff val="75000"/>
+                      </a:schemeClr>
+                    </a:solidFill>
+                  </a:tcPr>
                 </a:tc>
                 <a:tc>
                   <a:txBody>
@@ -6362,12 +6627,12 @@
                     <a:p>
                       <a:pPr algn="l" rtl="0" fontAlgn="ctr"/>
                       <a:r>
-                        <a:rPr lang="en-US" sz="1200" u="none" strike="noStrike" dirty="0">
+                        <a:rPr lang="en-US" sz="1400" u="none" strike="noStrike" dirty="0">
                           <a:effectLst/>
                         </a:rPr>
                         <a:t>.</a:t>
                       </a:r>
-                      <a:endParaRPr lang="en-US" sz="1200" b="0" i="0" u="none" strike="noStrike" dirty="0">
+                      <a:endParaRPr lang="en-US" sz="1400" b="0" i="0" u="none" strike="noStrike" dirty="0">
                         <a:solidFill>
                           <a:srgbClr val="000000"/>
                         </a:solidFill>
@@ -6376,7 +6641,14 @@
                       </a:endParaRPr>
                     </a:p>
                   </a:txBody>
-                  <a:tcPr marR="9525" marT="9525" marB="0" anchor="ctr"/>
+                  <a:tcPr marR="9525" marT="9525" marB="0" anchor="ctr">
+                    <a:solidFill>
+                      <a:schemeClr val="accent2">
+                        <a:lumMod val="25000"/>
+                        <a:lumOff val="75000"/>
+                      </a:schemeClr>
+                    </a:solidFill>
+                  </a:tcPr>
                 </a:tc>
                 <a:tc>
                   <a:txBody>
@@ -6385,12 +6657,12 @@
                     <a:p>
                       <a:pPr algn="l" rtl="0" fontAlgn="ctr"/>
                       <a:r>
-                        <a:rPr lang="en-US" sz="1200" u="none" strike="noStrike" dirty="0">
+                        <a:rPr lang="en-US" sz="1400" u="none" strike="noStrike" dirty="0">
                           <a:effectLst/>
                         </a:rPr>
                         <a:t>Southwest</a:t>
                       </a:r>
-                      <a:endParaRPr lang="en-US" sz="1200" b="0" i="0" u="none" strike="noStrike" dirty="0">
+                      <a:endParaRPr lang="en-US" sz="1400" b="0" i="0" u="none" strike="noStrike" dirty="0">
                         <a:solidFill>
                           <a:srgbClr val="000000"/>
                         </a:solidFill>
@@ -6399,7 +6671,14 @@
                       </a:endParaRPr>
                     </a:p>
                   </a:txBody>
-                  <a:tcPr marR="9525" marT="9525" marB="0" anchor="ctr"/>
+                  <a:tcPr marR="9525" marT="9525" marB="0" anchor="ctr">
+                    <a:solidFill>
+                      <a:schemeClr val="accent2">
+                        <a:lumMod val="25000"/>
+                        <a:lumOff val="75000"/>
+                      </a:schemeClr>
+                    </a:solidFill>
+                  </a:tcPr>
                 </a:tc>
                 <a:tc>
                   <a:txBody>
@@ -6408,12 +6687,12 @@
                     <a:p>
                       <a:pPr algn="l" rtl="0" fontAlgn="ctr"/>
                       <a:r>
-                        <a:rPr lang="en-US" sz="1200" u="none" strike="noStrike" dirty="0">
+                        <a:rPr lang="en-US" sz="1400" u="none" strike="noStrike" dirty="0">
                           <a:effectLst/>
                         </a:rPr>
-                        <a:t>Tuesday</a:t>
+                        <a:t>Tues</a:t>
                       </a:r>
-                      <a:endParaRPr lang="en-US" sz="1200" b="0" i="0" u="none" strike="noStrike" dirty="0">
+                      <a:endParaRPr lang="en-US" sz="1400" b="0" i="0" u="none" strike="noStrike" dirty="0">
                         <a:solidFill>
                           <a:srgbClr val="000000"/>
                         </a:solidFill>
@@ -6422,7 +6701,14 @@
                       </a:endParaRPr>
                     </a:p>
                   </a:txBody>
-                  <a:tcPr marR="9525" marT="9525" marB="0" anchor="ctr"/>
+                  <a:tcPr marR="9525" marT="9525" marB="0" anchor="ctr">
+                    <a:solidFill>
+                      <a:schemeClr val="accent2">
+                        <a:lumMod val="25000"/>
+                        <a:lumOff val="75000"/>
+                      </a:schemeClr>
+                    </a:solidFill>
+                  </a:tcPr>
                 </a:tc>
                 <a:extLst>
                   <a:ext uri="{0D108BD9-81ED-4DB2-BD59-A6C34878D82A}">
@@ -6438,12 +6724,12 @@
                     <a:p>
                       <a:pPr algn="l" fontAlgn="t"/>
                       <a:r>
-                        <a:rPr lang="en-US" sz="1200" u="none" strike="noStrike">
+                        <a:rPr lang="en-US" sz="1400" u="none" strike="noStrike">
                           <a:effectLst/>
                         </a:rPr>
                         <a:t> </a:t>
                       </a:r>
-                      <a:endParaRPr lang="en-US" sz="1200" b="0" i="0" u="none" strike="noStrike">
+                      <a:endParaRPr lang="en-US" sz="1400" b="0" i="0" u="none" strike="noStrike">
                         <a:solidFill>
                           <a:srgbClr val="000000"/>
                         </a:solidFill>
@@ -6452,7 +6738,14 @@
                       </a:endParaRPr>
                     </a:p>
                   </a:txBody>
-                  <a:tcPr marR="9525" marT="9525" marB="0"/>
+                  <a:tcPr marR="9525" marT="9525" marB="0">
+                    <a:solidFill>
+                      <a:schemeClr val="accent2">
+                        <a:lumMod val="25000"/>
+                        <a:lumOff val="75000"/>
+                      </a:schemeClr>
+                    </a:solidFill>
+                  </a:tcPr>
                 </a:tc>
                 <a:tc>
                   <a:txBody>
@@ -6461,12 +6754,12 @@
                     <a:p>
                       <a:pPr algn="l" rtl="0" fontAlgn="ctr"/>
                       <a:r>
-                        <a:rPr lang="en-US" sz="1200" u="none" strike="noStrike">
+                        <a:rPr lang="en-US" sz="1400" u="none" strike="noStrike" dirty="0">
                           <a:effectLst/>
                         </a:rPr>
-                        <a:t>March</a:t>
+                        <a:t>Mar</a:t>
                       </a:r>
-                      <a:endParaRPr lang="en-US" sz="1200" b="0" i="0" u="none" strike="noStrike">
+                      <a:endParaRPr lang="en-US" sz="1400" b="0" i="0" u="none" strike="noStrike" dirty="0">
                         <a:solidFill>
                           <a:srgbClr val="000000"/>
                         </a:solidFill>
@@ -6475,7 +6768,14 @@
                       </a:endParaRPr>
                     </a:p>
                   </a:txBody>
-                  <a:tcPr marR="9525" marT="9525" marB="0" anchor="ctr"/>
+                  <a:tcPr marR="9525" marT="9525" marB="0" anchor="ctr">
+                    <a:solidFill>
+                      <a:schemeClr val="accent2">
+                        <a:lumMod val="25000"/>
+                        <a:lumOff val="75000"/>
+                      </a:schemeClr>
+                    </a:solidFill>
+                  </a:tcPr>
                 </a:tc>
                 <a:tc>
                   <a:txBody>
@@ -6484,12 +6784,12 @@
                     <a:p>
                       <a:pPr algn="l" rtl="0" fontAlgn="ctr"/>
                       <a:r>
-                        <a:rPr lang="en-US" sz="1200" u="none" strike="noStrike" dirty="0">
+                        <a:rPr lang="en-US" sz="1400" u="none" strike="noStrike" dirty="0">
                           <a:effectLst/>
                         </a:rPr>
                         <a:t>.</a:t>
                       </a:r>
-                      <a:endParaRPr lang="en-US" sz="1200" b="0" i="0" u="none" strike="noStrike" dirty="0">
+                      <a:endParaRPr lang="en-US" sz="1400" b="0" i="0" u="none" strike="noStrike" dirty="0">
                         <a:solidFill>
                           <a:srgbClr val="000000"/>
                         </a:solidFill>
@@ -6498,7 +6798,14 @@
                       </a:endParaRPr>
                     </a:p>
                   </a:txBody>
-                  <a:tcPr marR="9525" marT="9525" marB="0" anchor="ctr"/>
+                  <a:tcPr marR="9525" marT="9525" marB="0" anchor="ctr">
+                    <a:solidFill>
+                      <a:schemeClr val="accent2">
+                        <a:lumMod val="25000"/>
+                        <a:lumOff val="75000"/>
+                      </a:schemeClr>
+                    </a:solidFill>
+                  </a:tcPr>
                 </a:tc>
                 <a:tc>
                   <a:txBody>
@@ -6507,12 +6814,12 @@
                     <a:p>
                       <a:pPr algn="l" fontAlgn="t"/>
                       <a:r>
-                        <a:rPr lang="en-US" sz="1200" u="none" strike="noStrike" dirty="0">
+                        <a:rPr lang="en-US" sz="1400" u="none" strike="noStrike" dirty="0">
                           <a:effectLst/>
                         </a:rPr>
                         <a:t> </a:t>
                       </a:r>
-                      <a:endParaRPr lang="en-US" sz="1200" b="0" i="0" u="none" strike="noStrike" dirty="0">
+                      <a:endParaRPr lang="en-US" sz="1400" b="0" i="0" u="none" strike="noStrike" dirty="0">
                         <a:solidFill>
                           <a:srgbClr val="000000"/>
                         </a:solidFill>
@@ -6521,7 +6828,14 @@
                       </a:endParaRPr>
                     </a:p>
                   </a:txBody>
-                  <a:tcPr marR="9525" marT="9525" marB="0"/>
+                  <a:tcPr marR="9525" marT="9525" marB="0">
+                    <a:solidFill>
+                      <a:schemeClr val="accent2">
+                        <a:lumMod val="25000"/>
+                        <a:lumOff val="75000"/>
+                      </a:schemeClr>
+                    </a:solidFill>
+                  </a:tcPr>
                 </a:tc>
                 <a:tc>
                   <a:txBody>
@@ -6530,12 +6844,12 @@
                     <a:p>
                       <a:pPr algn="l" fontAlgn="t"/>
                       <a:r>
-                        <a:rPr lang="en-US" sz="1200" u="none" strike="noStrike" dirty="0">
+                        <a:rPr lang="en-US" sz="1400" u="none" strike="noStrike" dirty="0">
                           <a:effectLst/>
                         </a:rPr>
                         <a:t> </a:t>
                       </a:r>
-                      <a:endParaRPr lang="en-US" sz="1200" b="0" i="0" u="none" strike="noStrike" dirty="0">
+                      <a:endParaRPr lang="en-US" sz="1400" b="0" i="0" u="none" strike="noStrike" dirty="0">
                         <a:solidFill>
                           <a:srgbClr val="000000"/>
                         </a:solidFill>
@@ -6544,7 +6858,14 @@
                       </a:endParaRPr>
                     </a:p>
                   </a:txBody>
-                  <a:tcPr marR="9525" marT="9525" marB="0"/>
+                  <a:tcPr marR="9525" marT="9525" marB="0">
+                    <a:solidFill>
+                      <a:schemeClr val="accent2">
+                        <a:lumMod val="25000"/>
+                        <a:lumOff val="75000"/>
+                      </a:schemeClr>
+                    </a:solidFill>
+                  </a:tcPr>
                 </a:tc>
                 <a:extLst>
                   <a:ext uri="{0D108BD9-81ED-4DB2-BD59-A6C34878D82A}">
@@ -6560,12 +6881,12 @@
                     <a:p>
                       <a:pPr algn="l" rtl="0" fontAlgn="ctr"/>
                       <a:r>
-                        <a:rPr lang="en-US" sz="1200" u="none" strike="noStrike">
+                        <a:rPr lang="en-US" sz="1400" u="none" strike="noStrike" dirty="0">
                           <a:effectLst/>
                         </a:rPr>
                         <a:t>Morning (0600-1200)</a:t>
                       </a:r>
-                      <a:endParaRPr lang="en-US" sz="1200" b="0" i="0" u="none" strike="noStrike">
+                      <a:endParaRPr lang="en-US" sz="1400" b="0" i="0" u="none" strike="noStrike" dirty="0">
                         <a:solidFill>
                           <a:srgbClr val="000000"/>
                         </a:solidFill>
@@ -6574,7 +6895,14 @@
                       </a:endParaRPr>
                     </a:p>
                   </a:txBody>
-                  <a:tcPr marR="9525" marT="9525" marB="0" anchor="ctr"/>
+                  <a:tcPr marR="9525" marT="9525" marB="0" anchor="ctr">
+                    <a:solidFill>
+                      <a:schemeClr val="accent2">
+                        <a:lumMod val="10000"/>
+                        <a:lumOff val="90000"/>
+                      </a:schemeClr>
+                    </a:solidFill>
+                  </a:tcPr>
                 </a:tc>
                 <a:tc>
                   <a:txBody>
@@ -6583,12 +6911,12 @@
                     <a:p>
                       <a:pPr algn="l" rtl="0" fontAlgn="ctr"/>
                       <a:r>
-                        <a:rPr lang="en-US" sz="1200" u="none" strike="noStrike">
+                        <a:rPr lang="en-US" sz="1400" u="none" strike="noStrike">
                           <a:effectLst/>
                         </a:rPr>
                         <a:t>April</a:t>
                       </a:r>
-                      <a:endParaRPr lang="en-US" sz="1200" b="0" i="0" u="none" strike="noStrike">
+                      <a:endParaRPr lang="en-US" sz="1400" b="0" i="0" u="none" strike="noStrike">
                         <a:solidFill>
                           <a:srgbClr val="000000"/>
                         </a:solidFill>
@@ -6597,7 +6925,14 @@
                       </a:endParaRPr>
                     </a:p>
                   </a:txBody>
-                  <a:tcPr marR="9525" marT="9525" marB="0" anchor="ctr"/>
+                  <a:tcPr marR="9525" marT="9525" marB="0" anchor="ctr">
+                    <a:solidFill>
+                      <a:schemeClr val="accent2">
+                        <a:lumMod val="10000"/>
+                        <a:lumOff val="90000"/>
+                      </a:schemeClr>
+                    </a:solidFill>
+                  </a:tcPr>
                 </a:tc>
                 <a:tc>
                   <a:txBody>
@@ -6606,12 +6941,12 @@
                     <a:p>
                       <a:pPr algn="l" rtl="0" fontAlgn="ctr"/>
                       <a:r>
-                        <a:rPr lang="en-US" sz="1200" u="none" strike="noStrike">
+                        <a:rPr lang="en-US" sz="1400" u="none" strike="noStrike">
                           <a:effectLst/>
                         </a:rPr>
                         <a:t>SJC</a:t>
                       </a:r>
-                      <a:endParaRPr lang="en-US" sz="1200" b="0" i="0" u="none" strike="noStrike">
+                      <a:endParaRPr lang="en-US" sz="1400" b="0" i="0" u="none" strike="noStrike">
                         <a:solidFill>
                           <a:srgbClr val="000000"/>
                         </a:solidFill>
@@ -6620,7 +6955,14 @@
                       </a:endParaRPr>
                     </a:p>
                   </a:txBody>
-                  <a:tcPr marR="9525" marT="9525" marB="0" anchor="ctr"/>
+                  <a:tcPr marR="9525" marT="9525" marB="0" anchor="ctr">
+                    <a:solidFill>
+                      <a:schemeClr val="accent2">
+                        <a:lumMod val="10000"/>
+                        <a:lumOff val="90000"/>
+                      </a:schemeClr>
+                    </a:solidFill>
+                  </a:tcPr>
                 </a:tc>
                 <a:tc>
                   <a:txBody>
@@ -6629,12 +6971,12 @@
                     <a:p>
                       <a:pPr algn="l" rtl="0" fontAlgn="ctr"/>
                       <a:r>
-                        <a:rPr lang="en-US" sz="1200" u="none" strike="noStrike" dirty="0">
+                        <a:rPr lang="en-US" sz="1400" u="none" strike="noStrike" dirty="0">
                           <a:effectLst/>
                         </a:rPr>
                         <a:t>Delta</a:t>
                       </a:r>
-                      <a:endParaRPr lang="en-US" sz="1200" b="0" i="0" u="none" strike="noStrike" dirty="0">
+                      <a:endParaRPr lang="en-US" sz="1400" b="0" i="0" u="none" strike="noStrike" dirty="0">
                         <a:solidFill>
                           <a:srgbClr val="000000"/>
                         </a:solidFill>
@@ -6643,7 +6985,14 @@
                       </a:endParaRPr>
                     </a:p>
                   </a:txBody>
-                  <a:tcPr marR="9525" marT="9525" marB="0" anchor="ctr"/>
+                  <a:tcPr marR="9525" marT="9525" marB="0" anchor="ctr">
+                    <a:solidFill>
+                      <a:schemeClr val="accent2">
+                        <a:lumMod val="10000"/>
+                        <a:lumOff val="90000"/>
+                      </a:schemeClr>
+                    </a:solidFill>
+                  </a:tcPr>
                 </a:tc>
                 <a:tc>
                   <a:txBody>
@@ -6652,12 +7001,12 @@
                     <a:p>
                       <a:pPr algn="l" rtl="0" fontAlgn="ctr"/>
                       <a:r>
-                        <a:rPr lang="en-US" sz="1200" u="none" strike="noStrike" dirty="0">
+                        <a:rPr lang="en-US" sz="1400" u="none" strike="noStrike" dirty="0">
                           <a:effectLst/>
                         </a:rPr>
-                        <a:t>Wednesday</a:t>
+                        <a:t>Wed</a:t>
                       </a:r>
-                      <a:endParaRPr lang="en-US" sz="1200" b="0" i="0" u="none" strike="noStrike" dirty="0">
+                      <a:endParaRPr lang="en-US" sz="1400" b="0" i="0" u="none" strike="noStrike" dirty="0">
                         <a:solidFill>
                           <a:srgbClr val="000000"/>
                         </a:solidFill>
@@ -6666,7 +7015,14 @@
                       </a:endParaRPr>
                     </a:p>
                   </a:txBody>
-                  <a:tcPr marR="9525" marT="9525" marB="0" anchor="ctr"/>
+                  <a:tcPr marR="9525" marT="9525" marB="0" anchor="ctr">
+                    <a:solidFill>
+                      <a:schemeClr val="accent2">
+                        <a:lumMod val="10000"/>
+                        <a:lumOff val="90000"/>
+                      </a:schemeClr>
+                    </a:solidFill>
+                  </a:tcPr>
                 </a:tc>
                 <a:extLst>
                   <a:ext uri="{0D108BD9-81ED-4DB2-BD59-A6C34878D82A}">
@@ -6682,12 +7038,12 @@
                     <a:p>
                       <a:pPr algn="l" fontAlgn="t"/>
                       <a:r>
-                        <a:rPr lang="en-US" sz="1200" u="none" strike="noStrike">
+                        <a:rPr lang="en-US" sz="1400" u="none" strike="noStrike" dirty="0">
                           <a:effectLst/>
                         </a:rPr>
                         <a:t> </a:t>
                       </a:r>
-                      <a:endParaRPr lang="en-US" sz="1200" b="0" i="0" u="none" strike="noStrike">
+                      <a:endParaRPr lang="en-US" sz="1400" b="0" i="0" u="none" strike="noStrike" dirty="0">
                         <a:solidFill>
                           <a:srgbClr val="000000"/>
                         </a:solidFill>
@@ -6696,7 +7052,14 @@
                       </a:endParaRPr>
                     </a:p>
                   </a:txBody>
-                  <a:tcPr marR="9525" marT="9525" marB="0"/>
+                  <a:tcPr marR="9525" marT="9525" marB="0">
+                    <a:solidFill>
+                      <a:schemeClr val="accent2">
+                        <a:lumMod val="10000"/>
+                        <a:lumOff val="90000"/>
+                      </a:schemeClr>
+                    </a:solidFill>
+                  </a:tcPr>
                 </a:tc>
                 <a:tc>
                   <a:txBody>
@@ -6705,12 +7068,12 @@
                     <a:p>
                       <a:pPr algn="l" rtl="0" fontAlgn="ctr"/>
                       <a:r>
-                        <a:rPr lang="en-US" sz="1200" u="none" strike="noStrike">
+                        <a:rPr lang="en-US" sz="1400" u="none" strike="noStrike" dirty="0">
                           <a:effectLst/>
                         </a:rPr>
-                        <a:t>January</a:t>
+                        <a:t>Jan</a:t>
                       </a:r>
-                      <a:endParaRPr lang="en-US" sz="1200" b="0" i="0" u="none" strike="noStrike">
+                      <a:endParaRPr lang="en-US" sz="1400" b="0" i="0" u="none" strike="noStrike" dirty="0">
                         <a:solidFill>
                           <a:srgbClr val="000000"/>
                         </a:solidFill>
@@ -6719,7 +7082,14 @@
                       </a:endParaRPr>
                     </a:p>
                   </a:txBody>
-                  <a:tcPr marR="9525" marT="9525" marB="0" anchor="ctr"/>
+                  <a:tcPr marR="9525" marT="9525" marB="0" anchor="ctr">
+                    <a:solidFill>
+                      <a:schemeClr val="accent2">
+                        <a:lumMod val="10000"/>
+                        <a:lumOff val="90000"/>
+                      </a:schemeClr>
+                    </a:solidFill>
+                  </a:tcPr>
                 </a:tc>
                 <a:tc>
                   <a:txBody>
@@ -6728,12 +7098,12 @@
                     <a:p>
                       <a:pPr algn="l" rtl="0" fontAlgn="ctr"/>
                       <a:r>
-                        <a:rPr lang="en-US" sz="1200" u="none" strike="noStrike" dirty="0">
+                        <a:rPr lang="en-US" sz="1400" u="none" strike="noStrike" dirty="0">
                           <a:effectLst/>
                         </a:rPr>
                         <a:t>SMF</a:t>
                       </a:r>
-                      <a:endParaRPr lang="en-US" sz="1200" b="0" i="0" u="none" strike="noStrike" dirty="0">
+                      <a:endParaRPr lang="en-US" sz="1400" b="0" i="0" u="none" strike="noStrike" dirty="0">
                         <a:solidFill>
                           <a:srgbClr val="000000"/>
                         </a:solidFill>
@@ -6742,7 +7112,14 @@
                       </a:endParaRPr>
                     </a:p>
                   </a:txBody>
-                  <a:tcPr marR="9525" marT="9525" marB="0" anchor="ctr"/>
+                  <a:tcPr marR="9525" marT="9525" marB="0" anchor="ctr">
+                    <a:solidFill>
+                      <a:schemeClr val="accent2">
+                        <a:lumMod val="10000"/>
+                        <a:lumOff val="90000"/>
+                      </a:schemeClr>
+                    </a:solidFill>
+                  </a:tcPr>
                 </a:tc>
                 <a:tc>
                   <a:txBody>
@@ -6751,12 +7128,12 @@
                     <a:p>
                       <a:pPr algn="l" rtl="0" fontAlgn="ctr"/>
                       <a:r>
-                        <a:rPr lang="en-US" sz="1200" u="none" strike="noStrike" dirty="0">
+                        <a:rPr lang="en-US" sz="1400" u="none" strike="noStrike" dirty="0">
                           <a:effectLst/>
                         </a:rPr>
                         <a:t> </a:t>
                       </a:r>
-                      <a:endParaRPr lang="en-US" sz="1200" b="0" i="0" u="none" strike="noStrike" dirty="0">
+                      <a:endParaRPr lang="en-US" sz="1400" b="0" i="0" u="none" strike="noStrike" dirty="0">
                         <a:solidFill>
                           <a:srgbClr val="000000"/>
                         </a:solidFill>
@@ -6765,7 +7142,14 @@
                       </a:endParaRPr>
                     </a:p>
                   </a:txBody>
-                  <a:tcPr marR="9525" marT="9525" marB="0" anchor="ctr"/>
+                  <a:tcPr marR="9525" marT="9525" marB="0" anchor="ctr">
+                    <a:solidFill>
+                      <a:schemeClr val="accent2">
+                        <a:lumMod val="10000"/>
+                        <a:lumOff val="90000"/>
+                      </a:schemeClr>
+                    </a:solidFill>
+                  </a:tcPr>
                 </a:tc>
                 <a:tc>
                   <a:txBody>
@@ -6774,12 +7158,12 @@
                     <a:p>
                       <a:pPr algn="l" rtl="0" fontAlgn="ctr"/>
                       <a:r>
-                        <a:rPr lang="en-US" sz="1200" u="none" strike="noStrike" dirty="0">
+                        <a:rPr lang="en-US" sz="1400" u="none" strike="noStrike" dirty="0">
                           <a:effectLst/>
                         </a:rPr>
                         <a:t> </a:t>
                       </a:r>
-                      <a:endParaRPr lang="en-US" sz="1200" b="0" i="0" u="none" strike="noStrike" dirty="0">
+                      <a:endParaRPr lang="en-US" sz="1400" b="0" i="0" u="none" strike="noStrike" dirty="0">
                         <a:solidFill>
                           <a:srgbClr val="000000"/>
                         </a:solidFill>
@@ -6788,7 +7172,14 @@
                       </a:endParaRPr>
                     </a:p>
                   </a:txBody>
-                  <a:tcPr marR="9525" marT="9525" marB="0" anchor="ctr"/>
+                  <a:tcPr marR="9525" marT="9525" marB="0" anchor="ctr">
+                    <a:solidFill>
+                      <a:schemeClr val="accent2">
+                        <a:lumMod val="10000"/>
+                        <a:lumOff val="90000"/>
+                      </a:schemeClr>
+                    </a:solidFill>
+                  </a:tcPr>
                 </a:tc>
                 <a:extLst>
                   <a:ext uri="{0D108BD9-81ED-4DB2-BD59-A6C34878D82A}">
@@ -6804,12 +7195,12 @@
                     <a:p>
                       <a:pPr algn="l" fontAlgn="t"/>
                       <a:r>
-                        <a:rPr lang="en-US" sz="1200" u="none" strike="noStrike">
+                        <a:rPr lang="en-US" sz="1400" u="none" strike="noStrike">
                           <a:effectLst/>
                         </a:rPr>
                         <a:t> </a:t>
                       </a:r>
-                      <a:endParaRPr lang="en-US" sz="1200" b="0" i="0" u="none" strike="noStrike">
+                      <a:endParaRPr lang="en-US" sz="1400" b="0" i="0" u="none" strike="noStrike">
                         <a:solidFill>
                           <a:srgbClr val="000000"/>
                         </a:solidFill>
@@ -6818,7 +7209,14 @@
                       </a:endParaRPr>
                     </a:p>
                   </a:txBody>
-                  <a:tcPr marR="9525" marT="9525" marB="0"/>
+                  <a:tcPr marR="9525" marT="9525" marB="0">
+                    <a:solidFill>
+                      <a:schemeClr val="accent2">
+                        <a:lumMod val="10000"/>
+                        <a:lumOff val="90000"/>
+                      </a:schemeClr>
+                    </a:solidFill>
+                  </a:tcPr>
                 </a:tc>
                 <a:tc>
                   <a:txBody>
@@ -6827,12 +7225,12 @@
                     <a:p>
                       <a:pPr algn="l" rtl="0" fontAlgn="ctr"/>
                       <a:r>
-                        <a:rPr lang="en-US" sz="1200" u="none" strike="noStrike">
+                        <a:rPr lang="en-US" sz="1400" u="none" strike="noStrike" dirty="0">
                           <a:effectLst/>
                         </a:rPr>
-                        <a:t>October</a:t>
+                        <a:t>Oct</a:t>
                       </a:r>
-                      <a:endParaRPr lang="en-US" sz="1200" b="0" i="0" u="none" strike="noStrike">
+                      <a:endParaRPr lang="en-US" sz="1400" b="0" i="0" u="none" strike="noStrike" dirty="0">
                         <a:solidFill>
                           <a:srgbClr val="000000"/>
                         </a:solidFill>
@@ -6841,7 +7239,14 @@
                       </a:endParaRPr>
                     </a:p>
                   </a:txBody>
-                  <a:tcPr marR="9525" marT="9525" marB="0" anchor="ctr"/>
+                  <a:tcPr marR="9525" marT="9525" marB="0" anchor="ctr">
+                    <a:solidFill>
+                      <a:schemeClr val="accent2">
+                        <a:lumMod val="10000"/>
+                        <a:lumOff val="90000"/>
+                      </a:schemeClr>
+                    </a:solidFill>
+                  </a:tcPr>
                 </a:tc>
                 <a:tc>
                   <a:txBody>
@@ -6850,12 +7255,12 @@
                     <a:p>
                       <a:pPr algn="l" rtl="0" fontAlgn="ctr"/>
                       <a:r>
-                        <a:rPr lang="en-US" sz="1200" u="none" strike="noStrike">
+                        <a:rPr lang="en-US" sz="1400" u="none" strike="noStrike" dirty="0">
                           <a:effectLst/>
                         </a:rPr>
                         <a:t>OAK</a:t>
                       </a:r>
-                      <a:endParaRPr lang="en-US" sz="1200" b="0" i="0" u="none" strike="noStrike">
+                      <a:endParaRPr lang="en-US" sz="1400" b="0" i="0" u="none" strike="noStrike" dirty="0">
                         <a:solidFill>
                           <a:srgbClr val="000000"/>
                         </a:solidFill>
@@ -6864,7 +7269,14 @@
                       </a:endParaRPr>
                     </a:p>
                   </a:txBody>
-                  <a:tcPr marR="9525" marT="9525" marB="0" anchor="ctr"/>
+                  <a:tcPr marR="9525" marT="9525" marB="0" anchor="ctr">
+                    <a:solidFill>
+                      <a:schemeClr val="accent2">
+                        <a:lumMod val="10000"/>
+                        <a:lumOff val="90000"/>
+                      </a:schemeClr>
+                    </a:solidFill>
+                  </a:tcPr>
                 </a:tc>
                 <a:tc>
                   <a:txBody>
@@ -6873,12 +7285,12 @@
                     <a:p>
                       <a:pPr algn="l" rtl="0" fontAlgn="ctr"/>
                       <a:r>
-                        <a:rPr lang="en-US" sz="1200" u="none" strike="noStrike" dirty="0">
+                        <a:rPr lang="en-US" sz="1400" u="none" strike="noStrike" dirty="0">
                           <a:effectLst/>
                         </a:rPr>
                         <a:t>American</a:t>
                       </a:r>
-                      <a:endParaRPr lang="en-US" sz="1200" b="0" i="0" u="none" strike="noStrike" dirty="0">
+                      <a:endParaRPr lang="en-US" sz="1400" b="0" i="0" u="none" strike="noStrike" dirty="0">
                         <a:solidFill>
                           <a:srgbClr val="000000"/>
                         </a:solidFill>
@@ -6887,7 +7299,14 @@
                       </a:endParaRPr>
                     </a:p>
                   </a:txBody>
-                  <a:tcPr marR="9525" marT="9525" marB="0" anchor="ctr"/>
+                  <a:tcPr marR="9525" marT="9525" marB="0" anchor="ctr">
+                    <a:solidFill>
+                      <a:schemeClr val="accent2">
+                        <a:lumMod val="10000"/>
+                        <a:lumOff val="90000"/>
+                      </a:schemeClr>
+                    </a:solidFill>
+                  </a:tcPr>
                 </a:tc>
                 <a:tc>
                   <a:txBody>
@@ -6896,12 +7315,12 @@
                     <a:p>
                       <a:pPr algn="l" rtl="0" fontAlgn="ctr"/>
                       <a:r>
-                        <a:rPr lang="en-US" sz="1200" u="none" strike="noStrike" dirty="0">
+                        <a:rPr lang="en-US" sz="1400" u="none" strike="noStrike" dirty="0">
                           <a:effectLst/>
                         </a:rPr>
-                        <a:t>Sunday</a:t>
+                        <a:t>Sun</a:t>
                       </a:r>
-                      <a:endParaRPr lang="en-US" sz="1200" b="0" i="0" u="none" strike="noStrike" dirty="0">
+                      <a:endParaRPr lang="en-US" sz="1400" b="0" i="0" u="none" strike="noStrike" dirty="0">
                         <a:solidFill>
                           <a:srgbClr val="000000"/>
                         </a:solidFill>
@@ -6910,7 +7329,14 @@
                       </a:endParaRPr>
                     </a:p>
                   </a:txBody>
-                  <a:tcPr marR="9525" marT="9525" marB="0" anchor="ctr"/>
+                  <a:tcPr marR="9525" marT="9525" marB="0" anchor="ctr">
+                    <a:solidFill>
+                      <a:schemeClr val="accent2">
+                        <a:lumMod val="10000"/>
+                        <a:lumOff val="90000"/>
+                      </a:schemeClr>
+                    </a:solidFill>
+                  </a:tcPr>
                 </a:tc>
                 <a:extLst>
                   <a:ext uri="{0D108BD9-81ED-4DB2-BD59-A6C34878D82A}">
@@ -6926,12 +7352,12 @@
                     <a:p>
                       <a:pPr algn="l" fontAlgn="t"/>
                       <a:r>
-                        <a:rPr lang="en-US" sz="1200" u="none" strike="noStrike">
+                        <a:rPr lang="en-US" sz="1400" u="none" strike="noStrike">
                           <a:effectLst/>
                         </a:rPr>
                         <a:t> </a:t>
                       </a:r>
-                      <a:endParaRPr lang="en-US" sz="1200" b="0" i="0" u="none" strike="noStrike">
+                      <a:endParaRPr lang="en-US" sz="1400" b="0" i="0" u="none" strike="noStrike">
                         <a:solidFill>
                           <a:srgbClr val="000000"/>
                         </a:solidFill>
@@ -6940,7 +7366,14 @@
                       </a:endParaRPr>
                     </a:p>
                   </a:txBody>
-                  <a:tcPr marR="9525" marT="9525" marB="0"/>
+                  <a:tcPr marR="9525" marT="9525" marB="0">
+                    <a:solidFill>
+                      <a:schemeClr val="accent2">
+                        <a:lumMod val="10000"/>
+                        <a:lumOff val="90000"/>
+                      </a:schemeClr>
+                    </a:solidFill>
+                  </a:tcPr>
                 </a:tc>
                 <a:tc>
                   <a:txBody>
@@ -6949,12 +7382,12 @@
                     <a:p>
                       <a:pPr algn="l" rtl="0" fontAlgn="ctr"/>
                       <a:r>
-                        <a:rPr lang="en-US" sz="1200" u="none" strike="noStrike">
+                        <a:rPr lang="en-US" sz="1400" u="none" strike="noStrike" dirty="0">
                           <a:effectLst/>
                         </a:rPr>
-                        <a:t>September</a:t>
+                        <a:t>Sep</a:t>
                       </a:r>
-                      <a:endParaRPr lang="en-US" sz="1200" b="0" i="0" u="none" strike="noStrike">
+                      <a:endParaRPr lang="en-US" sz="1400" b="0" i="0" u="none" strike="noStrike" dirty="0">
                         <a:solidFill>
                           <a:srgbClr val="000000"/>
                         </a:solidFill>
@@ -6963,7 +7396,14 @@
                       </a:endParaRPr>
                     </a:p>
                   </a:txBody>
-                  <a:tcPr marR="9525" marT="9525" marB="0" anchor="ctr"/>
+                  <a:tcPr marR="9525" marT="9525" marB="0" anchor="ctr">
+                    <a:solidFill>
+                      <a:schemeClr val="accent2">
+                        <a:lumMod val="10000"/>
+                        <a:lumOff val="90000"/>
+                      </a:schemeClr>
+                    </a:solidFill>
+                  </a:tcPr>
                 </a:tc>
                 <a:tc>
                   <a:txBody>
@@ -6972,12 +7412,12 @@
                     <a:p>
                       <a:pPr algn="l" rtl="0" fontAlgn="ctr"/>
                       <a:r>
-                        <a:rPr lang="en-US" sz="1200" u="none" strike="noStrike">
+                        <a:rPr lang="en-US" sz="1400" u="none" strike="noStrike" dirty="0">
                           <a:effectLst/>
                         </a:rPr>
                         <a:t>FLL</a:t>
                       </a:r>
-                      <a:endParaRPr lang="en-US" sz="1200" b="0" i="0" u="none" strike="noStrike">
+                      <a:endParaRPr lang="en-US" sz="1400" b="0" i="0" u="none" strike="noStrike" dirty="0">
                         <a:solidFill>
                           <a:srgbClr val="000000"/>
                         </a:solidFill>
@@ -6986,7 +7426,14 @@
                       </a:endParaRPr>
                     </a:p>
                   </a:txBody>
-                  <a:tcPr marR="9525" marT="9525" marB="0" anchor="ctr"/>
+                  <a:tcPr marR="9525" marT="9525" marB="0" anchor="ctr">
+                    <a:solidFill>
+                      <a:schemeClr val="accent2">
+                        <a:lumMod val="10000"/>
+                        <a:lumOff val="90000"/>
+                      </a:schemeClr>
+                    </a:solidFill>
+                  </a:tcPr>
                 </a:tc>
                 <a:tc>
                   <a:txBody>
@@ -6995,12 +7442,12 @@
                     <a:p>
                       <a:pPr algn="l" rtl="0" fontAlgn="ctr"/>
                       <a:r>
-                        <a:rPr lang="en-US" sz="1200" u="none" strike="noStrike" dirty="0">
+                        <a:rPr lang="en-US" sz="1400" u="none" strike="noStrike" dirty="0">
                           <a:effectLst/>
                         </a:rPr>
                         <a:t> </a:t>
                       </a:r>
-                      <a:endParaRPr lang="en-US" sz="1200" b="0" i="0" u="none" strike="noStrike" dirty="0">
+                      <a:endParaRPr lang="en-US" sz="1400" b="0" i="0" u="none" strike="noStrike" dirty="0">
                         <a:solidFill>
                           <a:srgbClr val="000000"/>
                         </a:solidFill>
@@ -7009,7 +7456,14 @@
                       </a:endParaRPr>
                     </a:p>
                   </a:txBody>
-                  <a:tcPr marR="9525" marT="9525" marB="0" anchor="ctr"/>
+                  <a:tcPr marR="9525" marT="9525" marB="0" anchor="ctr">
+                    <a:solidFill>
+                      <a:schemeClr val="accent2">
+                        <a:lumMod val="10000"/>
+                        <a:lumOff val="90000"/>
+                      </a:schemeClr>
+                    </a:solidFill>
+                  </a:tcPr>
                 </a:tc>
                 <a:tc>
                   <a:txBody>
@@ -7018,12 +7472,12 @@
                     <a:p>
                       <a:pPr algn="l" rtl="0" fontAlgn="ctr"/>
                       <a:r>
-                        <a:rPr lang="en-US" sz="1200" u="none" strike="noStrike" dirty="0">
+                        <a:rPr lang="en-US" sz="1400" u="none" strike="noStrike" dirty="0">
                           <a:effectLst/>
                         </a:rPr>
                         <a:t> </a:t>
                       </a:r>
-                      <a:endParaRPr lang="en-US" sz="1200" b="0" i="0" u="none" strike="noStrike" dirty="0">
+                      <a:endParaRPr lang="en-US" sz="1400" b="0" i="0" u="none" strike="noStrike" dirty="0">
                         <a:solidFill>
                           <a:srgbClr val="000000"/>
                         </a:solidFill>
@@ -7032,7 +7486,14 @@
                       </a:endParaRPr>
                     </a:p>
                   </a:txBody>
-                  <a:tcPr marR="9525" marT="9525" marB="0" anchor="ctr"/>
+                  <a:tcPr marR="9525" marT="9525" marB="0" anchor="ctr">
+                    <a:solidFill>
+                      <a:schemeClr val="accent2">
+                        <a:lumMod val="10000"/>
+                        <a:lumOff val="90000"/>
+                      </a:schemeClr>
+                    </a:solidFill>
+                  </a:tcPr>
                 </a:tc>
                 <a:extLst>
                   <a:ext uri="{0D108BD9-81ED-4DB2-BD59-A6C34878D82A}">
@@ -7048,12 +7509,12 @@
                     <a:p>
                       <a:pPr algn="l" rtl="0" fontAlgn="ctr"/>
                       <a:r>
-                        <a:rPr lang="en-US" sz="1200" u="none" strike="noStrike">
+                        <a:rPr lang="en-US" sz="1400" u="none" strike="noStrike">
                           <a:effectLst/>
                         </a:rPr>
                         <a:t>Night (2400-0600)</a:t>
                       </a:r>
-                      <a:endParaRPr lang="en-US" sz="1200" b="0" i="0" u="none" strike="noStrike">
+                      <a:endParaRPr lang="en-US" sz="1400" b="0" i="0" u="none" strike="noStrike">
                         <a:solidFill>
                           <a:srgbClr val="000000"/>
                         </a:solidFill>
@@ -7062,7 +7523,14 @@
                       </a:endParaRPr>
                     </a:p>
                   </a:txBody>
-                  <a:tcPr marR="9525" marT="9525" marB="0" anchor="ctr"/>
+                  <a:tcPr marR="9525" marT="9525" marB="0" anchor="ctr">
+                    <a:solidFill>
+                      <a:schemeClr val="accent2">
+                        <a:lumMod val="10000"/>
+                        <a:lumOff val="90000"/>
+                      </a:schemeClr>
+                    </a:solidFill>
+                  </a:tcPr>
                 </a:tc>
                 <a:tc>
                   <a:txBody>
@@ -7071,12 +7539,12 @@
                     <a:p>
                       <a:pPr algn="l" rtl="0" fontAlgn="ctr"/>
                       <a:r>
-                        <a:rPr lang="en-US" sz="1200" u="none" strike="noStrike">
+                        <a:rPr lang="en-US" sz="1400" u="none" strike="noStrike" dirty="0">
                           <a:effectLst/>
                         </a:rPr>
-                        <a:t>November</a:t>
+                        <a:t>Nov</a:t>
                       </a:r>
-                      <a:endParaRPr lang="en-US" sz="1200" b="0" i="0" u="none" strike="noStrike">
+                      <a:endParaRPr lang="en-US" sz="1400" b="0" i="0" u="none" strike="noStrike" dirty="0">
                         <a:solidFill>
                           <a:srgbClr val="000000"/>
                         </a:solidFill>
@@ -7085,7 +7553,14 @@
                       </a:endParaRPr>
                     </a:p>
                   </a:txBody>
-                  <a:tcPr marR="9525" marT="9525" marB="0" anchor="ctr"/>
+                  <a:tcPr marR="9525" marT="9525" marB="0" anchor="ctr">
+                    <a:solidFill>
+                      <a:schemeClr val="accent2">
+                        <a:lumMod val="10000"/>
+                        <a:lumOff val="90000"/>
+                      </a:schemeClr>
+                    </a:solidFill>
+                  </a:tcPr>
                 </a:tc>
                 <a:tc>
                   <a:txBody>
@@ -7094,12 +7569,12 @@
                     <a:p>
                       <a:pPr algn="l" rtl="0" fontAlgn="ctr"/>
                       <a:r>
-                        <a:rPr lang="en-US" sz="1200" u="none" strike="noStrike">
+                        <a:rPr lang="en-US" sz="1400" u="none" strike="noStrike">
                           <a:effectLst/>
                         </a:rPr>
                         <a:t>ORF</a:t>
                       </a:r>
-                      <a:endParaRPr lang="en-US" sz="1200" b="0" i="0" u="none" strike="noStrike">
+                      <a:endParaRPr lang="en-US" sz="1400" b="0" i="0" u="none" strike="noStrike">
                         <a:solidFill>
                           <a:srgbClr val="000000"/>
                         </a:solidFill>
@@ -7108,7 +7583,14 @@
                       </a:endParaRPr>
                     </a:p>
                   </a:txBody>
-                  <a:tcPr marR="9525" marT="9525" marB="0" anchor="ctr"/>
+                  <a:tcPr marR="9525" marT="9525" marB="0" anchor="ctr">
+                    <a:solidFill>
+                      <a:schemeClr val="accent2">
+                        <a:lumMod val="10000"/>
+                        <a:lumOff val="90000"/>
+                      </a:schemeClr>
+                    </a:solidFill>
+                  </a:tcPr>
                 </a:tc>
                 <a:tc>
                   <a:txBody>
@@ -7117,12 +7599,12 @@
                     <a:p>
                       <a:pPr algn="l" rtl="0" fontAlgn="ctr"/>
                       <a:r>
-                        <a:rPr lang="en-US" sz="1200" u="none" strike="noStrike">
+                        <a:rPr lang="en-US" sz="1400" u="none" strike="noStrike" dirty="0">
                           <a:effectLst/>
                         </a:rPr>
                         <a:t>Alaska</a:t>
                       </a:r>
-                      <a:endParaRPr lang="en-US" sz="1200" b="0" i="0" u="none" strike="noStrike">
+                      <a:endParaRPr lang="en-US" sz="1400" b="0" i="0" u="none" strike="noStrike" dirty="0">
                         <a:solidFill>
                           <a:srgbClr val="000000"/>
                         </a:solidFill>
@@ -7131,7 +7613,14 @@
                       </a:endParaRPr>
                     </a:p>
                   </a:txBody>
-                  <a:tcPr marR="9525" marT="9525" marB="0" anchor="ctr"/>
+                  <a:tcPr marR="9525" marT="9525" marB="0" anchor="ctr">
+                    <a:solidFill>
+                      <a:schemeClr val="accent2">
+                        <a:lumMod val="10000"/>
+                        <a:lumOff val="90000"/>
+                      </a:schemeClr>
+                    </a:solidFill>
+                  </a:tcPr>
                 </a:tc>
                 <a:tc>
                   <a:txBody>
@@ -7140,12 +7629,12 @@
                     <a:p>
                       <a:pPr algn="l" rtl="0" fontAlgn="ctr"/>
                       <a:r>
-                        <a:rPr lang="en-US" sz="1200" u="none" strike="noStrike" dirty="0">
+                        <a:rPr lang="en-US" sz="1400" u="none" strike="noStrike" dirty="0">
                           <a:effectLst/>
                         </a:rPr>
-                        <a:t>Saturday</a:t>
+                        <a:t>Sat</a:t>
                       </a:r>
-                      <a:endParaRPr lang="en-US" sz="1200" b="0" i="0" u="none" strike="noStrike" dirty="0">
+                      <a:endParaRPr lang="en-US" sz="1400" b="0" i="0" u="none" strike="noStrike" dirty="0">
                         <a:solidFill>
                           <a:srgbClr val="000000"/>
                         </a:solidFill>
@@ -7154,7 +7643,14 @@
                       </a:endParaRPr>
                     </a:p>
                   </a:txBody>
-                  <a:tcPr marR="9525" marT="9525" marB="0" anchor="ctr"/>
+                  <a:tcPr marR="9525" marT="9525" marB="0" anchor="ctr">
+                    <a:solidFill>
+                      <a:schemeClr val="accent2">
+                        <a:lumMod val="10000"/>
+                        <a:lumOff val="90000"/>
+                      </a:schemeClr>
+                    </a:solidFill>
+                  </a:tcPr>
                 </a:tc>
                 <a:extLst>
                   <a:ext uri="{0D108BD9-81ED-4DB2-BD59-A6C34878D82A}">
@@ -7207,6 +7703,202 @@
           <a:p>
             <a:pPr algn="ctr"/>
             <a:endParaRPr lang="en-US"/>
+          </a:p>
+        </p:txBody>
+      </p:sp>
+      <p:sp>
+        <p:nvSpPr>
+          <p:cNvPr id="46" name="TextBox 45">
+            <a:extLst>
+              <a:ext uri="{FF2B5EF4-FFF2-40B4-BE49-F238E27FC236}">
+                <a16:creationId xmlns:a16="http://schemas.microsoft.com/office/drawing/2014/main" id="{2A4DD2DB-5CDA-E04F-A7EE-7122F48FA8BE}"/>
+              </a:ext>
+            </a:extLst>
+          </p:cNvPr>
+          <p:cNvSpPr txBox="1"/>
+          <p:nvPr/>
+        </p:nvSpPr>
+        <p:spPr>
+          <a:xfrm>
+            <a:off x="11614808" y="6587915"/>
+            <a:ext cx="5553018" cy="4093428"/>
+          </a:xfrm>
+          <a:prstGeom prst="rect">
+            <a:avLst/>
+          </a:prstGeom>
+          <a:noFill/>
+        </p:spPr>
+        <p:txBody>
+          <a:bodyPr wrap="square" rtlCol="0">
+            <a:spAutoFit/>
+          </a:bodyPr>
+          <a:lstStyle/>
+          <a:p>
+            <a:pPr marL="285750" indent="-285750">
+              <a:buFont typeface="Arial" panose="020B0604020202020204" pitchFamily="34" charset="0"/>
+              <a:buChar char="•"/>
+            </a:pPr>
+            <a:r>
+              <a:rPr lang="en-US" sz="2000" dirty="0"/>
+              <a:t>Our model can predict flight delays…</a:t>
+            </a:r>
+          </a:p>
+          <a:p>
+            <a:pPr marL="285750" indent="-285750">
+              <a:buFont typeface="Arial" panose="020B0604020202020204" pitchFamily="34" charset="0"/>
+              <a:buChar char="•"/>
+            </a:pPr>
+            <a:endParaRPr lang="en-US" sz="2000" dirty="0"/>
+          </a:p>
+          <a:p>
+            <a:pPr marL="285750" indent="-285750">
+              <a:buFont typeface="Arial" panose="020B0604020202020204" pitchFamily="34" charset="0"/>
+              <a:buChar char="•"/>
+            </a:pPr>
+            <a:endParaRPr lang="en-US" sz="2000" dirty="0"/>
+          </a:p>
+          <a:p>
+            <a:pPr marL="285750" indent="-285750">
+              <a:buFont typeface="Arial" panose="020B0604020202020204" pitchFamily="34" charset="0"/>
+              <a:buChar char="•"/>
+            </a:pPr>
+            <a:r>
+              <a:rPr lang="en-US" sz="2000" dirty="0"/>
+              <a:t>Use Case: Thursday evening flight in </a:t>
+            </a:r>
+            <a:r>
+              <a:rPr lang="en-US" sz="2000" dirty="0" err="1"/>
+              <a:t>July?Dec</a:t>
+            </a:r>
+            <a:r>
+              <a:rPr lang="en-US" sz="2000" dirty="0"/>
+              <a:t>, Boston to MSN?SFO, 2704</a:t>
+            </a:r>
+          </a:p>
+          <a:p>
+            <a:pPr marL="573128" lvl="1" indent="-285750">
+              <a:buFont typeface="Arial" panose="020B0604020202020204" pitchFamily="34" charset="0"/>
+              <a:buChar char="•"/>
+            </a:pPr>
+            <a:r>
+              <a:rPr lang="en-US" sz="2000" dirty="0"/>
+              <a:t>Predicted Delay: 20 mins</a:t>
+            </a:r>
+          </a:p>
+          <a:p>
+            <a:pPr marL="573128" lvl="1" indent="-285750">
+              <a:buFont typeface="Arial" panose="020B0604020202020204" pitchFamily="34" charset="0"/>
+              <a:buChar char="•"/>
+            </a:pPr>
+            <a:r>
+              <a:rPr lang="en-US" sz="2000" dirty="0"/>
+              <a:t>Recommendation: switch to morning or night flight and reduce delay by … mins</a:t>
+            </a:r>
+          </a:p>
+          <a:p>
+            <a:pPr marL="573128" lvl="1" indent="-285750">
+              <a:buFont typeface="Arial" panose="020B0604020202020204" pitchFamily="34" charset="0"/>
+              <a:buChar char="•"/>
+            </a:pPr>
+            <a:r>
+              <a:rPr lang="en-US" sz="2000" dirty="0"/>
+              <a:t>Recommendation: switch carrier to … and reduce delay by … mins</a:t>
+            </a:r>
+          </a:p>
+          <a:p>
+            <a:pPr marL="285750" indent="-285750">
+              <a:buFont typeface="Arial" panose="020B0604020202020204" pitchFamily="34" charset="0"/>
+              <a:buChar char="•"/>
+            </a:pPr>
+            <a:endParaRPr lang="en-US" sz="2000"/>
+          </a:p>
+          <a:p>
+            <a:pPr marL="285750" indent="-285750">
+              <a:buFont typeface="Arial" panose="020B0604020202020204" pitchFamily="34" charset="0"/>
+              <a:buChar char="•"/>
+            </a:pPr>
+            <a:r>
+              <a:rPr lang="en-US" sz="2000"/>
+              <a:t>How </a:t>
+            </a:r>
+            <a:r>
+              <a:rPr lang="en-US" sz="2000" dirty="0"/>
+              <a:t>user can decrease delay risk</a:t>
+            </a:r>
+          </a:p>
+          <a:p>
+            <a:pPr marL="285750" indent="-285750">
+              <a:buFont typeface="Arial" panose="020B0604020202020204" pitchFamily="34" charset="0"/>
+              <a:buChar char="•"/>
+            </a:pPr>
+            <a:endParaRPr lang="en-US" sz="2000" dirty="0"/>
+          </a:p>
+        </p:txBody>
+      </p:sp>
+      <p:sp>
+        <p:nvSpPr>
+          <p:cNvPr id="50" name="TextBox 49">
+            <a:extLst>
+              <a:ext uri="{FF2B5EF4-FFF2-40B4-BE49-F238E27FC236}">
+                <a16:creationId xmlns:a16="http://schemas.microsoft.com/office/drawing/2014/main" id="{08D42693-3394-1240-992F-871636D7609F}"/>
+              </a:ext>
+            </a:extLst>
+          </p:cNvPr>
+          <p:cNvSpPr txBox="1"/>
+          <p:nvPr/>
+        </p:nvSpPr>
+        <p:spPr>
+          <a:xfrm>
+            <a:off x="11595751" y="5105229"/>
+            <a:ext cx="5553018" cy="1015663"/>
+          </a:xfrm>
+          <a:prstGeom prst="rect">
+            <a:avLst/>
+          </a:prstGeom>
+          <a:noFill/>
+        </p:spPr>
+        <p:txBody>
+          <a:bodyPr wrap="square" rtlCol="0">
+            <a:spAutoFit/>
+          </a:bodyPr>
+          <a:lstStyle/>
+          <a:p>
+            <a:pPr marL="285750" indent="-285750">
+              <a:buFont typeface="Arial" panose="020B0604020202020204" pitchFamily="34" charset="0"/>
+              <a:buChar char="•"/>
+            </a:pPr>
+            <a:r>
+              <a:rPr lang="en-US" sz="2000" dirty="0">
+                <a:solidFill>
+                  <a:srgbClr val="FF0000"/>
+                </a:solidFill>
+              </a:rPr>
+              <a:t>Which model performed the best?</a:t>
+            </a:r>
+          </a:p>
+          <a:p>
+            <a:pPr marL="285750" indent="-285750">
+              <a:buFont typeface="Arial" panose="020B0604020202020204" pitchFamily="34" charset="0"/>
+              <a:buChar char="•"/>
+            </a:pPr>
+            <a:r>
+              <a:rPr lang="en-US" sz="2000" dirty="0">
+                <a:solidFill>
+                  <a:srgbClr val="FF0000"/>
+                </a:solidFill>
+              </a:rPr>
+              <a:t>Variable and parameters? (variables, cp value)</a:t>
+            </a:r>
+          </a:p>
+          <a:p>
+            <a:pPr marL="285750" indent="-285750">
+              <a:buFont typeface="Arial" panose="020B0604020202020204" pitchFamily="34" charset="0"/>
+              <a:buChar char="•"/>
+            </a:pPr>
+            <a:r>
+              <a:rPr lang="en-US" sz="2000" dirty="0"/>
+              <a:t>…</a:t>
+            </a:r>
           </a:p>
         </p:txBody>
       </p:sp>
@@ -7254,7 +7946,7 @@
         </p:nvSpPr>
         <p:spPr>
           <a:xfrm>
-            <a:off x="153827" y="-152400"/>
+            <a:off x="0" y="0"/>
             <a:ext cx="17373600" cy="11887201"/>
           </a:xfrm>
           <a:prstGeom prst="rect">
@@ -7308,10 +8000,7 @@
           <a:lstStyle/>
           <a:p>
             <a:pPr algn="ctr"/>
-            <a:r>
-              <a:rPr lang="en-US" sz="2377" dirty="0"/>
-              <a:t> </a:t>
-            </a:r>
+            <a:endParaRPr lang="en-US" sz="2377" dirty="0"/>
           </a:p>
         </p:txBody>
       </p:sp>
@@ -7555,7 +8244,7 @@
         </p:nvSpPr>
         <p:spPr>
           <a:xfrm>
-            <a:off x="0" y="917150"/>
+            <a:off x="140380" y="1981200"/>
             <a:ext cx="5938837" cy="555707"/>
           </a:xfrm>
           <a:prstGeom prst="rect">
@@ -7612,7 +8301,7 @@
         </p:nvSpPr>
         <p:spPr>
           <a:xfrm>
-            <a:off x="-76200" y="-152400"/>
+            <a:off x="457200" y="158496"/>
             <a:ext cx="9406467" cy="1015663"/>
           </a:xfrm>
           <a:prstGeom prst="rect">
@@ -7649,8 +8338,8 @@
         </p:nvSpPr>
         <p:spPr>
           <a:xfrm>
-            <a:off x="9275233" y="-76200"/>
-            <a:ext cx="8098367" cy="448203"/>
+            <a:off x="12420605" y="-1"/>
+            <a:ext cx="4156896" cy="1680498"/>
           </a:xfrm>
           <a:prstGeom prst="rect">
             <a:avLst/>
@@ -7665,13 +8354,31 @@
           <a:p>
             <a:r>
               <a:rPr lang="en-US" sz="2400" b="1" dirty="0"/>
-              <a:t>Team member 1 (program) Team member 4 (program)</a:t>
+              <a:t>Team member 1 (program)</a:t>
             </a:r>
           </a:p>
           <a:p>
             <a:r>
               <a:rPr lang="en-US" sz="2400" b="1" dirty="0"/>
-              <a:t>Team member 2 (program) Team member 3 (program)</a:t>
+              <a:t>Team member 2 (program)</a:t>
+            </a:r>
+          </a:p>
+          <a:p>
+            <a:r>
+              <a:rPr lang="en-US" sz="2400" b="1" dirty="0"/>
+              <a:t>Team member 3 (program)</a:t>
+            </a:r>
+          </a:p>
+          <a:p>
+            <a:r>
+              <a:rPr lang="en-US" sz="2400" b="1" dirty="0"/>
+              <a:t>Team member 4 (program)</a:t>
+            </a:r>
+          </a:p>
+          <a:p>
+            <a:r>
+              <a:rPr lang="en-US" sz="2400" b="1" dirty="0"/>
+              <a:t>Team member 5 (program)</a:t>
             </a:r>
           </a:p>
         </p:txBody>
@@ -7690,7 +8397,7 @@
         </p:nvSpPr>
         <p:spPr>
           <a:xfrm>
-            <a:off x="77031" y="2624997"/>
+            <a:off x="76200" y="4184148"/>
             <a:ext cx="5938837" cy="555707"/>
           </a:xfrm>
           <a:prstGeom prst="rect">
@@ -7804,8 +8511,8 @@
         </p:nvSpPr>
         <p:spPr>
           <a:xfrm>
-            <a:off x="5929065" y="914400"/>
-            <a:ext cx="5708195" cy="555707"/>
+            <a:off x="5978342" y="1981200"/>
+            <a:ext cx="5660136" cy="555707"/>
           </a:xfrm>
           <a:prstGeom prst="rect">
             <a:avLst/>
@@ -7861,8 +8568,8 @@
         </p:nvSpPr>
         <p:spPr>
           <a:xfrm>
-            <a:off x="5997393" y="6779809"/>
-            <a:ext cx="5618703" cy="555707"/>
+            <a:off x="5914162" y="4184148"/>
+            <a:ext cx="5660136" cy="555707"/>
           </a:xfrm>
           <a:prstGeom prst="rect">
             <a:avLst/>
@@ -7918,8 +8625,8 @@
         </p:nvSpPr>
         <p:spPr>
           <a:xfrm flipV="1">
-            <a:off x="92662" y="1361891"/>
-            <a:ext cx="17140555" cy="9512240"/>
+            <a:off x="92662" y="1946428"/>
+            <a:ext cx="17140555" cy="8927703"/>
           </a:xfrm>
           <a:prstGeom prst="round1Rect">
             <a:avLst>
@@ -8314,9 +9021,9 @@
           <p:nvPr/>
         </p:nvCxnSpPr>
         <p:spPr>
-          <a:xfrm>
-            <a:off x="5970565" y="924911"/>
-            <a:ext cx="10366" cy="9949225"/>
+          <a:xfrm flipH="1">
+            <a:off x="5980930" y="1946428"/>
+            <a:ext cx="34107" cy="8927708"/>
           </a:xfrm>
           <a:prstGeom prst="line">
             <a:avLst/>
@@ -8359,8 +9066,8 @@
         </p:nvCxnSpPr>
         <p:spPr>
           <a:xfrm>
-            <a:off x="11573084" y="990600"/>
-            <a:ext cx="1214" cy="9883536"/>
+            <a:off x="11574298" y="1946428"/>
+            <a:ext cx="0" cy="8927708"/>
           </a:xfrm>
           <a:prstGeom prst="line">
             <a:avLst/>
@@ -8401,7 +9108,7 @@
         </p:nvSpPr>
         <p:spPr>
           <a:xfrm>
-            <a:off x="11620152" y="914395"/>
+            <a:off x="11637264" y="1981200"/>
             <a:ext cx="5660136" cy="555707"/>
           </a:xfrm>
           <a:prstGeom prst="rect">
@@ -8515,8 +9222,8 @@
         </p:nvSpPr>
         <p:spPr>
           <a:xfrm>
-            <a:off x="92659" y="1439158"/>
-            <a:ext cx="5789335" cy="1200329"/>
+            <a:off x="221114" y="2550998"/>
+            <a:ext cx="5757228" cy="492443"/>
           </a:xfrm>
           <a:prstGeom prst="rect">
             <a:avLst/>
@@ -8530,87 +9237,8 @@
           <a:lstStyle/>
           <a:p>
             <a:r>
-              <a:rPr lang="en-US" sz="1800" dirty="0"/>
-              <a:t>We aim to provide a toolbox for customers to choose their flights based on the delay predicted by our model for each future flight based on DoT data on historical flight performance.</a:t>
-            </a:r>
-          </a:p>
-        </p:txBody>
-      </p:sp>
-      <p:sp>
-        <p:nvSpPr>
-          <p:cNvPr id="25" name="TextBox 24">
-            <a:extLst>
-              <a:ext uri="{FF2B5EF4-FFF2-40B4-BE49-F238E27FC236}">
-                <a16:creationId xmlns:a16="http://schemas.microsoft.com/office/drawing/2014/main" id="{70E02502-993E-2A4A-8BF1-43604979461D}"/>
-              </a:ext>
-            </a:extLst>
-          </p:cNvPr>
-          <p:cNvSpPr txBox="1"/>
-          <p:nvPr/>
-        </p:nvSpPr>
-        <p:spPr>
-          <a:xfrm>
-            <a:off x="153566" y="8212613"/>
-            <a:ext cx="5789335" cy="2585323"/>
-          </a:xfrm>
-          <a:prstGeom prst="rect">
-            <a:avLst/>
-          </a:prstGeom>
-          <a:noFill/>
-        </p:spPr>
-        <p:txBody>
-          <a:bodyPr wrap="square" rtlCol="0">
-            <a:spAutoFit/>
-          </a:bodyPr>
-          <a:lstStyle/>
-          <a:p>
-            <a:pPr marL="285750" indent="-285750">
-              <a:buFont typeface="Arial" panose="020B0604020202020204" pitchFamily="34" charset="0"/>
-              <a:buChar char="•"/>
-            </a:pPr>
-            <a:r>
-              <a:rPr lang="en-US" sz="1800" dirty="0"/>
-              <a:t>How should we structure the data to achieve the best results?</a:t>
-            </a:r>
-          </a:p>
-          <a:p>
-            <a:pPr marL="285750" indent="-285750">
-              <a:buFont typeface="Arial" panose="020B0604020202020204" pitchFamily="34" charset="0"/>
-              <a:buChar char="•"/>
-            </a:pPr>
-            <a:r>
-              <a:rPr lang="en-US" sz="1800" dirty="0"/>
-              <a:t>What are the most significant independent variables affecting flight delay?</a:t>
-            </a:r>
-          </a:p>
-          <a:p>
-            <a:pPr marL="285750" indent="-285750">
-              <a:buFont typeface="Arial" panose="020B0604020202020204" pitchFamily="34" charset="0"/>
-              <a:buChar char="•"/>
-            </a:pPr>
-            <a:r>
-              <a:rPr lang="en-US" sz="1800" dirty="0"/>
-              <a:t>How will the decisions travels make when selecting a flight impact the expected duration of delay?</a:t>
-            </a:r>
-          </a:p>
-          <a:p>
-            <a:pPr marL="285750" indent="-285750">
-              <a:buFont typeface="Arial" panose="020B0604020202020204" pitchFamily="34" charset="0"/>
-              <a:buChar char="•"/>
-            </a:pPr>
-            <a:r>
-              <a:rPr lang="en-US" sz="1800" dirty="0"/>
-              <a:t>What model family will provide the best prediction of future flight delays?</a:t>
-            </a:r>
-          </a:p>
-          <a:p>
-            <a:pPr marL="285750" indent="-285750">
-              <a:buFont typeface="Arial" panose="020B0604020202020204" pitchFamily="34" charset="0"/>
-              <a:buChar char="•"/>
-            </a:pPr>
-            <a:r>
-              <a:rPr lang="en-US" sz="1800" dirty="0"/>
-              <a:t>What model parameters will provide the best performance?</a:t>
+              <a:rPr lang="en-US" sz="2500" dirty="0"/>
+              <a:t>Text box</a:t>
             </a:r>
           </a:p>
         </p:txBody>
@@ -8618,7 +9246,7 @@
     </p:spTree>
     <p:extLst>
       <p:ext uri="{BB962C8B-B14F-4D97-AF65-F5344CB8AC3E}">
-        <p14:creationId xmlns:p14="http://schemas.microsoft.com/office/powerpoint/2010/main" val="3743965930"/>
+        <p14:creationId xmlns:p14="http://schemas.microsoft.com/office/powerpoint/2010/main" val="1666295639"/>
       </p:ext>
     </p:extLst>
   </p:cSld>

--- a/TM12_15.071_Term_Project_Poster.pptx
+++ b/TM12_15.071_Term_Project_Poster.pptx
@@ -5565,7 +5565,7 @@
           <p:nvPr>
             <p:extLst>
               <p:ext uri="{D42A27DB-BD31-4B8C-83A1-F6EECF244321}">
-                <p14:modId xmlns:p14="http://schemas.microsoft.com/office/powerpoint/2010/main" val="3376958133"/>
+                <p14:modId xmlns:p14="http://schemas.microsoft.com/office/powerpoint/2010/main" val="3562095447"/>
               </p:ext>
             </p:extLst>
           </p:nvPr>
@@ -5644,7 +5644,7 @@
                   </a:txBody>
                   <a:tcPr marL="9525" marR="9525" marT="9525" marB="0" anchor="ctr">
                     <a:solidFill>
-                      <a:schemeClr val="accent1"/>
+                      <a:schemeClr val="tx1"/>
                     </a:solidFill>
                   </a:tcPr>
                 </a:tc>
@@ -5674,7 +5674,9 @@
                   </a:txBody>
                   <a:tcPr marL="9525" marR="9525" marT="9525" marB="0" anchor="ctr">
                     <a:solidFill>
-                      <a:schemeClr val="accent1"/>
+                      <a:schemeClr val="accent1">
+                        <a:lumMod val="50000"/>
+                      </a:schemeClr>
                     </a:solidFill>
                   </a:tcPr>
                 </a:tc>
@@ -5704,7 +5706,9 @@
                   </a:txBody>
                   <a:tcPr marL="9525" marR="9525" marT="9525" marB="0" anchor="ctr">
                     <a:solidFill>
-                      <a:schemeClr val="accent1"/>
+                      <a:schemeClr val="accent1">
+                        <a:lumMod val="75000"/>
+                      </a:schemeClr>
                     </a:solidFill>
                   </a:tcPr>
                 </a:tc>
@@ -5734,7 +5738,10 @@
                   </a:txBody>
                   <a:tcPr marL="9525" marR="9525" marT="9525" marB="0" anchor="ctr">
                     <a:solidFill>
-                      <a:schemeClr val="accent1"/>
+                      <a:schemeClr val="accent2">
+                        <a:lumMod val="90000"/>
+                        <a:lumOff val="10000"/>
+                      </a:schemeClr>
                     </a:solidFill>
                   </a:tcPr>
                 </a:tc>
@@ -5764,7 +5771,10 @@
                   </a:txBody>
                   <a:tcPr marL="9525" marR="9525" marT="9525" marB="0" anchor="ctr">
                     <a:solidFill>
-                      <a:schemeClr val="accent1"/>
+                      <a:schemeClr val="accent2">
+                        <a:lumMod val="75000"/>
+                        <a:lumOff val="25000"/>
+                      </a:schemeClr>
                     </a:solidFill>
                   </a:tcPr>
                 </a:tc>

--- a/TM12_15.071_Term_Project_Poster.pptx
+++ b/TM12_15.071_Term_Project_Poster.pptx
@@ -212,7 +212,7 @@
           <a:p>
             <a:fld id="{890071B7-4BD8-8145-82BE-2A6C42B82778}" type="datetime1">
               <a:rPr lang="en-US" smtClean="0"/>
-              <a:t>12/1/19</a:t>
+              <a:t>12/2/19</a:t>
             </a:fld>
             <a:endParaRPr lang="en-US"/>
           </a:p>
@@ -381,7 +381,7 @@
           <a:p>
             <a:fld id="{7391307E-C702-714D-87CE-7789B0B8B84B}" type="datetime1">
               <a:rPr lang="en-US" smtClean="0"/>
-              <a:t>12/1/19</a:t>
+              <a:t>12/2/19</a:t>
             </a:fld>
             <a:endParaRPr lang="en-US"/>
           </a:p>
@@ -717,7 +717,7 @@
           <a:p>
             <a:fld id="{7391307E-C702-714D-87CE-7789B0B8B84B}" type="datetime1">
               <a:rPr lang="en-US" smtClean="0"/>
-              <a:t>12/1/19</a:t>
+              <a:t>12/2/19</a:t>
             </a:fld>
             <a:endParaRPr lang="en-US"/>
           </a:p>
@@ -4591,7 +4591,7 @@
         </p:blipFill>
         <p:spPr>
           <a:xfrm>
-            <a:off x="16543200" y="11315751"/>
+            <a:off x="18666736" y="11366825"/>
             <a:ext cx="5510485" cy="2492293"/>
           </a:xfrm>
           <a:prstGeom prst="rect">
@@ -5165,10 +5165,9 @@
                     <a:lstStyle/>
                     <a:p>
                       <a:r>
-                        <a:rPr lang="en-US" sz="1400"/>
+                        <a:rPr lang="en-US" sz="1400" dirty="0"/>
                         <a:t>2040</a:t>
                       </a:r>
-                      <a:endParaRPr lang="en-US" sz="1400" dirty="0"/>
                     </a:p>
                   </a:txBody>
                   <a:tcPr/>
@@ -7820,7 +7819,7 @@
               <a:buFont typeface="Arial" panose="020B0604020202020204" pitchFamily="34" charset="0"/>
               <a:buChar char="•"/>
             </a:pPr>
-            <a:endParaRPr lang="en-US" sz="2000"/>
+            <a:endParaRPr lang="en-US" sz="2000" dirty="0"/>
           </a:p>
           <a:p>
             <a:pPr marL="285750" indent="-285750">
@@ -7828,12 +7827,8 @@
               <a:buChar char="•"/>
             </a:pPr>
             <a:r>
-              <a:rPr lang="en-US" sz="2000"/>
-              <a:t>How </a:t>
-            </a:r>
-            <a:r>
               <a:rPr lang="en-US" sz="2000" dirty="0"/>
-              <a:t>user can decrease delay risk</a:t>
+              <a:t>How user can decrease delay risk</a:t>
             </a:r>
           </a:p>
           <a:p>
@@ -7841,7 +7836,10 @@
               <a:buFont typeface="Arial" panose="020B0604020202020204" pitchFamily="34" charset="0"/>
               <a:buChar char="•"/>
             </a:pPr>
-            <a:endParaRPr lang="en-US" sz="2000" dirty="0"/>
+            <a:r>
+              <a:rPr lang="en-US" sz="2000" dirty="0"/>
+              <a:t>Next steps / future work</a:t>
+            </a:r>
           </a:p>
         </p:txBody>
       </p:sp>

--- a/TM12_15.071_Term_Project_Poster.pptx
+++ b/TM12_15.071_Term_Project_Poster.pptx
@@ -4139,7 +4139,7 @@
         </p:nvSpPr>
         <p:spPr>
           <a:xfrm>
-            <a:off x="11573084" y="6096000"/>
+            <a:off x="11573084" y="5257800"/>
             <a:ext cx="5660136" cy="457200"/>
           </a:xfrm>
           <a:prstGeom prst="rect">
@@ -7729,8 +7729,8 @@
         </p:nvSpPr>
         <p:spPr>
           <a:xfrm>
-            <a:off x="11614808" y="6587915"/>
-            <a:ext cx="5553018" cy="4093428"/>
+            <a:off x="11614808" y="5715000"/>
+            <a:ext cx="5553018" cy="4401205"/>
           </a:xfrm>
           <a:prstGeom prst="rect">
             <a:avLst/>
@@ -7773,15 +7773,7 @@
             </a:pPr>
             <a:r>
               <a:rPr lang="en-US" sz="2000" dirty="0"/>
-              <a:t>Use Case: Thursday evening flight in </a:t>
-            </a:r>
-            <a:r>
-              <a:rPr lang="en-US" sz="2000" dirty="0" err="1"/>
-              <a:t>July?Dec</a:t>
-            </a:r>
-            <a:r>
-              <a:rPr lang="en-US" sz="2000" dirty="0"/>
-              <a:t>, Boston to MSN?SFO, 2704</a:t>
+              <a:t>Use Case: Thursday evening flight in Dec, BOS to SFO (2,704 miles) via Jet Blue.</a:t>
             </a:r>
           </a:p>
           <a:p>
@@ -7838,7 +7830,7 @@
             </a:pPr>
             <a:r>
               <a:rPr lang="en-US" sz="2000" dirty="0"/>
-              <a:t>Next steps / future work</a:t>
+              <a:t>Future work: incorporate weather metrics, additional airports, flight cancelation</a:t>
             </a:r>
           </a:p>
         </p:txBody>
@@ -7857,7 +7849,7 @@
         </p:nvSpPr>
         <p:spPr>
           <a:xfrm>
-            <a:off x="11595751" y="5105229"/>
+            <a:off x="11595751" y="4114800"/>
             <a:ext cx="5553018" cy="1015663"/>
           </a:xfrm>
           <a:prstGeom prst="rect">

--- a/TM12_15.071_Term_Project_Poster.pptx
+++ b/TM12_15.071_Term_Project_Poster.pptx
@@ -4308,7 +4308,7 @@
             </a:pPr>
             <a:r>
               <a:rPr lang="en-US" sz="2000" dirty="0"/>
-              <a:t>1.8 million entries across 8 variables (post-processing)</a:t>
+              <a:t>1.8 million observations and 9 variables (post-processing)</a:t>
             </a:r>
           </a:p>
           <a:p>

--- a/TM12_15.071_Term_Project_Poster.pptx
+++ b/TM12_15.071_Term_Project_Poster.pptx
@@ -3980,94 +3980,6 @@
           </a:p>
         </p:txBody>
       </p:sp>
-      <p:cxnSp>
-        <p:nvCxnSpPr>
-          <p:cNvPr id="36" name="Straight Connector 35">
-            <a:extLst>
-              <a:ext uri="{FF2B5EF4-FFF2-40B4-BE49-F238E27FC236}">
-                <a16:creationId xmlns:a16="http://schemas.microsoft.com/office/drawing/2014/main" id="{F20F6DFB-76BA-8C46-A716-8B2054C8EE1B}"/>
-              </a:ext>
-            </a:extLst>
-          </p:cNvPr>
-          <p:cNvCxnSpPr>
-            <a:cxnSpLocks/>
-          </p:cNvCxnSpPr>
-          <p:nvPr/>
-        </p:nvCxnSpPr>
-        <p:spPr>
-          <a:xfrm>
-            <a:off x="5978342" y="1010586"/>
-            <a:ext cx="0" cy="9924133"/>
-          </a:xfrm>
-          <a:prstGeom prst="line">
-            <a:avLst/>
-          </a:prstGeom>
-          <a:ln w="76200">
-            <a:solidFill>
-              <a:schemeClr val="accent1"/>
-            </a:solidFill>
-            <a:prstDash val="solid"/>
-          </a:ln>
-        </p:spPr>
-        <p:style>
-          <a:lnRef idx="1">
-            <a:schemeClr val="accent1"/>
-          </a:lnRef>
-          <a:fillRef idx="0">
-            <a:schemeClr val="accent1"/>
-          </a:fillRef>
-          <a:effectRef idx="0">
-            <a:schemeClr val="accent1"/>
-          </a:effectRef>
-          <a:fontRef idx="minor">
-            <a:schemeClr val="tx1"/>
-          </a:fontRef>
-        </p:style>
-      </p:cxnSp>
-      <p:cxnSp>
-        <p:nvCxnSpPr>
-          <p:cNvPr id="38" name="Straight Connector 37">
-            <a:extLst>
-              <a:ext uri="{FF2B5EF4-FFF2-40B4-BE49-F238E27FC236}">
-                <a16:creationId xmlns:a16="http://schemas.microsoft.com/office/drawing/2014/main" id="{466A29D5-D287-A444-AABB-53E9394BB38E}"/>
-              </a:ext>
-            </a:extLst>
-          </p:cNvPr>
-          <p:cNvCxnSpPr>
-            <a:cxnSpLocks/>
-          </p:cNvCxnSpPr>
-          <p:nvPr/>
-        </p:nvCxnSpPr>
-        <p:spPr>
-          <a:xfrm>
-            <a:off x="11573084" y="1010586"/>
-            <a:ext cx="0" cy="9918037"/>
-          </a:xfrm>
-          <a:prstGeom prst="line">
-            <a:avLst/>
-          </a:prstGeom>
-          <a:ln w="76200">
-            <a:solidFill>
-              <a:schemeClr val="accent1"/>
-            </a:solidFill>
-            <a:prstDash val="solid"/>
-          </a:ln>
-        </p:spPr>
-        <p:style>
-          <a:lnRef idx="1">
-            <a:schemeClr val="accent1"/>
-          </a:lnRef>
-          <a:fillRef idx="0">
-            <a:schemeClr val="accent1"/>
-          </a:fillRef>
-          <a:effectRef idx="0">
-            <a:schemeClr val="accent1"/>
-          </a:effectRef>
-          <a:fontRef idx="minor">
-            <a:schemeClr val="tx1"/>
-          </a:fontRef>
-        </p:style>
-      </p:cxnSp>
       <p:sp>
         <p:nvSpPr>
           <p:cNvPr id="39" name="Rectangle 38">
@@ -4213,7 +4125,7 @@
             <a:pPr algn="just"/>
             <a:r>
               <a:rPr lang="en-US" sz="2000" dirty="0"/>
-              <a:t>Using commercial aviation data, we created a model that predicts the delay times for future flights. This provides travelers with decision-relevant information they can use to reduce the duration of their travel delays.</a:t>
+              <a:t>Using commercial aviation data, we created a model that predicts the delay times for future flights. This provides travelers with decision-relevant information they can use to reduce the occurrence and duration of travel delays.</a:t>
             </a:r>
           </a:p>
         </p:txBody>
@@ -4269,7 +4181,7 @@
         <p:spPr>
           <a:xfrm>
             <a:off x="132604" y="5943600"/>
-            <a:ext cx="5780345" cy="1631216"/>
+            <a:ext cx="5780345" cy="2246769"/>
           </a:xfrm>
           <a:prstGeom prst="rect">
             <a:avLst/>
@@ -4317,12 +4229,8 @@
               <a:buChar char="•"/>
             </a:pPr>
             <a:r>
-              <a:rPr lang="en-US" sz="2000" dirty="0">
-                <a:solidFill>
-                  <a:srgbClr val="FF0000"/>
-                </a:solidFill>
-              </a:rPr>
-              <a:t>Required wrangling comment…</a:t>
+              <a:rPr lang="en-US" sz="2000" dirty="0"/>
+              <a:t>Pre-Processing: removed inconsistent airlines and airports; removed post-event variables; removed outliers (&gt;4hr delay) and canceled flights</a:t>
             </a:r>
           </a:p>
         </p:txBody>
@@ -4355,7 +4263,7 @@
         </p:blipFill>
         <p:spPr>
           <a:xfrm>
-            <a:off x="6014006" y="4538928"/>
+            <a:off x="6019167" y="4431542"/>
             <a:ext cx="5520972" cy="2320472"/>
           </a:xfrm>
           <a:prstGeom prst="rect">
@@ -4555,7 +4463,7 @@
         </p:blipFill>
         <p:spPr>
           <a:xfrm>
-            <a:off x="6014616" y="1622506"/>
+            <a:off x="6021152" y="1448284"/>
             <a:ext cx="5521799" cy="2949493"/>
           </a:xfrm>
           <a:prstGeom prst="rect">
@@ -4952,50 +4860,6 @@
           </a:p>
         </p:txBody>
       </p:sp>
-      <p:cxnSp>
-        <p:nvCxnSpPr>
-          <p:cNvPr id="58" name="Straight Connector 57">
-            <a:extLst>
-              <a:ext uri="{FF2B5EF4-FFF2-40B4-BE49-F238E27FC236}">
-                <a16:creationId xmlns:a16="http://schemas.microsoft.com/office/drawing/2014/main" id="{EC07FE94-C5B4-7D4D-86EA-25D409F81A09}"/>
-              </a:ext>
-            </a:extLst>
-          </p:cNvPr>
-          <p:cNvCxnSpPr>
-            <a:cxnSpLocks/>
-          </p:cNvCxnSpPr>
-          <p:nvPr/>
-        </p:nvCxnSpPr>
-        <p:spPr>
-          <a:xfrm flipH="1" flipV="1">
-            <a:off x="5983540" y="4556148"/>
-            <a:ext cx="5605493" cy="61"/>
-          </a:xfrm>
-          <a:prstGeom prst="line">
-            <a:avLst/>
-          </a:prstGeom>
-          <a:ln w="31750">
-            <a:solidFill>
-              <a:schemeClr val="accent1"/>
-            </a:solidFill>
-            <a:prstDash val="solid"/>
-          </a:ln>
-        </p:spPr>
-        <p:style>
-          <a:lnRef idx="1">
-            <a:schemeClr val="accent1"/>
-          </a:lnRef>
-          <a:fillRef idx="0">
-            <a:schemeClr val="accent1"/>
-          </a:fillRef>
-          <a:effectRef idx="0">
-            <a:schemeClr val="accent1"/>
-          </a:effectRef>
-          <a:fontRef idx="minor">
-            <a:schemeClr val="tx1"/>
-          </a:fontRef>
-        </p:style>
-      </p:cxnSp>
       <p:graphicFrame>
         <p:nvGraphicFramePr>
           <p:cNvPr id="68" name="Table 67">
@@ -5011,14 +4875,14 @@
           <p:nvPr>
             <p:extLst>
               <p:ext uri="{D42A27DB-BD31-4B8C-83A1-F6EECF244321}">
-                <p14:modId xmlns:p14="http://schemas.microsoft.com/office/powerpoint/2010/main" val="4272871727"/>
+                <p14:modId xmlns:p14="http://schemas.microsoft.com/office/powerpoint/2010/main" val="1474119606"/>
               </p:ext>
             </p:extLst>
           </p:nvPr>
         </p:nvGraphicFramePr>
         <p:xfrm>
-          <a:off x="11629077" y="1447800"/>
-          <a:ext cx="5561354" cy="2236876"/>
+          <a:off x="11621790" y="1457122"/>
+          <a:ext cx="5561354" cy="1596796"/>
         </p:xfrm>
         <a:graphic>
           <a:graphicData uri="http://schemas.openxmlformats.org/drawingml/2006/table">
@@ -5027,14 +4891,14 @@
                 <a:tableStyleId>{5C22544A-7EE6-4342-B048-85BDC9FD1C3A}</a:tableStyleId>
               </a:tblPr>
               <a:tblGrid>
-                <a:gridCol w="1705923">
+                <a:gridCol w="1865610">
                   <a:extLst>
                     <a:ext uri="{9D8B030D-6E8A-4147-A177-3AD203B41FA5}">
                       <a16:colId xmlns:a16="http://schemas.microsoft.com/office/drawing/2014/main" val="3655027934"/>
                     </a:ext>
                   </a:extLst>
                 </a:gridCol>
-                <a:gridCol w="1219200">
+                <a:gridCol w="1059513">
                   <a:extLst>
                     <a:ext uri="{9D8B030D-6E8A-4147-A177-3AD203B41FA5}">
                       <a16:colId xmlns:a16="http://schemas.microsoft.com/office/drawing/2014/main" val="3498593769"/>
@@ -5126,7 +4990,7 @@
                     <a:lstStyle/>
                     <a:p>
                       <a:r>
-                        <a:rPr lang="en-US" sz="1400" dirty="0"/>
+                        <a:rPr lang="en-US" sz="1600" dirty="0"/>
                         <a:t>Linear Regression (all variables)</a:t>
                       </a:r>
                     </a:p>
@@ -5139,8 +5003,8 @@
                     <a:lstStyle/>
                     <a:p>
                       <a:r>
-                        <a:rPr lang="en-US" sz="1400" dirty="0"/>
-                        <a:t>0.03876</a:t>
+                        <a:rPr lang="en-US" sz="1600" dirty="0"/>
+                        <a:t>0.09018</a:t>
                       </a:r>
                     </a:p>
                   </a:txBody>
@@ -5152,8 +5016,8 @@
                     <a:lstStyle/>
                     <a:p>
                       <a:r>
-                        <a:rPr lang="en-US" sz="1400" dirty="0"/>
-                        <a:t>26.31</a:t>
+                        <a:rPr lang="en-US" sz="1600" dirty="0"/>
+                        <a:t>17.21</a:t>
                       </a:r>
                     </a:p>
                   </a:txBody>
@@ -5165,8 +5029,8 @@
                     <a:lstStyle/>
                     <a:p>
                       <a:r>
-                        <a:rPr lang="en-US" sz="1400" dirty="0"/>
-                        <a:t>2040</a:t>
+                        <a:rPr lang="en-US" sz="1600" dirty="0"/>
+                        <a:t>216.7</a:t>
                       </a:r>
                     </a:p>
                   </a:txBody>
@@ -5178,15 +5042,15 @@
                   </a:ext>
                 </a:extLst>
               </a:tr>
-              <a:tr h="542601">
+              <a:tr h="232543">
                 <a:tc>
                   <a:txBody>
                     <a:bodyPr/>
                     <a:lstStyle/>
                     <a:p>
                       <a:r>
-                        <a:rPr lang="en-US" sz="1400" dirty="0"/>
-                        <a:t>Linear Regression Stepwise Variable Selection (-Distance)</a:t>
+                        <a:rPr lang="en-US" sz="1600" dirty="0"/>
+                        <a:t>CART (cp = 8e-05)</a:t>
                       </a:r>
                     </a:p>
                   </a:txBody>
@@ -5198,8 +5062,8 @@
                     <a:lstStyle/>
                     <a:p>
                       <a:r>
-                        <a:rPr lang="en-US" sz="1400" dirty="0"/>
-                        <a:t>0.0388</a:t>
+                        <a:rPr lang="en-US" sz="1600" dirty="0"/>
+                        <a:t>0.06213</a:t>
                       </a:r>
                     </a:p>
                   </a:txBody>
@@ -5211,8 +5075,8 @@
                     <a:lstStyle/>
                     <a:p>
                       <a:r>
-                        <a:rPr lang="en-US" sz="1400" dirty="0"/>
-                        <a:t>26.31</a:t>
+                        <a:rPr lang="en-US" sz="1600" dirty="0"/>
+                        <a:t>19.08</a:t>
                       </a:r>
                     </a:p>
                   </a:txBody>
@@ -5224,67 +5088,8 @@
                     <a:lstStyle/>
                     <a:p>
                       <a:r>
-                        <a:rPr lang="en-US" sz="1400" dirty="0"/>
-                        <a:t>2040</a:t>
-                      </a:r>
-                    </a:p>
-                  </a:txBody>
-                  <a:tcPr/>
-                </a:tc>
-                <a:extLst>
-                  <a:ext uri="{0D108BD9-81ED-4DB2-BD59-A6C34878D82A}">
-                    <a16:rowId xmlns:a16="http://schemas.microsoft.com/office/drawing/2014/main" val="2244400224"/>
-                  </a:ext>
-                </a:extLst>
-              </a:tr>
-              <a:tr h="232543">
-                <a:tc>
-                  <a:txBody>
-                    <a:bodyPr/>
-                    <a:lstStyle/>
-                    <a:p>
-                      <a:r>
-                        <a:rPr lang="en-US" sz="1400" dirty="0"/>
-                        <a:t>CART (cp = 1.5e-05)</a:t>
-                      </a:r>
-                    </a:p>
-                  </a:txBody>
-                  <a:tcPr/>
-                </a:tc>
-                <a:tc>
-                  <a:txBody>
-                    <a:bodyPr/>
-                    <a:lstStyle/>
-                    <a:p>
-                      <a:r>
-                        <a:rPr lang="en-US" sz="1400" dirty="0"/>
-                        <a:t>0.0410</a:t>
-                      </a:r>
-                    </a:p>
-                  </a:txBody>
-                  <a:tcPr/>
-                </a:tc>
-                <a:tc>
-                  <a:txBody>
-                    <a:bodyPr/>
-                    <a:lstStyle/>
-                    <a:p>
-                      <a:r>
-                        <a:rPr lang="en-US" sz="1400" dirty="0"/>
-                        <a:t>26.17</a:t>
-                      </a:r>
-                    </a:p>
-                  </a:txBody>
-                  <a:tcPr/>
-                </a:tc>
-                <a:tc>
-                  <a:txBody>
-                    <a:bodyPr/>
-                    <a:lstStyle/>
-                    <a:p>
-                      <a:r>
-                        <a:rPr lang="en-US" sz="1400" dirty="0"/>
-                        <a:t>2042</a:t>
+                        <a:rPr lang="en-US" sz="1600" dirty="0"/>
+                        <a:t>561.3</a:t>
                       </a:r>
                     </a:p>
                   </a:txBody>
@@ -5303,7 +5108,7 @@
                     <a:lstStyle/>
                     <a:p>
                       <a:r>
-                        <a:rPr lang="en-US" sz="1400" dirty="0"/>
+                        <a:rPr lang="en-US" sz="1600" dirty="0"/>
                         <a:t>Random Forest</a:t>
                       </a:r>
                     </a:p>
@@ -5315,7 +5120,10 @@
                     <a:bodyPr/>
                     <a:lstStyle/>
                     <a:p>
-                      <a:endParaRPr lang="en-US" sz="1400" dirty="0"/>
+                      <a:r>
+                        <a:rPr lang="en-US" sz="1600" dirty="0"/>
+                        <a:t>0.037</a:t>
+                      </a:r>
                     </a:p>
                   </a:txBody>
                   <a:tcPr/>
@@ -5325,7 +5133,7 @@
                     <a:bodyPr/>
                     <a:lstStyle/>
                     <a:p>
-                      <a:endParaRPr lang="en-US" sz="1400" dirty="0"/>
+                      <a:endParaRPr lang="en-US" sz="1600" dirty="0"/>
                     </a:p>
                   </a:txBody>
                   <a:tcPr/>
@@ -5335,7 +5143,7 @@
                     <a:bodyPr/>
                     <a:lstStyle/>
                     <a:p>
-                      <a:endParaRPr lang="en-US" sz="1400" dirty="0"/>
+                      <a:endParaRPr lang="en-US" sz="1600" dirty="0"/>
                     </a:p>
                   </a:txBody>
                   <a:tcPr/>
@@ -5378,29 +5186,39 @@
           </a:bodyPr>
           <a:lstStyle/>
           <a:p>
+            <a:pPr marL="342900" indent="-342900">
+              <a:buFont typeface="Arial" panose="020B0604020202020204" pitchFamily="34" charset="0"/>
+              <a:buChar char="•"/>
+            </a:pPr>
+            <a:r>
+              <a:rPr lang="en-US" sz="2000" dirty="0"/>
+              <a:t>Dependent Variable: average </a:t>
+            </a:r>
+            <a:r>
+              <a:rPr lang="en-US" sz="2000" b="1" dirty="0"/>
+              <a:t>arrival</a:t>
+            </a:r>
+            <a:r>
+              <a:rPr lang="en-US" sz="2000" dirty="0"/>
+              <a:t> delay (customer focus) for all flights during a given hour; all flights of a carrier during an hour (</a:t>
+            </a:r>
+            <a:r>
+              <a:rPr lang="en-US" sz="2000" b="1" dirty="0"/>
+              <a:t>aggregate prediction</a:t>
+            </a:r>
+            <a:r>
+              <a:rPr lang="en-US" sz="2000" dirty="0"/>
+              <a:t>)</a:t>
+            </a:r>
+          </a:p>
+          <a:p>
             <a:pPr marL="285750" indent="-285750">
               <a:buFont typeface="Arial" panose="020B0604020202020204" pitchFamily="34" charset="0"/>
               <a:buChar char="•"/>
             </a:pPr>
             <a:r>
               <a:rPr lang="en-US" sz="2000" dirty="0"/>
-              <a:t>Dependent Variables: average </a:t>
-            </a:r>
-            <a:r>
-              <a:rPr lang="en-US" sz="2000" b="1" dirty="0"/>
-              <a:t>arrival</a:t>
-            </a:r>
-            <a:r>
-              <a:rPr lang="en-US" sz="2000" dirty="0"/>
-              <a:t> delay for all flights during a given hour; all flights of a carrier during an hour (</a:t>
-            </a:r>
-            <a:r>
-              <a:rPr lang="en-US" sz="2000" b="1" dirty="0"/>
-              <a:t>aggregate</a:t>
-            </a:r>
-            <a:r>
-              <a:rPr lang="en-US" sz="2000" dirty="0"/>
-              <a:t>)</a:t>
+              <a:t>Independent Variables: time of day (hour bins), month, destination, distance, carrier, weekday</a:t>
             </a:r>
           </a:p>
           <a:p>
@@ -5410,27 +5228,7 @@
             </a:pPr>
             <a:r>
               <a:rPr lang="en-US" sz="2000" dirty="0"/>
-              <a:t>Independent Variables: Time of day, month, destination, carrier, weekday</a:t>
-            </a:r>
-          </a:p>
-          <a:p>
-            <a:pPr marL="285750" indent="-285750">
-              <a:buFont typeface="Arial" panose="020B0604020202020204" pitchFamily="34" charset="0"/>
-              <a:buChar char="•"/>
-            </a:pPr>
-            <a:r>
-              <a:rPr lang="en-US" sz="2000" dirty="0"/>
-              <a:t>Models: Linear Regression, CART, Random Forest</a:t>
-            </a:r>
-          </a:p>
-          <a:p>
-            <a:pPr marL="285750" indent="-285750">
-              <a:buFont typeface="Arial" panose="020B0604020202020204" pitchFamily="34" charset="0"/>
-              <a:buChar char="•"/>
-            </a:pPr>
-            <a:r>
-              <a:rPr lang="en-US" sz="2000" dirty="0"/>
-              <a:t>…</a:t>
+              <a:t>Models: Linear Regression, Stepwise Variable Selection, CART,  and Random Forest</a:t>
             </a:r>
           </a:p>
         </p:txBody>
@@ -7578,12 +7376,12 @@
                     <a:p>
                       <a:pPr algn="l" rtl="0" fontAlgn="ctr"/>
                       <a:r>
-                        <a:rPr lang="en-US" sz="1400" u="none" strike="noStrike">
+                        <a:rPr lang="en-US" sz="1400" u="none" strike="noStrike" dirty="0">
                           <a:effectLst/>
                         </a:rPr>
                         <a:t>ORF</a:t>
                       </a:r>
-                      <a:endParaRPr lang="en-US" sz="1400" b="0" i="0" u="none" strike="noStrike">
+                      <a:endParaRPr lang="en-US" sz="1400" b="0" i="0" u="none" strike="noStrike" dirty="0">
                         <a:solidFill>
                           <a:srgbClr val="000000"/>
                         </a:solidFill>
@@ -7691,6 +7489,24 @@
           <a:prstGeom prst="upArrow">
             <a:avLst/>
           </a:prstGeom>
+          <a:gradFill>
+            <a:gsLst>
+              <a:gs pos="0">
+                <a:schemeClr val="accent1">
+                  <a:shade val="30000"/>
+                  <a:satMod val="115000"/>
+                  <a:lumMod val="97000"/>
+                </a:schemeClr>
+              </a:gs>
+              <a:gs pos="100000">
+                <a:schemeClr val="accent1">
+                  <a:shade val="67500"/>
+                  <a:satMod val="115000"/>
+                </a:schemeClr>
+              </a:gs>
+            </a:gsLst>
+            <a:lin ang="0" scaled="1"/>
+          </a:gradFill>
         </p:spPr>
         <p:style>
           <a:lnRef idx="1">
@@ -7730,7 +7546,7 @@
         <p:spPr>
           <a:xfrm>
             <a:off x="11614808" y="5715000"/>
-            <a:ext cx="5553018" cy="4401205"/>
+            <a:ext cx="5553018" cy="5016758"/>
           </a:xfrm>
           <a:prstGeom prst="rect">
             <a:avLst/>
@@ -7764,16 +7580,9 @@
               <a:buFont typeface="Arial" panose="020B0604020202020204" pitchFamily="34" charset="0"/>
               <a:buChar char="•"/>
             </a:pPr>
-            <a:endParaRPr lang="en-US" sz="2000" dirty="0"/>
-          </a:p>
-          <a:p>
-            <a:pPr marL="285750" indent="-285750">
-              <a:buFont typeface="Arial" panose="020B0604020202020204" pitchFamily="34" charset="0"/>
-              <a:buChar char="•"/>
-            </a:pPr>
             <a:r>
               <a:rPr lang="en-US" sz="2000" dirty="0"/>
-              <a:t>Use Case: Thursday evening flight in Dec, BOS to SFO (2,704 miles) via Jet Blue.</a:t>
+              <a:t>Use Case: Evening flight (8pm) on Dec 19 (Thurs), BOS to SFO (2,704 miles) via Jet Blue.</a:t>
             </a:r>
           </a:p>
           <a:p>
@@ -7793,7 +7602,7 @@
             </a:pPr>
             <a:r>
               <a:rPr lang="en-US" sz="2000" dirty="0"/>
-              <a:t>Recommendation: switch to morning or night flight and reduce delay by … mins</a:t>
+              <a:t>Recommendation: switch to morning flight (1000) and reduce delay by … mins</a:t>
             </a:r>
           </a:p>
           <a:p>
@@ -7818,10 +7627,7 @@
               <a:buFont typeface="Arial" panose="020B0604020202020204" pitchFamily="34" charset="0"/>
               <a:buChar char="•"/>
             </a:pPr>
-            <a:r>
-              <a:rPr lang="en-US" sz="2000" dirty="0"/>
-              <a:t>How user can decrease delay risk</a:t>
-            </a:r>
+            <a:endParaRPr lang="en-US" sz="2000" dirty="0"/>
           </a:p>
           <a:p>
             <a:pPr marL="285750" indent="-285750">
@@ -7830,7 +7636,17 @@
             </a:pPr>
             <a:r>
               <a:rPr lang="en-US" sz="2000" dirty="0"/>
-              <a:t>Future work: incorporate weather metrics, additional airports, flight cancelation</a:t>
+              <a:t>Limitation: our model views flights independently; in reality there is dependency across flights</a:t>
+            </a:r>
+          </a:p>
+          <a:p>
+            <a:pPr marL="285750" indent="-285750">
+              <a:buFont typeface="Arial" panose="020B0604020202020204" pitchFamily="34" charset="0"/>
+              <a:buChar char="•"/>
+            </a:pPr>
+            <a:r>
+              <a:rPr lang="en-US" sz="2000" dirty="0"/>
+              <a:t>Future work: flight cancelation, incorporate weather metrics, additional airports, explore connections between flights</a:t>
             </a:r>
           </a:p>
         </p:txBody>
@@ -7849,8 +7665,8 @@
         </p:nvSpPr>
         <p:spPr>
           <a:xfrm>
-            <a:off x="11595751" y="4114800"/>
-            <a:ext cx="5553018" cy="1015663"/>
+            <a:off x="11625958" y="3038948"/>
+            <a:ext cx="5553018" cy="2246769"/>
           </a:xfrm>
           <a:prstGeom prst="rect">
             <a:avLst/>
@@ -7868,12 +7684,8 @@
               <a:buChar char="•"/>
             </a:pPr>
             <a:r>
-              <a:rPr lang="en-US" sz="2000" dirty="0">
-                <a:solidFill>
-                  <a:srgbClr val="FF0000"/>
-                </a:solidFill>
-              </a:rPr>
-              <a:t>Which model performed the best?</a:t>
+              <a:rPr lang="en-US" sz="2000" dirty="0"/>
+              <a:t>Complex problem—airport dynamics (weather, safety, security) without corresponding input variables—yields poor prediction performance</a:t>
             </a:r>
           </a:p>
           <a:p>
@@ -7882,12 +7694,8 @@
               <a:buChar char="•"/>
             </a:pPr>
             <a:r>
-              <a:rPr lang="en-US" sz="2000" dirty="0">
-                <a:solidFill>
-                  <a:srgbClr val="FF0000"/>
-                </a:solidFill>
-              </a:rPr>
-              <a:t>Variable and parameters? (variables, cp value)</a:t>
+              <a:rPr lang="en-US" sz="2000" dirty="0"/>
+              <a:t>Predicting flight-level delays (specific outcomes) with aggregate indicators is inappropriate</a:t>
             </a:r>
           </a:p>
           <a:p>
@@ -7897,7 +7705,401 @@
             </a:pPr>
             <a:r>
               <a:rPr lang="en-US" sz="2000" dirty="0"/>
-              <a:t>…</a:t>
+              <a:t>CART (with cross-validated cp=8e-05) results in the best performance</a:t>
+            </a:r>
+          </a:p>
+        </p:txBody>
+      </p:sp>
+      <p:cxnSp>
+        <p:nvCxnSpPr>
+          <p:cNvPr id="38" name="Straight Connector 37">
+            <a:extLst>
+              <a:ext uri="{FF2B5EF4-FFF2-40B4-BE49-F238E27FC236}">
+                <a16:creationId xmlns:a16="http://schemas.microsoft.com/office/drawing/2014/main" id="{466A29D5-D287-A444-AABB-53E9394BB38E}"/>
+              </a:ext>
+            </a:extLst>
+          </p:cNvPr>
+          <p:cNvCxnSpPr>
+            <a:cxnSpLocks/>
+          </p:cNvCxnSpPr>
+          <p:nvPr/>
+        </p:nvCxnSpPr>
+        <p:spPr>
+          <a:xfrm>
+            <a:off x="11573084" y="1010586"/>
+            <a:ext cx="0" cy="9918037"/>
+          </a:xfrm>
+          <a:prstGeom prst="line">
+            <a:avLst/>
+          </a:prstGeom>
+          <a:ln w="76200">
+            <a:solidFill>
+              <a:schemeClr val="accent1"/>
+            </a:solidFill>
+            <a:prstDash val="solid"/>
+          </a:ln>
+        </p:spPr>
+        <p:style>
+          <a:lnRef idx="1">
+            <a:schemeClr val="accent1"/>
+          </a:lnRef>
+          <a:fillRef idx="0">
+            <a:schemeClr val="accent1"/>
+          </a:fillRef>
+          <a:effectRef idx="0">
+            <a:schemeClr val="accent1"/>
+          </a:effectRef>
+          <a:fontRef idx="minor">
+            <a:schemeClr val="tx1"/>
+          </a:fontRef>
+        </p:style>
+      </p:cxnSp>
+      <p:cxnSp>
+        <p:nvCxnSpPr>
+          <p:cNvPr id="36" name="Straight Connector 35">
+            <a:extLst>
+              <a:ext uri="{FF2B5EF4-FFF2-40B4-BE49-F238E27FC236}">
+                <a16:creationId xmlns:a16="http://schemas.microsoft.com/office/drawing/2014/main" id="{F20F6DFB-76BA-8C46-A716-8B2054C8EE1B}"/>
+              </a:ext>
+            </a:extLst>
+          </p:cNvPr>
+          <p:cNvCxnSpPr>
+            <a:cxnSpLocks/>
+          </p:cNvCxnSpPr>
+          <p:nvPr/>
+        </p:nvCxnSpPr>
+        <p:spPr>
+          <a:xfrm>
+            <a:off x="5978342" y="1010586"/>
+            <a:ext cx="0" cy="9924133"/>
+          </a:xfrm>
+          <a:prstGeom prst="line">
+            <a:avLst/>
+          </a:prstGeom>
+          <a:ln w="76200">
+            <a:solidFill>
+              <a:schemeClr val="accent1"/>
+            </a:solidFill>
+            <a:prstDash val="solid"/>
+          </a:ln>
+        </p:spPr>
+        <p:style>
+          <a:lnRef idx="1">
+            <a:schemeClr val="accent1"/>
+          </a:lnRef>
+          <a:fillRef idx="0">
+            <a:schemeClr val="accent1"/>
+          </a:fillRef>
+          <a:effectRef idx="0">
+            <a:schemeClr val="accent1"/>
+          </a:effectRef>
+          <a:fontRef idx="minor">
+            <a:schemeClr val="tx1"/>
+          </a:fontRef>
+        </p:style>
+      </p:cxnSp>
+      <p:cxnSp>
+        <p:nvCxnSpPr>
+          <p:cNvPr id="58" name="Straight Connector 57">
+            <a:extLst>
+              <a:ext uri="{FF2B5EF4-FFF2-40B4-BE49-F238E27FC236}">
+                <a16:creationId xmlns:a16="http://schemas.microsoft.com/office/drawing/2014/main" id="{EC07FE94-C5B4-7D4D-86EA-25D409F81A09}"/>
+              </a:ext>
+            </a:extLst>
+          </p:cNvPr>
+          <p:cNvCxnSpPr>
+            <a:cxnSpLocks/>
+          </p:cNvCxnSpPr>
+          <p:nvPr/>
+        </p:nvCxnSpPr>
+        <p:spPr>
+          <a:xfrm flipH="1" flipV="1">
+            <a:off x="5976907" y="4420708"/>
+            <a:ext cx="5605493" cy="61"/>
+          </a:xfrm>
+          <a:prstGeom prst="line">
+            <a:avLst/>
+          </a:prstGeom>
+          <a:ln w="38100">
+            <a:solidFill>
+              <a:schemeClr val="accent1"/>
+            </a:solidFill>
+            <a:prstDash val="solid"/>
+          </a:ln>
+        </p:spPr>
+        <p:style>
+          <a:lnRef idx="1">
+            <a:schemeClr val="accent1"/>
+          </a:lnRef>
+          <a:fillRef idx="0">
+            <a:schemeClr val="accent1"/>
+          </a:fillRef>
+          <a:effectRef idx="0">
+            <a:schemeClr val="accent1"/>
+          </a:effectRef>
+          <a:fontRef idx="minor">
+            <a:schemeClr val="tx1"/>
+          </a:fontRef>
+        </p:style>
+      </p:cxnSp>
+      <p:sp>
+        <p:nvSpPr>
+          <p:cNvPr id="6" name="TextBox 5">
+            <a:extLst>
+              <a:ext uri="{FF2B5EF4-FFF2-40B4-BE49-F238E27FC236}">
+                <a16:creationId xmlns:a16="http://schemas.microsoft.com/office/drawing/2014/main" id="{E440B2AC-B8A0-1343-A396-24B3AEA93FFA}"/>
+              </a:ext>
+            </a:extLst>
+          </p:cNvPr>
+          <p:cNvSpPr txBox="1"/>
+          <p:nvPr/>
+        </p:nvSpPr>
+        <p:spPr>
+          <a:xfrm>
+            <a:off x="6479504" y="4572000"/>
+            <a:ext cx="710451" cy="261610"/>
+          </a:xfrm>
+          <a:prstGeom prst="rect">
+            <a:avLst/>
+          </a:prstGeom>
+          <a:solidFill>
+            <a:schemeClr val="bg1"/>
+          </a:solidFill>
+        </p:spPr>
+        <p:txBody>
+          <a:bodyPr wrap="none" rtlCol="0">
+            <a:spAutoFit/>
+          </a:bodyPr>
+          <a:lstStyle/>
+          <a:p>
+            <a:pPr algn="ctr"/>
+            <a:r>
+              <a:rPr lang="en-US" sz="1100" b="1" dirty="0"/>
+              <a:t>Morning</a:t>
+            </a:r>
+          </a:p>
+        </p:txBody>
+      </p:sp>
+      <p:sp>
+        <p:nvSpPr>
+          <p:cNvPr id="51" name="TextBox 50">
+            <a:extLst>
+              <a:ext uri="{FF2B5EF4-FFF2-40B4-BE49-F238E27FC236}">
+                <a16:creationId xmlns:a16="http://schemas.microsoft.com/office/drawing/2014/main" id="{8F5B33BA-DA77-B645-9134-433D789E7F95}"/>
+              </a:ext>
+            </a:extLst>
+          </p:cNvPr>
+          <p:cNvSpPr txBox="1"/>
+          <p:nvPr/>
+        </p:nvSpPr>
+        <p:spPr>
+          <a:xfrm>
+            <a:off x="7509921" y="4572000"/>
+            <a:ext cx="784190" cy="261610"/>
+          </a:xfrm>
+          <a:prstGeom prst="rect">
+            <a:avLst/>
+          </a:prstGeom>
+          <a:solidFill>
+            <a:schemeClr val="bg1"/>
+          </a:solidFill>
+        </p:spPr>
+        <p:txBody>
+          <a:bodyPr wrap="none" rtlCol="0">
+            <a:spAutoFit/>
+          </a:bodyPr>
+          <a:lstStyle/>
+          <a:p>
+            <a:pPr algn="ctr"/>
+            <a:r>
+              <a:rPr lang="en-US" sz="1100" b="1" dirty="0"/>
+              <a:t>Afternoon</a:t>
+            </a:r>
+          </a:p>
+        </p:txBody>
+      </p:sp>
+      <p:sp>
+        <p:nvSpPr>
+          <p:cNvPr id="59" name="TextBox 58">
+            <a:extLst>
+              <a:ext uri="{FF2B5EF4-FFF2-40B4-BE49-F238E27FC236}">
+                <a16:creationId xmlns:a16="http://schemas.microsoft.com/office/drawing/2014/main" id="{8FDB399F-2A03-DB48-A072-4938C3BF85A8}"/>
+              </a:ext>
+            </a:extLst>
+          </p:cNvPr>
+          <p:cNvSpPr txBox="1"/>
+          <p:nvPr/>
+        </p:nvSpPr>
+        <p:spPr>
+          <a:xfrm>
+            <a:off x="8752037" y="4572000"/>
+            <a:ext cx="710451" cy="261610"/>
+          </a:xfrm>
+          <a:prstGeom prst="rect">
+            <a:avLst/>
+          </a:prstGeom>
+          <a:solidFill>
+            <a:schemeClr val="bg1"/>
+          </a:solidFill>
+        </p:spPr>
+        <p:txBody>
+          <a:bodyPr wrap="square" rtlCol="0">
+            <a:spAutoFit/>
+          </a:bodyPr>
+          <a:lstStyle/>
+          <a:p>
+            <a:pPr algn="ctr"/>
+            <a:r>
+              <a:rPr lang="en-US" sz="1100" b="1" dirty="0"/>
+              <a:t>Evening</a:t>
+            </a:r>
+          </a:p>
+        </p:txBody>
+      </p:sp>
+      <p:sp>
+        <p:nvSpPr>
+          <p:cNvPr id="60" name="TextBox 59">
+            <a:extLst>
+              <a:ext uri="{FF2B5EF4-FFF2-40B4-BE49-F238E27FC236}">
+                <a16:creationId xmlns:a16="http://schemas.microsoft.com/office/drawing/2014/main" id="{63210361-49C2-7C41-A50A-19F6F366ADA1}"/>
+              </a:ext>
+            </a:extLst>
+          </p:cNvPr>
+          <p:cNvSpPr txBox="1"/>
+          <p:nvPr/>
+        </p:nvSpPr>
+        <p:spPr>
+          <a:xfrm>
+            <a:off x="9863667" y="4572000"/>
+            <a:ext cx="651933" cy="261610"/>
+          </a:xfrm>
+          <a:prstGeom prst="rect">
+            <a:avLst/>
+          </a:prstGeom>
+          <a:solidFill>
+            <a:schemeClr val="bg1"/>
+          </a:solidFill>
+        </p:spPr>
+        <p:txBody>
+          <a:bodyPr wrap="square" rtlCol="0">
+            <a:spAutoFit/>
+          </a:bodyPr>
+          <a:lstStyle/>
+          <a:p>
+            <a:pPr algn="ctr"/>
+            <a:r>
+              <a:rPr lang="en-US" sz="1100" b="1" dirty="0"/>
+              <a:t>Night</a:t>
+            </a:r>
+          </a:p>
+        </p:txBody>
+      </p:sp>
+      <p:sp>
+        <p:nvSpPr>
+          <p:cNvPr id="61" name="TextBox 60">
+            <a:extLst>
+              <a:ext uri="{FF2B5EF4-FFF2-40B4-BE49-F238E27FC236}">
+                <a16:creationId xmlns:a16="http://schemas.microsoft.com/office/drawing/2014/main" id="{FB9FE941-6F1A-C949-B445-4897F3A8085A}"/>
+              </a:ext>
+            </a:extLst>
+          </p:cNvPr>
+          <p:cNvSpPr txBox="1"/>
+          <p:nvPr/>
+        </p:nvSpPr>
+        <p:spPr>
+          <a:xfrm rot="16200000">
+            <a:off x="6144704" y="5736907"/>
+            <a:ext cx="800219" cy="261610"/>
+          </a:xfrm>
+          <a:prstGeom prst="rect">
+            <a:avLst/>
+          </a:prstGeom>
+          <a:noFill/>
+        </p:spPr>
+        <p:txBody>
+          <a:bodyPr wrap="none" rtlCol="0">
+            <a:spAutoFit/>
+          </a:bodyPr>
+          <a:lstStyle/>
+          <a:p>
+            <a:pPr algn="ctr"/>
+            <a:r>
+              <a:rPr lang="en-US" sz="1100" b="1" dirty="0"/>
+              <a:t>Avg Delay</a:t>
+            </a:r>
+          </a:p>
+        </p:txBody>
+      </p:sp>
+      <p:sp>
+        <p:nvSpPr>
+          <p:cNvPr id="62" name="TextBox 61">
+            <a:extLst>
+              <a:ext uri="{FF2B5EF4-FFF2-40B4-BE49-F238E27FC236}">
+                <a16:creationId xmlns:a16="http://schemas.microsoft.com/office/drawing/2014/main" id="{4049D585-65AA-DD41-965D-C5F035C6CBFE}"/>
+              </a:ext>
+            </a:extLst>
+          </p:cNvPr>
+          <p:cNvSpPr txBox="1"/>
+          <p:nvPr/>
+        </p:nvSpPr>
+        <p:spPr>
+          <a:xfrm rot="16200000">
+            <a:off x="6800601" y="5736908"/>
+            <a:ext cx="655950" cy="261610"/>
+          </a:xfrm>
+          <a:prstGeom prst="rect">
+            <a:avLst/>
+          </a:prstGeom>
+          <a:noFill/>
+        </p:spPr>
+        <p:txBody>
+          <a:bodyPr wrap="none" rtlCol="0">
+            <a:spAutoFit/>
+          </a:bodyPr>
+          <a:lstStyle/>
+          <a:p>
+            <a:pPr algn="ctr"/>
+            <a:r>
+              <a:rPr lang="en-US" sz="1100" b="1" dirty="0"/>
+              <a:t>Std Dev</a:t>
+            </a:r>
+          </a:p>
+        </p:txBody>
+      </p:sp>
+      <p:sp>
+        <p:nvSpPr>
+          <p:cNvPr id="63" name="TextBox 62">
+            <a:extLst>
+              <a:ext uri="{FF2B5EF4-FFF2-40B4-BE49-F238E27FC236}">
+                <a16:creationId xmlns:a16="http://schemas.microsoft.com/office/drawing/2014/main" id="{9AD14292-9901-534A-9D20-680AC6CC8861}"/>
+              </a:ext>
+            </a:extLst>
+          </p:cNvPr>
+          <p:cNvSpPr txBox="1"/>
+          <p:nvPr/>
+        </p:nvSpPr>
+        <p:spPr>
+          <a:xfrm>
+            <a:off x="6036388" y="3352800"/>
+            <a:ext cx="800219" cy="261610"/>
+          </a:xfrm>
+          <a:prstGeom prst="rect">
+            <a:avLst/>
+          </a:prstGeom>
+          <a:solidFill>
+            <a:schemeClr val="bg1"/>
+          </a:solidFill>
+        </p:spPr>
+        <p:txBody>
+          <a:bodyPr wrap="none" rtlCol="0">
+            <a:spAutoFit/>
+          </a:bodyPr>
+          <a:lstStyle/>
+          <a:p>
+            <a:pPr algn="ctr"/>
+            <a:r>
+              <a:rPr lang="en-US" sz="1100" b="1" dirty="0"/>
+              <a:t>Avg Delay</a:t>
             </a:r>
           </a:p>
         </p:txBody>

--- a/TM12_15.071_Term_Project_Poster.pptx
+++ b/TM12_15.071_Term_Project_Poster.pptx
@@ -4875,14 +4875,14 @@
           <p:nvPr>
             <p:extLst>
               <p:ext uri="{D42A27DB-BD31-4B8C-83A1-F6EECF244321}">
-                <p14:modId xmlns:p14="http://schemas.microsoft.com/office/powerpoint/2010/main" val="1474119606"/>
+                <p14:modId xmlns:p14="http://schemas.microsoft.com/office/powerpoint/2010/main" val="1259920155"/>
               </p:ext>
             </p:extLst>
           </p:nvPr>
         </p:nvGraphicFramePr>
         <p:xfrm>
           <a:off x="11621790" y="1457122"/>
-          <a:ext cx="5561354" cy="1596796"/>
+          <a:ext cx="5561354" cy="1405248"/>
         </p:xfrm>
         <a:graphic>
           <a:graphicData uri="http://schemas.openxmlformats.org/drawingml/2006/table">
@@ -4991,7 +4991,7 @@
                     <a:p>
                       <a:r>
                         <a:rPr lang="en-US" sz="1600" dirty="0"/>
-                        <a:t>Linear Regression (all variables)</a:t>
+                        <a:t>Linear Regression</a:t>
                       </a:r>
                     </a:p>
                   </a:txBody>
@@ -5030,7 +5030,7 @@
                     <a:p>
                       <a:r>
                         <a:rPr lang="en-US" sz="1600" dirty="0"/>
-                        <a:t>216.7</a:t>
+                        <a:t>26.4</a:t>
                       </a:r>
                     </a:p>
                   </a:txBody>
@@ -5050,7 +5050,7 @@
                     <a:p>
                       <a:r>
                         <a:rPr lang="en-US" sz="1600" dirty="0"/>
-                        <a:t>CART (cp = 8e-05)</a:t>
+                        <a:t>CART (cp = 1e-04)</a:t>
                       </a:r>
                     </a:p>
                   </a:txBody>
@@ -5063,7 +5063,7 @@
                     <a:p>
                       <a:r>
                         <a:rPr lang="en-US" sz="1600" dirty="0"/>
-                        <a:t>0.06213</a:t>
+                        <a:t>0.1018</a:t>
                       </a:r>
                     </a:p>
                   </a:txBody>
@@ -5076,7 +5076,7 @@
                     <a:p>
                       <a:r>
                         <a:rPr lang="en-US" sz="1600" dirty="0"/>
-                        <a:t>19.08</a:t>
+                        <a:t>16.98</a:t>
                       </a:r>
                     </a:p>
                   </a:txBody>
@@ -5089,7 +5089,7 @@
                     <a:p>
                       <a:r>
                         <a:rPr lang="en-US" sz="1600" dirty="0"/>
-                        <a:t>561.3</a:t>
+                        <a:t>25.86</a:t>
                       </a:r>
                     </a:p>
                   </a:txBody>
@@ -5122,7 +5122,7 @@
                     <a:p>
                       <a:r>
                         <a:rPr lang="en-US" sz="1600" dirty="0"/>
-                        <a:t>0.037</a:t>
+                        <a:t>0.06255</a:t>
                       </a:r>
                     </a:p>
                   </a:txBody>
@@ -5133,7 +5133,10 @@
                     <a:bodyPr/>
                     <a:lstStyle/>
                     <a:p>
-                      <a:endParaRPr lang="en-US" sz="1600" dirty="0"/>
+                      <a:r>
+                        <a:rPr lang="en-US" sz="1600" dirty="0"/>
+                        <a:t>17.33</a:t>
+                      </a:r>
                     </a:p>
                   </a:txBody>
                   <a:tcPr/>
@@ -5143,7 +5146,10 @@
                     <a:bodyPr/>
                     <a:lstStyle/>
                     <a:p>
-                      <a:endParaRPr lang="en-US" sz="1600" dirty="0"/>
+                      <a:r>
+                        <a:rPr lang="en-US" sz="1600" dirty="0"/>
+                        <a:t>26.44</a:t>
+                      </a:r>
                     </a:p>
                   </a:txBody>
                   <a:tcPr/>
@@ -5200,7 +5206,7 @@
             </a:r>
             <a:r>
               <a:rPr lang="en-US" sz="2000" dirty="0"/>
-              <a:t> delay (customer focus) for all flights during a given hour; all flights of a carrier during an hour (</a:t>
+              <a:t> delay (customer focus) for all flights of a carrier during an hour (</a:t>
             </a:r>
             <a:r>
               <a:rPr lang="en-US" sz="2000" b="1" dirty="0"/>
@@ -5253,6 +5259,29 @@
           <a:prstGeom prst="upArrow">
             <a:avLst/>
           </a:prstGeom>
+          <a:gradFill flip="none" rotWithShape="1">
+            <a:gsLst>
+              <a:gs pos="0">
+                <a:schemeClr val="accent2">
+                  <a:lumMod val="67000"/>
+                </a:schemeClr>
+              </a:gs>
+              <a:gs pos="48000">
+                <a:schemeClr val="accent2">
+                  <a:lumMod val="97000"/>
+                  <a:lumOff val="3000"/>
+                </a:schemeClr>
+              </a:gs>
+              <a:gs pos="100000">
+                <a:schemeClr val="accent2">
+                  <a:lumMod val="60000"/>
+                  <a:lumOff val="40000"/>
+                </a:schemeClr>
+              </a:gs>
+            </a:gsLst>
+            <a:lin ang="5400000" scaled="0"/>
+            <a:tileRect/>
+          </a:gradFill>
         </p:spPr>
         <p:style>
           <a:lnRef idx="1">
@@ -5291,7 +5320,7 @@
         </p:nvSpPr>
         <p:spPr>
           <a:xfrm>
-            <a:off x="5923451" y="9139228"/>
+            <a:off x="5923451" y="9144000"/>
             <a:ext cx="430887" cy="1591127"/>
           </a:xfrm>
           <a:prstGeom prst="rect">
@@ -7489,23 +7518,28 @@
           <a:prstGeom prst="upArrow">
             <a:avLst/>
           </a:prstGeom>
-          <a:gradFill>
+          <a:gradFill flip="none" rotWithShape="1">
             <a:gsLst>
               <a:gs pos="0">
-                <a:schemeClr val="accent1">
-                  <a:shade val="30000"/>
-                  <a:satMod val="115000"/>
+                <a:schemeClr val="accent2">
+                  <a:lumMod val="67000"/>
+                </a:schemeClr>
+              </a:gs>
+              <a:gs pos="48000">
+                <a:schemeClr val="accent2">
                   <a:lumMod val="97000"/>
+                  <a:lumOff val="3000"/>
                 </a:schemeClr>
               </a:gs>
               <a:gs pos="100000">
-                <a:schemeClr val="accent1">
-                  <a:shade val="67500"/>
-                  <a:satMod val="115000"/>
+                <a:schemeClr val="accent2">
+                  <a:lumMod val="60000"/>
+                  <a:lumOff val="40000"/>
                 </a:schemeClr>
               </a:gs>
             </a:gsLst>
-            <a:lin ang="0" scaled="1"/>
+            <a:lin ang="5400000" scaled="0"/>
+            <a:tileRect/>
           </a:gradFill>
         </p:spPr>
         <p:style>
@@ -7546,7 +7580,7 @@
         <p:spPr>
           <a:xfrm>
             <a:off x="11614808" y="5715000"/>
-            <a:ext cx="5553018" cy="5016758"/>
+            <a:ext cx="5553018" cy="4708981"/>
           </a:xfrm>
           <a:prstGeom prst="rect">
             <a:avLst/>
@@ -7565,7 +7599,7 @@
             </a:pPr>
             <a:r>
               <a:rPr lang="en-US" sz="2000" dirty="0"/>
-              <a:t>Our model can predict flight delays…</a:t>
+              <a:t>Travelers can use the model to predict flight delays and inform decisions to reduce the occurrence and duration of delay.</a:t>
             </a:r>
           </a:p>
           <a:p>
@@ -7573,7 +7607,48 @@
               <a:buFont typeface="Arial" panose="020B0604020202020204" pitchFamily="34" charset="0"/>
               <a:buChar char="•"/>
             </a:pPr>
-            <a:endParaRPr lang="en-US" sz="2000" dirty="0"/>
+            <a:r>
+              <a:rPr lang="en-US" sz="2000" b="1" dirty="0"/>
+              <a:t>Use Case</a:t>
+            </a:r>
+            <a:r>
+              <a:rPr lang="en-US" sz="2000" dirty="0"/>
+              <a:t>: Evening flight (7pm) on Dec 19 (Thurs), BOS to ORD (867 miles) via Jet Blue.</a:t>
+            </a:r>
+          </a:p>
+          <a:p>
+            <a:pPr marL="573128" lvl="1" indent="-285750">
+              <a:buFont typeface="Arial" panose="020B0604020202020204" pitchFamily="34" charset="0"/>
+              <a:buChar char="•"/>
+            </a:pPr>
+            <a:r>
+              <a:rPr lang="en-US" sz="2000" dirty="0"/>
+              <a:t>Predicted Delay: 16 mins</a:t>
+            </a:r>
+          </a:p>
+          <a:p>
+            <a:pPr marL="573128" lvl="1" indent="-285750">
+              <a:buFont typeface="Arial" panose="020B0604020202020204" pitchFamily="34" charset="0"/>
+              <a:buChar char="•"/>
+            </a:pPr>
+            <a:r>
+              <a:rPr lang="en-US" sz="2000" dirty="0"/>
+              <a:t>Recommendation 1: switch carrier to American and reduce delay by 10 mins</a:t>
+            </a:r>
+          </a:p>
+          <a:p>
+            <a:pPr marL="573128" lvl="1" indent="-285750">
+              <a:buFont typeface="Arial" panose="020B0604020202020204" pitchFamily="34" charset="0"/>
+              <a:buChar char="•"/>
+            </a:pPr>
+            <a:r>
+              <a:rPr lang="en-US" sz="2000"/>
+              <a:t>Recommendation 2: </a:t>
+            </a:r>
+            <a:r>
+              <a:rPr lang="en-US" sz="2000" dirty="0"/>
+              <a:t>fly the following morning (Fri) to eliminate delay</a:t>
+            </a:r>
           </a:p>
           <a:p>
             <a:pPr marL="285750" indent="-285750">
@@ -7581,38 +7656,12 @@
               <a:buChar char="•"/>
             </a:pPr>
             <a:r>
+              <a:rPr lang="en-US" sz="2000" b="1" dirty="0"/>
+              <a:t>Limitation</a:t>
+            </a:r>
+            <a:r>
               <a:rPr lang="en-US" sz="2000" dirty="0"/>
-              <a:t>Use Case: Evening flight (8pm) on Dec 19 (Thurs), BOS to SFO (2,704 miles) via Jet Blue.</a:t>
-            </a:r>
-          </a:p>
-          <a:p>
-            <a:pPr marL="573128" lvl="1" indent="-285750">
-              <a:buFont typeface="Arial" panose="020B0604020202020204" pitchFamily="34" charset="0"/>
-              <a:buChar char="•"/>
-            </a:pPr>
-            <a:r>
-              <a:rPr lang="en-US" sz="2000" dirty="0"/>
-              <a:t>Predicted Delay: 20 mins</a:t>
-            </a:r>
-          </a:p>
-          <a:p>
-            <a:pPr marL="573128" lvl="1" indent="-285750">
-              <a:buFont typeface="Arial" panose="020B0604020202020204" pitchFamily="34" charset="0"/>
-              <a:buChar char="•"/>
-            </a:pPr>
-            <a:r>
-              <a:rPr lang="en-US" sz="2000" dirty="0"/>
-              <a:t>Recommendation: switch to morning flight (1000) and reduce delay by … mins</a:t>
-            </a:r>
-          </a:p>
-          <a:p>
-            <a:pPr marL="573128" lvl="1" indent="-285750">
-              <a:buFont typeface="Arial" panose="020B0604020202020204" pitchFamily="34" charset="0"/>
-              <a:buChar char="•"/>
-            </a:pPr>
-            <a:r>
-              <a:rPr lang="en-US" sz="2000" dirty="0"/>
-              <a:t>Recommendation: switch carrier to … and reduce delay by … mins</a:t>
+              <a:t>: model neglects dependency across flights</a:t>
             </a:r>
           </a:p>
           <a:p>
@@ -7620,33 +7669,13 @@
               <a:buFont typeface="Arial" panose="020B0604020202020204" pitchFamily="34" charset="0"/>
               <a:buChar char="•"/>
             </a:pPr>
-            <a:endParaRPr lang="en-US" sz="2000" dirty="0"/>
-          </a:p>
-          <a:p>
-            <a:pPr marL="285750" indent="-285750">
-              <a:buFont typeface="Arial" panose="020B0604020202020204" pitchFamily="34" charset="0"/>
-              <a:buChar char="•"/>
-            </a:pPr>
-            <a:endParaRPr lang="en-US" sz="2000" dirty="0"/>
-          </a:p>
-          <a:p>
-            <a:pPr marL="285750" indent="-285750">
-              <a:buFont typeface="Arial" panose="020B0604020202020204" pitchFamily="34" charset="0"/>
-              <a:buChar char="•"/>
-            </a:pPr>
+            <a:r>
+              <a:rPr lang="en-US" sz="2000" b="1" dirty="0"/>
+              <a:t>Future Work</a:t>
+            </a:r>
             <a:r>
               <a:rPr lang="en-US" sz="2000" dirty="0"/>
-              <a:t>Limitation: our model views flights independently; in reality there is dependency across flights</a:t>
-            </a:r>
-          </a:p>
-          <a:p>
-            <a:pPr marL="285750" indent="-285750">
-              <a:buFont typeface="Arial" panose="020B0604020202020204" pitchFamily="34" charset="0"/>
-              <a:buChar char="•"/>
-            </a:pPr>
-            <a:r>
-              <a:rPr lang="en-US" sz="2000" dirty="0"/>
-              <a:t>Future work: flight cancelation, incorporate weather metrics, additional airports, explore connections between flights</a:t>
+              <a:t>: predict flight cancelation, incorporate weather metrics, additional airports, explore dependency between flights</a:t>
             </a:r>
           </a:p>
         </p:txBody>
@@ -7665,7 +7694,7 @@
         </p:nvSpPr>
         <p:spPr>
           <a:xfrm>
-            <a:off x="11625958" y="3038948"/>
+            <a:off x="11625958" y="2971800"/>
             <a:ext cx="5553018" cy="2246769"/>
           </a:xfrm>
           <a:prstGeom prst="rect">
@@ -7705,7 +7734,7 @@
             </a:pPr>
             <a:r>
               <a:rPr lang="en-US" sz="2000" dirty="0"/>
-              <a:t>CART (with cross-validated cp=8e-05) results in the best performance</a:t>
+              <a:t>CART (with cross-validated cp=1e-04) results in the best performance</a:t>
             </a:r>
           </a:p>
         </p:txBody>

--- a/TM12_15.071_Term_Project_Poster.pptx
+++ b/TM12_15.071_Term_Project_Poster.pptx
@@ -5,14 +5,13 @@
     <p:sldMasterId id="2147484088" r:id="rId1"/>
   </p:sldMasterIdLst>
   <p:notesMasterIdLst>
-    <p:notesMasterId r:id="rId4"/>
+    <p:notesMasterId r:id="rId3"/>
   </p:notesMasterIdLst>
   <p:handoutMasterIdLst>
-    <p:handoutMasterId r:id="rId5"/>
+    <p:handoutMasterId r:id="rId4"/>
   </p:handoutMasterIdLst>
   <p:sldIdLst>
     <p:sldId id="1445" r:id="rId2"/>
-    <p:sldId id="1443" r:id="rId3"/>
   </p:sldIdLst>
   <p:sldSz cx="17373600" cy="11887200"/>
   <p:notesSz cx="9144000" cy="6858000"/>
@@ -3311,7 +3310,7 @@
               <a:rPr lang="en-US" sz="2600" b="1" dirty="0">
                 <a:latin typeface="+mj-lt"/>
               </a:rPr>
-              <a:t>Executive summary</a:t>
+              <a:t>Executive Summary</a:t>
             </a:r>
           </a:p>
         </p:txBody>
@@ -4125,7 +4124,7 @@
             <a:pPr algn="just"/>
             <a:r>
               <a:rPr lang="en-US" sz="2000" dirty="0"/>
-              <a:t>Using commercial aviation data, we created a model that predicts the delay times for future flights. This provides travelers with decision-relevant information they can use to reduce the occurrence and duration of travel delays.</a:t>
+              <a:t>Using commercial aviation data, we created a model that predicts the delay times for future flights. This provides travelers with decision-relevant information they can use to reduce the duration of their travel delays.</a:t>
             </a:r>
           </a:p>
         </p:txBody>
@@ -4330,114 +4329,6 @@
       </p:sp>
       <p:pic>
         <p:nvPicPr>
-          <p:cNvPr id="3" name="Picture 2">
-            <a:extLst>
-              <a:ext uri="{FF2B5EF4-FFF2-40B4-BE49-F238E27FC236}">
-                <a16:creationId xmlns:a16="http://schemas.microsoft.com/office/drawing/2014/main" id="{44965ADB-8B32-554C-A020-9256A8C4C536}"/>
-              </a:ext>
-            </a:extLst>
-          </p:cNvPr>
-          <p:cNvPicPr>
-            <a:picLocks noChangeAspect="1"/>
-          </p:cNvPicPr>
-          <p:nvPr/>
-        </p:nvPicPr>
-        <p:blipFill>
-          <a:blip r:embed="rId6">
-            <a:extLst>
-              <a:ext uri="{28A0092B-C50C-407E-A947-70E740481C1C}">
-                <a14:useLocalDpi xmlns:a14="http://schemas.microsoft.com/office/drawing/2010/main" val="0"/>
-              </a:ext>
-            </a:extLst>
-          </a:blip>
-          <a:stretch>
-            <a:fillRect/>
-          </a:stretch>
-        </p:blipFill>
-        <p:spPr>
-          <a:xfrm>
-            <a:off x="19208535" y="-1057966"/>
-            <a:ext cx="10944492" cy="5360946"/>
-          </a:xfrm>
-          <a:prstGeom prst="rect">
-            <a:avLst/>
-          </a:prstGeom>
-        </p:spPr>
-      </p:pic>
-      <p:pic>
-        <p:nvPicPr>
-          <p:cNvPr id="13" name="Picture 12">
-            <a:extLst>
-              <a:ext uri="{FF2B5EF4-FFF2-40B4-BE49-F238E27FC236}">
-                <a16:creationId xmlns:a16="http://schemas.microsoft.com/office/drawing/2014/main" id="{07113625-5CC8-264B-8982-024A3D490E98}"/>
-              </a:ext>
-            </a:extLst>
-          </p:cNvPr>
-          <p:cNvPicPr>
-            <a:picLocks noChangeAspect="1"/>
-          </p:cNvPicPr>
-          <p:nvPr/>
-        </p:nvPicPr>
-        <p:blipFill>
-          <a:blip r:embed="rId7">
-            <a:extLst>
-              <a:ext uri="{28A0092B-C50C-407E-A947-70E740481C1C}">
-                <a14:useLocalDpi xmlns:a14="http://schemas.microsoft.com/office/drawing/2010/main" val="0"/>
-              </a:ext>
-            </a:extLst>
-          </a:blip>
-          <a:stretch>
-            <a:fillRect/>
-          </a:stretch>
-        </p:blipFill>
-        <p:spPr>
-          <a:xfrm>
-            <a:off x="17703883" y="2721203"/>
-            <a:ext cx="11935694" cy="5360946"/>
-          </a:xfrm>
-          <a:prstGeom prst="rect">
-            <a:avLst/>
-          </a:prstGeom>
-        </p:spPr>
-      </p:pic>
-      <p:pic>
-        <p:nvPicPr>
-          <p:cNvPr id="9" name="Picture 8">
-            <a:extLst>
-              <a:ext uri="{FF2B5EF4-FFF2-40B4-BE49-F238E27FC236}">
-                <a16:creationId xmlns:a16="http://schemas.microsoft.com/office/drawing/2014/main" id="{62E7F738-D0D9-124D-8742-3A45A503E498}"/>
-              </a:ext>
-            </a:extLst>
-          </p:cNvPr>
-          <p:cNvPicPr>
-            <a:picLocks noChangeAspect="1"/>
-          </p:cNvPicPr>
-          <p:nvPr/>
-        </p:nvPicPr>
-        <p:blipFill>
-          <a:blip r:embed="rId8">
-            <a:extLst>
-              <a:ext uri="{28A0092B-C50C-407E-A947-70E740481C1C}">
-                <a14:useLocalDpi xmlns:a14="http://schemas.microsoft.com/office/drawing/2010/main" val="0"/>
-              </a:ext>
-            </a:extLst>
-          </a:blip>
-          <a:stretch>
-            <a:fillRect/>
-          </a:stretch>
-        </p:blipFill>
-        <p:spPr>
-          <a:xfrm>
-            <a:off x="18768151" y="8760222"/>
-            <a:ext cx="4023113" cy="1621483"/>
-          </a:xfrm>
-          <a:prstGeom prst="rect">
-            <a:avLst/>
-          </a:prstGeom>
-        </p:spPr>
-      </p:pic>
-      <p:pic>
-        <p:nvPicPr>
           <p:cNvPr id="43" name="Picture 42">
             <a:extLst>
               <a:ext uri="{FF2B5EF4-FFF2-40B4-BE49-F238E27FC236}">
@@ -4451,7 +4342,7 @@
           <p:nvPr/>
         </p:nvPicPr>
         <p:blipFill rotWithShape="1">
-          <a:blip r:embed="rId9">
+          <a:blip r:embed="rId6">
             <a:extLst>
               <a:ext uri="{28A0092B-C50C-407E-A947-70E740481C1C}">
                 <a14:useLocalDpi xmlns:a14="http://schemas.microsoft.com/office/drawing/2010/main" val="0"/>
@@ -4473,42 +4364,6 @@
       </p:pic>
       <p:pic>
         <p:nvPicPr>
-          <p:cNvPr id="44" name="Picture 43">
-            <a:extLst>
-              <a:ext uri="{FF2B5EF4-FFF2-40B4-BE49-F238E27FC236}">
-                <a16:creationId xmlns:a16="http://schemas.microsoft.com/office/drawing/2014/main" id="{4259C4C8-A9A2-8D45-B4E5-A334F7FE4F0E}"/>
-              </a:ext>
-            </a:extLst>
-          </p:cNvPr>
-          <p:cNvPicPr>
-            <a:picLocks noChangeAspect="1"/>
-          </p:cNvPicPr>
-          <p:nvPr/>
-        </p:nvPicPr>
-        <p:blipFill>
-          <a:blip r:embed="rId9">
-            <a:extLst>
-              <a:ext uri="{28A0092B-C50C-407E-A947-70E740481C1C}">
-                <a14:useLocalDpi xmlns:a14="http://schemas.microsoft.com/office/drawing/2010/main" val="0"/>
-              </a:ext>
-            </a:extLst>
-          </a:blip>
-          <a:stretch>
-            <a:fillRect/>
-          </a:stretch>
-        </p:blipFill>
-        <p:spPr>
-          <a:xfrm>
-            <a:off x="18666736" y="11366825"/>
-            <a:ext cx="5510485" cy="2492293"/>
-          </a:xfrm>
-          <a:prstGeom prst="rect">
-            <a:avLst/>
-          </a:prstGeom>
-        </p:spPr>
-      </p:pic>
-      <p:pic>
-        <p:nvPicPr>
           <p:cNvPr id="48" name="Picture 47">
             <a:extLst>
               <a:ext uri="{FF2B5EF4-FFF2-40B4-BE49-F238E27FC236}">
@@ -4522,7 +4377,7 @@
           <p:nvPr/>
         </p:nvPicPr>
         <p:blipFill rotWithShape="1">
-          <a:blip r:embed="rId9">
+          <a:blip r:embed="rId6">
             <a:extLst>
               <a:ext uri="{28A0092B-C50C-407E-A947-70E740481C1C}">
                 <a14:useLocalDpi xmlns:a14="http://schemas.microsoft.com/office/drawing/2010/main" val="0"/>
@@ -5253,8 +5108,8 @@
         </p:nvSpPr>
         <p:spPr>
           <a:xfrm>
-            <a:off x="6065457" y="7331223"/>
-            <a:ext cx="146875" cy="1873757"/>
+            <a:off x="6065457" y="7593896"/>
+            <a:ext cx="146875" cy="1629281"/>
           </a:xfrm>
           <a:prstGeom prst="upArrow">
             <a:avLst/>
@@ -5263,19 +5118,14 @@
             <a:gsLst>
               <a:gs pos="0">
                 <a:schemeClr val="accent2">
-                  <a:lumMod val="67000"/>
-                </a:schemeClr>
-              </a:gs>
-              <a:gs pos="48000">
-                <a:schemeClr val="accent2">
-                  <a:lumMod val="97000"/>
-                  <a:lumOff val="3000"/>
+                  <a:lumMod val="50000"/>
+                  <a:lumOff val="50000"/>
                 </a:schemeClr>
               </a:gs>
               <a:gs pos="100000">
                 <a:schemeClr val="accent2">
-                  <a:lumMod val="60000"/>
-                  <a:lumOff val="40000"/>
+                  <a:lumMod val="10000"/>
+                  <a:lumOff val="90000"/>
                 </a:schemeClr>
               </a:gs>
             </a:gsLst>
@@ -5320,8 +5170,8 @@
         </p:nvSpPr>
         <p:spPr>
           <a:xfrm>
-            <a:off x="5923451" y="9144000"/>
-            <a:ext cx="430887" cy="1591127"/>
+            <a:off x="5923451" y="9277572"/>
+            <a:ext cx="430887" cy="1512862"/>
           </a:xfrm>
           <a:prstGeom prst="rect">
             <a:avLst/>
@@ -5334,6 +5184,7 @@
           </a:bodyPr>
           <a:lstStyle/>
           <a:p>
+            <a:pPr algn="ctr"/>
             <a:r>
               <a:rPr lang="en-US" sz="1600" b="1" dirty="0"/>
               <a:t>Delay Increases</a:t>
@@ -5391,7 +5242,7 @@
           <p:nvPr>
             <p:extLst>
               <p:ext uri="{D42A27DB-BD31-4B8C-83A1-F6EECF244321}">
-                <p14:modId xmlns:p14="http://schemas.microsoft.com/office/powerpoint/2010/main" val="3562095447"/>
+                <p14:modId xmlns:p14="http://schemas.microsoft.com/office/powerpoint/2010/main" val="1030605564"/>
               </p:ext>
             </p:extLst>
           </p:nvPr>
@@ -5681,7 +5532,7 @@
                         <a:rPr lang="en-US" sz="1400" u="none" strike="noStrike" dirty="0">
                           <a:effectLst/>
                         </a:rPr>
-                        <a:t>MSN</a:t>
+                        <a:t>ORF</a:t>
                       </a:r>
                       <a:endParaRPr lang="en-US" sz="1400" b="0" i="0" u="none" strike="noStrike" dirty="0">
                         <a:solidFill>
@@ -5838,7 +5689,7 @@
                         <a:rPr lang="en-US" sz="1400" u="none" strike="noStrike" dirty="0">
                           <a:effectLst/>
                         </a:rPr>
-                        <a:t>PDX</a:t>
+                        <a:t>FLL</a:t>
                       </a:r>
                       <a:endParaRPr lang="en-US" sz="1400" b="0" i="0" u="none" strike="noStrike" dirty="0">
                         <a:solidFill>
@@ -5995,7 +5846,7 @@
                         <a:rPr lang="en-US" sz="1400" u="none" strike="noStrike" dirty="0">
                           <a:effectLst/>
                         </a:rPr>
-                        <a:t>SYR</a:t>
+                        <a:t>OAK</a:t>
                       </a:r>
                       <a:endParaRPr lang="en-US" sz="1400" b="0" i="0" u="none" strike="noStrike" dirty="0">
                         <a:solidFill>
@@ -6152,7 +6003,7 @@
                         <a:rPr lang="en-US" sz="1400" u="none" strike="noStrike" dirty="0">
                           <a:effectLst/>
                         </a:rPr>
-                        <a:t>SAN</a:t>
+                        <a:t>SMF</a:t>
                       </a:r>
                       <a:endParaRPr lang="en-US" sz="1400" b="0" i="0" u="none" strike="noStrike" dirty="0">
                         <a:solidFill>
@@ -6306,18 +6157,15 @@
                     <a:p>
                       <a:pPr algn="l" rtl="0" fontAlgn="ctr"/>
                       <a:r>
-                        <a:rPr lang="en-US" sz="1400" u="none" strike="noStrike" dirty="0">
+                        <a:rPr lang="en-US" sz="1400" b="0" i="0" u="none" strike="noStrike" dirty="0">
+                          <a:solidFill>
+                            <a:srgbClr val="000000"/>
+                          </a:solidFill>
                           <a:effectLst/>
+                          <a:latin typeface="Garamond" panose="02020404030301010803" pitchFamily="18" charset="0"/>
                         </a:rPr>
-                        <a:t>.</a:t>
+                        <a:t>SJC</a:t>
                       </a:r>
-                      <a:endParaRPr lang="en-US" sz="1400" b="0" i="0" u="none" strike="noStrike" dirty="0">
-                        <a:solidFill>
-                          <a:srgbClr val="000000"/>
-                        </a:solidFill>
-                        <a:effectLst/>
-                        <a:latin typeface="Garamond" panose="02020404030301010803" pitchFamily="18" charset="0"/>
-                      </a:endParaRPr>
                     </a:p>
                   </a:txBody>
                   <a:tcPr marR="9525" marT="9525" marB="0" anchor="ctr">
@@ -6777,18 +6625,15 @@
                     <a:p>
                       <a:pPr algn="l" rtl="0" fontAlgn="ctr"/>
                       <a:r>
-                        <a:rPr lang="en-US" sz="1400" u="none" strike="noStrike">
+                        <a:rPr lang="en-US" sz="1400" b="0" i="0" u="none" strike="noStrike" dirty="0">
+                          <a:solidFill>
+                            <a:srgbClr val="000000"/>
+                          </a:solidFill>
                           <a:effectLst/>
+                          <a:latin typeface="Garamond" panose="02020404030301010803" pitchFamily="18" charset="0"/>
                         </a:rPr>
-                        <a:t>SJC</a:t>
+                        <a:t>.</a:t>
                       </a:r>
-                      <a:endParaRPr lang="en-US" sz="1400" b="0" i="0" u="none" strike="noStrike">
-                        <a:solidFill>
-                          <a:srgbClr val="000000"/>
-                        </a:solidFill>
-                        <a:effectLst/>
-                        <a:latin typeface="Garamond" panose="02020404030301010803" pitchFamily="18" charset="0"/>
-                      </a:endParaRPr>
                     </a:p>
                   </a:txBody>
                   <a:tcPr marR="9525" marT="9525" marB="0" anchor="ctr">
@@ -6934,18 +6779,15 @@
                     <a:p>
                       <a:pPr algn="l" rtl="0" fontAlgn="ctr"/>
                       <a:r>
-                        <a:rPr lang="en-US" sz="1400" u="none" strike="noStrike" dirty="0">
+                        <a:rPr lang="en-US" sz="1400" b="0" i="0" u="none" strike="noStrike" dirty="0">
+                          <a:solidFill>
+                            <a:srgbClr val="000000"/>
+                          </a:solidFill>
                           <a:effectLst/>
+                          <a:latin typeface="Garamond" panose="02020404030301010803" pitchFamily="18" charset="0"/>
                         </a:rPr>
-                        <a:t>SMF</a:t>
+                        <a:t>SAN</a:t>
                       </a:r>
-                      <a:endParaRPr lang="en-US" sz="1400" b="0" i="0" u="none" strike="noStrike" dirty="0">
-                        <a:solidFill>
-                          <a:srgbClr val="000000"/>
-                        </a:solidFill>
-                        <a:effectLst/>
-                        <a:latin typeface="Garamond" panose="02020404030301010803" pitchFamily="18" charset="0"/>
-                      </a:endParaRPr>
                     </a:p>
                   </a:txBody>
                   <a:tcPr marR="9525" marT="9525" marB="0" anchor="ctr">
@@ -7094,7 +6936,7 @@
                         <a:rPr lang="en-US" sz="1400" u="none" strike="noStrike" dirty="0">
                           <a:effectLst/>
                         </a:rPr>
-                        <a:t>OAK</a:t>
+                        <a:t>SYR</a:t>
                       </a:r>
                       <a:endParaRPr lang="en-US" sz="1400" b="0" i="0" u="none" strike="noStrike" dirty="0">
                         <a:solidFill>
@@ -7251,7 +7093,7 @@
                         <a:rPr lang="en-US" sz="1400" u="none" strike="noStrike" dirty="0">
                           <a:effectLst/>
                         </a:rPr>
-                        <a:t>FLL</a:t>
+                        <a:t>PDX</a:t>
                       </a:r>
                       <a:endParaRPr lang="en-US" sz="1400" b="0" i="0" u="none" strike="noStrike" dirty="0">
                         <a:solidFill>
@@ -7405,18 +7247,15 @@
                     <a:p>
                       <a:pPr algn="l" rtl="0" fontAlgn="ctr"/>
                       <a:r>
-                        <a:rPr lang="en-US" sz="1400" u="none" strike="noStrike" dirty="0">
+                        <a:rPr lang="en-US" sz="1400" b="0" i="0" u="none" strike="noStrike" dirty="0">
+                          <a:solidFill>
+                            <a:srgbClr val="000000"/>
+                          </a:solidFill>
                           <a:effectLst/>
+                          <a:latin typeface="Garamond" panose="02020404030301010803" pitchFamily="18" charset="0"/>
                         </a:rPr>
-                        <a:t>ORF</a:t>
+                        <a:t>MSN</a:t>
                       </a:r>
-                      <a:endParaRPr lang="en-US" sz="1400" b="0" i="0" u="none" strike="noStrike" dirty="0">
-                        <a:solidFill>
-                          <a:srgbClr val="000000"/>
-                        </a:solidFill>
-                        <a:effectLst/>
-                        <a:latin typeface="Garamond" panose="02020404030301010803" pitchFamily="18" charset="0"/>
-                      </a:endParaRPr>
                     </a:p>
                   </a:txBody>
                   <a:tcPr marR="9525" marT="9525" marB="0" anchor="ctr">
@@ -7580,7 +7419,7 @@
         <p:spPr>
           <a:xfrm>
             <a:off x="11614808" y="5715000"/>
-            <a:ext cx="5553018" cy="4708981"/>
+            <a:ext cx="5553018" cy="5016758"/>
           </a:xfrm>
           <a:prstGeom prst="rect">
             <a:avLst/>
@@ -7599,7 +7438,7 @@
             </a:pPr>
             <a:r>
               <a:rPr lang="en-US" sz="2000" dirty="0"/>
-              <a:t>Travelers can use the model to predict flight delays and inform decisions to reduce the occurrence and duration of delay.</a:t>
+              <a:t>Travelers can use the model to inform flight selection thereby reducing the occurrence or duration of their delay.</a:t>
             </a:r>
           </a:p>
           <a:p>
@@ -7613,7 +7452,7 @@
             </a:r>
             <a:r>
               <a:rPr lang="en-US" sz="2000" dirty="0"/>
-              <a:t>: Evening flight (7pm) on Dec 19 (Thurs), BOS to ORD (867 miles) via Jet Blue.</a:t>
+              <a:t>: MIT student searches for an evening flight (7pm) on Dec 19 (Thurs), BOS to ORD (867 miles) via Jet Blue.</a:t>
             </a:r>
           </a:p>
           <a:p>
@@ -7642,12 +7481,8 @@
               <a:buChar char="•"/>
             </a:pPr>
             <a:r>
-              <a:rPr lang="en-US" sz="2000"/>
-              <a:t>Recommendation 2: </a:t>
-            </a:r>
-            <a:r>
               <a:rPr lang="en-US" sz="2000" dirty="0"/>
-              <a:t>fly the following morning (Fri) to eliminate delay</a:t>
+              <a:t>Recommendation 2: fly the following morning (Fri) to eliminate delay</a:t>
             </a:r>
           </a:p>
           <a:p>
@@ -7675,7 +7510,7 @@
             </a:r>
             <a:r>
               <a:rPr lang="en-US" sz="2000" dirty="0"/>
-              <a:t>: predict flight cancelation, incorporate weather metrics, additional airports, explore dependency between flights</a:t>
+              <a:t>: predict flight cancellation, incorporate weather metrics, additional airports, explore dependency between flights</a:t>
             </a:r>
           </a:p>
         </p:txBody>
@@ -8137,1347 +7972,6 @@
     <p:extLst>
       <p:ext uri="{BB962C8B-B14F-4D97-AF65-F5344CB8AC3E}">
         <p14:creationId xmlns:p14="http://schemas.microsoft.com/office/powerpoint/2010/main" val="3222808955"/>
-      </p:ext>
-    </p:extLst>
-  </p:cSld>
-  <p:clrMapOvr>
-    <a:masterClrMapping/>
-  </p:clrMapOvr>
-</p:sld>
-</file>
-
-<file path=ppt/slides/slide2.xml><?xml version="1.0" encoding="utf-8"?>
-<p:sld xmlns:a="http://schemas.openxmlformats.org/drawingml/2006/main" xmlns:r="http://schemas.openxmlformats.org/officeDocument/2006/relationships" xmlns:p="http://schemas.openxmlformats.org/presentationml/2006/main" show="0">
-  <p:cSld>
-    <p:spTree>
-      <p:nvGrpSpPr>
-        <p:cNvPr id="1" name=""/>
-        <p:cNvGrpSpPr/>
-        <p:nvPr/>
-      </p:nvGrpSpPr>
-      <p:grpSpPr>
-        <a:xfrm>
-          <a:off x="0" y="0"/>
-          <a:ext cx="0" cy="0"/>
-          <a:chOff x="0" y="0"/>
-          <a:chExt cx="0" cy="0"/>
-        </a:xfrm>
-      </p:grpSpPr>
-      <p:sp>
-        <p:nvSpPr>
-          <p:cNvPr id="26" name="Rectangle 25">
-            <a:extLst>
-              <a:ext uri="{FF2B5EF4-FFF2-40B4-BE49-F238E27FC236}">
-                <a16:creationId xmlns:a16="http://schemas.microsoft.com/office/drawing/2014/main" id="{71147632-37C3-6B4E-8B86-3138668B1281}"/>
-              </a:ext>
-            </a:extLst>
-          </p:cNvPr>
-          <p:cNvSpPr/>
-          <p:nvPr/>
-        </p:nvSpPr>
-        <p:spPr>
-          <a:xfrm>
-            <a:off x="0" y="0"/>
-            <a:ext cx="17373600" cy="11887201"/>
-          </a:xfrm>
-          <a:prstGeom prst="rect">
-            <a:avLst/>
-          </a:prstGeom>
-          <a:blipFill dpi="0" rotWithShape="1">
-            <a:blip r:embed="rId2">
-              <a:extLst>
-                <a:ext uri="{BEBA8EAE-BF5A-486C-A8C5-ECC9F3942E4B}">
-                  <a14:imgProps xmlns:a14="http://schemas.microsoft.com/office/drawing/2010/main">
-                    <a14:imgLayer r:embed="rId3">
-                      <a14:imgEffect>
-                        <a14:colorTemperature colorTemp="5300"/>
-                      </a14:imgEffect>
-                      <a14:imgEffect>
-                        <a14:saturation sat="76000"/>
-                      </a14:imgEffect>
-                      <a14:imgEffect>
-                        <a14:brightnessContrast bright="2000" contrast="56000"/>
-                      </a14:imgEffect>
-                    </a14:imgLayer>
-                  </a14:imgProps>
-                </a:ext>
-              </a:extLst>
-            </a:blip>
-            <a:srcRect/>
-            <a:tile tx="0" ty="0" sx="100000" sy="100000" flip="xy" algn="tl"/>
-          </a:blipFill>
-          <a:ln>
-            <a:noFill/>
-          </a:ln>
-        </p:spPr>
-        <p:style>
-          <a:lnRef idx="2">
-            <a:schemeClr val="accent1">
-              <a:shade val="50000"/>
-            </a:schemeClr>
-          </a:lnRef>
-          <a:fillRef idx="1">
-            <a:schemeClr val="accent1"/>
-          </a:fillRef>
-          <a:effectRef idx="0">
-            <a:schemeClr val="accent1"/>
-          </a:effectRef>
-          <a:fontRef idx="minor">
-            <a:schemeClr val="lt1"/>
-          </a:fontRef>
-        </p:style>
-        <p:txBody>
-          <a:bodyPr rtlCol="0" anchor="ctr"/>
-          <a:lstStyle/>
-          <a:p>
-            <a:pPr algn="ctr"/>
-            <a:endParaRPr lang="en-US" sz="2377" dirty="0"/>
-          </a:p>
-        </p:txBody>
-      </p:sp>
-      <p:sp>
-        <p:nvSpPr>
-          <p:cNvPr id="5" name="Text Placeholder 3">
-            <a:extLst>
-              <a:ext uri="{FF2B5EF4-FFF2-40B4-BE49-F238E27FC236}">
-                <a16:creationId xmlns:a16="http://schemas.microsoft.com/office/drawing/2014/main" id="{C19707DB-3C5B-4A1F-B161-380ACA0B5B1F}"/>
-              </a:ext>
-            </a:extLst>
-          </p:cNvPr>
-          <p:cNvSpPr txBox="1">
-            <a:spLocks/>
-          </p:cNvSpPr>
-          <p:nvPr/>
-        </p:nvSpPr>
-        <p:spPr>
-          <a:xfrm>
-            <a:off x="4188762" y="10669852"/>
-            <a:ext cx="12367805" cy="1155700"/>
-          </a:xfrm>
-          <a:prstGeom prst="rect">
-            <a:avLst/>
-          </a:prstGeom>
-        </p:spPr>
-        <p:txBody>
-          <a:bodyPr vert="horz">
-            <a:normAutofit/>
-          </a:bodyPr>
-          <a:lstStyle>
-            <a:lvl1pPr marL="0" marR="0" indent="0" algn="l" defTabSz="914400" rtl="0" eaLnBrk="1" fontAlgn="auto" latinLnBrk="0" hangingPunct="1">
-              <a:lnSpc>
-                <a:spcPct val="100000"/>
-              </a:lnSpc>
-              <a:spcBef>
-                <a:spcPts val="700"/>
-              </a:spcBef>
-              <a:spcAft>
-                <a:spcPts val="0"/>
-              </a:spcAft>
-              <a:buClr>
-                <a:schemeClr val="accent2">
-                  <a:lumMod val="90000"/>
-                  <a:lumOff val="10000"/>
-                </a:schemeClr>
-              </a:buClr>
-              <a:buSzPct val="70000"/>
-              <a:buFont typeface="Arial"/>
-              <a:buNone/>
-              <a:tabLst/>
-              <a:defRPr kumimoji="0" sz="2900" kern="1200">
-                <a:solidFill>
-                  <a:schemeClr val="bg1"/>
-                </a:solidFill>
-                <a:latin typeface="+mn-lt"/>
-                <a:ea typeface="+mn-ea"/>
-                <a:cs typeface="+mn-cs"/>
-              </a:defRPr>
-            </a:lvl1pPr>
-            <a:lvl2pPr marL="640080" indent="-274320" algn="l" rtl="0" eaLnBrk="1" latinLnBrk="0" hangingPunct="1">
-              <a:spcBef>
-                <a:spcPts val="550"/>
-              </a:spcBef>
-              <a:buClr>
-                <a:schemeClr val="accent2">
-                  <a:lumMod val="90000"/>
-                  <a:lumOff val="10000"/>
-                </a:schemeClr>
-              </a:buClr>
-              <a:buSzPct val="70000"/>
-              <a:buFont typeface="Arial"/>
-              <a:buChar char="•"/>
-              <a:defRPr kumimoji="0" sz="2600" kern="1200">
-                <a:solidFill>
-                  <a:schemeClr val="tx1">
-                    <a:lumMod val="95000"/>
-                    <a:lumOff val="5000"/>
-                  </a:schemeClr>
-                </a:solidFill>
-                <a:latin typeface="+mn-lt"/>
-                <a:ea typeface="+mn-ea"/>
-                <a:cs typeface="+mn-cs"/>
-              </a:defRPr>
-            </a:lvl2pPr>
-            <a:lvl3pPr marL="914400" indent="-228600" algn="l" rtl="0" eaLnBrk="1" latinLnBrk="0" hangingPunct="1">
-              <a:spcBef>
-                <a:spcPts val="500"/>
-              </a:spcBef>
-              <a:buClr>
-                <a:schemeClr val="accent2">
-                  <a:lumMod val="90000"/>
-                  <a:lumOff val="10000"/>
-                </a:schemeClr>
-              </a:buClr>
-              <a:buSzPct val="70000"/>
-              <a:buFont typeface="Arial"/>
-              <a:buChar char="•"/>
-              <a:defRPr kumimoji="0" sz="2300" kern="1200">
-                <a:solidFill>
-                  <a:schemeClr val="tx1">
-                    <a:lumMod val="95000"/>
-                    <a:lumOff val="5000"/>
-                  </a:schemeClr>
-                </a:solidFill>
-                <a:latin typeface="+mn-lt"/>
-                <a:ea typeface="+mn-ea"/>
-                <a:cs typeface="+mn-cs"/>
-              </a:defRPr>
-            </a:lvl3pPr>
-            <a:lvl4pPr marL="1371600" indent="-228600" algn="l" rtl="0" eaLnBrk="1" latinLnBrk="0" hangingPunct="1">
-              <a:spcBef>
-                <a:spcPts val="400"/>
-              </a:spcBef>
-              <a:buClr>
-                <a:schemeClr val="accent3"/>
-              </a:buClr>
-              <a:buSzPct val="75000"/>
-              <a:buFont typeface="Wingdings" charset="2"/>
-              <a:buChar char="§"/>
-              <a:defRPr kumimoji="0" sz="2000" kern="1200">
-                <a:solidFill>
-                  <a:schemeClr val="tx1"/>
-                </a:solidFill>
-                <a:latin typeface="+mn-lt"/>
-                <a:ea typeface="+mn-ea"/>
-                <a:cs typeface="+mn-cs"/>
-              </a:defRPr>
-            </a:lvl4pPr>
-            <a:lvl5pPr marL="1828800" indent="-228600" algn="l" rtl="0" eaLnBrk="1" latinLnBrk="0" hangingPunct="1">
-              <a:spcBef>
-                <a:spcPts val="400"/>
-              </a:spcBef>
-              <a:buClr>
-                <a:schemeClr val="accent4"/>
-              </a:buClr>
-              <a:buSzPct val="65000"/>
-              <a:buFont typeface="Wingdings" charset="2"/>
-              <a:buChar char="§"/>
-              <a:defRPr kumimoji="0" sz="2000" kern="1200">
-                <a:solidFill>
-                  <a:schemeClr val="tx1"/>
-                </a:solidFill>
-                <a:latin typeface="+mn-lt"/>
-                <a:ea typeface="+mn-ea"/>
-                <a:cs typeface="+mn-cs"/>
-              </a:defRPr>
-            </a:lvl5pPr>
-            <a:lvl6pPr marL="2103120" indent="-228600" algn="l" rtl="0" eaLnBrk="1" latinLnBrk="0" hangingPunct="1">
-              <a:spcBef>
-                <a:spcPct val="20000"/>
-              </a:spcBef>
-              <a:buClr>
-                <a:schemeClr val="accent1"/>
-              </a:buClr>
-              <a:buFont typeface="Wingdings"/>
-              <a:buChar char="§"/>
-              <a:defRPr kumimoji="0" sz="1800" kern="1200" baseline="0">
-                <a:solidFill>
-                  <a:schemeClr val="tx1"/>
-                </a:solidFill>
-                <a:latin typeface="+mn-lt"/>
-                <a:ea typeface="+mn-ea"/>
-                <a:cs typeface="+mn-cs"/>
-              </a:defRPr>
-            </a:lvl6pPr>
-            <a:lvl7pPr marL="2377440" indent="-228600" algn="l" rtl="0" eaLnBrk="1" latinLnBrk="0" hangingPunct="1">
-              <a:spcBef>
-                <a:spcPct val="20000"/>
-              </a:spcBef>
-              <a:buClr>
-                <a:schemeClr val="accent2"/>
-              </a:buClr>
-              <a:buFont typeface="Wingdings"/>
-              <a:buChar char="§"/>
-              <a:defRPr kumimoji="0" sz="1800" kern="1200" baseline="0">
-                <a:solidFill>
-                  <a:schemeClr val="tx1"/>
-                </a:solidFill>
-                <a:latin typeface="+mn-lt"/>
-                <a:ea typeface="+mn-ea"/>
-                <a:cs typeface="+mn-cs"/>
-              </a:defRPr>
-            </a:lvl7pPr>
-            <a:lvl8pPr marL="2651760" indent="-228600" algn="l" rtl="0" eaLnBrk="1" latinLnBrk="0" hangingPunct="1">
-              <a:spcBef>
-                <a:spcPct val="20000"/>
-              </a:spcBef>
-              <a:buClr>
-                <a:schemeClr val="accent3"/>
-              </a:buClr>
-              <a:buFont typeface="Wingdings"/>
-              <a:buChar char="§"/>
-              <a:defRPr kumimoji="0" sz="1800" kern="1200" baseline="0">
-                <a:solidFill>
-                  <a:schemeClr val="tx1"/>
-                </a:solidFill>
-                <a:latin typeface="+mn-lt"/>
-                <a:ea typeface="+mn-ea"/>
-                <a:cs typeface="+mn-cs"/>
-              </a:defRPr>
-            </a:lvl8pPr>
-            <a:lvl9pPr marL="2926080" indent="-228600" algn="l" rtl="0" eaLnBrk="1" latinLnBrk="0" hangingPunct="1">
-              <a:spcBef>
-                <a:spcPct val="20000"/>
-              </a:spcBef>
-              <a:buClr>
-                <a:schemeClr val="accent4"/>
-              </a:buClr>
-              <a:buFont typeface="Wingdings"/>
-              <a:buChar char="§"/>
-              <a:defRPr kumimoji="0" sz="1800" kern="1200" baseline="0">
-                <a:solidFill>
-                  <a:schemeClr val="tx1"/>
-                </a:solidFill>
-                <a:latin typeface="+mn-lt"/>
-                <a:ea typeface="+mn-ea"/>
-                <a:cs typeface="+mn-cs"/>
-              </a:defRPr>
-            </a:lvl9pPr>
-          </a:lstStyle>
-          <a:p>
-            <a:r>
-              <a:rPr lang="en-US" sz="5027" dirty="0"/>
-              <a:t>15.071—The Analytics Edge 			Fall 2019</a:t>
-            </a:r>
-          </a:p>
-        </p:txBody>
-      </p:sp>
-      <p:sp>
-        <p:nvSpPr>
-          <p:cNvPr id="8" name="Rectangle 7">
-            <a:extLst>
-              <a:ext uri="{FF2B5EF4-FFF2-40B4-BE49-F238E27FC236}">
-                <a16:creationId xmlns:a16="http://schemas.microsoft.com/office/drawing/2014/main" id="{69E0112D-96AE-564D-8BF9-91A8837BA6BF}"/>
-              </a:ext>
-            </a:extLst>
-          </p:cNvPr>
-          <p:cNvSpPr/>
-          <p:nvPr/>
-        </p:nvSpPr>
-        <p:spPr>
-          <a:xfrm>
-            <a:off x="140380" y="1981200"/>
-            <a:ext cx="5938837" cy="555707"/>
-          </a:xfrm>
-          <a:prstGeom prst="rect">
-            <a:avLst/>
-          </a:prstGeom>
-          <a:solidFill>
-            <a:schemeClr val="accent1"/>
-          </a:solidFill>
-          <a:ln w="50800" cap="rnd" cmpd="dbl" algn="ctr">
-            <a:noFill/>
-            <a:prstDash val="solid"/>
-          </a:ln>
-          <a:effectLst/>
-        </p:spPr>
-        <p:style>
-          <a:lnRef idx="3">
-            <a:schemeClr val="lt1"/>
-          </a:lnRef>
-          <a:fillRef idx="1">
-            <a:schemeClr val="accent1"/>
-          </a:fillRef>
-          <a:effectRef idx="1">
-            <a:schemeClr val="accent1"/>
-          </a:effectRef>
-          <a:fontRef idx="minor">
-            <a:schemeClr val="lt1"/>
-          </a:fontRef>
-        </p:style>
-        <p:txBody>
-          <a:bodyPr anchor="ctr"/>
-          <a:lstStyle/>
-          <a:p>
-            <a:pPr algn="ctr" eaLnBrk="1" latinLnBrk="0" hangingPunct="1"/>
-            <a:r>
-              <a:rPr lang="en-US" sz="2600" b="1" dirty="0">
-                <a:latin typeface="+mj-lt"/>
-              </a:rPr>
-              <a:t>Executive summary</a:t>
-            </a:r>
-          </a:p>
-        </p:txBody>
-      </p:sp>
-      <p:sp>
-        <p:nvSpPr>
-          <p:cNvPr id="18" name="TextBox 17">
-            <a:extLst>
-              <a:ext uri="{FF2B5EF4-FFF2-40B4-BE49-F238E27FC236}">
-                <a16:creationId xmlns:a16="http://schemas.microsoft.com/office/drawing/2014/main" id="{B3FA1AFC-C416-944E-9551-F39AF29A2C75}"/>
-              </a:ext>
-            </a:extLst>
-          </p:cNvPr>
-          <p:cNvSpPr txBox="1"/>
-          <p:nvPr/>
-        </p:nvSpPr>
-        <p:spPr>
-          <a:xfrm>
-            <a:off x="457200" y="158496"/>
-            <a:ext cx="9406467" cy="1015663"/>
-          </a:xfrm>
-          <a:prstGeom prst="rect">
-            <a:avLst/>
-          </a:prstGeom>
-          <a:noFill/>
-        </p:spPr>
-        <p:txBody>
-          <a:bodyPr wrap="square" rtlCol="0">
-            <a:spAutoFit/>
-          </a:bodyPr>
-          <a:lstStyle/>
-          <a:p>
-            <a:r>
-              <a:rPr lang="en-US" sz="6000" b="1" dirty="0">
-                <a:latin typeface="+mj-lt"/>
-              </a:rPr>
-              <a:t>Project title</a:t>
-            </a:r>
-          </a:p>
-        </p:txBody>
-      </p:sp>
-      <p:sp>
-        <p:nvSpPr>
-          <p:cNvPr id="19" name="TextBox 18">
-            <a:extLst>
-              <a:ext uri="{FF2B5EF4-FFF2-40B4-BE49-F238E27FC236}">
-                <a16:creationId xmlns:a16="http://schemas.microsoft.com/office/drawing/2014/main" id="{9DB7554F-5360-5742-AC75-7E4C09B947AA}"/>
-              </a:ext>
-            </a:extLst>
-          </p:cNvPr>
-          <p:cNvSpPr txBox="1"/>
-          <p:nvPr/>
-        </p:nvSpPr>
-        <p:spPr>
-          <a:xfrm>
-            <a:off x="12420605" y="-1"/>
-            <a:ext cx="4156896" cy="1680498"/>
-          </a:xfrm>
-          <a:prstGeom prst="rect">
-            <a:avLst/>
-          </a:prstGeom>
-          <a:noFill/>
-        </p:spPr>
-        <p:txBody>
-          <a:bodyPr wrap="square" rtlCol="0">
-            <a:noAutofit/>
-          </a:bodyPr>
-          <a:lstStyle/>
-          <a:p>
-            <a:r>
-              <a:rPr lang="en-US" sz="2400" b="1" dirty="0"/>
-              <a:t>Team member 1 (program)</a:t>
-            </a:r>
-          </a:p>
-          <a:p>
-            <a:r>
-              <a:rPr lang="en-US" sz="2400" b="1" dirty="0"/>
-              <a:t>Team member 2 (program)</a:t>
-            </a:r>
-          </a:p>
-          <a:p>
-            <a:r>
-              <a:rPr lang="en-US" sz="2400" b="1" dirty="0"/>
-              <a:t>Team member 3 (program)</a:t>
-            </a:r>
-          </a:p>
-          <a:p>
-            <a:r>
-              <a:rPr lang="en-US" sz="2400" b="1" dirty="0"/>
-              <a:t>Team member 4 (program)</a:t>
-            </a:r>
-          </a:p>
-          <a:p>
-            <a:r>
-              <a:rPr lang="en-US" sz="2400" b="1" dirty="0"/>
-              <a:t>Team member 5 (program)</a:t>
-            </a:r>
-          </a:p>
-        </p:txBody>
-      </p:sp>
-      <p:sp>
-        <p:nvSpPr>
-          <p:cNvPr id="21" name="Rectangle 20">
-            <a:extLst>
-              <a:ext uri="{FF2B5EF4-FFF2-40B4-BE49-F238E27FC236}">
-                <a16:creationId xmlns:a16="http://schemas.microsoft.com/office/drawing/2014/main" id="{44FE49EC-1B8B-8C47-AA1B-4D150829FB0E}"/>
-              </a:ext>
-            </a:extLst>
-          </p:cNvPr>
-          <p:cNvSpPr/>
-          <p:nvPr/>
-        </p:nvSpPr>
-        <p:spPr>
-          <a:xfrm>
-            <a:off x="76200" y="4184148"/>
-            <a:ext cx="5938837" cy="555707"/>
-          </a:xfrm>
-          <a:prstGeom prst="rect">
-            <a:avLst/>
-          </a:prstGeom>
-          <a:solidFill>
-            <a:schemeClr val="accent1"/>
-          </a:solidFill>
-          <a:ln w="50800" cap="rnd" cmpd="dbl" algn="ctr">
-            <a:noFill/>
-            <a:prstDash val="solid"/>
-          </a:ln>
-          <a:effectLst/>
-        </p:spPr>
-        <p:style>
-          <a:lnRef idx="3">
-            <a:schemeClr val="lt1"/>
-          </a:lnRef>
-          <a:fillRef idx="1">
-            <a:schemeClr val="accent1"/>
-          </a:fillRef>
-          <a:effectRef idx="1">
-            <a:schemeClr val="accent1"/>
-          </a:effectRef>
-          <a:fontRef idx="minor">
-            <a:schemeClr val="lt1"/>
-          </a:fontRef>
-        </p:style>
-        <p:txBody>
-          <a:bodyPr anchor="ctr"/>
-          <a:lstStyle/>
-          <a:p>
-            <a:pPr algn="ctr" eaLnBrk="1" latinLnBrk="0" hangingPunct="1"/>
-            <a:r>
-              <a:rPr lang="en-US" sz="2600" b="1" dirty="0">
-                <a:latin typeface="+mj-lt"/>
-              </a:rPr>
-              <a:t>Problem</a:t>
-            </a:r>
-          </a:p>
-        </p:txBody>
-      </p:sp>
-      <p:sp>
-        <p:nvSpPr>
-          <p:cNvPr id="22" name="Rectangle 21">
-            <a:extLst>
-              <a:ext uri="{FF2B5EF4-FFF2-40B4-BE49-F238E27FC236}">
-                <a16:creationId xmlns:a16="http://schemas.microsoft.com/office/drawing/2014/main" id="{4EDCD9FC-98AC-6C4B-A6C3-16BBA189A7D1}"/>
-              </a:ext>
-            </a:extLst>
-          </p:cNvPr>
-          <p:cNvSpPr/>
-          <p:nvPr/>
-        </p:nvSpPr>
-        <p:spPr>
-          <a:xfrm>
-            <a:off x="76200" y="7420108"/>
-            <a:ext cx="5938837" cy="555707"/>
-          </a:xfrm>
-          <a:prstGeom prst="rect">
-            <a:avLst/>
-          </a:prstGeom>
-          <a:solidFill>
-            <a:schemeClr val="accent1"/>
-          </a:solidFill>
-          <a:ln w="50800" cap="rnd" cmpd="dbl" algn="ctr">
-            <a:noFill/>
-            <a:prstDash val="solid"/>
-          </a:ln>
-          <a:effectLst/>
-        </p:spPr>
-        <p:style>
-          <a:lnRef idx="3">
-            <a:schemeClr val="lt1"/>
-          </a:lnRef>
-          <a:fillRef idx="1">
-            <a:schemeClr val="accent1"/>
-          </a:fillRef>
-          <a:effectRef idx="1">
-            <a:schemeClr val="accent1"/>
-          </a:effectRef>
-          <a:fontRef idx="minor">
-            <a:schemeClr val="lt1"/>
-          </a:fontRef>
-        </p:style>
-        <p:txBody>
-          <a:bodyPr anchor="ctr"/>
-          <a:lstStyle/>
-          <a:p>
-            <a:pPr algn="ctr" eaLnBrk="1" latinLnBrk="0" hangingPunct="1"/>
-            <a:r>
-              <a:rPr lang="en-US" sz="2600" b="1" dirty="0">
-                <a:latin typeface="+mj-lt"/>
-              </a:rPr>
-              <a:t>Key questions</a:t>
-            </a:r>
-          </a:p>
-        </p:txBody>
-      </p:sp>
-      <p:sp>
-        <p:nvSpPr>
-          <p:cNvPr id="23" name="Rectangle 22">
-            <a:extLst>
-              <a:ext uri="{FF2B5EF4-FFF2-40B4-BE49-F238E27FC236}">
-                <a16:creationId xmlns:a16="http://schemas.microsoft.com/office/drawing/2014/main" id="{CEA58433-15EB-B341-9862-A3BB7FB7D9EA}"/>
-              </a:ext>
-            </a:extLst>
-          </p:cNvPr>
-          <p:cNvSpPr/>
-          <p:nvPr/>
-        </p:nvSpPr>
-        <p:spPr>
-          <a:xfrm>
-            <a:off x="5978342" y="1981200"/>
-            <a:ext cx="5660136" cy="555707"/>
-          </a:xfrm>
-          <a:prstGeom prst="rect">
-            <a:avLst/>
-          </a:prstGeom>
-          <a:solidFill>
-            <a:schemeClr val="accent1"/>
-          </a:solidFill>
-          <a:ln w="50800" cap="rnd" cmpd="dbl" algn="ctr">
-            <a:noFill/>
-            <a:prstDash val="solid"/>
-          </a:ln>
-          <a:effectLst/>
-        </p:spPr>
-        <p:style>
-          <a:lnRef idx="3">
-            <a:schemeClr val="lt1"/>
-          </a:lnRef>
-          <a:fillRef idx="1">
-            <a:schemeClr val="accent1"/>
-          </a:fillRef>
-          <a:effectRef idx="1">
-            <a:schemeClr val="accent1"/>
-          </a:effectRef>
-          <a:fontRef idx="minor">
-            <a:schemeClr val="lt1"/>
-          </a:fontRef>
-        </p:style>
-        <p:txBody>
-          <a:bodyPr anchor="ctr"/>
-          <a:lstStyle/>
-          <a:p>
-            <a:pPr algn="ctr" eaLnBrk="1" latinLnBrk="0" hangingPunct="1"/>
-            <a:r>
-              <a:rPr lang="en-US" sz="2600" b="1" dirty="0">
-                <a:latin typeface="+mj-lt"/>
-              </a:rPr>
-              <a:t>Data</a:t>
-            </a:r>
-          </a:p>
-        </p:txBody>
-      </p:sp>
-      <p:sp>
-        <p:nvSpPr>
-          <p:cNvPr id="24" name="Rectangle 23">
-            <a:extLst>
-              <a:ext uri="{FF2B5EF4-FFF2-40B4-BE49-F238E27FC236}">
-                <a16:creationId xmlns:a16="http://schemas.microsoft.com/office/drawing/2014/main" id="{CC08E273-E82D-C049-8A65-5A150105876E}"/>
-              </a:ext>
-            </a:extLst>
-          </p:cNvPr>
-          <p:cNvSpPr/>
-          <p:nvPr/>
-        </p:nvSpPr>
-        <p:spPr>
-          <a:xfrm>
-            <a:off x="5914162" y="4184148"/>
-            <a:ext cx="5660136" cy="555707"/>
-          </a:xfrm>
-          <a:prstGeom prst="rect">
-            <a:avLst/>
-          </a:prstGeom>
-          <a:solidFill>
-            <a:schemeClr val="accent1"/>
-          </a:solidFill>
-          <a:ln w="50800" cap="rnd" cmpd="dbl" algn="ctr">
-            <a:noFill/>
-            <a:prstDash val="solid"/>
-          </a:ln>
-          <a:effectLst/>
-        </p:spPr>
-        <p:style>
-          <a:lnRef idx="3">
-            <a:schemeClr val="lt1"/>
-          </a:lnRef>
-          <a:fillRef idx="1">
-            <a:schemeClr val="accent1"/>
-          </a:fillRef>
-          <a:effectRef idx="1">
-            <a:schemeClr val="accent1"/>
-          </a:effectRef>
-          <a:fontRef idx="minor">
-            <a:schemeClr val="lt1"/>
-          </a:fontRef>
-        </p:style>
-        <p:txBody>
-          <a:bodyPr anchor="ctr"/>
-          <a:lstStyle/>
-          <a:p>
-            <a:pPr algn="ctr" eaLnBrk="1" latinLnBrk="0" hangingPunct="1"/>
-            <a:r>
-              <a:rPr lang="en-US" sz="2600" b="1" dirty="0">
-                <a:latin typeface="+mj-lt"/>
-              </a:rPr>
-              <a:t>Results</a:t>
-            </a:r>
-          </a:p>
-        </p:txBody>
-      </p:sp>
-      <p:sp>
-        <p:nvSpPr>
-          <p:cNvPr id="27" name="Round Single Corner Rectangle 26">
-            <a:extLst>
-              <a:ext uri="{FF2B5EF4-FFF2-40B4-BE49-F238E27FC236}">
-                <a16:creationId xmlns:a16="http://schemas.microsoft.com/office/drawing/2014/main" id="{75AA1624-D2C4-AE42-931A-A56F1B2AC6C0}"/>
-              </a:ext>
-            </a:extLst>
-          </p:cNvPr>
-          <p:cNvSpPr/>
-          <p:nvPr/>
-        </p:nvSpPr>
-        <p:spPr>
-          <a:xfrm flipV="1">
-            <a:off x="92662" y="1946428"/>
-            <a:ext cx="17140555" cy="8927703"/>
-          </a:xfrm>
-          <a:prstGeom prst="round1Rect">
-            <a:avLst>
-              <a:gd name="adj" fmla="val 2367"/>
-            </a:avLst>
-          </a:prstGeom>
-          <a:noFill/>
-          <a:ln w="76200">
-            <a:solidFill>
-              <a:schemeClr val="accent1"/>
-            </a:solidFill>
-          </a:ln>
-        </p:spPr>
-        <p:style>
-          <a:lnRef idx="2">
-            <a:schemeClr val="accent1">
-              <a:shade val="50000"/>
-            </a:schemeClr>
-          </a:lnRef>
-          <a:fillRef idx="1">
-            <a:schemeClr val="accent1"/>
-          </a:fillRef>
-          <a:effectRef idx="0">
-            <a:schemeClr val="accent1"/>
-          </a:effectRef>
-          <a:fontRef idx="minor">
-            <a:schemeClr val="lt1"/>
-          </a:fontRef>
-        </p:style>
-        <p:txBody>
-          <a:bodyPr rtlCol="0" anchor="ctr"/>
-          <a:lstStyle/>
-          <a:p>
-            <a:pPr algn="ctr"/>
-            <a:r>
-              <a:rPr lang="en-US" sz="2377" dirty="0"/>
-              <a:t> </a:t>
-            </a:r>
-          </a:p>
-        </p:txBody>
-      </p:sp>
-      <p:sp>
-        <p:nvSpPr>
-          <p:cNvPr id="33" name="Rectangle 32">
-            <a:extLst>
-              <a:ext uri="{FF2B5EF4-FFF2-40B4-BE49-F238E27FC236}">
-                <a16:creationId xmlns:a16="http://schemas.microsoft.com/office/drawing/2014/main" id="{ACCBE6D3-A62D-3D4A-A24B-5A57F3DBB775}"/>
-              </a:ext>
-            </a:extLst>
-          </p:cNvPr>
-          <p:cNvSpPr/>
-          <p:nvPr/>
-        </p:nvSpPr>
-        <p:spPr>
-          <a:xfrm>
-            <a:off x="92662" y="10951633"/>
-            <a:ext cx="3963273" cy="777071"/>
-          </a:xfrm>
-          <a:prstGeom prst="rect">
-            <a:avLst/>
-          </a:prstGeom>
-          <a:solidFill>
-            <a:schemeClr val="bg1">
-              <a:lumMod val="50000"/>
-            </a:schemeClr>
-          </a:solidFill>
-          <a:ln w="50800" cap="rnd" cmpd="dbl" algn="ctr">
-            <a:noFill/>
-            <a:prstDash val="solid"/>
-          </a:ln>
-          <a:effectLst/>
-        </p:spPr>
-        <p:style>
-          <a:lnRef idx="3">
-            <a:schemeClr val="lt1"/>
-          </a:lnRef>
-          <a:fillRef idx="1">
-            <a:schemeClr val="accent1"/>
-          </a:fillRef>
-          <a:effectRef idx="1">
-            <a:schemeClr val="accent1"/>
-          </a:effectRef>
-          <a:fontRef idx="minor">
-            <a:schemeClr val="lt1"/>
-          </a:fontRef>
-        </p:style>
-        <p:txBody>
-          <a:bodyPr anchor="ctr"/>
-          <a:lstStyle/>
-          <a:p>
-            <a:pPr algn="ctr" eaLnBrk="1" latinLnBrk="0" hangingPunct="1"/>
-            <a:endParaRPr lang="en-US" sz="7488" dirty="0"/>
-          </a:p>
-        </p:txBody>
-      </p:sp>
-      <p:sp>
-        <p:nvSpPr>
-          <p:cNvPr id="34" name="Rectangle 33">
-            <a:extLst>
-              <a:ext uri="{FF2B5EF4-FFF2-40B4-BE49-F238E27FC236}">
-                <a16:creationId xmlns:a16="http://schemas.microsoft.com/office/drawing/2014/main" id="{4EAF66C9-203E-8E4B-86AC-C98EDBE36137}"/>
-              </a:ext>
-            </a:extLst>
-          </p:cNvPr>
-          <p:cNvSpPr/>
-          <p:nvPr/>
-        </p:nvSpPr>
-        <p:spPr>
-          <a:xfrm>
-            <a:off x="4142525" y="10935784"/>
-            <a:ext cx="13138411" cy="777071"/>
-          </a:xfrm>
-          <a:prstGeom prst="rect">
-            <a:avLst/>
-          </a:prstGeom>
-          <a:solidFill>
-            <a:schemeClr val="accent2">
-              <a:lumMod val="90000"/>
-              <a:lumOff val="10000"/>
-            </a:schemeClr>
-          </a:solidFill>
-          <a:ln w="50800" cap="rnd" cmpd="dbl" algn="ctr">
-            <a:noFill/>
-            <a:prstDash val="solid"/>
-          </a:ln>
-          <a:effectLst/>
-        </p:spPr>
-        <p:style>
-          <a:lnRef idx="3">
-            <a:schemeClr val="lt1"/>
-          </a:lnRef>
-          <a:fillRef idx="1">
-            <a:schemeClr val="accent1"/>
-          </a:fillRef>
-          <a:effectRef idx="1">
-            <a:schemeClr val="accent1"/>
-          </a:effectRef>
-          <a:fontRef idx="minor">
-            <a:schemeClr val="lt1"/>
-          </a:fontRef>
-        </p:style>
-        <p:txBody>
-          <a:bodyPr anchor="ctr"/>
-          <a:lstStyle/>
-          <a:p>
-            <a:pPr algn="ctr" eaLnBrk="1" latinLnBrk="0" hangingPunct="1"/>
-            <a:endParaRPr lang="en-US" sz="7488" dirty="0"/>
-          </a:p>
-        </p:txBody>
-      </p:sp>
-      <p:sp>
-        <p:nvSpPr>
-          <p:cNvPr id="35" name="Text Placeholder 4">
-            <a:extLst>
-              <a:ext uri="{FF2B5EF4-FFF2-40B4-BE49-F238E27FC236}">
-                <a16:creationId xmlns:a16="http://schemas.microsoft.com/office/drawing/2014/main" id="{999938E6-E4B1-4D46-B06F-C0C0F5B16317}"/>
-              </a:ext>
-            </a:extLst>
-          </p:cNvPr>
-          <p:cNvSpPr txBox="1">
-            <a:spLocks/>
-          </p:cNvSpPr>
-          <p:nvPr/>
-        </p:nvSpPr>
-        <p:spPr>
-          <a:xfrm>
-            <a:off x="4200674" y="10951633"/>
-            <a:ext cx="13032543" cy="735686"/>
-          </a:xfrm>
-          <a:prstGeom prst="rect">
-            <a:avLst/>
-          </a:prstGeom>
-        </p:spPr>
-        <p:txBody>
-          <a:bodyPr vert="horz">
-            <a:noAutofit/>
-          </a:bodyPr>
-          <a:lstStyle>
-            <a:lvl1pPr marL="0" marR="0" indent="0" algn="l" defTabSz="2194505" rtl="0" eaLnBrk="1" fontAlgn="auto" latinLnBrk="0" hangingPunct="1">
-              <a:lnSpc>
-                <a:spcPct val="100000"/>
-              </a:lnSpc>
-              <a:spcBef>
-                <a:spcPts val="1680"/>
-              </a:spcBef>
-              <a:spcAft>
-                <a:spcPts val="0"/>
-              </a:spcAft>
-              <a:buClr>
-                <a:schemeClr val="accent2">
-                  <a:lumMod val="90000"/>
-                  <a:lumOff val="10000"/>
-                </a:schemeClr>
-              </a:buClr>
-              <a:buSzPct val="70000"/>
-              <a:buFont typeface="Arial"/>
-              <a:buNone/>
-              <a:tabLst/>
-              <a:defRPr kumimoji="0" sz="6000" kern="1200">
-                <a:solidFill>
-                  <a:schemeClr val="bg1"/>
-                </a:solidFill>
-                <a:latin typeface="+mn-lt"/>
-                <a:ea typeface="+mn-ea"/>
-                <a:cs typeface="+mn-cs"/>
-              </a:defRPr>
-            </a:lvl1pPr>
-            <a:lvl2pPr marL="1536154" indent="-658352" algn="l" rtl="0" eaLnBrk="1" latinLnBrk="0" hangingPunct="1">
-              <a:spcBef>
-                <a:spcPts val="1320"/>
-              </a:spcBef>
-              <a:buClr>
-                <a:schemeClr val="accent2">
-                  <a:lumMod val="90000"/>
-                  <a:lumOff val="10000"/>
-                </a:schemeClr>
-              </a:buClr>
-              <a:buSzPct val="70000"/>
-              <a:buFont typeface="Arial"/>
-              <a:buChar char="•"/>
-              <a:defRPr kumimoji="0" sz="5280" kern="1200">
-                <a:solidFill>
-                  <a:schemeClr val="tx1">
-                    <a:lumMod val="95000"/>
-                    <a:lumOff val="5000"/>
-                  </a:schemeClr>
-                </a:solidFill>
-                <a:latin typeface="+mn-lt"/>
-                <a:ea typeface="+mn-ea"/>
-                <a:cs typeface="+mn-cs"/>
-              </a:defRPr>
-            </a:lvl2pPr>
-            <a:lvl3pPr marL="2194505" indent="-548626" algn="l" rtl="0" eaLnBrk="1" latinLnBrk="0" hangingPunct="1">
-              <a:spcBef>
-                <a:spcPts val="1200"/>
-              </a:spcBef>
-              <a:buClr>
-                <a:schemeClr val="accent2">
-                  <a:lumMod val="90000"/>
-                  <a:lumOff val="10000"/>
-                </a:schemeClr>
-              </a:buClr>
-              <a:buSzPct val="70000"/>
-              <a:buFont typeface="Arial"/>
-              <a:buChar char="•"/>
-              <a:defRPr kumimoji="0" sz="4800" kern="1200">
-                <a:solidFill>
-                  <a:schemeClr val="tx1">
-                    <a:lumMod val="95000"/>
-                    <a:lumOff val="5000"/>
-                  </a:schemeClr>
-                </a:solidFill>
-                <a:latin typeface="+mn-lt"/>
-                <a:ea typeface="+mn-ea"/>
-                <a:cs typeface="+mn-cs"/>
-              </a:defRPr>
-            </a:lvl3pPr>
-            <a:lvl4pPr marL="3291758" indent="-548626" algn="l" rtl="0" eaLnBrk="1" latinLnBrk="0" hangingPunct="1">
-              <a:spcBef>
-                <a:spcPts val="960"/>
-              </a:spcBef>
-              <a:buClr>
-                <a:schemeClr val="accent3"/>
-              </a:buClr>
-              <a:buSzPct val="75000"/>
-              <a:buFont typeface="Wingdings" charset="2"/>
-              <a:buChar char="§"/>
-              <a:defRPr kumimoji="0" sz="4800" kern="1200">
-                <a:solidFill>
-                  <a:schemeClr val="tx1"/>
-                </a:solidFill>
-                <a:latin typeface="+mn-lt"/>
-                <a:ea typeface="+mn-ea"/>
-                <a:cs typeface="+mn-cs"/>
-              </a:defRPr>
-            </a:lvl4pPr>
-            <a:lvl5pPr marL="4389010" indent="-548626" algn="l" rtl="0" eaLnBrk="1" latinLnBrk="0" hangingPunct="1">
-              <a:spcBef>
-                <a:spcPts val="960"/>
-              </a:spcBef>
-              <a:buClr>
-                <a:schemeClr val="accent4"/>
-              </a:buClr>
-              <a:buSzPct val="65000"/>
-              <a:buFont typeface="Wingdings" charset="2"/>
-              <a:buChar char="§"/>
-              <a:defRPr kumimoji="0" sz="4800" kern="1200">
-                <a:solidFill>
-                  <a:schemeClr val="tx1"/>
-                </a:solidFill>
-                <a:latin typeface="+mn-lt"/>
-                <a:ea typeface="+mn-ea"/>
-                <a:cs typeface="+mn-cs"/>
-              </a:defRPr>
-            </a:lvl5pPr>
-            <a:lvl6pPr marL="5047362" indent="-548626" algn="l" rtl="0" eaLnBrk="1" latinLnBrk="0" hangingPunct="1">
-              <a:spcBef>
-                <a:spcPct val="20000"/>
-              </a:spcBef>
-              <a:buClr>
-                <a:schemeClr val="accent1"/>
-              </a:buClr>
-              <a:buFont typeface="Wingdings"/>
-              <a:buChar char="§"/>
-              <a:defRPr kumimoji="0" sz="4320" kern="1200" baseline="0">
-                <a:solidFill>
-                  <a:schemeClr val="tx1"/>
-                </a:solidFill>
-                <a:latin typeface="+mn-lt"/>
-                <a:ea typeface="+mn-ea"/>
-                <a:cs typeface="+mn-cs"/>
-              </a:defRPr>
-            </a:lvl6pPr>
-            <a:lvl7pPr marL="5705713" indent="-548626" algn="l" rtl="0" eaLnBrk="1" latinLnBrk="0" hangingPunct="1">
-              <a:spcBef>
-                <a:spcPct val="20000"/>
-              </a:spcBef>
-              <a:buClr>
-                <a:schemeClr val="accent2"/>
-              </a:buClr>
-              <a:buFont typeface="Wingdings"/>
-              <a:buChar char="§"/>
-              <a:defRPr kumimoji="0" sz="4320" kern="1200" baseline="0">
-                <a:solidFill>
-                  <a:schemeClr val="tx1"/>
-                </a:solidFill>
-                <a:latin typeface="+mn-lt"/>
-                <a:ea typeface="+mn-ea"/>
-                <a:cs typeface="+mn-cs"/>
-              </a:defRPr>
-            </a:lvl7pPr>
-            <a:lvl8pPr marL="6364065" indent="-548626" algn="l" rtl="0" eaLnBrk="1" latinLnBrk="0" hangingPunct="1">
-              <a:spcBef>
-                <a:spcPct val="20000"/>
-              </a:spcBef>
-              <a:buClr>
-                <a:schemeClr val="accent3"/>
-              </a:buClr>
-              <a:buFont typeface="Wingdings"/>
-              <a:buChar char="§"/>
-              <a:defRPr kumimoji="0" sz="4320" kern="1200" baseline="0">
-                <a:solidFill>
-                  <a:schemeClr val="tx1"/>
-                </a:solidFill>
-                <a:latin typeface="+mn-lt"/>
-                <a:ea typeface="+mn-ea"/>
-                <a:cs typeface="+mn-cs"/>
-              </a:defRPr>
-            </a:lvl8pPr>
-            <a:lvl9pPr marL="7022416" indent="-548626" algn="l" rtl="0" eaLnBrk="1" latinLnBrk="0" hangingPunct="1">
-              <a:spcBef>
-                <a:spcPct val="20000"/>
-              </a:spcBef>
-              <a:buClr>
-                <a:schemeClr val="accent4"/>
-              </a:buClr>
-              <a:buFont typeface="Wingdings"/>
-              <a:buChar char="§"/>
-              <a:defRPr kumimoji="0" sz="4320" kern="1200" baseline="0">
-                <a:solidFill>
-                  <a:schemeClr val="tx1"/>
-                </a:solidFill>
-                <a:latin typeface="+mn-lt"/>
-                <a:ea typeface="+mn-ea"/>
-                <a:cs typeface="+mn-cs"/>
-              </a:defRPr>
-            </a:lvl9pPr>
-          </a:lstStyle>
-          <a:p>
-            <a:pPr>
-              <a:defRPr/>
-            </a:pPr>
-            <a:r>
-              <a:rPr lang="en-US" sz="4400" dirty="0"/>
-              <a:t>15.071—The Analytics Edge		          Fall 2019</a:t>
-            </a:r>
-          </a:p>
-        </p:txBody>
-      </p:sp>
-      <p:cxnSp>
-        <p:nvCxnSpPr>
-          <p:cNvPr id="36" name="Straight Connector 35">
-            <a:extLst>
-              <a:ext uri="{FF2B5EF4-FFF2-40B4-BE49-F238E27FC236}">
-                <a16:creationId xmlns:a16="http://schemas.microsoft.com/office/drawing/2014/main" id="{F20F6DFB-76BA-8C46-A716-8B2054C8EE1B}"/>
-              </a:ext>
-            </a:extLst>
-          </p:cNvPr>
-          <p:cNvCxnSpPr>
-            <a:cxnSpLocks/>
-          </p:cNvCxnSpPr>
-          <p:nvPr/>
-        </p:nvCxnSpPr>
-        <p:spPr>
-          <a:xfrm flipH="1">
-            <a:off x="5980930" y="1946428"/>
-            <a:ext cx="34107" cy="8927708"/>
-          </a:xfrm>
-          <a:prstGeom prst="line">
-            <a:avLst/>
-          </a:prstGeom>
-          <a:ln w="76200">
-            <a:solidFill>
-              <a:schemeClr val="accent1"/>
-            </a:solidFill>
-            <a:prstDash val="solid"/>
-          </a:ln>
-        </p:spPr>
-        <p:style>
-          <a:lnRef idx="1">
-            <a:schemeClr val="accent1"/>
-          </a:lnRef>
-          <a:fillRef idx="0">
-            <a:schemeClr val="accent1"/>
-          </a:fillRef>
-          <a:effectRef idx="0">
-            <a:schemeClr val="accent1"/>
-          </a:effectRef>
-          <a:fontRef idx="minor">
-            <a:schemeClr val="tx1"/>
-          </a:fontRef>
-        </p:style>
-      </p:cxnSp>
-      <p:cxnSp>
-        <p:nvCxnSpPr>
-          <p:cNvPr id="38" name="Straight Connector 37">
-            <a:extLst>
-              <a:ext uri="{FF2B5EF4-FFF2-40B4-BE49-F238E27FC236}">
-                <a16:creationId xmlns:a16="http://schemas.microsoft.com/office/drawing/2014/main" id="{466A29D5-D287-A444-AABB-53E9394BB38E}"/>
-              </a:ext>
-            </a:extLst>
-          </p:cNvPr>
-          <p:cNvCxnSpPr>
-            <a:cxnSpLocks/>
-          </p:cNvCxnSpPr>
-          <p:nvPr/>
-        </p:nvCxnSpPr>
-        <p:spPr>
-          <a:xfrm>
-            <a:off x="11574298" y="1946428"/>
-            <a:ext cx="0" cy="8927708"/>
-          </a:xfrm>
-          <a:prstGeom prst="line">
-            <a:avLst/>
-          </a:prstGeom>
-          <a:ln w="76200">
-            <a:solidFill>
-              <a:schemeClr val="accent1"/>
-            </a:solidFill>
-            <a:prstDash val="solid"/>
-          </a:ln>
-        </p:spPr>
-        <p:style>
-          <a:lnRef idx="1">
-            <a:schemeClr val="accent1"/>
-          </a:lnRef>
-          <a:fillRef idx="0">
-            <a:schemeClr val="accent1"/>
-          </a:fillRef>
-          <a:effectRef idx="0">
-            <a:schemeClr val="accent1"/>
-          </a:effectRef>
-          <a:fontRef idx="minor">
-            <a:schemeClr val="tx1"/>
-          </a:fontRef>
-        </p:style>
-      </p:cxnSp>
-      <p:sp>
-        <p:nvSpPr>
-          <p:cNvPr id="39" name="Rectangle 38">
-            <a:extLst>
-              <a:ext uri="{FF2B5EF4-FFF2-40B4-BE49-F238E27FC236}">
-                <a16:creationId xmlns:a16="http://schemas.microsoft.com/office/drawing/2014/main" id="{949515A5-5264-0048-8CE2-F2A246993C8D}"/>
-              </a:ext>
-            </a:extLst>
-          </p:cNvPr>
-          <p:cNvSpPr/>
-          <p:nvPr/>
-        </p:nvSpPr>
-        <p:spPr>
-          <a:xfrm>
-            <a:off x="11637264" y="1981200"/>
-            <a:ext cx="5660136" cy="555707"/>
-          </a:xfrm>
-          <a:prstGeom prst="rect">
-            <a:avLst/>
-          </a:prstGeom>
-          <a:solidFill>
-            <a:schemeClr val="accent1"/>
-          </a:solidFill>
-          <a:ln w="50800" cap="rnd" cmpd="dbl" algn="ctr">
-            <a:noFill/>
-            <a:prstDash val="solid"/>
-          </a:ln>
-          <a:effectLst/>
-        </p:spPr>
-        <p:style>
-          <a:lnRef idx="3">
-            <a:schemeClr val="lt1"/>
-          </a:lnRef>
-          <a:fillRef idx="1">
-            <a:schemeClr val="accent1"/>
-          </a:fillRef>
-          <a:effectRef idx="1">
-            <a:schemeClr val="accent1"/>
-          </a:effectRef>
-          <a:fontRef idx="minor">
-            <a:schemeClr val="lt1"/>
-          </a:fontRef>
-        </p:style>
-        <p:txBody>
-          <a:bodyPr anchor="ctr"/>
-          <a:lstStyle/>
-          <a:p>
-            <a:pPr algn="ctr" eaLnBrk="1" latinLnBrk="0" hangingPunct="1"/>
-            <a:r>
-              <a:rPr lang="en-US" sz="2600" b="1" dirty="0">
-                <a:latin typeface="+mj-lt"/>
-              </a:rPr>
-              <a:t>Takeaways</a:t>
-            </a:r>
-          </a:p>
-        </p:txBody>
-      </p:sp>
-      <p:sp>
-        <p:nvSpPr>
-          <p:cNvPr id="40" name="Rectangle 39">
-            <a:extLst>
-              <a:ext uri="{FF2B5EF4-FFF2-40B4-BE49-F238E27FC236}">
-                <a16:creationId xmlns:a16="http://schemas.microsoft.com/office/drawing/2014/main" id="{02516EF2-4547-7145-AEA5-F5BF26EA3EFA}"/>
-              </a:ext>
-            </a:extLst>
-          </p:cNvPr>
-          <p:cNvSpPr/>
-          <p:nvPr/>
-        </p:nvSpPr>
-        <p:spPr>
-          <a:xfrm>
-            <a:off x="11573084" y="5746594"/>
-            <a:ext cx="5660136" cy="555707"/>
-          </a:xfrm>
-          <a:prstGeom prst="rect">
-            <a:avLst/>
-          </a:prstGeom>
-          <a:solidFill>
-            <a:schemeClr val="accent1"/>
-          </a:solidFill>
-          <a:ln w="50800" cap="rnd" cmpd="dbl" algn="ctr">
-            <a:noFill/>
-            <a:prstDash val="solid"/>
-          </a:ln>
-          <a:effectLst/>
-        </p:spPr>
-        <p:style>
-          <a:lnRef idx="3">
-            <a:schemeClr val="lt1"/>
-          </a:lnRef>
-          <a:fillRef idx="1">
-            <a:schemeClr val="accent1"/>
-          </a:fillRef>
-          <a:effectRef idx="1">
-            <a:schemeClr val="accent1"/>
-          </a:effectRef>
-          <a:fontRef idx="minor">
-            <a:schemeClr val="lt1"/>
-          </a:fontRef>
-        </p:style>
-        <p:txBody>
-          <a:bodyPr anchor="ctr"/>
-          <a:lstStyle/>
-          <a:p>
-            <a:pPr algn="ctr" eaLnBrk="1" latinLnBrk="0" hangingPunct="1"/>
-            <a:r>
-              <a:rPr lang="en-US" sz="2600" b="1" dirty="0">
-                <a:latin typeface="+mj-lt"/>
-              </a:rPr>
-              <a:t>Conclusion</a:t>
-            </a:r>
-          </a:p>
-        </p:txBody>
-      </p:sp>
-      <p:sp>
-        <p:nvSpPr>
-          <p:cNvPr id="42" name="TextBox 41">
-            <a:extLst>
-              <a:ext uri="{FF2B5EF4-FFF2-40B4-BE49-F238E27FC236}">
-                <a16:creationId xmlns:a16="http://schemas.microsoft.com/office/drawing/2014/main" id="{94290346-EA7B-9449-ACEC-04DA9FA0A197}"/>
-              </a:ext>
-            </a:extLst>
-          </p:cNvPr>
-          <p:cNvSpPr txBox="1"/>
-          <p:nvPr/>
-        </p:nvSpPr>
-        <p:spPr>
-          <a:xfrm>
-            <a:off x="221114" y="2550998"/>
-            <a:ext cx="5757228" cy="492443"/>
-          </a:xfrm>
-          <a:prstGeom prst="rect">
-            <a:avLst/>
-          </a:prstGeom>
-          <a:noFill/>
-        </p:spPr>
-        <p:txBody>
-          <a:bodyPr wrap="square" rtlCol="0">
-            <a:spAutoFit/>
-          </a:bodyPr>
-          <a:lstStyle/>
-          <a:p>
-            <a:r>
-              <a:rPr lang="en-US" sz="2500" dirty="0"/>
-              <a:t>Text box</a:t>
-            </a:r>
-          </a:p>
-        </p:txBody>
-      </p:sp>
-    </p:spTree>
-    <p:extLst>
-      <p:ext uri="{BB962C8B-B14F-4D97-AF65-F5344CB8AC3E}">
-        <p14:creationId xmlns:p14="http://schemas.microsoft.com/office/powerpoint/2010/main" val="1666295639"/>
       </p:ext>
     </p:extLst>
   </p:cSld>
